--- a/media/process.pptx
+++ b/media/process.pptx
@@ -5,9 +5,9 @@
     <p:sldMasterId id="2147483648" r:id="rId1"/>
   </p:sldMasterIdLst>
   <p:sldIdLst>
-    <p:sldId id="257" r:id="rId2"/>
+    <p:sldId id="256" r:id="rId2"/>
   </p:sldIdLst>
-  <p:sldSz cx="9144000" cy="6858000" type="screen4x3"/>
+  <p:sldSz cx="5832475" cy="2663825"/>
   <p:notesSz cx="6858000" cy="9144000"/>
   <p:defaultTextStyle>
     <a:defPPr>
@@ -1102,27 +1102,27 @@
   </dgm:ptLst>
   <dgm:cxnLst>
     <dgm:cxn modelId="{54F6DCAE-619D-42BE-B359-6891D91846B4}" srcId="{0EB6BE91-E96C-4587-B286-5EF2C7262826}" destId="{EEC9F6EC-8789-4FD2-AFDB-B5D63A1CC8D1}" srcOrd="3" destOrd="0" parTransId="{79854CB4-F935-4D6E-B728-486399EE6BDB}" sibTransId="{20B5F3EB-8661-4D60-93D7-73B5B19D977C}"/>
-    <dgm:cxn modelId="{82F19BD7-B0D4-436A-8087-19B6D5208089}" type="presOf" srcId="{0EB6BE91-E96C-4587-B286-5EF2C7262826}" destId="{40F79579-AB6F-4F17-958C-F0D3416B4228}" srcOrd="0" destOrd="0" presId="urn:microsoft.com/office/officeart/2005/8/layout/chevron1"/>
-    <dgm:cxn modelId="{581E5E19-74DD-4BD4-9E91-C936A92B7D07}" srcId="{0EB6BE91-E96C-4587-B286-5EF2C7262826}" destId="{A5B2C75E-273A-4404-BE80-6201C68C9EDB}" srcOrd="2" destOrd="0" parTransId="{9C1B37AE-8899-425A-9733-080D2E6FF2E6}" sibTransId="{0478BD90-2D3C-4CB6-B8EC-15F6D84F2E91}"/>
-    <dgm:cxn modelId="{F2CC6D7F-C025-45A8-981E-382320AC1A48}" type="presOf" srcId="{09F6A35B-5D5C-4AEE-B2DF-B5B910646C5D}" destId="{1A0BED00-428A-4143-A6E6-7058B43EE6E3}" srcOrd="0" destOrd="0" presId="urn:microsoft.com/office/officeart/2005/8/layout/chevron1"/>
+    <dgm:cxn modelId="{0EBE4204-F5CD-4033-AC2D-B60BB29C3F50}" type="presOf" srcId="{A5B2C75E-273A-4404-BE80-6201C68C9EDB}" destId="{01FCF690-3A52-4BF2-9135-B54D20ED08E1}" srcOrd="0" destOrd="0" presId="urn:microsoft.com/office/officeart/2005/8/layout/chevron1"/>
+    <dgm:cxn modelId="{645C62F6-B80A-4127-A667-DA7D6EC0C84A}" type="presOf" srcId="{EEC9F6EC-8789-4FD2-AFDB-B5D63A1CC8D1}" destId="{4B65C82B-1FAF-4964-93C3-3E28BC03D6B9}" srcOrd="0" destOrd="0" presId="urn:microsoft.com/office/officeart/2005/8/layout/chevron1"/>
     <dgm:cxn modelId="{C978F6E0-33DC-4BF5-B0FA-738B3B674938}" srcId="{0EB6BE91-E96C-4587-B286-5EF2C7262826}" destId="{FF8ADAA4-FAFF-4095-AF09-16995FC20993}" srcOrd="0" destOrd="0" parTransId="{1A273BF8-4C09-4D0B-AA7C-98C7B5C24182}" sibTransId="{ABBA3832-E26D-4EE6-861B-1A3D690B764A}"/>
     <dgm:cxn modelId="{7A5B3EA0-554E-4790-8F68-8B6183D8A9D1}" srcId="{0EB6BE91-E96C-4587-B286-5EF2C7262826}" destId="{09F6A35B-5D5C-4AEE-B2DF-B5B910646C5D}" srcOrd="1" destOrd="0" parTransId="{A4135FA8-EB46-4822-9E73-F70DD89BD922}" sibTransId="{A9D07AFB-BB37-435B-A8DC-79DB8CBDEAC4}"/>
-    <dgm:cxn modelId="{0CB9751A-7E5D-4DD4-9342-202D86721772}" type="presOf" srcId="{FF8ADAA4-FAFF-4095-AF09-16995FC20993}" destId="{2B535912-FFB7-4908-8C3B-3E30209641D3}" srcOrd="0" destOrd="0" presId="urn:microsoft.com/office/officeart/2005/8/layout/chevron1"/>
-    <dgm:cxn modelId="{25AC0802-ACB4-44FE-A4B2-4459BCE9592D}" type="presOf" srcId="{EEC9F6EC-8789-4FD2-AFDB-B5D63A1CC8D1}" destId="{4B65C82B-1FAF-4964-93C3-3E28BC03D6B9}" srcOrd="0" destOrd="0" presId="urn:microsoft.com/office/officeart/2005/8/layout/chevron1"/>
-    <dgm:cxn modelId="{8014BE5C-D31F-48EB-BB4A-9464B5C62E6C}" type="presOf" srcId="{A5B2C75E-273A-4404-BE80-6201C68C9EDB}" destId="{01FCF690-3A52-4BF2-9135-B54D20ED08E1}" srcOrd="0" destOrd="0" presId="urn:microsoft.com/office/officeart/2005/8/layout/chevron1"/>
-    <dgm:cxn modelId="{8A5B0405-4B14-4294-B449-C06C3AB89473}" type="presParOf" srcId="{40F79579-AB6F-4F17-958C-F0D3416B4228}" destId="{2B535912-FFB7-4908-8C3B-3E30209641D3}" srcOrd="0" destOrd="0" presId="urn:microsoft.com/office/officeart/2005/8/layout/chevron1"/>
-    <dgm:cxn modelId="{991820AE-E68B-4CA9-8E11-E36E2EAAA5B0}" type="presParOf" srcId="{40F79579-AB6F-4F17-958C-F0D3416B4228}" destId="{C73F4BF3-7799-44F7-8781-176942C4589B}" srcOrd="1" destOrd="0" presId="urn:microsoft.com/office/officeart/2005/8/layout/chevron1"/>
-    <dgm:cxn modelId="{576598E0-834C-4F8E-AEC4-B3555620A9B2}" type="presParOf" srcId="{40F79579-AB6F-4F17-958C-F0D3416B4228}" destId="{1A0BED00-428A-4143-A6E6-7058B43EE6E3}" srcOrd="2" destOrd="0" presId="urn:microsoft.com/office/officeart/2005/8/layout/chevron1"/>
-    <dgm:cxn modelId="{FA88F180-71DA-4DB0-8AC9-C75369D4A0E6}" type="presParOf" srcId="{40F79579-AB6F-4F17-958C-F0D3416B4228}" destId="{9BFF179C-5738-4598-8B83-B87080C5F443}" srcOrd="3" destOrd="0" presId="urn:microsoft.com/office/officeart/2005/8/layout/chevron1"/>
-    <dgm:cxn modelId="{B05254A1-FDE8-40EA-B90A-D20C46890074}" type="presParOf" srcId="{40F79579-AB6F-4F17-958C-F0D3416B4228}" destId="{01FCF690-3A52-4BF2-9135-B54D20ED08E1}" srcOrd="4" destOrd="0" presId="urn:microsoft.com/office/officeart/2005/8/layout/chevron1"/>
-    <dgm:cxn modelId="{9F958F3D-F3C3-46B3-AE33-E602800DD4B0}" type="presParOf" srcId="{40F79579-AB6F-4F17-958C-F0D3416B4228}" destId="{3A767838-6DEF-4E87-8881-32B6DFC6B014}" srcOrd="5" destOrd="0" presId="urn:microsoft.com/office/officeart/2005/8/layout/chevron1"/>
-    <dgm:cxn modelId="{916CA450-7487-4D08-AEC1-D3F580EEB2E4}" type="presParOf" srcId="{40F79579-AB6F-4F17-958C-F0D3416B4228}" destId="{4B65C82B-1FAF-4964-93C3-3E28BC03D6B9}" srcOrd="6" destOrd="0" presId="urn:microsoft.com/office/officeart/2005/8/layout/chevron1"/>
+    <dgm:cxn modelId="{581E5E19-74DD-4BD4-9E91-C936A92B7D07}" srcId="{0EB6BE91-E96C-4587-B286-5EF2C7262826}" destId="{A5B2C75E-273A-4404-BE80-6201C68C9EDB}" srcOrd="2" destOrd="0" parTransId="{9C1B37AE-8899-425A-9733-080D2E6FF2E6}" sibTransId="{0478BD90-2D3C-4CB6-B8EC-15F6D84F2E91}"/>
+    <dgm:cxn modelId="{8ABD9DDB-7661-4F63-9289-B8C427EF698D}" type="presOf" srcId="{0EB6BE91-E96C-4587-B286-5EF2C7262826}" destId="{40F79579-AB6F-4F17-958C-F0D3416B4228}" srcOrd="0" destOrd="0" presId="urn:microsoft.com/office/officeart/2005/8/layout/chevron1"/>
+    <dgm:cxn modelId="{1CDC1B4C-33A3-47F4-8423-5B84EB50D3FD}" type="presOf" srcId="{FF8ADAA4-FAFF-4095-AF09-16995FC20993}" destId="{2B535912-FFB7-4908-8C3B-3E30209641D3}" srcOrd="0" destOrd="0" presId="urn:microsoft.com/office/officeart/2005/8/layout/chevron1"/>
+    <dgm:cxn modelId="{4BCF09DB-40CA-47AD-A6A2-F51631F1067F}" type="presOf" srcId="{09F6A35B-5D5C-4AEE-B2DF-B5B910646C5D}" destId="{1A0BED00-428A-4143-A6E6-7058B43EE6E3}" srcOrd="0" destOrd="0" presId="urn:microsoft.com/office/officeart/2005/8/layout/chevron1"/>
+    <dgm:cxn modelId="{6AFB5EFE-DC13-4E11-A1AF-50A0DD8FDE7B}" type="presParOf" srcId="{40F79579-AB6F-4F17-958C-F0D3416B4228}" destId="{2B535912-FFB7-4908-8C3B-3E30209641D3}" srcOrd="0" destOrd="0" presId="urn:microsoft.com/office/officeart/2005/8/layout/chevron1"/>
+    <dgm:cxn modelId="{790F8F85-E06D-4E75-8E66-D76F28624DCB}" type="presParOf" srcId="{40F79579-AB6F-4F17-958C-F0D3416B4228}" destId="{C73F4BF3-7799-44F7-8781-176942C4589B}" srcOrd="1" destOrd="0" presId="urn:microsoft.com/office/officeart/2005/8/layout/chevron1"/>
+    <dgm:cxn modelId="{CFCBD135-6FD6-4D1A-8F67-184954FF76E5}" type="presParOf" srcId="{40F79579-AB6F-4F17-958C-F0D3416B4228}" destId="{1A0BED00-428A-4143-A6E6-7058B43EE6E3}" srcOrd="2" destOrd="0" presId="urn:microsoft.com/office/officeart/2005/8/layout/chevron1"/>
+    <dgm:cxn modelId="{25149CCD-BB45-4E4B-8853-27D212A2B26E}" type="presParOf" srcId="{40F79579-AB6F-4F17-958C-F0D3416B4228}" destId="{9BFF179C-5738-4598-8B83-B87080C5F443}" srcOrd="3" destOrd="0" presId="urn:microsoft.com/office/officeart/2005/8/layout/chevron1"/>
+    <dgm:cxn modelId="{654D896D-D259-4202-B9F6-303FEA1B7273}" type="presParOf" srcId="{40F79579-AB6F-4F17-958C-F0D3416B4228}" destId="{01FCF690-3A52-4BF2-9135-B54D20ED08E1}" srcOrd="4" destOrd="0" presId="urn:microsoft.com/office/officeart/2005/8/layout/chevron1"/>
+    <dgm:cxn modelId="{76A6A6ED-EE5D-414D-BDFD-BAF2BAE79EF7}" type="presParOf" srcId="{40F79579-AB6F-4F17-958C-F0D3416B4228}" destId="{3A767838-6DEF-4E87-8881-32B6DFC6B014}" srcOrd="5" destOrd="0" presId="urn:microsoft.com/office/officeart/2005/8/layout/chevron1"/>
+    <dgm:cxn modelId="{439562E1-664A-414C-976E-D8C667D4F83D}" type="presParOf" srcId="{40F79579-AB6F-4F17-958C-F0D3416B4228}" destId="{4B65C82B-1FAF-4964-93C3-3E28BC03D6B9}" srcOrd="6" destOrd="0" presId="urn:microsoft.com/office/officeart/2005/8/layout/chevron1"/>
   </dgm:cxnLst>
   <dgm:bg/>
   <dgm:whole/>
   <dgm:extLst>
     <a:ext uri="http://schemas.microsoft.com/office/drawing/2008/diagram">
-      <dsp:dataModelExt xmlns:dsp="http://schemas.microsoft.com/office/drawing/2008/diagram" relId="rId6" minVer="http://schemas.openxmlformats.org/drawingml/2006/diagram"/>
+      <dsp:dataModelExt xmlns:dsp="http://schemas.microsoft.com/office/drawing/2008/diagram" relId="rId8" minVer="http://schemas.openxmlformats.org/drawingml/2006/diagram"/>
     </a:ext>
   </dgm:extLst>
 </dgm:dataModel>
@@ -1220,7 +1220,7 @@
       </dsp:nvSpPr>
       <dsp:spPr>
         <a:xfrm>
-          <a:off x="1378896" y="0"/>
+          <a:off x="1378897" y="0"/>
           <a:ext cx="1529188" cy="288000"/>
         </a:xfrm>
         <a:prstGeom prst="chevron">
@@ -1286,7 +1286,7 @@
         </a:p>
       </dsp:txBody>
       <dsp:txXfrm>
-        <a:off x="1522896" y="0"/>
+        <a:off x="1522897" y="0"/>
         <a:ext cx="1241188" cy="288000"/>
       </dsp:txXfrm>
     </dsp:sp>
@@ -1297,7 +1297,7 @@
       </dsp:nvSpPr>
       <dsp:spPr>
         <a:xfrm>
-          <a:off x="2755166" y="0"/>
+          <a:off x="2755167" y="0"/>
           <a:ext cx="1529188" cy="288000"/>
         </a:xfrm>
         <a:prstGeom prst="chevron">
@@ -1363,7 +1363,7 @@
         </a:p>
       </dsp:txBody>
       <dsp:txXfrm>
-        <a:off x="2899166" y="0"/>
+        <a:off x="2899167" y="0"/>
         <a:ext cx="1241188" cy="288000"/>
       </dsp:txXfrm>
     </dsp:sp>
@@ -1374,7 +1374,7 @@
       </dsp:nvSpPr>
       <dsp:spPr>
         <a:xfrm>
-          <a:off x="4131436" y="0"/>
+          <a:off x="4131437" y="0"/>
           <a:ext cx="1529188" cy="288000"/>
         </a:xfrm>
         <a:prstGeom prst="chevron">
@@ -1440,7 +1440,7 @@
         </a:p>
       </dsp:txBody>
       <dsp:txXfrm>
-        <a:off x="4275436" y="0"/>
+        <a:off x="4275437" y="0"/>
         <a:ext cx="1241188" cy="288000"/>
       </dsp:txXfrm>
     </dsp:sp>
@@ -2794,8 +2794,8 @@
         </p:nvSpPr>
         <p:spPr>
           <a:xfrm>
-            <a:off x="685800" y="2130425"/>
-            <a:ext cx="7772400" cy="1470025"/>
+            <a:off x="437436" y="827512"/>
+            <a:ext cx="4957604" cy="570996"/>
           </a:xfrm>
         </p:spPr>
         <p:txBody>
@@ -2822,8 +2822,8 @@
         </p:nvSpPr>
         <p:spPr>
           <a:xfrm>
-            <a:off x="1371600" y="3886200"/>
-            <a:ext cx="6400800" cy="1752600"/>
+            <a:off x="874871" y="1509501"/>
+            <a:ext cx="4082733" cy="680755"/>
           </a:xfrm>
         </p:spPr>
         <p:txBody>
@@ -2944,9 +2944,9 @@
           <a:bodyPr/>
           <a:lstStyle/>
           <a:p>
-            <a:fld id="{6C8335E5-3EB6-4D08-918F-E35006D16DD5}" type="datetimeFigureOut">
-              <a:rPr lang="en-US" smtClean="0"/>
-              <a:t>2/6/2017</a:t>
+            <a:fld id="{386DBA8E-C001-4E68-8804-59F1C445E801}" type="datetimeFigureOut">
+              <a:rPr lang="en-US" smtClean="0"/>
+              <a:t>2/8/2017</a:t>
             </a:fld>
             <a:endParaRPr lang="en-US"/>
           </a:p>
@@ -2986,7 +2986,7 @@
           <a:bodyPr/>
           <a:lstStyle/>
           <a:p>
-            <a:fld id="{92BD48C5-E833-4A60-98E6-6650A0296325}" type="slidenum">
+            <a:fld id="{A746E901-D716-41C0-9E0F-C60D13567B4A}" type="slidenum">
               <a:rPr lang="en-US" smtClean="0"/>
               <a:t>‹#›</a:t>
             </a:fld>
@@ -2997,7 +2997,7 @@
     </p:spTree>
     <p:extLst>
       <p:ext uri="{BB962C8B-B14F-4D97-AF65-F5344CB8AC3E}">
-        <p14:creationId xmlns:p14="http://schemas.microsoft.com/office/powerpoint/2010/main" val="3195193068"/>
+        <p14:creationId xmlns:p14="http://schemas.microsoft.com/office/powerpoint/2010/main" val="2863952165"/>
       </p:ext>
     </p:extLst>
   </p:cSld>
@@ -3114,9 +3114,9 @@
           <a:bodyPr/>
           <a:lstStyle/>
           <a:p>
-            <a:fld id="{6C8335E5-3EB6-4D08-918F-E35006D16DD5}" type="datetimeFigureOut">
-              <a:rPr lang="en-US" smtClean="0"/>
-              <a:t>2/6/2017</a:t>
+            <a:fld id="{386DBA8E-C001-4E68-8804-59F1C445E801}" type="datetimeFigureOut">
+              <a:rPr lang="en-US" smtClean="0"/>
+              <a:t>2/8/2017</a:t>
             </a:fld>
             <a:endParaRPr lang="en-US"/>
           </a:p>
@@ -3156,7 +3156,7 @@
           <a:bodyPr/>
           <a:lstStyle/>
           <a:p>
-            <a:fld id="{92BD48C5-E833-4A60-98E6-6650A0296325}" type="slidenum">
+            <a:fld id="{A746E901-D716-41C0-9E0F-C60D13567B4A}" type="slidenum">
               <a:rPr lang="en-US" smtClean="0"/>
               <a:t>‹#›</a:t>
             </a:fld>
@@ -3167,7 +3167,7 @@
     </p:spTree>
     <p:extLst>
       <p:ext uri="{BB962C8B-B14F-4D97-AF65-F5344CB8AC3E}">
-        <p14:creationId xmlns:p14="http://schemas.microsoft.com/office/powerpoint/2010/main" val="3737056548"/>
+        <p14:creationId xmlns:p14="http://schemas.microsoft.com/office/powerpoint/2010/main" val="2133585190"/>
       </p:ext>
     </p:extLst>
   </p:cSld>
@@ -3206,8 +3206,8 @@
         </p:nvSpPr>
         <p:spPr>
           <a:xfrm>
-            <a:off x="6629400" y="274638"/>
-            <a:ext cx="2057400" cy="5851525"/>
+            <a:off x="2697520" y="414373"/>
+            <a:ext cx="836393" cy="8830087"/>
           </a:xfrm>
         </p:spPr>
         <p:txBody>
@@ -3234,8 +3234,8 @@
         </p:nvSpPr>
         <p:spPr>
           <a:xfrm>
-            <a:off x="457200" y="274638"/>
-            <a:ext cx="6019800" cy="5851525"/>
+            <a:off x="186316" y="414373"/>
+            <a:ext cx="2413997" cy="8830087"/>
           </a:xfrm>
         </p:spPr>
         <p:txBody>
@@ -3294,9 +3294,9 @@
           <a:bodyPr/>
           <a:lstStyle/>
           <a:p>
-            <a:fld id="{6C8335E5-3EB6-4D08-918F-E35006D16DD5}" type="datetimeFigureOut">
-              <a:rPr lang="en-US" smtClean="0"/>
-              <a:t>2/6/2017</a:t>
+            <a:fld id="{386DBA8E-C001-4E68-8804-59F1C445E801}" type="datetimeFigureOut">
+              <a:rPr lang="en-US" smtClean="0"/>
+              <a:t>2/8/2017</a:t>
             </a:fld>
             <a:endParaRPr lang="en-US"/>
           </a:p>
@@ -3336,7 +3336,7 @@
           <a:bodyPr/>
           <a:lstStyle/>
           <a:p>
-            <a:fld id="{92BD48C5-E833-4A60-98E6-6650A0296325}" type="slidenum">
+            <a:fld id="{A746E901-D716-41C0-9E0F-C60D13567B4A}" type="slidenum">
               <a:rPr lang="en-US" smtClean="0"/>
               <a:t>‹#›</a:t>
             </a:fld>
@@ -3347,7 +3347,7 @@
     </p:spTree>
     <p:extLst>
       <p:ext uri="{BB962C8B-B14F-4D97-AF65-F5344CB8AC3E}">
-        <p14:creationId xmlns:p14="http://schemas.microsoft.com/office/powerpoint/2010/main" val="1034284780"/>
+        <p14:creationId xmlns:p14="http://schemas.microsoft.com/office/powerpoint/2010/main" val="1606662952"/>
       </p:ext>
     </p:extLst>
   </p:cSld>
@@ -3464,9 +3464,9 @@
           <a:bodyPr/>
           <a:lstStyle/>
           <a:p>
-            <a:fld id="{6C8335E5-3EB6-4D08-918F-E35006D16DD5}" type="datetimeFigureOut">
-              <a:rPr lang="en-US" smtClean="0"/>
-              <a:t>2/6/2017</a:t>
+            <a:fld id="{386DBA8E-C001-4E68-8804-59F1C445E801}" type="datetimeFigureOut">
+              <a:rPr lang="en-US" smtClean="0"/>
+              <a:t>2/8/2017</a:t>
             </a:fld>
             <a:endParaRPr lang="en-US"/>
           </a:p>
@@ -3506,7 +3506,7 @@
           <a:bodyPr/>
           <a:lstStyle/>
           <a:p>
-            <a:fld id="{92BD48C5-E833-4A60-98E6-6650A0296325}" type="slidenum">
+            <a:fld id="{A746E901-D716-41C0-9E0F-C60D13567B4A}" type="slidenum">
               <a:rPr lang="en-US" smtClean="0"/>
               <a:t>‹#›</a:t>
             </a:fld>
@@ -3517,7 +3517,7 @@
     </p:spTree>
     <p:extLst>
       <p:ext uri="{BB962C8B-B14F-4D97-AF65-F5344CB8AC3E}">
-        <p14:creationId xmlns:p14="http://schemas.microsoft.com/office/powerpoint/2010/main" val="2384194162"/>
+        <p14:creationId xmlns:p14="http://schemas.microsoft.com/office/powerpoint/2010/main" val="2705505806"/>
       </p:ext>
     </p:extLst>
   </p:cSld>
@@ -3556,8 +3556,8 @@
         </p:nvSpPr>
         <p:spPr>
           <a:xfrm>
-            <a:off x="722313" y="4406900"/>
-            <a:ext cx="7772400" cy="1362075"/>
+            <a:off x="460725" y="1711755"/>
+            <a:ext cx="4957604" cy="529065"/>
           </a:xfrm>
         </p:spPr>
         <p:txBody>
@@ -3588,8 +3588,8 @@
         </p:nvSpPr>
         <p:spPr>
           <a:xfrm>
-            <a:off x="722313" y="2906713"/>
-            <a:ext cx="7772400" cy="1500187"/>
+            <a:off x="460725" y="1129043"/>
+            <a:ext cx="4957604" cy="582712"/>
           </a:xfrm>
         </p:spPr>
         <p:txBody>
@@ -3710,9 +3710,9 @@
           <a:bodyPr/>
           <a:lstStyle/>
           <a:p>
-            <a:fld id="{6C8335E5-3EB6-4D08-918F-E35006D16DD5}" type="datetimeFigureOut">
-              <a:rPr lang="en-US" smtClean="0"/>
-              <a:t>2/6/2017</a:t>
+            <a:fld id="{386DBA8E-C001-4E68-8804-59F1C445E801}" type="datetimeFigureOut">
+              <a:rPr lang="en-US" smtClean="0"/>
+              <a:t>2/8/2017</a:t>
             </a:fld>
             <a:endParaRPr lang="en-US"/>
           </a:p>
@@ -3752,7 +3752,7 @@
           <a:bodyPr/>
           <a:lstStyle/>
           <a:p>
-            <a:fld id="{92BD48C5-E833-4A60-98E6-6650A0296325}" type="slidenum">
+            <a:fld id="{A746E901-D716-41C0-9E0F-C60D13567B4A}" type="slidenum">
               <a:rPr lang="en-US" smtClean="0"/>
               <a:t>‹#›</a:t>
             </a:fld>
@@ -3763,7 +3763,7 @@
     </p:spTree>
     <p:extLst>
       <p:ext uri="{BB962C8B-B14F-4D97-AF65-F5344CB8AC3E}">
-        <p14:creationId xmlns:p14="http://schemas.microsoft.com/office/powerpoint/2010/main" val="3250675846"/>
+        <p14:creationId xmlns:p14="http://schemas.microsoft.com/office/powerpoint/2010/main" val="238253875"/>
       </p:ext>
     </p:extLst>
   </p:cSld>
@@ -3825,8 +3825,8 @@
         </p:nvSpPr>
         <p:spPr>
           <a:xfrm>
-            <a:off x="457200" y="1600200"/>
-            <a:ext cx="4038600" cy="4525963"/>
+            <a:off x="186316" y="2414708"/>
+            <a:ext cx="1625195" cy="6829751"/>
           </a:xfrm>
         </p:spPr>
         <p:txBody>
@@ -3910,8 +3910,8 @@
         </p:nvSpPr>
         <p:spPr>
           <a:xfrm>
-            <a:off x="4648200" y="1600200"/>
-            <a:ext cx="4038600" cy="4525963"/>
+            <a:off x="1908719" y="2414708"/>
+            <a:ext cx="1625195" cy="6829751"/>
           </a:xfrm>
         </p:spPr>
         <p:txBody>
@@ -3998,9 +3998,9 @@
           <a:bodyPr/>
           <a:lstStyle/>
           <a:p>
-            <a:fld id="{6C8335E5-3EB6-4D08-918F-E35006D16DD5}" type="datetimeFigureOut">
-              <a:rPr lang="en-US" smtClean="0"/>
-              <a:t>2/6/2017</a:t>
+            <a:fld id="{386DBA8E-C001-4E68-8804-59F1C445E801}" type="datetimeFigureOut">
+              <a:rPr lang="en-US" smtClean="0"/>
+              <a:t>2/8/2017</a:t>
             </a:fld>
             <a:endParaRPr lang="en-US"/>
           </a:p>
@@ -4040,7 +4040,7 @@
           <a:bodyPr/>
           <a:lstStyle/>
           <a:p>
-            <a:fld id="{92BD48C5-E833-4A60-98E6-6650A0296325}" type="slidenum">
+            <a:fld id="{A746E901-D716-41C0-9E0F-C60D13567B4A}" type="slidenum">
               <a:rPr lang="en-US" smtClean="0"/>
               <a:t>‹#›</a:t>
             </a:fld>
@@ -4051,7 +4051,7 @@
     </p:spTree>
     <p:extLst>
       <p:ext uri="{BB962C8B-B14F-4D97-AF65-F5344CB8AC3E}">
-        <p14:creationId xmlns:p14="http://schemas.microsoft.com/office/powerpoint/2010/main" val="2811939616"/>
+        <p14:creationId xmlns:p14="http://schemas.microsoft.com/office/powerpoint/2010/main" val="3259131391"/>
       </p:ext>
     </p:extLst>
   </p:cSld>
@@ -4088,7 +4088,12 @@
             <p:ph type="title"/>
           </p:nvPr>
         </p:nvSpPr>
-        <p:spPr/>
+        <p:spPr>
+          <a:xfrm>
+            <a:off x="291624" y="106676"/>
+            <a:ext cx="5249228" cy="443971"/>
+          </a:xfrm>
+        </p:spPr>
         <p:txBody>
           <a:bodyPr/>
           <a:lstStyle>
@@ -4117,8 +4122,8 @@
         </p:nvSpPr>
         <p:spPr>
           <a:xfrm>
-            <a:off x="457200" y="1535113"/>
-            <a:ext cx="4040188" cy="639762"/>
+            <a:off x="291625" y="596278"/>
+            <a:ext cx="2577023" cy="248500"/>
           </a:xfrm>
         </p:spPr>
         <p:txBody>
@@ -4182,8 +4187,8 @@
         </p:nvSpPr>
         <p:spPr>
           <a:xfrm>
-            <a:off x="457200" y="2174875"/>
-            <a:ext cx="4040188" cy="3951288"/>
+            <a:off x="291625" y="844778"/>
+            <a:ext cx="2577023" cy="1534783"/>
           </a:xfrm>
         </p:spPr>
         <p:txBody>
@@ -4267,8 +4272,8 @@
         </p:nvSpPr>
         <p:spPr>
           <a:xfrm>
-            <a:off x="4645025" y="1535113"/>
-            <a:ext cx="4041775" cy="639762"/>
+            <a:off x="2962818" y="596278"/>
+            <a:ext cx="2578035" cy="248500"/>
           </a:xfrm>
         </p:spPr>
         <p:txBody>
@@ -4332,8 +4337,8 @@
         </p:nvSpPr>
         <p:spPr>
           <a:xfrm>
-            <a:off x="4645025" y="2174875"/>
-            <a:ext cx="4041775" cy="3951288"/>
+            <a:off x="2962818" y="844778"/>
+            <a:ext cx="2578035" cy="1534783"/>
           </a:xfrm>
         </p:spPr>
         <p:txBody>
@@ -4420,9 +4425,9 @@
           <a:bodyPr/>
           <a:lstStyle/>
           <a:p>
-            <a:fld id="{6C8335E5-3EB6-4D08-918F-E35006D16DD5}" type="datetimeFigureOut">
-              <a:rPr lang="en-US" smtClean="0"/>
-              <a:t>2/6/2017</a:t>
+            <a:fld id="{386DBA8E-C001-4E68-8804-59F1C445E801}" type="datetimeFigureOut">
+              <a:rPr lang="en-US" smtClean="0"/>
+              <a:t>2/8/2017</a:t>
             </a:fld>
             <a:endParaRPr lang="en-US"/>
           </a:p>
@@ -4462,7 +4467,7 @@
           <a:bodyPr/>
           <a:lstStyle/>
           <a:p>
-            <a:fld id="{92BD48C5-E833-4A60-98E6-6650A0296325}" type="slidenum">
+            <a:fld id="{A746E901-D716-41C0-9E0F-C60D13567B4A}" type="slidenum">
               <a:rPr lang="en-US" smtClean="0"/>
               <a:t>‹#›</a:t>
             </a:fld>
@@ -4473,7 +4478,7 @@
     </p:spTree>
     <p:extLst>
       <p:ext uri="{BB962C8B-B14F-4D97-AF65-F5344CB8AC3E}">
-        <p14:creationId xmlns:p14="http://schemas.microsoft.com/office/powerpoint/2010/main" val="3081559569"/>
+        <p14:creationId xmlns:p14="http://schemas.microsoft.com/office/powerpoint/2010/main" val="375435350"/>
       </p:ext>
     </p:extLst>
   </p:cSld>
@@ -4538,9 +4543,9 @@
           <a:bodyPr/>
           <a:lstStyle/>
           <a:p>
-            <a:fld id="{6C8335E5-3EB6-4D08-918F-E35006D16DD5}" type="datetimeFigureOut">
-              <a:rPr lang="en-US" smtClean="0"/>
-              <a:t>2/6/2017</a:t>
+            <a:fld id="{386DBA8E-C001-4E68-8804-59F1C445E801}" type="datetimeFigureOut">
+              <a:rPr lang="en-US" smtClean="0"/>
+              <a:t>2/8/2017</a:t>
             </a:fld>
             <a:endParaRPr lang="en-US"/>
           </a:p>
@@ -4580,7 +4585,7 @@
           <a:bodyPr/>
           <a:lstStyle/>
           <a:p>
-            <a:fld id="{92BD48C5-E833-4A60-98E6-6650A0296325}" type="slidenum">
+            <a:fld id="{A746E901-D716-41C0-9E0F-C60D13567B4A}" type="slidenum">
               <a:rPr lang="en-US" smtClean="0"/>
               <a:t>‹#›</a:t>
             </a:fld>
@@ -4591,7 +4596,7 @@
     </p:spTree>
     <p:extLst>
       <p:ext uri="{BB962C8B-B14F-4D97-AF65-F5344CB8AC3E}">
-        <p14:creationId xmlns:p14="http://schemas.microsoft.com/office/powerpoint/2010/main" val="1391063910"/>
+        <p14:creationId xmlns:p14="http://schemas.microsoft.com/office/powerpoint/2010/main" val="1696591400"/>
       </p:ext>
     </p:extLst>
   </p:cSld>
@@ -4633,9 +4638,9 @@
           <a:bodyPr/>
           <a:lstStyle/>
           <a:p>
-            <a:fld id="{6C8335E5-3EB6-4D08-918F-E35006D16DD5}" type="datetimeFigureOut">
-              <a:rPr lang="en-US" smtClean="0"/>
-              <a:t>2/6/2017</a:t>
+            <a:fld id="{386DBA8E-C001-4E68-8804-59F1C445E801}" type="datetimeFigureOut">
+              <a:rPr lang="en-US" smtClean="0"/>
+              <a:t>2/8/2017</a:t>
             </a:fld>
             <a:endParaRPr lang="en-US"/>
           </a:p>
@@ -4675,7 +4680,7 @@
           <a:bodyPr/>
           <a:lstStyle/>
           <a:p>
-            <a:fld id="{92BD48C5-E833-4A60-98E6-6650A0296325}" type="slidenum">
+            <a:fld id="{A746E901-D716-41C0-9E0F-C60D13567B4A}" type="slidenum">
               <a:rPr lang="en-US" smtClean="0"/>
               <a:t>‹#›</a:t>
             </a:fld>
@@ -4686,7 +4691,7 @@
     </p:spTree>
     <p:extLst>
       <p:ext uri="{BB962C8B-B14F-4D97-AF65-F5344CB8AC3E}">
-        <p14:creationId xmlns:p14="http://schemas.microsoft.com/office/powerpoint/2010/main" val="4168156507"/>
+        <p14:creationId xmlns:p14="http://schemas.microsoft.com/office/powerpoint/2010/main" val="2675070685"/>
       </p:ext>
     </p:extLst>
   </p:cSld>
@@ -4725,8 +4730,8 @@
         </p:nvSpPr>
         <p:spPr>
           <a:xfrm>
-            <a:off x="457200" y="273050"/>
-            <a:ext cx="3008313" cy="1162050"/>
+            <a:off x="291624" y="106060"/>
+            <a:ext cx="1918844" cy="451370"/>
           </a:xfrm>
         </p:spPr>
         <p:txBody>
@@ -4757,8 +4762,8 @@
         </p:nvSpPr>
         <p:spPr>
           <a:xfrm>
-            <a:off x="3575050" y="273050"/>
-            <a:ext cx="5111750" cy="5853113"/>
+            <a:off x="2280335" y="106060"/>
+            <a:ext cx="3260516" cy="2273501"/>
           </a:xfrm>
         </p:spPr>
         <p:txBody>
@@ -4842,8 +4847,8 @@
         </p:nvSpPr>
         <p:spPr>
           <a:xfrm>
-            <a:off x="457200" y="1435100"/>
-            <a:ext cx="3008313" cy="4691063"/>
+            <a:off x="291624" y="557431"/>
+            <a:ext cx="1918844" cy="1822130"/>
           </a:xfrm>
         </p:spPr>
         <p:txBody>
@@ -4910,9 +4915,9 @@
           <a:bodyPr/>
           <a:lstStyle/>
           <a:p>
-            <a:fld id="{6C8335E5-3EB6-4D08-918F-E35006D16DD5}" type="datetimeFigureOut">
-              <a:rPr lang="en-US" smtClean="0"/>
-              <a:t>2/6/2017</a:t>
+            <a:fld id="{386DBA8E-C001-4E68-8804-59F1C445E801}" type="datetimeFigureOut">
+              <a:rPr lang="en-US" smtClean="0"/>
+              <a:t>2/8/2017</a:t>
             </a:fld>
             <a:endParaRPr lang="en-US"/>
           </a:p>
@@ -4952,7 +4957,7 @@
           <a:bodyPr/>
           <a:lstStyle/>
           <a:p>
-            <a:fld id="{92BD48C5-E833-4A60-98E6-6650A0296325}" type="slidenum">
+            <a:fld id="{A746E901-D716-41C0-9E0F-C60D13567B4A}" type="slidenum">
               <a:rPr lang="en-US" smtClean="0"/>
               <a:t>‹#›</a:t>
             </a:fld>
@@ -4963,7 +4968,7 @@
     </p:spTree>
     <p:extLst>
       <p:ext uri="{BB962C8B-B14F-4D97-AF65-F5344CB8AC3E}">
-        <p14:creationId xmlns:p14="http://schemas.microsoft.com/office/powerpoint/2010/main" val="1248939493"/>
+        <p14:creationId xmlns:p14="http://schemas.microsoft.com/office/powerpoint/2010/main" val="371003852"/>
       </p:ext>
     </p:extLst>
   </p:cSld>
@@ -5002,8 +5007,8 @@
         </p:nvSpPr>
         <p:spPr>
           <a:xfrm>
-            <a:off x="1792288" y="4800600"/>
-            <a:ext cx="5486400" cy="566738"/>
+            <a:off x="1143207" y="1864677"/>
+            <a:ext cx="3499485" cy="220136"/>
           </a:xfrm>
         </p:spPr>
         <p:txBody>
@@ -5034,8 +5039,8 @@
         </p:nvSpPr>
         <p:spPr>
           <a:xfrm>
-            <a:off x="1792288" y="612775"/>
-            <a:ext cx="5486400" cy="4114800"/>
+            <a:off x="1143207" y="238018"/>
+            <a:ext cx="3499485" cy="1598295"/>
           </a:xfrm>
         </p:spPr>
         <p:txBody>
@@ -5095,8 +5100,8 @@
         </p:nvSpPr>
         <p:spPr>
           <a:xfrm>
-            <a:off x="1792288" y="5367338"/>
-            <a:ext cx="5486400" cy="804862"/>
+            <a:off x="1143207" y="2084813"/>
+            <a:ext cx="3499485" cy="312629"/>
           </a:xfrm>
         </p:spPr>
         <p:txBody>
@@ -5163,9 +5168,9 @@
           <a:bodyPr/>
           <a:lstStyle/>
           <a:p>
-            <a:fld id="{6C8335E5-3EB6-4D08-918F-E35006D16DD5}" type="datetimeFigureOut">
-              <a:rPr lang="en-US" smtClean="0"/>
-              <a:t>2/6/2017</a:t>
+            <a:fld id="{386DBA8E-C001-4E68-8804-59F1C445E801}" type="datetimeFigureOut">
+              <a:rPr lang="en-US" smtClean="0"/>
+              <a:t>2/8/2017</a:t>
             </a:fld>
             <a:endParaRPr lang="en-US"/>
           </a:p>
@@ -5205,7 +5210,7 @@
           <a:bodyPr/>
           <a:lstStyle/>
           <a:p>
-            <a:fld id="{92BD48C5-E833-4A60-98E6-6650A0296325}" type="slidenum">
+            <a:fld id="{A746E901-D716-41C0-9E0F-C60D13567B4A}" type="slidenum">
               <a:rPr lang="en-US" smtClean="0"/>
               <a:t>‹#›</a:t>
             </a:fld>
@@ -5216,7 +5221,7 @@
     </p:spTree>
     <p:extLst>
       <p:ext uri="{BB962C8B-B14F-4D97-AF65-F5344CB8AC3E}">
-        <p14:creationId xmlns:p14="http://schemas.microsoft.com/office/powerpoint/2010/main" val="363843424"/>
+        <p14:creationId xmlns:p14="http://schemas.microsoft.com/office/powerpoint/2010/main" val="3653087689"/>
       </p:ext>
     </p:extLst>
   </p:cSld>
@@ -5260,8 +5265,8 @@
         </p:nvSpPr>
         <p:spPr>
           <a:xfrm>
-            <a:off x="457200" y="274638"/>
-            <a:ext cx="8229600" cy="1143000"/>
+            <a:off x="291624" y="106676"/>
+            <a:ext cx="5249228" cy="443971"/>
           </a:xfrm>
           <a:prstGeom prst="rect">
             <a:avLst/>
@@ -5293,8 +5298,8 @@
         </p:nvSpPr>
         <p:spPr>
           <a:xfrm>
-            <a:off x="457200" y="1600200"/>
-            <a:ext cx="8229600" cy="4525963"/>
+            <a:off x="291624" y="621560"/>
+            <a:ext cx="5249228" cy="1758001"/>
           </a:xfrm>
           <a:prstGeom prst="rect">
             <a:avLst/>
@@ -5355,8 +5360,8 @@
         </p:nvSpPr>
         <p:spPr>
           <a:xfrm>
-            <a:off x="457200" y="6356350"/>
-            <a:ext cx="2133600" cy="365125"/>
+            <a:off x="291625" y="2468971"/>
+            <a:ext cx="1360911" cy="141824"/>
           </a:xfrm>
           <a:prstGeom prst="rect">
             <a:avLst/>
@@ -5376,9 +5381,9 @@
             </a:lvl1pPr>
           </a:lstStyle>
           <a:p>
-            <a:fld id="{6C8335E5-3EB6-4D08-918F-E35006D16DD5}" type="datetimeFigureOut">
-              <a:rPr lang="en-US" smtClean="0"/>
-              <a:t>2/6/2017</a:t>
+            <a:fld id="{386DBA8E-C001-4E68-8804-59F1C445E801}" type="datetimeFigureOut">
+              <a:rPr lang="en-US" smtClean="0"/>
+              <a:t>2/8/2017</a:t>
             </a:fld>
             <a:endParaRPr lang="en-US"/>
           </a:p>
@@ -5396,8 +5401,8 @@
         </p:nvSpPr>
         <p:spPr>
           <a:xfrm>
-            <a:off x="3124200" y="6356350"/>
-            <a:ext cx="2895600" cy="365125"/>
+            <a:off x="1992763" y="2468971"/>
+            <a:ext cx="1846950" cy="141824"/>
           </a:xfrm>
           <a:prstGeom prst="rect">
             <a:avLst/>
@@ -5433,8 +5438,8 @@
         </p:nvSpPr>
         <p:spPr>
           <a:xfrm>
-            <a:off x="6553200" y="6356350"/>
-            <a:ext cx="2133600" cy="365125"/>
+            <a:off x="4179940" y="2468971"/>
+            <a:ext cx="1360911" cy="141824"/>
           </a:xfrm>
           <a:prstGeom prst="rect">
             <a:avLst/>
@@ -5454,7 +5459,7 @@
             </a:lvl1pPr>
           </a:lstStyle>
           <a:p>
-            <a:fld id="{92BD48C5-E833-4A60-98E6-6650A0296325}" type="slidenum">
+            <a:fld id="{A746E901-D716-41C0-9E0F-C60D13567B4A}" type="slidenum">
               <a:rPr lang="en-US" smtClean="0"/>
               <a:t>‹#›</a:t>
             </a:fld>
@@ -5465,7 +5470,7 @@
     </p:spTree>
     <p:extLst>
       <p:ext uri="{BB962C8B-B14F-4D97-AF65-F5344CB8AC3E}">
-        <p14:creationId xmlns:p14="http://schemas.microsoft.com/office/powerpoint/2010/main" val="271520786"/>
+        <p14:creationId xmlns:p14="http://schemas.microsoft.com/office/powerpoint/2010/main" val="2762370001"/>
       </p:ext>
     </p:extLst>
   </p:cSld>
@@ -5755,14 +5760,14 @@
       </p:grpSpPr>
       <p:sp>
         <p:nvSpPr>
-          <p:cNvPr id="3" name="Rectangle 2"/>
+          <p:cNvPr id="4" name="Rectangle 3"/>
           <p:cNvSpPr/>
           <p:nvPr/>
         </p:nvSpPr>
         <p:spPr>
           <a:xfrm>
-            <a:off x="1663105" y="2348880"/>
-            <a:ext cx="5832648" cy="2664296"/>
+            <a:off x="3448" y="0"/>
+            <a:ext cx="5832647" cy="2664297"/>
           </a:xfrm>
           <a:prstGeom prst="rect">
             <a:avLst/>
@@ -5792,7 +5797,7 @@
           </a:fontRef>
         </p:style>
         <p:txBody>
-          <a:bodyPr rtlCol="0" anchor="ctr"/>
+          <a:bodyPr lIns="91420" tIns="45712" rIns="91420" bIns="45712" rtlCol="0" anchor="ctr"/>
           <a:lstStyle/>
           <a:p>
             <a:pPr algn="ctr"/>
@@ -5800,38 +5805,120 @@
           </a:p>
         </p:txBody>
       </p:sp>
+      <p:pic>
+        <p:nvPicPr>
+          <p:cNvPr id="1028" name="Picture 4" descr="http://www.apkreleases.com/wp-content/uploads/2015/03/download-play-store.png"/>
+          <p:cNvPicPr>
+            <a:picLocks noChangeAspect="1" noChangeArrowheads="1"/>
+          </p:cNvPicPr>
+          <p:nvPr/>
+        </p:nvPicPr>
+        <p:blipFill>
+          <a:blip r:embed="rId2" cstate="print">
+            <a:extLst>
+              <a:ext uri="{28A0092B-C50C-407E-A947-70E740481C1C}">
+                <a14:useLocalDpi xmlns:a14="http://schemas.microsoft.com/office/drawing/2010/main" val="0"/>
+              </a:ext>
+            </a:extLst>
+          </a:blip>
+          <a:srcRect/>
+          <a:stretch>
+            <a:fillRect/>
+          </a:stretch>
+        </p:blipFill>
+        <p:spPr bwMode="auto">
+          <a:xfrm>
+            <a:off x="4468620" y="1106273"/>
+            <a:ext cx="1008000" cy="369999"/>
+          </a:xfrm>
+          <a:prstGeom prst="rect">
+            <a:avLst/>
+          </a:prstGeom>
+          <a:noFill/>
+          <a:extLst>
+            <a:ext uri="{909E8E84-426E-40DD-AFC4-6F175D3DCCD1}">
+              <a14:hiddenFill xmlns:a14="http://schemas.microsoft.com/office/drawing/2010/main">
+                <a:solidFill>
+                  <a:srgbClr val="FFFFFF"/>
+                </a:solidFill>
+              </a14:hiddenFill>
+            </a:ext>
+          </a:extLst>
+        </p:spPr>
+      </p:pic>
+      <p:pic>
+        <p:nvPicPr>
+          <p:cNvPr id="1026" name="Picture 2" descr="Bildergebnis für apple app store"/>
+          <p:cNvPicPr>
+            <a:picLocks noChangeAspect="1" noChangeArrowheads="1"/>
+          </p:cNvPicPr>
+          <p:nvPr/>
+        </p:nvPicPr>
+        <p:blipFill>
+          <a:blip r:embed="rId3" cstate="print">
+            <a:extLst>
+              <a:ext uri="{28A0092B-C50C-407E-A947-70E740481C1C}">
+                <a14:useLocalDpi xmlns:a14="http://schemas.microsoft.com/office/drawing/2010/main" val="0"/>
+              </a:ext>
+            </a:extLst>
+          </a:blip>
+          <a:srcRect/>
+          <a:stretch>
+            <a:fillRect/>
+          </a:stretch>
+        </p:blipFill>
+        <p:spPr bwMode="auto">
+          <a:xfrm>
+            <a:off x="4481307" y="684173"/>
+            <a:ext cx="972000" cy="337770"/>
+          </a:xfrm>
+          <a:prstGeom prst="rect">
+            <a:avLst/>
+          </a:prstGeom>
+          <a:noFill/>
+          <a:extLst>
+            <a:ext uri="{909E8E84-426E-40DD-AFC4-6F175D3DCCD1}">
+              <a14:hiddenFill xmlns:a14="http://schemas.microsoft.com/office/drawing/2010/main">
+                <a:solidFill>
+                  <a:srgbClr val="FFFFFF"/>
+                </a:solidFill>
+              </a14:hiddenFill>
+            </a:ext>
+          </a:extLst>
+        </p:spPr>
+      </p:pic>
       <p:graphicFrame>
         <p:nvGraphicFramePr>
-          <p:cNvPr id="4" name="Diagram 3"/>
+          <p:cNvPr id="5" name="Diagram 4"/>
           <p:cNvGraphicFramePr/>
           <p:nvPr>
             <p:extLst>
               <p:ext uri="{D42A27DB-BD31-4B8C-83A1-F6EECF244321}">
-                <p14:modId xmlns:p14="http://schemas.microsoft.com/office/powerpoint/2010/main" val="1348333400"/>
+                <p14:modId xmlns:p14="http://schemas.microsoft.com/office/powerpoint/2010/main" val="1167990110"/>
               </p:ext>
             </p:extLst>
           </p:nvPr>
         </p:nvGraphicFramePr>
         <p:xfrm>
-          <a:off x="1740374" y="2489708"/>
-          <a:ext cx="5663252" cy="288000"/>
+          <a:off x="80718" y="140831"/>
+          <a:ext cx="5663253" cy="288001"/>
         </p:xfrm>
         <a:graphic>
           <a:graphicData uri="http://schemas.openxmlformats.org/drawingml/2006/diagram">
-            <dgm:relIds xmlns:dgm="http://schemas.openxmlformats.org/drawingml/2006/diagram" xmlns:r="http://schemas.openxmlformats.org/officeDocument/2006/relationships" r:dm="rId2" r:lo="rId3" r:qs="rId4" r:cs="rId5"/>
+            <dgm:relIds xmlns:dgm="http://schemas.openxmlformats.org/drawingml/2006/diagram" xmlns:r="http://schemas.openxmlformats.org/officeDocument/2006/relationships" r:dm="rId4" r:lo="rId5" r:qs="rId6" r:cs="rId7"/>
           </a:graphicData>
         </a:graphic>
       </p:graphicFrame>
       <p:pic>
         <p:nvPicPr>
-          <p:cNvPr id="1027" name="Picture 3"/>
+          <p:cNvPr id="6" name="Picture 3"/>
           <p:cNvPicPr>
             <a:picLocks noChangeAspect="1" noChangeArrowheads="1"/>
           </p:cNvPicPr>
           <p:nvPr/>
         </p:nvPicPr>
         <p:blipFill rotWithShape="1">
-          <a:blip r:embed="rId7" cstate="print">
+          <a:blip r:embed="rId9" cstate="print">
             <a:extLst>
               <a:ext uri="{28A0092B-C50C-407E-A947-70E740481C1C}">
                 <a14:useLocalDpi xmlns:a14="http://schemas.microsoft.com/office/drawing/2010/main" val="0"/>
@@ -5843,8 +5930,8 @@
         </p:blipFill>
         <p:spPr bwMode="auto">
           <a:xfrm>
-            <a:off x="4901804" y="3096284"/>
-            <a:ext cx="648000" cy="758115"/>
+            <a:off x="3242147" y="747404"/>
+            <a:ext cx="648000" cy="758116"/>
           </a:xfrm>
           <a:prstGeom prst="rect">
             <a:avLst/>
@@ -5876,89 +5963,7 @@
       </p:pic>
       <p:pic>
         <p:nvPicPr>
-          <p:cNvPr id="1029" name="Picture 5" descr="https://upload.wikimedia.org/wikipedia/commons/thumb/3/3c/Download_on_the_App_Store_Badge.svg/2000px-Download_on_the_App_Store_Badge.svg.png"/>
-          <p:cNvPicPr>
-            <a:picLocks noChangeAspect="1" noChangeArrowheads="1"/>
-          </p:cNvPicPr>
-          <p:nvPr/>
-        </p:nvPicPr>
-        <p:blipFill>
-          <a:blip r:embed="rId8" cstate="print">
-            <a:extLst>
-              <a:ext uri="{28A0092B-C50C-407E-A947-70E740481C1C}">
-                <a14:useLocalDpi xmlns:a14="http://schemas.microsoft.com/office/drawing/2010/main" val="0"/>
-              </a:ext>
-            </a:extLst>
-          </a:blip>
-          <a:srcRect/>
-          <a:stretch>
-            <a:fillRect/>
-          </a:stretch>
-        </p:blipFill>
-        <p:spPr bwMode="auto">
-          <a:xfrm>
-            <a:off x="6137276" y="3065772"/>
-            <a:ext cx="990000" cy="293535"/>
-          </a:xfrm>
-          <a:prstGeom prst="rect">
-            <a:avLst/>
-          </a:prstGeom>
-          <a:noFill/>
-          <a:extLst>
-            <a:ext uri="{909E8E84-426E-40DD-AFC4-6F175D3DCCD1}">
-              <a14:hiddenFill xmlns:a14="http://schemas.microsoft.com/office/drawing/2010/main">
-                <a:solidFill>
-                  <a:srgbClr val="FFFFFF"/>
-                </a:solidFill>
-              </a14:hiddenFill>
-            </a:ext>
-          </a:extLst>
-        </p:spPr>
-      </p:pic>
-      <p:pic>
-        <p:nvPicPr>
-          <p:cNvPr id="1031" name="Picture 7" descr="https://static.cv-library.co.uk/images/app-store-android-download.png"/>
-          <p:cNvPicPr>
-            <a:picLocks noChangeAspect="1" noChangeArrowheads="1"/>
-          </p:cNvPicPr>
-          <p:nvPr/>
-        </p:nvPicPr>
-        <p:blipFill>
-          <a:blip r:embed="rId9" cstate="print">
-            <a:extLst>
-              <a:ext uri="{28A0092B-C50C-407E-A947-70E740481C1C}">
-                <a14:useLocalDpi xmlns:a14="http://schemas.microsoft.com/office/drawing/2010/main" val="0"/>
-              </a:ext>
-            </a:extLst>
-          </a:blip>
-          <a:srcRect/>
-          <a:stretch>
-            <a:fillRect/>
-          </a:stretch>
-        </p:blipFill>
-        <p:spPr bwMode="auto">
-          <a:xfrm>
-            <a:off x="6137276" y="3489869"/>
-            <a:ext cx="990000" cy="293403"/>
-          </a:xfrm>
-          <a:prstGeom prst="rect">
-            <a:avLst/>
-          </a:prstGeom>
-          <a:noFill/>
-          <a:extLst>
-            <a:ext uri="{909E8E84-426E-40DD-AFC4-6F175D3DCCD1}">
-              <a14:hiddenFill xmlns:a14="http://schemas.microsoft.com/office/drawing/2010/main">
-                <a:solidFill>
-                  <a:srgbClr val="FFFFFF"/>
-                </a:solidFill>
-              </a14:hiddenFill>
-            </a:ext>
-          </a:extLst>
-        </p:spPr>
-      </p:pic>
-      <p:pic>
-        <p:nvPicPr>
-          <p:cNvPr id="1033" name="Picture 9" descr="https://i0.wp.com/www.artit-k.com/wp-content/uploads/2016/07/Cover-Firebase_Hosting.png?fit=650%2C300"/>
+          <p:cNvPr id="9" name="Picture 9" descr="https://i0.wp.com/www.artit-k.com/wp-content/uploads/2016/07/Cover-Firebase_Hosting.png?fit=650%2C300"/>
           <p:cNvPicPr>
             <a:picLocks noChangeAspect="1" noChangeArrowheads="1"/>
           </p:cNvPicPr>
@@ -5979,8 +5984,8 @@
         </p:blipFill>
         <p:spPr bwMode="auto">
           <a:xfrm>
-            <a:off x="6137276" y="3913834"/>
-            <a:ext cx="990000" cy="456923"/>
+            <a:off x="4477620" y="1564958"/>
+            <a:ext cx="990000" cy="456924"/>
           </a:xfrm>
           <a:prstGeom prst="roundRect">
             <a:avLst>
@@ -6006,14 +6011,14 @@
       </p:pic>
       <p:sp>
         <p:nvSpPr>
-          <p:cNvPr id="11" name="Rounded Rectangle 10"/>
+          <p:cNvPr id="10" name="Rounded Rectangle 9"/>
           <p:cNvSpPr/>
           <p:nvPr/>
         </p:nvSpPr>
         <p:spPr>
           <a:xfrm>
-            <a:off x="6137276" y="4501319"/>
-            <a:ext cx="990000" cy="235742"/>
+            <a:off x="4477620" y="2152439"/>
+            <a:ext cx="990000" cy="235741"/>
           </a:xfrm>
           <a:prstGeom prst="roundRect">
             <a:avLst/>
@@ -6041,12 +6046,12 @@
           </a:fontRef>
         </p:style>
         <p:txBody>
-          <a:bodyPr rtlCol="0" anchor="ctr"/>
+          <a:bodyPr lIns="91420" tIns="45712" rIns="91420" bIns="45712" rtlCol="0" anchor="ctr"/>
           <a:lstStyle/>
           <a:p>
             <a:pPr algn="ctr"/>
             <a:r>
-              <a:rPr lang="de-DE" sz="1200" smtClean="0">
+              <a:rPr lang="de-DE" sz="1100">
                 <a:solidFill>
                   <a:schemeClr val="accent3">
                     <a:lumMod val="50000"/>
@@ -6055,7 +6060,7 @@
               </a:rPr>
               <a:t>own Server</a:t>
             </a:r>
-            <a:endParaRPr lang="en-US" sz="1200">
+            <a:endParaRPr lang="en-US" sz="1100">
               <a:solidFill>
                 <a:schemeClr val="accent3">
                   <a:lumMod val="50000"/>
@@ -6067,7 +6072,7 @@
       </p:sp>
       <p:pic>
         <p:nvPicPr>
-          <p:cNvPr id="1044" name="Picture 20"/>
+          <p:cNvPr id="11" name="Picture 20"/>
           <p:cNvPicPr>
             <a:picLocks noChangeAspect="1" noChangeArrowheads="1"/>
           </p:cNvPicPr>
@@ -6086,8 +6091,8 @@
         </p:blipFill>
         <p:spPr bwMode="auto">
           <a:xfrm>
-            <a:off x="3539913" y="4054729"/>
-            <a:ext cx="720000" cy="766588"/>
+            <a:off x="1880256" y="1705853"/>
+            <a:ext cx="720000" cy="766589"/>
           </a:xfrm>
           <a:prstGeom prst="rect">
             <a:avLst/>
@@ -6119,7 +6124,7 @@
       </p:pic>
       <p:pic>
         <p:nvPicPr>
-          <p:cNvPr id="1046" name="Picture 22" descr="http://www.swtestacademy.com/wp-content/uploads/2016/03/eslint_logo.png"/>
+          <p:cNvPr id="12" name="Picture 22" descr="http://www.swtestacademy.com/wp-content/uploads/2016/03/eslint_logo.png"/>
           <p:cNvPicPr>
             <a:picLocks noChangeAspect="1" noChangeArrowheads="1"/>
           </p:cNvPicPr>
@@ -6138,7 +6143,7 @@
         </p:blipFill>
         <p:spPr bwMode="auto">
           <a:xfrm>
-            <a:off x="3539913" y="3113603"/>
+            <a:off x="1880256" y="764726"/>
             <a:ext cx="720000" cy="723476"/>
           </a:xfrm>
           <a:prstGeom prst="rect">
@@ -6158,7 +6163,7 @@
       </p:pic>
       <p:pic>
         <p:nvPicPr>
-          <p:cNvPr id="1048" name="Picture 24" descr="http://idangero.us/swiper/i/logo-f7.png"/>
+          <p:cNvPr id="13" name="Picture 24" descr="http://idangero.us/swiper/i/logo-f7.png"/>
           <p:cNvPicPr>
             <a:picLocks noChangeAspect="1" noChangeArrowheads="1"/>
           </p:cNvPicPr>
@@ -6179,8 +6184,8 @@
         </p:blipFill>
         <p:spPr bwMode="auto">
           <a:xfrm>
-            <a:off x="2086716" y="3115341"/>
-            <a:ext cx="720000" cy="720000"/>
+            <a:off x="427058" y="766464"/>
+            <a:ext cx="720000" cy="720001"/>
           </a:xfrm>
           <a:prstGeom prst="rect">
             <a:avLst/>
@@ -6199,7 +6204,7 @@
       </p:pic>
       <p:pic>
         <p:nvPicPr>
-          <p:cNvPr id="1050" name="Picture 26" descr="https://vuejs.org/images/logo.png"/>
+          <p:cNvPr id="14" name="Picture 26" descr="https://vuejs.org/images/logo.png"/>
           <p:cNvPicPr>
             <a:picLocks noChangeAspect="1" noChangeArrowheads="1"/>
           </p:cNvPicPr>
@@ -6220,8 +6225,8 @@
         </p:blipFill>
         <p:spPr bwMode="auto">
           <a:xfrm>
-            <a:off x="2086716" y="4078023"/>
-            <a:ext cx="720000" cy="720000"/>
+            <a:off x="427058" y="1729147"/>
+            <a:ext cx="720000" cy="720001"/>
           </a:xfrm>
           <a:prstGeom prst="rect">
             <a:avLst/>
@@ -6240,7 +6245,7 @@
       </p:pic>
       <p:pic>
         <p:nvPicPr>
-          <p:cNvPr id="1052" name="Picture 28" descr="https://cdn.auth0.com/blog/converting-your-app-to-mobile/logo.png"/>
+          <p:cNvPr id="15" name="Picture 28" descr="https://cdn.auth0.com/blog/converting-your-app-to-mobile/logo.png"/>
           <p:cNvPicPr>
             <a:picLocks noChangeAspect="1" noChangeArrowheads="1"/>
           </p:cNvPicPr>
@@ -6259,8 +6264,8 @@
         </p:blipFill>
         <p:spPr bwMode="auto">
           <a:xfrm>
-            <a:off x="4793804" y="4003699"/>
-            <a:ext cx="864000" cy="868649"/>
+            <a:off x="3134147" y="1654820"/>
+            <a:ext cx="864000" cy="868650"/>
           </a:xfrm>
           <a:prstGeom prst="rect">
             <a:avLst/>
@@ -6279,14 +6284,14 @@
       </p:pic>
       <p:sp>
         <p:nvSpPr>
-          <p:cNvPr id="14" name="Snip Diagonal Corner Rectangle 13"/>
+          <p:cNvPr id="16" name="Snip Diagonal Corner Rectangle 15"/>
           <p:cNvSpPr/>
           <p:nvPr/>
         </p:nvSpPr>
         <p:spPr>
           <a:xfrm rot="18900000">
-            <a:off x="6584878" y="3132057"/>
-            <a:ext cx="595012" cy="139761"/>
+            <a:off x="4822730" y="786225"/>
+            <a:ext cx="595012" cy="139762"/>
           </a:xfrm>
           <a:prstGeom prst="snip2DiagRect">
             <a:avLst>
@@ -6326,7 +6331,7 @@
           <a:p>
             <a:pPr algn="ctr"/>
             <a:r>
-              <a:rPr lang="de-DE" sz="1100" smtClean="0">
+              <a:rPr lang="de-DE" sz="1100">
                 <a:solidFill>
                   <a:srgbClr val="C00000"/>
                 </a:solidFill>
@@ -6343,14 +6348,14 @@
       </p:sp>
       <p:sp>
         <p:nvSpPr>
-          <p:cNvPr id="15" name="Snip Diagonal Corner Rectangle 14"/>
+          <p:cNvPr id="18" name="Snip Diagonal Corner Rectangle 17"/>
           <p:cNvSpPr/>
           <p:nvPr/>
         </p:nvSpPr>
         <p:spPr>
           <a:xfrm rot="18900000">
-            <a:off x="6604720" y="3569319"/>
-            <a:ext cx="555331" cy="139761"/>
+            <a:off x="3208667" y="2116826"/>
+            <a:ext cx="874782" cy="182130"/>
           </a:xfrm>
           <a:prstGeom prst="snip2DiagRect">
             <a:avLst>
@@ -6390,7 +6395,7 @@
           <a:p>
             <a:pPr algn="ctr"/>
             <a:r>
-              <a:rPr lang="de-DE" sz="1100" smtClean="0">
+              <a:rPr lang="de-DE" sz="1100">
                 <a:solidFill>
                   <a:srgbClr val="C00000"/>
                 </a:solidFill>
@@ -6407,14 +6412,14 @@
       </p:sp>
       <p:sp>
         <p:nvSpPr>
-          <p:cNvPr id="16" name="Snip Diagonal Corner Rectangle 15"/>
+          <p:cNvPr id="21" name="Snip Diagonal Corner Rectangle 20"/>
           <p:cNvSpPr/>
           <p:nvPr/>
         </p:nvSpPr>
         <p:spPr>
           <a:xfrm rot="18900000">
-            <a:off x="4868324" y="4465706"/>
-            <a:ext cx="874782" cy="182129"/>
+            <a:off x="4745754" y="1218273"/>
+            <a:ext cx="595012" cy="139762"/>
           </a:xfrm>
           <a:prstGeom prst="snip2DiagRect">
             <a:avLst>
@@ -6454,7 +6459,7 @@
           <a:p>
             <a:pPr algn="ctr"/>
             <a:r>
-              <a:rPr lang="de-DE" sz="1100" smtClean="0">
+              <a:rPr lang="de-DE" sz="1100">
                 <a:solidFill>
                   <a:srgbClr val="C00000"/>
                 </a:solidFill>
@@ -6472,7 +6477,7 @@
     </p:spTree>
     <p:extLst>
       <p:ext uri="{BB962C8B-B14F-4D97-AF65-F5344CB8AC3E}">
-        <p14:creationId xmlns:p14="http://schemas.microsoft.com/office/powerpoint/2010/main" val="1265585573"/>
+        <p14:creationId xmlns:p14="http://schemas.microsoft.com/office/powerpoint/2010/main" val="1003733918"/>
       </p:ext>
     </p:extLst>
   </p:cSld>

--- a/media/process.pptx
+++ b/media/process.pptx
@@ -5,9 +5,9 @@
     <p:sldMasterId id="2147483648" r:id="rId1"/>
   </p:sldMasterIdLst>
   <p:sldIdLst>
-    <p:sldId id="257" r:id="rId2"/>
+    <p:sldId id="256" r:id="rId2"/>
   </p:sldIdLst>
-  <p:sldSz cx="9144000" cy="6858000" type="screen4x3"/>
+  <p:sldSz cx="5832475" cy="2663825"/>
   <p:notesSz cx="6858000" cy="9144000"/>
   <p:defaultTextStyle>
     <a:defPPr>
@@ -1102,27 +1102,27 @@
   </dgm:ptLst>
   <dgm:cxnLst>
     <dgm:cxn modelId="{54F6DCAE-619D-42BE-B359-6891D91846B4}" srcId="{0EB6BE91-E96C-4587-B286-5EF2C7262826}" destId="{EEC9F6EC-8789-4FD2-AFDB-B5D63A1CC8D1}" srcOrd="3" destOrd="0" parTransId="{79854CB4-F935-4D6E-B728-486399EE6BDB}" sibTransId="{20B5F3EB-8661-4D60-93D7-73B5B19D977C}"/>
-    <dgm:cxn modelId="{82F19BD7-B0D4-436A-8087-19B6D5208089}" type="presOf" srcId="{0EB6BE91-E96C-4587-B286-5EF2C7262826}" destId="{40F79579-AB6F-4F17-958C-F0D3416B4228}" srcOrd="0" destOrd="0" presId="urn:microsoft.com/office/officeart/2005/8/layout/chevron1"/>
-    <dgm:cxn modelId="{581E5E19-74DD-4BD4-9E91-C936A92B7D07}" srcId="{0EB6BE91-E96C-4587-B286-5EF2C7262826}" destId="{A5B2C75E-273A-4404-BE80-6201C68C9EDB}" srcOrd="2" destOrd="0" parTransId="{9C1B37AE-8899-425A-9733-080D2E6FF2E6}" sibTransId="{0478BD90-2D3C-4CB6-B8EC-15F6D84F2E91}"/>
-    <dgm:cxn modelId="{F2CC6D7F-C025-45A8-981E-382320AC1A48}" type="presOf" srcId="{09F6A35B-5D5C-4AEE-B2DF-B5B910646C5D}" destId="{1A0BED00-428A-4143-A6E6-7058B43EE6E3}" srcOrd="0" destOrd="0" presId="urn:microsoft.com/office/officeart/2005/8/layout/chevron1"/>
+    <dgm:cxn modelId="{0EBE4204-F5CD-4033-AC2D-B60BB29C3F50}" type="presOf" srcId="{A5B2C75E-273A-4404-BE80-6201C68C9EDB}" destId="{01FCF690-3A52-4BF2-9135-B54D20ED08E1}" srcOrd="0" destOrd="0" presId="urn:microsoft.com/office/officeart/2005/8/layout/chevron1"/>
+    <dgm:cxn modelId="{645C62F6-B80A-4127-A667-DA7D6EC0C84A}" type="presOf" srcId="{EEC9F6EC-8789-4FD2-AFDB-B5D63A1CC8D1}" destId="{4B65C82B-1FAF-4964-93C3-3E28BC03D6B9}" srcOrd="0" destOrd="0" presId="urn:microsoft.com/office/officeart/2005/8/layout/chevron1"/>
     <dgm:cxn modelId="{C978F6E0-33DC-4BF5-B0FA-738B3B674938}" srcId="{0EB6BE91-E96C-4587-B286-5EF2C7262826}" destId="{FF8ADAA4-FAFF-4095-AF09-16995FC20993}" srcOrd="0" destOrd="0" parTransId="{1A273BF8-4C09-4D0B-AA7C-98C7B5C24182}" sibTransId="{ABBA3832-E26D-4EE6-861B-1A3D690B764A}"/>
     <dgm:cxn modelId="{7A5B3EA0-554E-4790-8F68-8B6183D8A9D1}" srcId="{0EB6BE91-E96C-4587-B286-5EF2C7262826}" destId="{09F6A35B-5D5C-4AEE-B2DF-B5B910646C5D}" srcOrd="1" destOrd="0" parTransId="{A4135FA8-EB46-4822-9E73-F70DD89BD922}" sibTransId="{A9D07AFB-BB37-435B-A8DC-79DB8CBDEAC4}"/>
-    <dgm:cxn modelId="{0CB9751A-7E5D-4DD4-9342-202D86721772}" type="presOf" srcId="{FF8ADAA4-FAFF-4095-AF09-16995FC20993}" destId="{2B535912-FFB7-4908-8C3B-3E30209641D3}" srcOrd="0" destOrd="0" presId="urn:microsoft.com/office/officeart/2005/8/layout/chevron1"/>
-    <dgm:cxn modelId="{25AC0802-ACB4-44FE-A4B2-4459BCE9592D}" type="presOf" srcId="{EEC9F6EC-8789-4FD2-AFDB-B5D63A1CC8D1}" destId="{4B65C82B-1FAF-4964-93C3-3E28BC03D6B9}" srcOrd="0" destOrd="0" presId="urn:microsoft.com/office/officeart/2005/8/layout/chevron1"/>
-    <dgm:cxn modelId="{8014BE5C-D31F-48EB-BB4A-9464B5C62E6C}" type="presOf" srcId="{A5B2C75E-273A-4404-BE80-6201C68C9EDB}" destId="{01FCF690-3A52-4BF2-9135-B54D20ED08E1}" srcOrd="0" destOrd="0" presId="urn:microsoft.com/office/officeart/2005/8/layout/chevron1"/>
-    <dgm:cxn modelId="{8A5B0405-4B14-4294-B449-C06C3AB89473}" type="presParOf" srcId="{40F79579-AB6F-4F17-958C-F0D3416B4228}" destId="{2B535912-FFB7-4908-8C3B-3E30209641D3}" srcOrd="0" destOrd="0" presId="urn:microsoft.com/office/officeart/2005/8/layout/chevron1"/>
-    <dgm:cxn modelId="{991820AE-E68B-4CA9-8E11-E36E2EAAA5B0}" type="presParOf" srcId="{40F79579-AB6F-4F17-958C-F0D3416B4228}" destId="{C73F4BF3-7799-44F7-8781-176942C4589B}" srcOrd="1" destOrd="0" presId="urn:microsoft.com/office/officeart/2005/8/layout/chevron1"/>
-    <dgm:cxn modelId="{576598E0-834C-4F8E-AEC4-B3555620A9B2}" type="presParOf" srcId="{40F79579-AB6F-4F17-958C-F0D3416B4228}" destId="{1A0BED00-428A-4143-A6E6-7058B43EE6E3}" srcOrd="2" destOrd="0" presId="urn:microsoft.com/office/officeart/2005/8/layout/chevron1"/>
-    <dgm:cxn modelId="{FA88F180-71DA-4DB0-8AC9-C75369D4A0E6}" type="presParOf" srcId="{40F79579-AB6F-4F17-958C-F0D3416B4228}" destId="{9BFF179C-5738-4598-8B83-B87080C5F443}" srcOrd="3" destOrd="0" presId="urn:microsoft.com/office/officeart/2005/8/layout/chevron1"/>
-    <dgm:cxn modelId="{B05254A1-FDE8-40EA-B90A-D20C46890074}" type="presParOf" srcId="{40F79579-AB6F-4F17-958C-F0D3416B4228}" destId="{01FCF690-3A52-4BF2-9135-B54D20ED08E1}" srcOrd="4" destOrd="0" presId="urn:microsoft.com/office/officeart/2005/8/layout/chevron1"/>
-    <dgm:cxn modelId="{9F958F3D-F3C3-46B3-AE33-E602800DD4B0}" type="presParOf" srcId="{40F79579-AB6F-4F17-958C-F0D3416B4228}" destId="{3A767838-6DEF-4E87-8881-32B6DFC6B014}" srcOrd="5" destOrd="0" presId="urn:microsoft.com/office/officeart/2005/8/layout/chevron1"/>
-    <dgm:cxn modelId="{916CA450-7487-4D08-AEC1-D3F580EEB2E4}" type="presParOf" srcId="{40F79579-AB6F-4F17-958C-F0D3416B4228}" destId="{4B65C82B-1FAF-4964-93C3-3E28BC03D6B9}" srcOrd="6" destOrd="0" presId="urn:microsoft.com/office/officeart/2005/8/layout/chevron1"/>
+    <dgm:cxn modelId="{581E5E19-74DD-4BD4-9E91-C936A92B7D07}" srcId="{0EB6BE91-E96C-4587-B286-5EF2C7262826}" destId="{A5B2C75E-273A-4404-BE80-6201C68C9EDB}" srcOrd="2" destOrd="0" parTransId="{9C1B37AE-8899-425A-9733-080D2E6FF2E6}" sibTransId="{0478BD90-2D3C-4CB6-B8EC-15F6D84F2E91}"/>
+    <dgm:cxn modelId="{8ABD9DDB-7661-4F63-9289-B8C427EF698D}" type="presOf" srcId="{0EB6BE91-E96C-4587-B286-5EF2C7262826}" destId="{40F79579-AB6F-4F17-958C-F0D3416B4228}" srcOrd="0" destOrd="0" presId="urn:microsoft.com/office/officeart/2005/8/layout/chevron1"/>
+    <dgm:cxn modelId="{1CDC1B4C-33A3-47F4-8423-5B84EB50D3FD}" type="presOf" srcId="{FF8ADAA4-FAFF-4095-AF09-16995FC20993}" destId="{2B535912-FFB7-4908-8C3B-3E30209641D3}" srcOrd="0" destOrd="0" presId="urn:microsoft.com/office/officeart/2005/8/layout/chevron1"/>
+    <dgm:cxn modelId="{4BCF09DB-40CA-47AD-A6A2-F51631F1067F}" type="presOf" srcId="{09F6A35B-5D5C-4AEE-B2DF-B5B910646C5D}" destId="{1A0BED00-428A-4143-A6E6-7058B43EE6E3}" srcOrd="0" destOrd="0" presId="urn:microsoft.com/office/officeart/2005/8/layout/chevron1"/>
+    <dgm:cxn modelId="{6AFB5EFE-DC13-4E11-A1AF-50A0DD8FDE7B}" type="presParOf" srcId="{40F79579-AB6F-4F17-958C-F0D3416B4228}" destId="{2B535912-FFB7-4908-8C3B-3E30209641D3}" srcOrd="0" destOrd="0" presId="urn:microsoft.com/office/officeart/2005/8/layout/chevron1"/>
+    <dgm:cxn modelId="{790F8F85-E06D-4E75-8E66-D76F28624DCB}" type="presParOf" srcId="{40F79579-AB6F-4F17-958C-F0D3416B4228}" destId="{C73F4BF3-7799-44F7-8781-176942C4589B}" srcOrd="1" destOrd="0" presId="urn:microsoft.com/office/officeart/2005/8/layout/chevron1"/>
+    <dgm:cxn modelId="{CFCBD135-6FD6-4D1A-8F67-184954FF76E5}" type="presParOf" srcId="{40F79579-AB6F-4F17-958C-F0D3416B4228}" destId="{1A0BED00-428A-4143-A6E6-7058B43EE6E3}" srcOrd="2" destOrd="0" presId="urn:microsoft.com/office/officeart/2005/8/layout/chevron1"/>
+    <dgm:cxn modelId="{25149CCD-BB45-4E4B-8853-27D212A2B26E}" type="presParOf" srcId="{40F79579-AB6F-4F17-958C-F0D3416B4228}" destId="{9BFF179C-5738-4598-8B83-B87080C5F443}" srcOrd="3" destOrd="0" presId="urn:microsoft.com/office/officeart/2005/8/layout/chevron1"/>
+    <dgm:cxn modelId="{654D896D-D259-4202-B9F6-303FEA1B7273}" type="presParOf" srcId="{40F79579-AB6F-4F17-958C-F0D3416B4228}" destId="{01FCF690-3A52-4BF2-9135-B54D20ED08E1}" srcOrd="4" destOrd="0" presId="urn:microsoft.com/office/officeart/2005/8/layout/chevron1"/>
+    <dgm:cxn modelId="{76A6A6ED-EE5D-414D-BDFD-BAF2BAE79EF7}" type="presParOf" srcId="{40F79579-AB6F-4F17-958C-F0D3416B4228}" destId="{3A767838-6DEF-4E87-8881-32B6DFC6B014}" srcOrd="5" destOrd="0" presId="urn:microsoft.com/office/officeart/2005/8/layout/chevron1"/>
+    <dgm:cxn modelId="{439562E1-664A-414C-976E-D8C667D4F83D}" type="presParOf" srcId="{40F79579-AB6F-4F17-958C-F0D3416B4228}" destId="{4B65C82B-1FAF-4964-93C3-3E28BC03D6B9}" srcOrd="6" destOrd="0" presId="urn:microsoft.com/office/officeart/2005/8/layout/chevron1"/>
   </dgm:cxnLst>
   <dgm:bg/>
   <dgm:whole/>
   <dgm:extLst>
     <a:ext uri="http://schemas.microsoft.com/office/drawing/2008/diagram">
-      <dsp:dataModelExt xmlns:dsp="http://schemas.microsoft.com/office/drawing/2008/diagram" relId="rId6" minVer="http://schemas.openxmlformats.org/drawingml/2006/diagram"/>
+      <dsp:dataModelExt xmlns:dsp="http://schemas.microsoft.com/office/drawing/2008/diagram" relId="rId8" minVer="http://schemas.openxmlformats.org/drawingml/2006/diagram"/>
     </a:ext>
   </dgm:extLst>
 </dgm:dataModel>
@@ -1220,7 +1220,7 @@
       </dsp:nvSpPr>
       <dsp:spPr>
         <a:xfrm>
-          <a:off x="1378896" y="0"/>
+          <a:off x="1378897" y="0"/>
           <a:ext cx="1529188" cy="288000"/>
         </a:xfrm>
         <a:prstGeom prst="chevron">
@@ -1286,7 +1286,7 @@
         </a:p>
       </dsp:txBody>
       <dsp:txXfrm>
-        <a:off x="1522896" y="0"/>
+        <a:off x="1522897" y="0"/>
         <a:ext cx="1241188" cy="288000"/>
       </dsp:txXfrm>
     </dsp:sp>
@@ -1297,7 +1297,7 @@
       </dsp:nvSpPr>
       <dsp:spPr>
         <a:xfrm>
-          <a:off x="2755166" y="0"/>
+          <a:off x="2755167" y="0"/>
           <a:ext cx="1529188" cy="288000"/>
         </a:xfrm>
         <a:prstGeom prst="chevron">
@@ -1363,7 +1363,7 @@
         </a:p>
       </dsp:txBody>
       <dsp:txXfrm>
-        <a:off x="2899166" y="0"/>
+        <a:off x="2899167" y="0"/>
         <a:ext cx="1241188" cy="288000"/>
       </dsp:txXfrm>
     </dsp:sp>
@@ -1374,7 +1374,7 @@
       </dsp:nvSpPr>
       <dsp:spPr>
         <a:xfrm>
-          <a:off x="4131436" y="0"/>
+          <a:off x="4131437" y="0"/>
           <a:ext cx="1529188" cy="288000"/>
         </a:xfrm>
         <a:prstGeom prst="chevron">
@@ -1440,7 +1440,7 @@
         </a:p>
       </dsp:txBody>
       <dsp:txXfrm>
-        <a:off x="4275436" y="0"/>
+        <a:off x="4275437" y="0"/>
         <a:ext cx="1241188" cy="288000"/>
       </dsp:txXfrm>
     </dsp:sp>
@@ -2794,8 +2794,8 @@
         </p:nvSpPr>
         <p:spPr>
           <a:xfrm>
-            <a:off x="685800" y="2130425"/>
-            <a:ext cx="7772400" cy="1470025"/>
+            <a:off x="437436" y="827512"/>
+            <a:ext cx="4957604" cy="570996"/>
           </a:xfrm>
         </p:spPr>
         <p:txBody>
@@ -2822,8 +2822,8 @@
         </p:nvSpPr>
         <p:spPr>
           <a:xfrm>
-            <a:off x="1371600" y="3886200"/>
-            <a:ext cx="6400800" cy="1752600"/>
+            <a:off x="874871" y="1509501"/>
+            <a:ext cx="4082733" cy="680755"/>
           </a:xfrm>
         </p:spPr>
         <p:txBody>
@@ -2944,9 +2944,9 @@
           <a:bodyPr/>
           <a:lstStyle/>
           <a:p>
-            <a:fld id="{6C8335E5-3EB6-4D08-918F-E35006D16DD5}" type="datetimeFigureOut">
-              <a:rPr lang="en-US" smtClean="0"/>
-              <a:t>2/6/2017</a:t>
+            <a:fld id="{386DBA8E-C001-4E68-8804-59F1C445E801}" type="datetimeFigureOut">
+              <a:rPr lang="en-US" smtClean="0"/>
+              <a:t>2/9/2017</a:t>
             </a:fld>
             <a:endParaRPr lang="en-US"/>
           </a:p>
@@ -2986,7 +2986,7 @@
           <a:bodyPr/>
           <a:lstStyle/>
           <a:p>
-            <a:fld id="{92BD48C5-E833-4A60-98E6-6650A0296325}" type="slidenum">
+            <a:fld id="{A746E901-D716-41C0-9E0F-C60D13567B4A}" type="slidenum">
               <a:rPr lang="en-US" smtClean="0"/>
               <a:t>‹#›</a:t>
             </a:fld>
@@ -2997,7 +2997,7 @@
     </p:spTree>
     <p:extLst>
       <p:ext uri="{BB962C8B-B14F-4D97-AF65-F5344CB8AC3E}">
-        <p14:creationId xmlns:p14="http://schemas.microsoft.com/office/powerpoint/2010/main" val="3195193068"/>
+        <p14:creationId xmlns:p14="http://schemas.microsoft.com/office/powerpoint/2010/main" val="2863952165"/>
       </p:ext>
     </p:extLst>
   </p:cSld>
@@ -3114,9 +3114,9 @@
           <a:bodyPr/>
           <a:lstStyle/>
           <a:p>
-            <a:fld id="{6C8335E5-3EB6-4D08-918F-E35006D16DD5}" type="datetimeFigureOut">
-              <a:rPr lang="en-US" smtClean="0"/>
-              <a:t>2/6/2017</a:t>
+            <a:fld id="{386DBA8E-C001-4E68-8804-59F1C445E801}" type="datetimeFigureOut">
+              <a:rPr lang="en-US" smtClean="0"/>
+              <a:t>2/9/2017</a:t>
             </a:fld>
             <a:endParaRPr lang="en-US"/>
           </a:p>
@@ -3156,7 +3156,7 @@
           <a:bodyPr/>
           <a:lstStyle/>
           <a:p>
-            <a:fld id="{92BD48C5-E833-4A60-98E6-6650A0296325}" type="slidenum">
+            <a:fld id="{A746E901-D716-41C0-9E0F-C60D13567B4A}" type="slidenum">
               <a:rPr lang="en-US" smtClean="0"/>
               <a:t>‹#›</a:t>
             </a:fld>
@@ -3167,7 +3167,7 @@
     </p:spTree>
     <p:extLst>
       <p:ext uri="{BB962C8B-B14F-4D97-AF65-F5344CB8AC3E}">
-        <p14:creationId xmlns:p14="http://schemas.microsoft.com/office/powerpoint/2010/main" val="3737056548"/>
+        <p14:creationId xmlns:p14="http://schemas.microsoft.com/office/powerpoint/2010/main" val="2133585190"/>
       </p:ext>
     </p:extLst>
   </p:cSld>
@@ -3206,8 +3206,8 @@
         </p:nvSpPr>
         <p:spPr>
           <a:xfrm>
-            <a:off x="6629400" y="274638"/>
-            <a:ext cx="2057400" cy="5851525"/>
+            <a:off x="2697520" y="414373"/>
+            <a:ext cx="836393" cy="8830087"/>
           </a:xfrm>
         </p:spPr>
         <p:txBody>
@@ -3234,8 +3234,8 @@
         </p:nvSpPr>
         <p:spPr>
           <a:xfrm>
-            <a:off x="457200" y="274638"/>
-            <a:ext cx="6019800" cy="5851525"/>
+            <a:off x="186316" y="414373"/>
+            <a:ext cx="2413997" cy="8830087"/>
           </a:xfrm>
         </p:spPr>
         <p:txBody>
@@ -3294,9 +3294,9 @@
           <a:bodyPr/>
           <a:lstStyle/>
           <a:p>
-            <a:fld id="{6C8335E5-3EB6-4D08-918F-E35006D16DD5}" type="datetimeFigureOut">
-              <a:rPr lang="en-US" smtClean="0"/>
-              <a:t>2/6/2017</a:t>
+            <a:fld id="{386DBA8E-C001-4E68-8804-59F1C445E801}" type="datetimeFigureOut">
+              <a:rPr lang="en-US" smtClean="0"/>
+              <a:t>2/9/2017</a:t>
             </a:fld>
             <a:endParaRPr lang="en-US"/>
           </a:p>
@@ -3336,7 +3336,7 @@
           <a:bodyPr/>
           <a:lstStyle/>
           <a:p>
-            <a:fld id="{92BD48C5-E833-4A60-98E6-6650A0296325}" type="slidenum">
+            <a:fld id="{A746E901-D716-41C0-9E0F-C60D13567B4A}" type="slidenum">
               <a:rPr lang="en-US" smtClean="0"/>
               <a:t>‹#›</a:t>
             </a:fld>
@@ -3347,7 +3347,7 @@
     </p:spTree>
     <p:extLst>
       <p:ext uri="{BB962C8B-B14F-4D97-AF65-F5344CB8AC3E}">
-        <p14:creationId xmlns:p14="http://schemas.microsoft.com/office/powerpoint/2010/main" val="1034284780"/>
+        <p14:creationId xmlns:p14="http://schemas.microsoft.com/office/powerpoint/2010/main" val="1606662952"/>
       </p:ext>
     </p:extLst>
   </p:cSld>
@@ -3464,9 +3464,9 @@
           <a:bodyPr/>
           <a:lstStyle/>
           <a:p>
-            <a:fld id="{6C8335E5-3EB6-4D08-918F-E35006D16DD5}" type="datetimeFigureOut">
-              <a:rPr lang="en-US" smtClean="0"/>
-              <a:t>2/6/2017</a:t>
+            <a:fld id="{386DBA8E-C001-4E68-8804-59F1C445E801}" type="datetimeFigureOut">
+              <a:rPr lang="en-US" smtClean="0"/>
+              <a:t>2/9/2017</a:t>
             </a:fld>
             <a:endParaRPr lang="en-US"/>
           </a:p>
@@ -3506,7 +3506,7 @@
           <a:bodyPr/>
           <a:lstStyle/>
           <a:p>
-            <a:fld id="{92BD48C5-E833-4A60-98E6-6650A0296325}" type="slidenum">
+            <a:fld id="{A746E901-D716-41C0-9E0F-C60D13567B4A}" type="slidenum">
               <a:rPr lang="en-US" smtClean="0"/>
               <a:t>‹#›</a:t>
             </a:fld>
@@ -3517,7 +3517,7 @@
     </p:spTree>
     <p:extLst>
       <p:ext uri="{BB962C8B-B14F-4D97-AF65-F5344CB8AC3E}">
-        <p14:creationId xmlns:p14="http://schemas.microsoft.com/office/powerpoint/2010/main" val="2384194162"/>
+        <p14:creationId xmlns:p14="http://schemas.microsoft.com/office/powerpoint/2010/main" val="2705505806"/>
       </p:ext>
     </p:extLst>
   </p:cSld>
@@ -3556,8 +3556,8 @@
         </p:nvSpPr>
         <p:spPr>
           <a:xfrm>
-            <a:off x="722313" y="4406900"/>
-            <a:ext cx="7772400" cy="1362075"/>
+            <a:off x="460725" y="1711755"/>
+            <a:ext cx="4957604" cy="529065"/>
           </a:xfrm>
         </p:spPr>
         <p:txBody>
@@ -3588,8 +3588,8 @@
         </p:nvSpPr>
         <p:spPr>
           <a:xfrm>
-            <a:off x="722313" y="2906713"/>
-            <a:ext cx="7772400" cy="1500187"/>
+            <a:off x="460725" y="1129043"/>
+            <a:ext cx="4957604" cy="582712"/>
           </a:xfrm>
         </p:spPr>
         <p:txBody>
@@ -3710,9 +3710,9 @@
           <a:bodyPr/>
           <a:lstStyle/>
           <a:p>
-            <a:fld id="{6C8335E5-3EB6-4D08-918F-E35006D16DD5}" type="datetimeFigureOut">
-              <a:rPr lang="en-US" smtClean="0"/>
-              <a:t>2/6/2017</a:t>
+            <a:fld id="{386DBA8E-C001-4E68-8804-59F1C445E801}" type="datetimeFigureOut">
+              <a:rPr lang="en-US" smtClean="0"/>
+              <a:t>2/9/2017</a:t>
             </a:fld>
             <a:endParaRPr lang="en-US"/>
           </a:p>
@@ -3752,7 +3752,7 @@
           <a:bodyPr/>
           <a:lstStyle/>
           <a:p>
-            <a:fld id="{92BD48C5-E833-4A60-98E6-6650A0296325}" type="slidenum">
+            <a:fld id="{A746E901-D716-41C0-9E0F-C60D13567B4A}" type="slidenum">
               <a:rPr lang="en-US" smtClean="0"/>
               <a:t>‹#›</a:t>
             </a:fld>
@@ -3763,7 +3763,7 @@
     </p:spTree>
     <p:extLst>
       <p:ext uri="{BB962C8B-B14F-4D97-AF65-F5344CB8AC3E}">
-        <p14:creationId xmlns:p14="http://schemas.microsoft.com/office/powerpoint/2010/main" val="3250675846"/>
+        <p14:creationId xmlns:p14="http://schemas.microsoft.com/office/powerpoint/2010/main" val="238253875"/>
       </p:ext>
     </p:extLst>
   </p:cSld>
@@ -3825,8 +3825,8 @@
         </p:nvSpPr>
         <p:spPr>
           <a:xfrm>
-            <a:off x="457200" y="1600200"/>
-            <a:ext cx="4038600" cy="4525963"/>
+            <a:off x="186316" y="2414708"/>
+            <a:ext cx="1625195" cy="6829751"/>
           </a:xfrm>
         </p:spPr>
         <p:txBody>
@@ -3910,8 +3910,8 @@
         </p:nvSpPr>
         <p:spPr>
           <a:xfrm>
-            <a:off x="4648200" y="1600200"/>
-            <a:ext cx="4038600" cy="4525963"/>
+            <a:off x="1908719" y="2414708"/>
+            <a:ext cx="1625195" cy="6829751"/>
           </a:xfrm>
         </p:spPr>
         <p:txBody>
@@ -3998,9 +3998,9 @@
           <a:bodyPr/>
           <a:lstStyle/>
           <a:p>
-            <a:fld id="{6C8335E5-3EB6-4D08-918F-E35006D16DD5}" type="datetimeFigureOut">
-              <a:rPr lang="en-US" smtClean="0"/>
-              <a:t>2/6/2017</a:t>
+            <a:fld id="{386DBA8E-C001-4E68-8804-59F1C445E801}" type="datetimeFigureOut">
+              <a:rPr lang="en-US" smtClean="0"/>
+              <a:t>2/9/2017</a:t>
             </a:fld>
             <a:endParaRPr lang="en-US"/>
           </a:p>
@@ -4040,7 +4040,7 @@
           <a:bodyPr/>
           <a:lstStyle/>
           <a:p>
-            <a:fld id="{92BD48C5-E833-4A60-98E6-6650A0296325}" type="slidenum">
+            <a:fld id="{A746E901-D716-41C0-9E0F-C60D13567B4A}" type="slidenum">
               <a:rPr lang="en-US" smtClean="0"/>
               <a:t>‹#›</a:t>
             </a:fld>
@@ -4051,7 +4051,7 @@
     </p:spTree>
     <p:extLst>
       <p:ext uri="{BB962C8B-B14F-4D97-AF65-F5344CB8AC3E}">
-        <p14:creationId xmlns:p14="http://schemas.microsoft.com/office/powerpoint/2010/main" val="2811939616"/>
+        <p14:creationId xmlns:p14="http://schemas.microsoft.com/office/powerpoint/2010/main" val="3259131391"/>
       </p:ext>
     </p:extLst>
   </p:cSld>
@@ -4088,7 +4088,12 @@
             <p:ph type="title"/>
           </p:nvPr>
         </p:nvSpPr>
-        <p:spPr/>
+        <p:spPr>
+          <a:xfrm>
+            <a:off x="291624" y="106676"/>
+            <a:ext cx="5249228" cy="443971"/>
+          </a:xfrm>
+        </p:spPr>
         <p:txBody>
           <a:bodyPr/>
           <a:lstStyle>
@@ -4117,8 +4122,8 @@
         </p:nvSpPr>
         <p:spPr>
           <a:xfrm>
-            <a:off x="457200" y="1535113"/>
-            <a:ext cx="4040188" cy="639762"/>
+            <a:off x="291625" y="596278"/>
+            <a:ext cx="2577023" cy="248500"/>
           </a:xfrm>
         </p:spPr>
         <p:txBody>
@@ -4182,8 +4187,8 @@
         </p:nvSpPr>
         <p:spPr>
           <a:xfrm>
-            <a:off x="457200" y="2174875"/>
-            <a:ext cx="4040188" cy="3951288"/>
+            <a:off x="291625" y="844778"/>
+            <a:ext cx="2577023" cy="1534783"/>
           </a:xfrm>
         </p:spPr>
         <p:txBody>
@@ -4267,8 +4272,8 @@
         </p:nvSpPr>
         <p:spPr>
           <a:xfrm>
-            <a:off x="4645025" y="1535113"/>
-            <a:ext cx="4041775" cy="639762"/>
+            <a:off x="2962818" y="596278"/>
+            <a:ext cx="2578035" cy="248500"/>
           </a:xfrm>
         </p:spPr>
         <p:txBody>
@@ -4332,8 +4337,8 @@
         </p:nvSpPr>
         <p:spPr>
           <a:xfrm>
-            <a:off x="4645025" y="2174875"/>
-            <a:ext cx="4041775" cy="3951288"/>
+            <a:off x="2962818" y="844778"/>
+            <a:ext cx="2578035" cy="1534783"/>
           </a:xfrm>
         </p:spPr>
         <p:txBody>
@@ -4420,9 +4425,9 @@
           <a:bodyPr/>
           <a:lstStyle/>
           <a:p>
-            <a:fld id="{6C8335E5-3EB6-4D08-918F-E35006D16DD5}" type="datetimeFigureOut">
-              <a:rPr lang="en-US" smtClean="0"/>
-              <a:t>2/6/2017</a:t>
+            <a:fld id="{386DBA8E-C001-4E68-8804-59F1C445E801}" type="datetimeFigureOut">
+              <a:rPr lang="en-US" smtClean="0"/>
+              <a:t>2/9/2017</a:t>
             </a:fld>
             <a:endParaRPr lang="en-US"/>
           </a:p>
@@ -4462,7 +4467,7 @@
           <a:bodyPr/>
           <a:lstStyle/>
           <a:p>
-            <a:fld id="{92BD48C5-E833-4A60-98E6-6650A0296325}" type="slidenum">
+            <a:fld id="{A746E901-D716-41C0-9E0F-C60D13567B4A}" type="slidenum">
               <a:rPr lang="en-US" smtClean="0"/>
               <a:t>‹#›</a:t>
             </a:fld>
@@ -4473,7 +4478,7 @@
     </p:spTree>
     <p:extLst>
       <p:ext uri="{BB962C8B-B14F-4D97-AF65-F5344CB8AC3E}">
-        <p14:creationId xmlns:p14="http://schemas.microsoft.com/office/powerpoint/2010/main" val="3081559569"/>
+        <p14:creationId xmlns:p14="http://schemas.microsoft.com/office/powerpoint/2010/main" val="375435350"/>
       </p:ext>
     </p:extLst>
   </p:cSld>
@@ -4538,9 +4543,9 @@
           <a:bodyPr/>
           <a:lstStyle/>
           <a:p>
-            <a:fld id="{6C8335E5-3EB6-4D08-918F-E35006D16DD5}" type="datetimeFigureOut">
-              <a:rPr lang="en-US" smtClean="0"/>
-              <a:t>2/6/2017</a:t>
+            <a:fld id="{386DBA8E-C001-4E68-8804-59F1C445E801}" type="datetimeFigureOut">
+              <a:rPr lang="en-US" smtClean="0"/>
+              <a:t>2/9/2017</a:t>
             </a:fld>
             <a:endParaRPr lang="en-US"/>
           </a:p>
@@ -4580,7 +4585,7 @@
           <a:bodyPr/>
           <a:lstStyle/>
           <a:p>
-            <a:fld id="{92BD48C5-E833-4A60-98E6-6650A0296325}" type="slidenum">
+            <a:fld id="{A746E901-D716-41C0-9E0F-C60D13567B4A}" type="slidenum">
               <a:rPr lang="en-US" smtClean="0"/>
               <a:t>‹#›</a:t>
             </a:fld>
@@ -4591,7 +4596,7 @@
     </p:spTree>
     <p:extLst>
       <p:ext uri="{BB962C8B-B14F-4D97-AF65-F5344CB8AC3E}">
-        <p14:creationId xmlns:p14="http://schemas.microsoft.com/office/powerpoint/2010/main" val="1391063910"/>
+        <p14:creationId xmlns:p14="http://schemas.microsoft.com/office/powerpoint/2010/main" val="1696591400"/>
       </p:ext>
     </p:extLst>
   </p:cSld>
@@ -4633,9 +4638,9 @@
           <a:bodyPr/>
           <a:lstStyle/>
           <a:p>
-            <a:fld id="{6C8335E5-3EB6-4D08-918F-E35006D16DD5}" type="datetimeFigureOut">
-              <a:rPr lang="en-US" smtClean="0"/>
-              <a:t>2/6/2017</a:t>
+            <a:fld id="{386DBA8E-C001-4E68-8804-59F1C445E801}" type="datetimeFigureOut">
+              <a:rPr lang="en-US" smtClean="0"/>
+              <a:t>2/9/2017</a:t>
             </a:fld>
             <a:endParaRPr lang="en-US"/>
           </a:p>
@@ -4675,7 +4680,7 @@
           <a:bodyPr/>
           <a:lstStyle/>
           <a:p>
-            <a:fld id="{92BD48C5-E833-4A60-98E6-6650A0296325}" type="slidenum">
+            <a:fld id="{A746E901-D716-41C0-9E0F-C60D13567B4A}" type="slidenum">
               <a:rPr lang="en-US" smtClean="0"/>
               <a:t>‹#›</a:t>
             </a:fld>
@@ -4686,7 +4691,7 @@
     </p:spTree>
     <p:extLst>
       <p:ext uri="{BB962C8B-B14F-4D97-AF65-F5344CB8AC3E}">
-        <p14:creationId xmlns:p14="http://schemas.microsoft.com/office/powerpoint/2010/main" val="4168156507"/>
+        <p14:creationId xmlns:p14="http://schemas.microsoft.com/office/powerpoint/2010/main" val="2675070685"/>
       </p:ext>
     </p:extLst>
   </p:cSld>
@@ -4725,8 +4730,8 @@
         </p:nvSpPr>
         <p:spPr>
           <a:xfrm>
-            <a:off x="457200" y="273050"/>
-            <a:ext cx="3008313" cy="1162050"/>
+            <a:off x="291624" y="106060"/>
+            <a:ext cx="1918844" cy="451370"/>
           </a:xfrm>
         </p:spPr>
         <p:txBody>
@@ -4757,8 +4762,8 @@
         </p:nvSpPr>
         <p:spPr>
           <a:xfrm>
-            <a:off x="3575050" y="273050"/>
-            <a:ext cx="5111750" cy="5853113"/>
+            <a:off x="2280335" y="106060"/>
+            <a:ext cx="3260516" cy="2273501"/>
           </a:xfrm>
         </p:spPr>
         <p:txBody>
@@ -4842,8 +4847,8 @@
         </p:nvSpPr>
         <p:spPr>
           <a:xfrm>
-            <a:off x="457200" y="1435100"/>
-            <a:ext cx="3008313" cy="4691063"/>
+            <a:off x="291624" y="557431"/>
+            <a:ext cx="1918844" cy="1822130"/>
           </a:xfrm>
         </p:spPr>
         <p:txBody>
@@ -4910,9 +4915,9 @@
           <a:bodyPr/>
           <a:lstStyle/>
           <a:p>
-            <a:fld id="{6C8335E5-3EB6-4D08-918F-E35006D16DD5}" type="datetimeFigureOut">
-              <a:rPr lang="en-US" smtClean="0"/>
-              <a:t>2/6/2017</a:t>
+            <a:fld id="{386DBA8E-C001-4E68-8804-59F1C445E801}" type="datetimeFigureOut">
+              <a:rPr lang="en-US" smtClean="0"/>
+              <a:t>2/9/2017</a:t>
             </a:fld>
             <a:endParaRPr lang="en-US"/>
           </a:p>
@@ -4952,7 +4957,7 @@
           <a:bodyPr/>
           <a:lstStyle/>
           <a:p>
-            <a:fld id="{92BD48C5-E833-4A60-98E6-6650A0296325}" type="slidenum">
+            <a:fld id="{A746E901-D716-41C0-9E0F-C60D13567B4A}" type="slidenum">
               <a:rPr lang="en-US" smtClean="0"/>
               <a:t>‹#›</a:t>
             </a:fld>
@@ -4963,7 +4968,7 @@
     </p:spTree>
     <p:extLst>
       <p:ext uri="{BB962C8B-B14F-4D97-AF65-F5344CB8AC3E}">
-        <p14:creationId xmlns:p14="http://schemas.microsoft.com/office/powerpoint/2010/main" val="1248939493"/>
+        <p14:creationId xmlns:p14="http://schemas.microsoft.com/office/powerpoint/2010/main" val="371003852"/>
       </p:ext>
     </p:extLst>
   </p:cSld>
@@ -5002,8 +5007,8 @@
         </p:nvSpPr>
         <p:spPr>
           <a:xfrm>
-            <a:off x="1792288" y="4800600"/>
-            <a:ext cx="5486400" cy="566738"/>
+            <a:off x="1143207" y="1864677"/>
+            <a:ext cx="3499485" cy="220136"/>
           </a:xfrm>
         </p:spPr>
         <p:txBody>
@@ -5034,8 +5039,8 @@
         </p:nvSpPr>
         <p:spPr>
           <a:xfrm>
-            <a:off x="1792288" y="612775"/>
-            <a:ext cx="5486400" cy="4114800"/>
+            <a:off x="1143207" y="238018"/>
+            <a:ext cx="3499485" cy="1598295"/>
           </a:xfrm>
         </p:spPr>
         <p:txBody>
@@ -5095,8 +5100,8 @@
         </p:nvSpPr>
         <p:spPr>
           <a:xfrm>
-            <a:off x="1792288" y="5367338"/>
-            <a:ext cx="5486400" cy="804862"/>
+            <a:off x="1143207" y="2084813"/>
+            <a:ext cx="3499485" cy="312629"/>
           </a:xfrm>
         </p:spPr>
         <p:txBody>
@@ -5163,9 +5168,9 @@
           <a:bodyPr/>
           <a:lstStyle/>
           <a:p>
-            <a:fld id="{6C8335E5-3EB6-4D08-918F-E35006D16DD5}" type="datetimeFigureOut">
-              <a:rPr lang="en-US" smtClean="0"/>
-              <a:t>2/6/2017</a:t>
+            <a:fld id="{386DBA8E-C001-4E68-8804-59F1C445E801}" type="datetimeFigureOut">
+              <a:rPr lang="en-US" smtClean="0"/>
+              <a:t>2/9/2017</a:t>
             </a:fld>
             <a:endParaRPr lang="en-US"/>
           </a:p>
@@ -5205,7 +5210,7 @@
           <a:bodyPr/>
           <a:lstStyle/>
           <a:p>
-            <a:fld id="{92BD48C5-E833-4A60-98E6-6650A0296325}" type="slidenum">
+            <a:fld id="{A746E901-D716-41C0-9E0F-C60D13567B4A}" type="slidenum">
               <a:rPr lang="en-US" smtClean="0"/>
               <a:t>‹#›</a:t>
             </a:fld>
@@ -5216,7 +5221,7 @@
     </p:spTree>
     <p:extLst>
       <p:ext uri="{BB962C8B-B14F-4D97-AF65-F5344CB8AC3E}">
-        <p14:creationId xmlns:p14="http://schemas.microsoft.com/office/powerpoint/2010/main" val="363843424"/>
+        <p14:creationId xmlns:p14="http://schemas.microsoft.com/office/powerpoint/2010/main" val="3653087689"/>
       </p:ext>
     </p:extLst>
   </p:cSld>
@@ -5260,8 +5265,8 @@
         </p:nvSpPr>
         <p:spPr>
           <a:xfrm>
-            <a:off x="457200" y="274638"/>
-            <a:ext cx="8229600" cy="1143000"/>
+            <a:off x="291624" y="106676"/>
+            <a:ext cx="5249228" cy="443971"/>
           </a:xfrm>
           <a:prstGeom prst="rect">
             <a:avLst/>
@@ -5293,8 +5298,8 @@
         </p:nvSpPr>
         <p:spPr>
           <a:xfrm>
-            <a:off x="457200" y="1600200"/>
-            <a:ext cx="8229600" cy="4525963"/>
+            <a:off x="291624" y="621560"/>
+            <a:ext cx="5249228" cy="1758001"/>
           </a:xfrm>
           <a:prstGeom prst="rect">
             <a:avLst/>
@@ -5355,8 +5360,8 @@
         </p:nvSpPr>
         <p:spPr>
           <a:xfrm>
-            <a:off x="457200" y="6356350"/>
-            <a:ext cx="2133600" cy="365125"/>
+            <a:off x="291625" y="2468971"/>
+            <a:ext cx="1360911" cy="141824"/>
           </a:xfrm>
           <a:prstGeom prst="rect">
             <a:avLst/>
@@ -5376,9 +5381,9 @@
             </a:lvl1pPr>
           </a:lstStyle>
           <a:p>
-            <a:fld id="{6C8335E5-3EB6-4D08-918F-E35006D16DD5}" type="datetimeFigureOut">
-              <a:rPr lang="en-US" smtClean="0"/>
-              <a:t>2/6/2017</a:t>
+            <a:fld id="{386DBA8E-C001-4E68-8804-59F1C445E801}" type="datetimeFigureOut">
+              <a:rPr lang="en-US" smtClean="0"/>
+              <a:t>2/9/2017</a:t>
             </a:fld>
             <a:endParaRPr lang="en-US"/>
           </a:p>
@@ -5396,8 +5401,8 @@
         </p:nvSpPr>
         <p:spPr>
           <a:xfrm>
-            <a:off x="3124200" y="6356350"/>
-            <a:ext cx="2895600" cy="365125"/>
+            <a:off x="1992763" y="2468971"/>
+            <a:ext cx="1846950" cy="141824"/>
           </a:xfrm>
           <a:prstGeom prst="rect">
             <a:avLst/>
@@ -5433,8 +5438,8 @@
         </p:nvSpPr>
         <p:spPr>
           <a:xfrm>
-            <a:off x="6553200" y="6356350"/>
-            <a:ext cx="2133600" cy="365125"/>
+            <a:off x="4179940" y="2468971"/>
+            <a:ext cx="1360911" cy="141824"/>
           </a:xfrm>
           <a:prstGeom prst="rect">
             <a:avLst/>
@@ -5454,7 +5459,7 @@
             </a:lvl1pPr>
           </a:lstStyle>
           <a:p>
-            <a:fld id="{92BD48C5-E833-4A60-98E6-6650A0296325}" type="slidenum">
+            <a:fld id="{A746E901-D716-41C0-9E0F-C60D13567B4A}" type="slidenum">
               <a:rPr lang="en-US" smtClean="0"/>
               <a:t>‹#›</a:t>
             </a:fld>
@@ -5465,7 +5470,7 @@
     </p:spTree>
     <p:extLst>
       <p:ext uri="{BB962C8B-B14F-4D97-AF65-F5344CB8AC3E}">
-        <p14:creationId xmlns:p14="http://schemas.microsoft.com/office/powerpoint/2010/main" val="271520786"/>
+        <p14:creationId xmlns:p14="http://schemas.microsoft.com/office/powerpoint/2010/main" val="2762370001"/>
       </p:ext>
     </p:extLst>
   </p:cSld>
@@ -5755,14 +5760,14 @@
       </p:grpSpPr>
       <p:sp>
         <p:nvSpPr>
-          <p:cNvPr id="3" name="Rectangle 2"/>
+          <p:cNvPr id="4" name="Rectangle 3"/>
           <p:cNvSpPr/>
           <p:nvPr/>
         </p:nvSpPr>
         <p:spPr>
           <a:xfrm>
-            <a:off x="1663105" y="2348880"/>
-            <a:ext cx="5832648" cy="2664296"/>
+            <a:off x="3448" y="0"/>
+            <a:ext cx="5832647" cy="2664297"/>
           </a:xfrm>
           <a:prstGeom prst="rect">
             <a:avLst/>
@@ -5792,7 +5797,7 @@
           </a:fontRef>
         </p:style>
         <p:txBody>
-          <a:bodyPr rtlCol="0" anchor="ctr"/>
+          <a:bodyPr lIns="91420" tIns="45712" rIns="91420" bIns="45712" rtlCol="0" anchor="ctr"/>
           <a:lstStyle/>
           <a:p>
             <a:pPr algn="ctr"/>
@@ -5800,38 +5805,120 @@
           </a:p>
         </p:txBody>
       </p:sp>
+      <p:pic>
+        <p:nvPicPr>
+          <p:cNvPr id="1028" name="Picture 4" descr="http://www.apkreleases.com/wp-content/uploads/2015/03/download-play-store.png"/>
+          <p:cNvPicPr>
+            <a:picLocks noChangeAspect="1" noChangeArrowheads="1"/>
+          </p:cNvPicPr>
+          <p:nvPr/>
+        </p:nvPicPr>
+        <p:blipFill>
+          <a:blip r:embed="rId2" cstate="print">
+            <a:extLst>
+              <a:ext uri="{28A0092B-C50C-407E-A947-70E740481C1C}">
+                <a14:useLocalDpi xmlns:a14="http://schemas.microsoft.com/office/drawing/2010/main" val="0"/>
+              </a:ext>
+            </a:extLst>
+          </a:blip>
+          <a:srcRect/>
+          <a:stretch>
+            <a:fillRect/>
+          </a:stretch>
+        </p:blipFill>
+        <p:spPr bwMode="auto">
+          <a:xfrm>
+            <a:off x="4468620" y="1106273"/>
+            <a:ext cx="1008000" cy="369999"/>
+          </a:xfrm>
+          <a:prstGeom prst="rect">
+            <a:avLst/>
+          </a:prstGeom>
+          <a:noFill/>
+          <a:extLst>
+            <a:ext uri="{909E8E84-426E-40DD-AFC4-6F175D3DCCD1}">
+              <a14:hiddenFill xmlns:a14="http://schemas.microsoft.com/office/drawing/2010/main">
+                <a:solidFill>
+                  <a:srgbClr val="FFFFFF"/>
+                </a:solidFill>
+              </a14:hiddenFill>
+            </a:ext>
+          </a:extLst>
+        </p:spPr>
+      </p:pic>
+      <p:pic>
+        <p:nvPicPr>
+          <p:cNvPr id="1026" name="Picture 2" descr="Bildergebnis für apple app store"/>
+          <p:cNvPicPr>
+            <a:picLocks noChangeAspect="1" noChangeArrowheads="1"/>
+          </p:cNvPicPr>
+          <p:nvPr/>
+        </p:nvPicPr>
+        <p:blipFill>
+          <a:blip r:embed="rId3" cstate="print">
+            <a:extLst>
+              <a:ext uri="{28A0092B-C50C-407E-A947-70E740481C1C}">
+                <a14:useLocalDpi xmlns:a14="http://schemas.microsoft.com/office/drawing/2010/main" val="0"/>
+              </a:ext>
+            </a:extLst>
+          </a:blip>
+          <a:srcRect/>
+          <a:stretch>
+            <a:fillRect/>
+          </a:stretch>
+        </p:blipFill>
+        <p:spPr bwMode="auto">
+          <a:xfrm>
+            <a:off x="4481307" y="684173"/>
+            <a:ext cx="972000" cy="337770"/>
+          </a:xfrm>
+          <a:prstGeom prst="rect">
+            <a:avLst/>
+          </a:prstGeom>
+          <a:noFill/>
+          <a:extLst>
+            <a:ext uri="{909E8E84-426E-40DD-AFC4-6F175D3DCCD1}">
+              <a14:hiddenFill xmlns:a14="http://schemas.microsoft.com/office/drawing/2010/main">
+                <a:solidFill>
+                  <a:srgbClr val="FFFFFF"/>
+                </a:solidFill>
+              </a14:hiddenFill>
+            </a:ext>
+          </a:extLst>
+        </p:spPr>
+      </p:pic>
       <p:graphicFrame>
         <p:nvGraphicFramePr>
-          <p:cNvPr id="4" name="Diagram 3"/>
+          <p:cNvPr id="5" name="Diagram 4"/>
           <p:cNvGraphicFramePr/>
           <p:nvPr>
             <p:extLst>
               <p:ext uri="{D42A27DB-BD31-4B8C-83A1-F6EECF244321}">
-                <p14:modId xmlns:p14="http://schemas.microsoft.com/office/powerpoint/2010/main" val="1348333400"/>
+                <p14:modId xmlns:p14="http://schemas.microsoft.com/office/powerpoint/2010/main" val="1167990110"/>
               </p:ext>
             </p:extLst>
           </p:nvPr>
         </p:nvGraphicFramePr>
         <p:xfrm>
-          <a:off x="1740374" y="2489708"/>
-          <a:ext cx="5663252" cy="288000"/>
+          <a:off x="80718" y="140831"/>
+          <a:ext cx="5663253" cy="288001"/>
         </p:xfrm>
         <a:graphic>
           <a:graphicData uri="http://schemas.openxmlformats.org/drawingml/2006/diagram">
-            <dgm:relIds xmlns:dgm="http://schemas.openxmlformats.org/drawingml/2006/diagram" xmlns:r="http://schemas.openxmlformats.org/officeDocument/2006/relationships" r:dm="rId2" r:lo="rId3" r:qs="rId4" r:cs="rId5"/>
+            <dgm:relIds xmlns:dgm="http://schemas.openxmlformats.org/drawingml/2006/diagram" xmlns:r="http://schemas.openxmlformats.org/officeDocument/2006/relationships" r:dm="rId4" r:lo="rId5" r:qs="rId6" r:cs="rId7"/>
           </a:graphicData>
         </a:graphic>
       </p:graphicFrame>
       <p:pic>
         <p:nvPicPr>
-          <p:cNvPr id="1027" name="Picture 3"/>
+          <p:cNvPr id="6" name="Picture 3"/>
           <p:cNvPicPr>
             <a:picLocks noChangeAspect="1" noChangeArrowheads="1"/>
           </p:cNvPicPr>
           <p:nvPr/>
         </p:nvPicPr>
         <p:blipFill rotWithShape="1">
-          <a:blip r:embed="rId7" cstate="print">
+          <a:blip r:embed="rId9" cstate="print">
             <a:extLst>
               <a:ext uri="{28A0092B-C50C-407E-A947-70E740481C1C}">
                 <a14:useLocalDpi xmlns:a14="http://schemas.microsoft.com/office/drawing/2010/main" val="0"/>
@@ -5843,8 +5930,8 @@
         </p:blipFill>
         <p:spPr bwMode="auto">
           <a:xfrm>
-            <a:off x="4901804" y="3096284"/>
-            <a:ext cx="648000" cy="758115"/>
+            <a:off x="3242147" y="747404"/>
+            <a:ext cx="648000" cy="758116"/>
           </a:xfrm>
           <a:prstGeom prst="rect">
             <a:avLst/>
@@ -5876,89 +5963,7 @@
       </p:pic>
       <p:pic>
         <p:nvPicPr>
-          <p:cNvPr id="1029" name="Picture 5" descr="https://upload.wikimedia.org/wikipedia/commons/thumb/3/3c/Download_on_the_App_Store_Badge.svg/2000px-Download_on_the_App_Store_Badge.svg.png"/>
-          <p:cNvPicPr>
-            <a:picLocks noChangeAspect="1" noChangeArrowheads="1"/>
-          </p:cNvPicPr>
-          <p:nvPr/>
-        </p:nvPicPr>
-        <p:blipFill>
-          <a:blip r:embed="rId8" cstate="print">
-            <a:extLst>
-              <a:ext uri="{28A0092B-C50C-407E-A947-70E740481C1C}">
-                <a14:useLocalDpi xmlns:a14="http://schemas.microsoft.com/office/drawing/2010/main" val="0"/>
-              </a:ext>
-            </a:extLst>
-          </a:blip>
-          <a:srcRect/>
-          <a:stretch>
-            <a:fillRect/>
-          </a:stretch>
-        </p:blipFill>
-        <p:spPr bwMode="auto">
-          <a:xfrm>
-            <a:off x="6137276" y="3065772"/>
-            <a:ext cx="990000" cy="293535"/>
-          </a:xfrm>
-          <a:prstGeom prst="rect">
-            <a:avLst/>
-          </a:prstGeom>
-          <a:noFill/>
-          <a:extLst>
-            <a:ext uri="{909E8E84-426E-40DD-AFC4-6F175D3DCCD1}">
-              <a14:hiddenFill xmlns:a14="http://schemas.microsoft.com/office/drawing/2010/main">
-                <a:solidFill>
-                  <a:srgbClr val="FFFFFF"/>
-                </a:solidFill>
-              </a14:hiddenFill>
-            </a:ext>
-          </a:extLst>
-        </p:spPr>
-      </p:pic>
-      <p:pic>
-        <p:nvPicPr>
-          <p:cNvPr id="1031" name="Picture 7" descr="https://static.cv-library.co.uk/images/app-store-android-download.png"/>
-          <p:cNvPicPr>
-            <a:picLocks noChangeAspect="1" noChangeArrowheads="1"/>
-          </p:cNvPicPr>
-          <p:nvPr/>
-        </p:nvPicPr>
-        <p:blipFill>
-          <a:blip r:embed="rId9" cstate="print">
-            <a:extLst>
-              <a:ext uri="{28A0092B-C50C-407E-A947-70E740481C1C}">
-                <a14:useLocalDpi xmlns:a14="http://schemas.microsoft.com/office/drawing/2010/main" val="0"/>
-              </a:ext>
-            </a:extLst>
-          </a:blip>
-          <a:srcRect/>
-          <a:stretch>
-            <a:fillRect/>
-          </a:stretch>
-        </p:blipFill>
-        <p:spPr bwMode="auto">
-          <a:xfrm>
-            <a:off x="6137276" y="3489869"/>
-            <a:ext cx="990000" cy="293403"/>
-          </a:xfrm>
-          <a:prstGeom prst="rect">
-            <a:avLst/>
-          </a:prstGeom>
-          <a:noFill/>
-          <a:extLst>
-            <a:ext uri="{909E8E84-426E-40DD-AFC4-6F175D3DCCD1}">
-              <a14:hiddenFill xmlns:a14="http://schemas.microsoft.com/office/drawing/2010/main">
-                <a:solidFill>
-                  <a:srgbClr val="FFFFFF"/>
-                </a:solidFill>
-              </a14:hiddenFill>
-            </a:ext>
-          </a:extLst>
-        </p:spPr>
-      </p:pic>
-      <p:pic>
-        <p:nvPicPr>
-          <p:cNvPr id="1033" name="Picture 9" descr="https://i0.wp.com/www.artit-k.com/wp-content/uploads/2016/07/Cover-Firebase_Hosting.png?fit=650%2C300"/>
+          <p:cNvPr id="9" name="Picture 9" descr="https://i0.wp.com/www.artit-k.com/wp-content/uploads/2016/07/Cover-Firebase_Hosting.png?fit=650%2C300"/>
           <p:cNvPicPr>
             <a:picLocks noChangeAspect="1" noChangeArrowheads="1"/>
           </p:cNvPicPr>
@@ -5979,8 +5984,8 @@
         </p:blipFill>
         <p:spPr bwMode="auto">
           <a:xfrm>
-            <a:off x="6137276" y="3913834"/>
-            <a:ext cx="990000" cy="456923"/>
+            <a:off x="4477620" y="1564958"/>
+            <a:ext cx="990000" cy="456924"/>
           </a:xfrm>
           <a:prstGeom prst="roundRect">
             <a:avLst>
@@ -6006,14 +6011,14 @@
       </p:pic>
       <p:sp>
         <p:nvSpPr>
-          <p:cNvPr id="11" name="Rounded Rectangle 10"/>
+          <p:cNvPr id="10" name="Rounded Rectangle 9"/>
           <p:cNvSpPr/>
           <p:nvPr/>
         </p:nvSpPr>
         <p:spPr>
           <a:xfrm>
-            <a:off x="6137276" y="4501319"/>
-            <a:ext cx="990000" cy="235742"/>
+            <a:off x="4477620" y="2152439"/>
+            <a:ext cx="990000" cy="235741"/>
           </a:xfrm>
           <a:prstGeom prst="roundRect">
             <a:avLst/>
@@ -6041,12 +6046,12 @@
           </a:fontRef>
         </p:style>
         <p:txBody>
-          <a:bodyPr rtlCol="0" anchor="ctr"/>
+          <a:bodyPr lIns="91420" tIns="45712" rIns="91420" bIns="45712" rtlCol="0" anchor="ctr"/>
           <a:lstStyle/>
           <a:p>
             <a:pPr algn="ctr"/>
             <a:r>
-              <a:rPr lang="de-DE" sz="1200" smtClean="0">
+              <a:rPr lang="de-DE" sz="1100">
                 <a:solidFill>
                   <a:schemeClr val="accent3">
                     <a:lumMod val="50000"/>
@@ -6055,7 +6060,7 @@
               </a:rPr>
               <a:t>own Server</a:t>
             </a:r>
-            <a:endParaRPr lang="en-US" sz="1200">
+            <a:endParaRPr lang="en-US" sz="1100">
               <a:solidFill>
                 <a:schemeClr val="accent3">
                   <a:lumMod val="50000"/>
@@ -6067,7 +6072,7 @@
       </p:sp>
       <p:pic>
         <p:nvPicPr>
-          <p:cNvPr id="1044" name="Picture 20"/>
+          <p:cNvPr id="11" name="Picture 20"/>
           <p:cNvPicPr>
             <a:picLocks noChangeAspect="1" noChangeArrowheads="1"/>
           </p:cNvPicPr>
@@ -6086,8 +6091,8 @@
         </p:blipFill>
         <p:spPr bwMode="auto">
           <a:xfrm>
-            <a:off x="3539913" y="4054729"/>
-            <a:ext cx="720000" cy="766588"/>
+            <a:off x="1880256" y="1705853"/>
+            <a:ext cx="720000" cy="766589"/>
           </a:xfrm>
           <a:prstGeom prst="rect">
             <a:avLst/>
@@ -6119,7 +6124,7 @@
       </p:pic>
       <p:pic>
         <p:nvPicPr>
-          <p:cNvPr id="1046" name="Picture 22" descr="http://www.swtestacademy.com/wp-content/uploads/2016/03/eslint_logo.png"/>
+          <p:cNvPr id="12" name="Picture 22" descr="http://www.swtestacademy.com/wp-content/uploads/2016/03/eslint_logo.png"/>
           <p:cNvPicPr>
             <a:picLocks noChangeAspect="1" noChangeArrowheads="1"/>
           </p:cNvPicPr>
@@ -6138,7 +6143,7 @@
         </p:blipFill>
         <p:spPr bwMode="auto">
           <a:xfrm>
-            <a:off x="3539913" y="3113603"/>
+            <a:off x="1880256" y="764726"/>
             <a:ext cx="720000" cy="723476"/>
           </a:xfrm>
           <a:prstGeom prst="rect">
@@ -6158,7 +6163,7 @@
       </p:pic>
       <p:pic>
         <p:nvPicPr>
-          <p:cNvPr id="1048" name="Picture 24" descr="http://idangero.us/swiper/i/logo-f7.png"/>
+          <p:cNvPr id="13" name="Picture 24" descr="http://idangero.us/swiper/i/logo-f7.png"/>
           <p:cNvPicPr>
             <a:picLocks noChangeAspect="1" noChangeArrowheads="1"/>
           </p:cNvPicPr>
@@ -6179,8 +6184,8 @@
         </p:blipFill>
         <p:spPr bwMode="auto">
           <a:xfrm>
-            <a:off x="2086716" y="3115341"/>
-            <a:ext cx="720000" cy="720000"/>
+            <a:off x="427058" y="766464"/>
+            <a:ext cx="720000" cy="720001"/>
           </a:xfrm>
           <a:prstGeom prst="rect">
             <a:avLst/>
@@ -6199,7 +6204,7 @@
       </p:pic>
       <p:pic>
         <p:nvPicPr>
-          <p:cNvPr id="1050" name="Picture 26" descr="https://vuejs.org/images/logo.png"/>
+          <p:cNvPr id="14" name="Picture 26" descr="https://vuejs.org/images/logo.png"/>
           <p:cNvPicPr>
             <a:picLocks noChangeAspect="1" noChangeArrowheads="1"/>
           </p:cNvPicPr>
@@ -6220,8 +6225,8 @@
         </p:blipFill>
         <p:spPr bwMode="auto">
           <a:xfrm>
-            <a:off x="2086716" y="4078023"/>
-            <a:ext cx="720000" cy="720000"/>
+            <a:off x="427058" y="1729147"/>
+            <a:ext cx="720000" cy="720001"/>
           </a:xfrm>
           <a:prstGeom prst="rect">
             <a:avLst/>
@@ -6240,7 +6245,7 @@
       </p:pic>
       <p:pic>
         <p:nvPicPr>
-          <p:cNvPr id="1052" name="Picture 28" descr="https://cdn.auth0.com/blog/converting-your-app-to-mobile/logo.png"/>
+          <p:cNvPr id="15" name="Picture 28" descr="https://cdn.auth0.com/blog/converting-your-app-to-mobile/logo.png"/>
           <p:cNvPicPr>
             <a:picLocks noChangeAspect="1" noChangeArrowheads="1"/>
           </p:cNvPicPr>
@@ -6259,8 +6264,8 @@
         </p:blipFill>
         <p:spPr bwMode="auto">
           <a:xfrm>
-            <a:off x="4793804" y="4003699"/>
-            <a:ext cx="864000" cy="868649"/>
+            <a:off x="3134147" y="1654820"/>
+            <a:ext cx="864000" cy="868650"/>
           </a:xfrm>
           <a:prstGeom prst="rect">
             <a:avLst/>
@@ -6279,14 +6284,14 @@
       </p:pic>
       <p:sp>
         <p:nvSpPr>
-          <p:cNvPr id="14" name="Snip Diagonal Corner Rectangle 13"/>
+          <p:cNvPr id="21" name="Snip Diagonal Corner Rectangle 20"/>
           <p:cNvSpPr/>
           <p:nvPr/>
         </p:nvSpPr>
         <p:spPr>
           <a:xfrm rot="18900000">
-            <a:off x="6584878" y="3132057"/>
-            <a:ext cx="595012" cy="139761"/>
+            <a:off x="4745754" y="1218273"/>
+            <a:ext cx="595012" cy="139762"/>
           </a:xfrm>
           <a:prstGeom prst="snip2DiagRect">
             <a:avLst>
@@ -6326,7 +6331,7 @@
           <a:p>
             <a:pPr algn="ctr"/>
             <a:r>
-              <a:rPr lang="de-DE" sz="1100" smtClean="0">
+              <a:rPr lang="de-DE" sz="1100">
                 <a:solidFill>
                   <a:srgbClr val="C00000"/>
                 </a:solidFill>
@@ -6343,29 +6348,28 @@
       </p:sp>
       <p:sp>
         <p:nvSpPr>
-          <p:cNvPr id="15" name="Snip Diagonal Corner Rectangle 14"/>
+          <p:cNvPr id="2" name="Chevron 1"/>
           <p:cNvSpPr/>
           <p:nvPr/>
         </p:nvSpPr>
         <p:spPr>
-          <a:xfrm rot="18900000">
-            <a:off x="6604720" y="3569319"/>
-            <a:ext cx="555331" cy="139761"/>
+          <a:xfrm>
+            <a:off x="1363811" y="668213"/>
+            <a:ext cx="180000" cy="1788269"/>
           </a:xfrm>
-          <a:prstGeom prst="snip2DiagRect">
+          <a:prstGeom prst="chevron">
             <a:avLst>
-              <a:gd name="adj1" fmla="val 0"/>
-              <a:gd name="adj2" fmla="val 39745"/>
+              <a:gd name="adj" fmla="val 85273"/>
             </a:avLst>
           </a:prstGeom>
           <a:solidFill>
-            <a:schemeClr val="bg1">
-              <a:alpha val="75000"/>
+            <a:schemeClr val="accent1">
+              <a:lumMod val="20000"/>
+              <a:lumOff val="80000"/>
             </a:schemeClr>
           </a:solidFill>
           <a:ln>
             <a:noFill/>
-            <a:prstDash val="sysDash"/>
           </a:ln>
         </p:spPr>
         <p:style>
@@ -6385,21 +6389,13 @@
           </a:fontRef>
         </p:style>
         <p:txBody>
-          <a:bodyPr lIns="0" tIns="0" rIns="0" bIns="0" rtlCol="0" anchor="ctr"/>
+          <a:bodyPr rtlCol="0" anchor="ctr"/>
           <a:lstStyle/>
           <a:p>
             <a:pPr algn="ctr"/>
-            <a:r>
-              <a:rPr lang="de-DE" sz="1100" smtClean="0">
-                <a:solidFill>
-                  <a:srgbClr val="C00000"/>
-                </a:solidFill>
-              </a:rPr>
-              <a:t>WIP</a:t>
-            </a:r>
-            <a:endParaRPr lang="en-US" sz="1100">
+            <a:endParaRPr lang="en-US">
               <a:solidFill>
-                <a:srgbClr val="C00000"/>
+                <a:schemeClr val="tx1"/>
               </a:solidFill>
             </a:endParaRPr>
           </a:p>
@@ -6407,29 +6403,28 @@
       </p:sp>
       <p:sp>
         <p:nvSpPr>
-          <p:cNvPr id="16" name="Snip Diagonal Corner Rectangle 15"/>
+          <p:cNvPr id="19" name="Chevron 18"/>
           <p:cNvSpPr/>
           <p:nvPr/>
         </p:nvSpPr>
         <p:spPr>
-          <a:xfrm rot="18900000">
-            <a:off x="4868324" y="4465706"/>
-            <a:ext cx="874782" cy="182129"/>
+          <a:xfrm>
+            <a:off x="2744663" y="668213"/>
+            <a:ext cx="180000" cy="1788269"/>
           </a:xfrm>
-          <a:prstGeom prst="snip2DiagRect">
+          <a:prstGeom prst="chevron">
             <a:avLst>
-              <a:gd name="adj1" fmla="val 0"/>
-              <a:gd name="adj2" fmla="val 39745"/>
+              <a:gd name="adj" fmla="val 85273"/>
             </a:avLst>
           </a:prstGeom>
           <a:solidFill>
-            <a:schemeClr val="bg1">
-              <a:alpha val="75000"/>
+            <a:schemeClr val="accent1">
+              <a:lumMod val="20000"/>
+              <a:lumOff val="80000"/>
             </a:schemeClr>
           </a:solidFill>
           <a:ln>
             <a:noFill/>
-            <a:prstDash val="sysDash"/>
           </a:ln>
         </p:spPr>
         <p:style>
@@ -6449,21 +6444,68 @@
           </a:fontRef>
         </p:style>
         <p:txBody>
-          <a:bodyPr lIns="0" tIns="0" rIns="0" bIns="0" rtlCol="0" anchor="ctr"/>
+          <a:bodyPr rtlCol="0" anchor="ctr"/>
           <a:lstStyle/>
           <a:p>
             <a:pPr algn="ctr"/>
-            <a:r>
-              <a:rPr lang="de-DE" sz="1100" smtClean="0">
-                <a:solidFill>
-                  <a:srgbClr val="C00000"/>
-                </a:solidFill>
-              </a:rPr>
-              <a:t>WIP</a:t>
-            </a:r>
-            <a:endParaRPr lang="en-US" sz="1100">
+            <a:endParaRPr lang="en-US">
               <a:solidFill>
-                <a:srgbClr val="C00000"/>
+                <a:schemeClr val="tx1"/>
+              </a:solidFill>
+            </a:endParaRPr>
+          </a:p>
+        </p:txBody>
+      </p:sp>
+      <p:sp>
+        <p:nvSpPr>
+          <p:cNvPr id="20" name="Chevron 19"/>
+          <p:cNvSpPr/>
+          <p:nvPr/>
+        </p:nvSpPr>
+        <p:spPr>
+          <a:xfrm>
+            <a:off x="4102590" y="668213"/>
+            <a:ext cx="180000" cy="1788269"/>
+          </a:xfrm>
+          <a:prstGeom prst="chevron">
+            <a:avLst>
+              <a:gd name="adj" fmla="val 85273"/>
+            </a:avLst>
+          </a:prstGeom>
+          <a:solidFill>
+            <a:schemeClr val="accent1">
+              <a:lumMod val="20000"/>
+              <a:lumOff val="80000"/>
+            </a:schemeClr>
+          </a:solidFill>
+          <a:ln>
+            <a:noFill/>
+          </a:ln>
+        </p:spPr>
+        <p:style>
+          <a:lnRef idx="2">
+            <a:schemeClr val="accent1">
+              <a:shade val="50000"/>
+            </a:schemeClr>
+          </a:lnRef>
+          <a:fillRef idx="1">
+            <a:schemeClr val="accent1"/>
+          </a:fillRef>
+          <a:effectRef idx="0">
+            <a:schemeClr val="accent1"/>
+          </a:effectRef>
+          <a:fontRef idx="minor">
+            <a:schemeClr val="lt1"/>
+          </a:fontRef>
+        </p:style>
+        <p:txBody>
+          <a:bodyPr rtlCol="0" anchor="ctr"/>
+          <a:lstStyle/>
+          <a:p>
+            <a:pPr algn="ctr"/>
+            <a:endParaRPr lang="en-US">
+              <a:solidFill>
+                <a:schemeClr val="tx1"/>
               </a:solidFill>
             </a:endParaRPr>
           </a:p>
@@ -6472,7 +6514,7 @@
     </p:spTree>
     <p:extLst>
       <p:ext uri="{BB962C8B-B14F-4D97-AF65-F5344CB8AC3E}">
-        <p14:creationId xmlns:p14="http://schemas.microsoft.com/office/powerpoint/2010/main" val="1265585573"/>
+        <p14:creationId xmlns:p14="http://schemas.microsoft.com/office/powerpoint/2010/main" val="1003733918"/>
       </p:ext>
     </p:extLst>
   </p:cSld>

--- a/media/process.pptx
+++ b/media/process.pptx
@@ -2946,7 +2946,7 @@
           <a:p>
             <a:fld id="{386DBA8E-C001-4E68-8804-59F1C445E801}" type="datetimeFigureOut">
               <a:rPr lang="en-US" smtClean="0"/>
-              <a:t>2/8/2017</a:t>
+              <a:t>2/9/2017</a:t>
             </a:fld>
             <a:endParaRPr lang="en-US"/>
           </a:p>
@@ -3116,7 +3116,7 @@
           <a:p>
             <a:fld id="{386DBA8E-C001-4E68-8804-59F1C445E801}" type="datetimeFigureOut">
               <a:rPr lang="en-US" smtClean="0"/>
-              <a:t>2/8/2017</a:t>
+              <a:t>2/9/2017</a:t>
             </a:fld>
             <a:endParaRPr lang="en-US"/>
           </a:p>
@@ -3296,7 +3296,7 @@
           <a:p>
             <a:fld id="{386DBA8E-C001-4E68-8804-59F1C445E801}" type="datetimeFigureOut">
               <a:rPr lang="en-US" smtClean="0"/>
-              <a:t>2/8/2017</a:t>
+              <a:t>2/9/2017</a:t>
             </a:fld>
             <a:endParaRPr lang="en-US"/>
           </a:p>
@@ -3466,7 +3466,7 @@
           <a:p>
             <a:fld id="{386DBA8E-C001-4E68-8804-59F1C445E801}" type="datetimeFigureOut">
               <a:rPr lang="en-US" smtClean="0"/>
-              <a:t>2/8/2017</a:t>
+              <a:t>2/9/2017</a:t>
             </a:fld>
             <a:endParaRPr lang="en-US"/>
           </a:p>
@@ -3712,7 +3712,7 @@
           <a:p>
             <a:fld id="{386DBA8E-C001-4E68-8804-59F1C445E801}" type="datetimeFigureOut">
               <a:rPr lang="en-US" smtClean="0"/>
-              <a:t>2/8/2017</a:t>
+              <a:t>2/9/2017</a:t>
             </a:fld>
             <a:endParaRPr lang="en-US"/>
           </a:p>
@@ -4000,7 +4000,7 @@
           <a:p>
             <a:fld id="{386DBA8E-C001-4E68-8804-59F1C445E801}" type="datetimeFigureOut">
               <a:rPr lang="en-US" smtClean="0"/>
-              <a:t>2/8/2017</a:t>
+              <a:t>2/9/2017</a:t>
             </a:fld>
             <a:endParaRPr lang="en-US"/>
           </a:p>
@@ -4427,7 +4427,7 @@
           <a:p>
             <a:fld id="{386DBA8E-C001-4E68-8804-59F1C445E801}" type="datetimeFigureOut">
               <a:rPr lang="en-US" smtClean="0"/>
-              <a:t>2/8/2017</a:t>
+              <a:t>2/9/2017</a:t>
             </a:fld>
             <a:endParaRPr lang="en-US"/>
           </a:p>
@@ -4545,7 +4545,7 @@
           <a:p>
             <a:fld id="{386DBA8E-C001-4E68-8804-59F1C445E801}" type="datetimeFigureOut">
               <a:rPr lang="en-US" smtClean="0"/>
-              <a:t>2/8/2017</a:t>
+              <a:t>2/9/2017</a:t>
             </a:fld>
             <a:endParaRPr lang="en-US"/>
           </a:p>
@@ -4640,7 +4640,7 @@
           <a:p>
             <a:fld id="{386DBA8E-C001-4E68-8804-59F1C445E801}" type="datetimeFigureOut">
               <a:rPr lang="en-US" smtClean="0"/>
-              <a:t>2/8/2017</a:t>
+              <a:t>2/9/2017</a:t>
             </a:fld>
             <a:endParaRPr lang="en-US"/>
           </a:p>
@@ -4917,7 +4917,7 @@
           <a:p>
             <a:fld id="{386DBA8E-C001-4E68-8804-59F1C445E801}" type="datetimeFigureOut">
               <a:rPr lang="en-US" smtClean="0"/>
-              <a:t>2/8/2017</a:t>
+              <a:t>2/9/2017</a:t>
             </a:fld>
             <a:endParaRPr lang="en-US"/>
           </a:p>
@@ -5170,7 +5170,7 @@
           <a:p>
             <a:fld id="{386DBA8E-C001-4E68-8804-59F1C445E801}" type="datetimeFigureOut">
               <a:rPr lang="en-US" smtClean="0"/>
-              <a:t>2/8/2017</a:t>
+              <a:t>2/9/2017</a:t>
             </a:fld>
             <a:endParaRPr lang="en-US"/>
           </a:p>
@@ -5383,7 +5383,7 @@
           <a:p>
             <a:fld id="{386DBA8E-C001-4E68-8804-59F1C445E801}" type="datetimeFigureOut">
               <a:rPr lang="en-US" smtClean="0"/>
-              <a:t>2/8/2017</a:t>
+              <a:t>2/9/2017</a:t>
             </a:fld>
             <a:endParaRPr lang="en-US"/>
           </a:p>
@@ -6284,134 +6284,6 @@
       </p:pic>
       <p:sp>
         <p:nvSpPr>
-          <p:cNvPr id="16" name="Snip Diagonal Corner Rectangle 15"/>
-          <p:cNvSpPr/>
-          <p:nvPr/>
-        </p:nvSpPr>
-        <p:spPr>
-          <a:xfrm rot="18900000">
-            <a:off x="4822730" y="786225"/>
-            <a:ext cx="595012" cy="139762"/>
-          </a:xfrm>
-          <a:prstGeom prst="snip2DiagRect">
-            <a:avLst>
-              <a:gd name="adj1" fmla="val 0"/>
-              <a:gd name="adj2" fmla="val 39745"/>
-            </a:avLst>
-          </a:prstGeom>
-          <a:solidFill>
-            <a:schemeClr val="bg1">
-              <a:alpha val="75000"/>
-            </a:schemeClr>
-          </a:solidFill>
-          <a:ln>
-            <a:noFill/>
-            <a:prstDash val="sysDash"/>
-          </a:ln>
-        </p:spPr>
-        <p:style>
-          <a:lnRef idx="2">
-            <a:schemeClr val="accent1">
-              <a:shade val="50000"/>
-            </a:schemeClr>
-          </a:lnRef>
-          <a:fillRef idx="1">
-            <a:schemeClr val="accent1"/>
-          </a:fillRef>
-          <a:effectRef idx="0">
-            <a:schemeClr val="accent1"/>
-          </a:effectRef>
-          <a:fontRef idx="minor">
-            <a:schemeClr val="lt1"/>
-          </a:fontRef>
-        </p:style>
-        <p:txBody>
-          <a:bodyPr lIns="0" tIns="0" rIns="0" bIns="0" rtlCol="0" anchor="ctr"/>
-          <a:lstStyle/>
-          <a:p>
-            <a:pPr algn="ctr"/>
-            <a:r>
-              <a:rPr lang="de-DE" sz="1100">
-                <a:solidFill>
-                  <a:srgbClr val="C00000"/>
-                </a:solidFill>
-              </a:rPr>
-              <a:t>WIP</a:t>
-            </a:r>
-            <a:endParaRPr lang="en-US" sz="1100">
-              <a:solidFill>
-                <a:srgbClr val="C00000"/>
-              </a:solidFill>
-            </a:endParaRPr>
-          </a:p>
-        </p:txBody>
-      </p:sp>
-      <p:sp>
-        <p:nvSpPr>
-          <p:cNvPr id="18" name="Snip Diagonal Corner Rectangle 17"/>
-          <p:cNvSpPr/>
-          <p:nvPr/>
-        </p:nvSpPr>
-        <p:spPr>
-          <a:xfrm rot="18900000">
-            <a:off x="3208667" y="2116826"/>
-            <a:ext cx="874782" cy="182130"/>
-          </a:xfrm>
-          <a:prstGeom prst="snip2DiagRect">
-            <a:avLst>
-              <a:gd name="adj1" fmla="val 0"/>
-              <a:gd name="adj2" fmla="val 39745"/>
-            </a:avLst>
-          </a:prstGeom>
-          <a:solidFill>
-            <a:schemeClr val="bg1">
-              <a:alpha val="75000"/>
-            </a:schemeClr>
-          </a:solidFill>
-          <a:ln>
-            <a:noFill/>
-            <a:prstDash val="sysDash"/>
-          </a:ln>
-        </p:spPr>
-        <p:style>
-          <a:lnRef idx="2">
-            <a:schemeClr val="accent1">
-              <a:shade val="50000"/>
-            </a:schemeClr>
-          </a:lnRef>
-          <a:fillRef idx="1">
-            <a:schemeClr val="accent1"/>
-          </a:fillRef>
-          <a:effectRef idx="0">
-            <a:schemeClr val="accent1"/>
-          </a:effectRef>
-          <a:fontRef idx="minor">
-            <a:schemeClr val="lt1"/>
-          </a:fontRef>
-        </p:style>
-        <p:txBody>
-          <a:bodyPr lIns="0" tIns="0" rIns="0" bIns="0" rtlCol="0" anchor="ctr"/>
-          <a:lstStyle/>
-          <a:p>
-            <a:pPr algn="ctr"/>
-            <a:r>
-              <a:rPr lang="de-DE" sz="1100">
-                <a:solidFill>
-                  <a:srgbClr val="C00000"/>
-                </a:solidFill>
-              </a:rPr>
-              <a:t>WIP</a:t>
-            </a:r>
-            <a:endParaRPr lang="en-US" sz="1100">
-              <a:solidFill>
-                <a:srgbClr val="C00000"/>
-              </a:solidFill>
-            </a:endParaRPr>
-          </a:p>
-        </p:txBody>
-      </p:sp>
-      <p:sp>
-        <p:nvSpPr>
           <p:cNvPr id="21" name="Snip Diagonal Corner Rectangle 20"/>
           <p:cNvSpPr/>
           <p:nvPr/>
@@ -6469,6 +6341,171 @@
             <a:endParaRPr lang="en-US" sz="1100">
               <a:solidFill>
                 <a:srgbClr val="C00000"/>
+              </a:solidFill>
+            </a:endParaRPr>
+          </a:p>
+        </p:txBody>
+      </p:sp>
+      <p:sp>
+        <p:nvSpPr>
+          <p:cNvPr id="2" name="Chevron 1"/>
+          <p:cNvSpPr/>
+          <p:nvPr/>
+        </p:nvSpPr>
+        <p:spPr>
+          <a:xfrm>
+            <a:off x="1363811" y="668213"/>
+            <a:ext cx="180000" cy="1788269"/>
+          </a:xfrm>
+          <a:prstGeom prst="chevron">
+            <a:avLst>
+              <a:gd name="adj" fmla="val 85273"/>
+            </a:avLst>
+          </a:prstGeom>
+          <a:solidFill>
+            <a:schemeClr val="accent1">
+              <a:lumMod val="20000"/>
+              <a:lumOff val="80000"/>
+            </a:schemeClr>
+          </a:solidFill>
+          <a:ln>
+            <a:noFill/>
+          </a:ln>
+        </p:spPr>
+        <p:style>
+          <a:lnRef idx="2">
+            <a:schemeClr val="accent1">
+              <a:shade val="50000"/>
+            </a:schemeClr>
+          </a:lnRef>
+          <a:fillRef idx="1">
+            <a:schemeClr val="accent1"/>
+          </a:fillRef>
+          <a:effectRef idx="0">
+            <a:schemeClr val="accent1"/>
+          </a:effectRef>
+          <a:fontRef idx="minor">
+            <a:schemeClr val="lt1"/>
+          </a:fontRef>
+        </p:style>
+        <p:txBody>
+          <a:bodyPr rtlCol="0" anchor="ctr"/>
+          <a:lstStyle/>
+          <a:p>
+            <a:pPr algn="ctr"/>
+            <a:endParaRPr lang="en-US">
+              <a:solidFill>
+                <a:schemeClr val="tx1"/>
+              </a:solidFill>
+            </a:endParaRPr>
+          </a:p>
+        </p:txBody>
+      </p:sp>
+      <p:sp>
+        <p:nvSpPr>
+          <p:cNvPr id="19" name="Chevron 18"/>
+          <p:cNvSpPr/>
+          <p:nvPr/>
+        </p:nvSpPr>
+        <p:spPr>
+          <a:xfrm>
+            <a:off x="2744663" y="668213"/>
+            <a:ext cx="180000" cy="1788269"/>
+          </a:xfrm>
+          <a:prstGeom prst="chevron">
+            <a:avLst>
+              <a:gd name="adj" fmla="val 85273"/>
+            </a:avLst>
+          </a:prstGeom>
+          <a:solidFill>
+            <a:schemeClr val="accent1">
+              <a:lumMod val="20000"/>
+              <a:lumOff val="80000"/>
+            </a:schemeClr>
+          </a:solidFill>
+          <a:ln>
+            <a:noFill/>
+          </a:ln>
+        </p:spPr>
+        <p:style>
+          <a:lnRef idx="2">
+            <a:schemeClr val="accent1">
+              <a:shade val="50000"/>
+            </a:schemeClr>
+          </a:lnRef>
+          <a:fillRef idx="1">
+            <a:schemeClr val="accent1"/>
+          </a:fillRef>
+          <a:effectRef idx="0">
+            <a:schemeClr val="accent1"/>
+          </a:effectRef>
+          <a:fontRef idx="minor">
+            <a:schemeClr val="lt1"/>
+          </a:fontRef>
+        </p:style>
+        <p:txBody>
+          <a:bodyPr rtlCol="0" anchor="ctr"/>
+          <a:lstStyle/>
+          <a:p>
+            <a:pPr algn="ctr"/>
+            <a:endParaRPr lang="en-US">
+              <a:solidFill>
+                <a:schemeClr val="tx1"/>
+              </a:solidFill>
+            </a:endParaRPr>
+          </a:p>
+        </p:txBody>
+      </p:sp>
+      <p:sp>
+        <p:nvSpPr>
+          <p:cNvPr id="20" name="Chevron 19"/>
+          <p:cNvSpPr/>
+          <p:nvPr/>
+        </p:nvSpPr>
+        <p:spPr>
+          <a:xfrm>
+            <a:off x="4102590" y="668213"/>
+            <a:ext cx="180000" cy="1788269"/>
+          </a:xfrm>
+          <a:prstGeom prst="chevron">
+            <a:avLst>
+              <a:gd name="adj" fmla="val 85273"/>
+            </a:avLst>
+          </a:prstGeom>
+          <a:solidFill>
+            <a:schemeClr val="accent1">
+              <a:lumMod val="20000"/>
+              <a:lumOff val="80000"/>
+            </a:schemeClr>
+          </a:solidFill>
+          <a:ln>
+            <a:noFill/>
+          </a:ln>
+        </p:spPr>
+        <p:style>
+          <a:lnRef idx="2">
+            <a:schemeClr val="accent1">
+              <a:shade val="50000"/>
+            </a:schemeClr>
+          </a:lnRef>
+          <a:fillRef idx="1">
+            <a:schemeClr val="accent1"/>
+          </a:fillRef>
+          <a:effectRef idx="0">
+            <a:schemeClr val="accent1"/>
+          </a:effectRef>
+          <a:fontRef idx="minor">
+            <a:schemeClr val="lt1"/>
+          </a:fontRef>
+        </p:style>
+        <p:txBody>
+          <a:bodyPr rtlCol="0" anchor="ctr"/>
+          <a:lstStyle/>
+          <a:p>
+            <a:pPr algn="ctr"/>
+            <a:endParaRPr lang="en-US">
+              <a:solidFill>
+                <a:schemeClr val="tx1"/>
               </a:solidFill>
             </a:endParaRPr>
           </a:p>

--- a/media/process.pptx
+++ b/media/process.pptx
@@ -104,6 +104,22 @@
       </a:defRPr>
     </a:lvl9pPr>
   </p:defaultTextStyle>
+  <p:extLst>
+    <p:ext uri="{EFAFB233-063F-42B5-8137-9DF3F51BA10A}">
+      <p15:sldGuideLst xmlns:p15="http://schemas.microsoft.com/office/powerpoint/2012/main">
+        <p15:guide id="1" orient="horz" pos="839">
+          <p15:clr>
+            <a:srgbClr val="A4A3A4"/>
+          </p15:clr>
+        </p15:guide>
+        <p15:guide id="2" pos="1837">
+          <p15:clr>
+            <a:srgbClr val="A4A3A4"/>
+          </p15:clr>
+        </p15:guide>
+      </p15:sldGuideLst>
+    </p:ext>
+  </p:extLst>
 </p:presentation>
 </file>
 
@@ -1144,7 +1160,7 @@
       <dsp:spPr>
         <a:xfrm>
           <a:off x="2626" y="0"/>
-          <a:ext cx="1529188" cy="288000"/>
+          <a:ext cx="1529188" cy="288001"/>
         </a:xfrm>
         <a:prstGeom prst="chevron">
           <a:avLst/>
@@ -1209,8 +1225,8 @@
         </a:p>
       </dsp:txBody>
       <dsp:txXfrm>
-        <a:off x="146626" y="0"/>
-        <a:ext cx="1241188" cy="288000"/>
+        <a:off x="146627" y="0"/>
+        <a:ext cx="1241187" cy="288001"/>
       </dsp:txXfrm>
     </dsp:sp>
     <dsp:sp modelId="{1A0BED00-428A-4143-A6E6-7058B43EE6E3}">
@@ -1221,7 +1237,7 @@
       <dsp:spPr>
         <a:xfrm>
           <a:off x="1378897" y="0"/>
-          <a:ext cx="1529188" cy="288000"/>
+          <a:ext cx="1529188" cy="288001"/>
         </a:xfrm>
         <a:prstGeom prst="chevron">
           <a:avLst/>
@@ -1286,8 +1302,8 @@
         </a:p>
       </dsp:txBody>
       <dsp:txXfrm>
-        <a:off x="1522897" y="0"/>
-        <a:ext cx="1241188" cy="288000"/>
+        <a:off x="1522898" y="0"/>
+        <a:ext cx="1241187" cy="288001"/>
       </dsp:txXfrm>
     </dsp:sp>
     <dsp:sp modelId="{01FCF690-3A52-4BF2-9135-B54D20ED08E1}">
@@ -1298,7 +1314,7 @@
       <dsp:spPr>
         <a:xfrm>
           <a:off x="2755167" y="0"/>
-          <a:ext cx="1529188" cy="288000"/>
+          <a:ext cx="1529188" cy="288001"/>
         </a:xfrm>
         <a:prstGeom prst="chevron">
           <a:avLst/>
@@ -1363,8 +1379,8 @@
         </a:p>
       </dsp:txBody>
       <dsp:txXfrm>
-        <a:off x="2899167" y="0"/>
-        <a:ext cx="1241188" cy="288000"/>
+        <a:off x="2899168" y="0"/>
+        <a:ext cx="1241187" cy="288001"/>
       </dsp:txXfrm>
     </dsp:sp>
     <dsp:sp modelId="{4B65C82B-1FAF-4964-93C3-3E28BC03D6B9}">
@@ -1375,7 +1391,7 @@
       <dsp:spPr>
         <a:xfrm>
           <a:off x="4131437" y="0"/>
-          <a:ext cx="1529188" cy="288000"/>
+          <a:ext cx="1529188" cy="288001"/>
         </a:xfrm>
         <a:prstGeom prst="chevron">
           <a:avLst/>
@@ -1440,8 +1456,8 @@
         </a:p>
       </dsp:txBody>
       <dsp:txXfrm>
-        <a:off x="4275437" y="0"/>
-        <a:ext cx="1241188" cy="288000"/>
+        <a:off x="4275438" y="0"/>
+        <a:ext cx="1241187" cy="288001"/>
       </dsp:txXfrm>
     </dsp:sp>
   </dsp:spTree>
@@ -2946,7 +2962,7 @@
           <a:p>
             <a:fld id="{386DBA8E-C001-4E68-8804-59F1C445E801}" type="datetimeFigureOut">
               <a:rPr lang="en-US" smtClean="0"/>
-              <a:t>2/9/2017</a:t>
+              <a:t>2/11/2017</a:t>
             </a:fld>
             <a:endParaRPr lang="en-US"/>
           </a:p>
@@ -2988,7 +3004,7 @@
           <a:p>
             <a:fld id="{A746E901-D716-41C0-9E0F-C60D13567B4A}" type="slidenum">
               <a:rPr lang="en-US" smtClean="0"/>
-              <a:t>‹#›</a:t>
+              <a:t>‹Nr.›</a:t>
             </a:fld>
             <a:endParaRPr lang="en-US"/>
           </a:p>
@@ -3116,7 +3132,7 @@
           <a:p>
             <a:fld id="{386DBA8E-C001-4E68-8804-59F1C445E801}" type="datetimeFigureOut">
               <a:rPr lang="en-US" smtClean="0"/>
-              <a:t>2/9/2017</a:t>
+              <a:t>2/11/2017</a:t>
             </a:fld>
             <a:endParaRPr lang="en-US"/>
           </a:p>
@@ -3158,7 +3174,7 @@
           <a:p>
             <a:fld id="{A746E901-D716-41C0-9E0F-C60D13567B4A}" type="slidenum">
               <a:rPr lang="en-US" smtClean="0"/>
-              <a:t>‹#›</a:t>
+              <a:t>‹Nr.›</a:t>
             </a:fld>
             <a:endParaRPr lang="en-US"/>
           </a:p>
@@ -3296,7 +3312,7 @@
           <a:p>
             <a:fld id="{386DBA8E-C001-4E68-8804-59F1C445E801}" type="datetimeFigureOut">
               <a:rPr lang="en-US" smtClean="0"/>
-              <a:t>2/9/2017</a:t>
+              <a:t>2/11/2017</a:t>
             </a:fld>
             <a:endParaRPr lang="en-US"/>
           </a:p>
@@ -3338,7 +3354,7 @@
           <a:p>
             <a:fld id="{A746E901-D716-41C0-9E0F-C60D13567B4A}" type="slidenum">
               <a:rPr lang="en-US" smtClean="0"/>
-              <a:t>‹#›</a:t>
+              <a:t>‹Nr.›</a:t>
             </a:fld>
             <a:endParaRPr lang="en-US"/>
           </a:p>
@@ -3466,7 +3482,7 @@
           <a:p>
             <a:fld id="{386DBA8E-C001-4E68-8804-59F1C445E801}" type="datetimeFigureOut">
               <a:rPr lang="en-US" smtClean="0"/>
-              <a:t>2/9/2017</a:t>
+              <a:t>2/11/2017</a:t>
             </a:fld>
             <a:endParaRPr lang="en-US"/>
           </a:p>
@@ -3508,7 +3524,7 @@
           <a:p>
             <a:fld id="{A746E901-D716-41C0-9E0F-C60D13567B4A}" type="slidenum">
               <a:rPr lang="en-US" smtClean="0"/>
-              <a:t>‹#›</a:t>
+              <a:t>‹Nr.›</a:t>
             </a:fld>
             <a:endParaRPr lang="en-US"/>
           </a:p>
@@ -3712,7 +3728,7 @@
           <a:p>
             <a:fld id="{386DBA8E-C001-4E68-8804-59F1C445E801}" type="datetimeFigureOut">
               <a:rPr lang="en-US" smtClean="0"/>
-              <a:t>2/9/2017</a:t>
+              <a:t>2/11/2017</a:t>
             </a:fld>
             <a:endParaRPr lang="en-US"/>
           </a:p>
@@ -3754,7 +3770,7 @@
           <a:p>
             <a:fld id="{A746E901-D716-41C0-9E0F-C60D13567B4A}" type="slidenum">
               <a:rPr lang="en-US" smtClean="0"/>
-              <a:t>‹#›</a:t>
+              <a:t>‹Nr.›</a:t>
             </a:fld>
             <a:endParaRPr lang="en-US"/>
           </a:p>
@@ -4000,7 +4016,7 @@
           <a:p>
             <a:fld id="{386DBA8E-C001-4E68-8804-59F1C445E801}" type="datetimeFigureOut">
               <a:rPr lang="en-US" smtClean="0"/>
-              <a:t>2/9/2017</a:t>
+              <a:t>2/11/2017</a:t>
             </a:fld>
             <a:endParaRPr lang="en-US"/>
           </a:p>
@@ -4042,7 +4058,7 @@
           <a:p>
             <a:fld id="{A746E901-D716-41C0-9E0F-C60D13567B4A}" type="slidenum">
               <a:rPr lang="en-US" smtClean="0"/>
-              <a:t>‹#›</a:t>
+              <a:t>‹Nr.›</a:t>
             </a:fld>
             <a:endParaRPr lang="en-US"/>
           </a:p>
@@ -4427,7 +4443,7 @@
           <a:p>
             <a:fld id="{386DBA8E-C001-4E68-8804-59F1C445E801}" type="datetimeFigureOut">
               <a:rPr lang="en-US" smtClean="0"/>
-              <a:t>2/9/2017</a:t>
+              <a:t>2/11/2017</a:t>
             </a:fld>
             <a:endParaRPr lang="en-US"/>
           </a:p>
@@ -4469,7 +4485,7 @@
           <a:p>
             <a:fld id="{A746E901-D716-41C0-9E0F-C60D13567B4A}" type="slidenum">
               <a:rPr lang="en-US" smtClean="0"/>
-              <a:t>‹#›</a:t>
+              <a:t>‹Nr.›</a:t>
             </a:fld>
             <a:endParaRPr lang="en-US"/>
           </a:p>
@@ -4545,7 +4561,7 @@
           <a:p>
             <a:fld id="{386DBA8E-C001-4E68-8804-59F1C445E801}" type="datetimeFigureOut">
               <a:rPr lang="en-US" smtClean="0"/>
-              <a:t>2/9/2017</a:t>
+              <a:t>2/11/2017</a:t>
             </a:fld>
             <a:endParaRPr lang="en-US"/>
           </a:p>
@@ -4587,7 +4603,7 @@
           <a:p>
             <a:fld id="{A746E901-D716-41C0-9E0F-C60D13567B4A}" type="slidenum">
               <a:rPr lang="en-US" smtClean="0"/>
-              <a:t>‹#›</a:t>
+              <a:t>‹Nr.›</a:t>
             </a:fld>
             <a:endParaRPr lang="en-US"/>
           </a:p>
@@ -4640,7 +4656,7 @@
           <a:p>
             <a:fld id="{386DBA8E-C001-4E68-8804-59F1C445E801}" type="datetimeFigureOut">
               <a:rPr lang="en-US" smtClean="0"/>
-              <a:t>2/9/2017</a:t>
+              <a:t>2/11/2017</a:t>
             </a:fld>
             <a:endParaRPr lang="en-US"/>
           </a:p>
@@ -4682,7 +4698,7 @@
           <a:p>
             <a:fld id="{A746E901-D716-41C0-9E0F-C60D13567B4A}" type="slidenum">
               <a:rPr lang="en-US" smtClean="0"/>
-              <a:t>‹#›</a:t>
+              <a:t>‹Nr.›</a:t>
             </a:fld>
             <a:endParaRPr lang="en-US"/>
           </a:p>
@@ -4917,7 +4933,7 @@
           <a:p>
             <a:fld id="{386DBA8E-C001-4E68-8804-59F1C445E801}" type="datetimeFigureOut">
               <a:rPr lang="en-US" smtClean="0"/>
-              <a:t>2/9/2017</a:t>
+              <a:t>2/11/2017</a:t>
             </a:fld>
             <a:endParaRPr lang="en-US"/>
           </a:p>
@@ -4959,7 +4975,7 @@
           <a:p>
             <a:fld id="{A746E901-D716-41C0-9E0F-C60D13567B4A}" type="slidenum">
               <a:rPr lang="en-US" smtClean="0"/>
-              <a:t>‹#›</a:t>
+              <a:t>‹Nr.›</a:t>
             </a:fld>
             <a:endParaRPr lang="en-US"/>
           </a:p>
@@ -5170,7 +5186,7 @@
           <a:p>
             <a:fld id="{386DBA8E-C001-4E68-8804-59F1C445E801}" type="datetimeFigureOut">
               <a:rPr lang="en-US" smtClean="0"/>
-              <a:t>2/9/2017</a:t>
+              <a:t>2/11/2017</a:t>
             </a:fld>
             <a:endParaRPr lang="en-US"/>
           </a:p>
@@ -5212,7 +5228,7 @@
           <a:p>
             <a:fld id="{A746E901-D716-41C0-9E0F-C60D13567B4A}" type="slidenum">
               <a:rPr lang="en-US" smtClean="0"/>
-              <a:t>‹#›</a:t>
+              <a:t>‹Nr.›</a:t>
             </a:fld>
             <a:endParaRPr lang="en-US"/>
           </a:p>
@@ -5383,7 +5399,7 @@
           <a:p>
             <a:fld id="{386DBA8E-C001-4E68-8804-59F1C445E801}" type="datetimeFigureOut">
               <a:rPr lang="en-US" smtClean="0"/>
-              <a:t>2/9/2017</a:t>
+              <a:t>2/11/2017</a:t>
             </a:fld>
             <a:endParaRPr lang="en-US"/>
           </a:p>
@@ -5461,7 +5477,7 @@
           <a:p>
             <a:fld id="{A746E901-D716-41C0-9E0F-C60D13567B4A}" type="slidenum">
               <a:rPr lang="en-US" smtClean="0"/>
-              <a:t>‹#›</a:t>
+              <a:t>‹Nr.›</a:t>
             </a:fld>
             <a:endParaRPr lang="en-US"/>
           </a:p>
@@ -6284,70 +6300,6 @@
       </p:pic>
       <p:sp>
         <p:nvSpPr>
-          <p:cNvPr id="21" name="Snip Diagonal Corner Rectangle 20"/>
-          <p:cNvSpPr/>
-          <p:nvPr/>
-        </p:nvSpPr>
-        <p:spPr>
-          <a:xfrm rot="18900000">
-            <a:off x="4745754" y="1218273"/>
-            <a:ext cx="595012" cy="139762"/>
-          </a:xfrm>
-          <a:prstGeom prst="snip2DiagRect">
-            <a:avLst>
-              <a:gd name="adj1" fmla="val 0"/>
-              <a:gd name="adj2" fmla="val 39745"/>
-            </a:avLst>
-          </a:prstGeom>
-          <a:solidFill>
-            <a:schemeClr val="bg1">
-              <a:alpha val="75000"/>
-            </a:schemeClr>
-          </a:solidFill>
-          <a:ln>
-            <a:noFill/>
-            <a:prstDash val="sysDash"/>
-          </a:ln>
-        </p:spPr>
-        <p:style>
-          <a:lnRef idx="2">
-            <a:schemeClr val="accent1">
-              <a:shade val="50000"/>
-            </a:schemeClr>
-          </a:lnRef>
-          <a:fillRef idx="1">
-            <a:schemeClr val="accent1"/>
-          </a:fillRef>
-          <a:effectRef idx="0">
-            <a:schemeClr val="accent1"/>
-          </a:effectRef>
-          <a:fontRef idx="minor">
-            <a:schemeClr val="lt1"/>
-          </a:fontRef>
-        </p:style>
-        <p:txBody>
-          <a:bodyPr lIns="0" tIns="0" rIns="0" bIns="0" rtlCol="0" anchor="ctr"/>
-          <a:lstStyle/>
-          <a:p>
-            <a:pPr algn="ctr"/>
-            <a:r>
-              <a:rPr lang="de-DE" sz="1100">
-                <a:solidFill>
-                  <a:srgbClr val="C00000"/>
-                </a:solidFill>
-              </a:rPr>
-              <a:t>WIP</a:t>
-            </a:r>
-            <a:endParaRPr lang="en-US" sz="1100">
-              <a:solidFill>
-                <a:srgbClr val="C00000"/>
-              </a:solidFill>
-            </a:endParaRPr>
-          </a:p>
-        </p:txBody>
-      </p:sp>
-      <p:sp>
-        <p:nvSpPr>
           <p:cNvPr id="2" name="Chevron 1"/>
           <p:cNvSpPr/>
           <p:nvPr/>

--- a/media/process.pptx
+++ b/media/process.pptx
@@ -2962,7 +2962,7 @@
           <a:p>
             <a:fld id="{386DBA8E-C001-4E68-8804-59F1C445E801}" type="datetimeFigureOut">
               <a:rPr lang="en-US" smtClean="0"/>
-              <a:t>2/11/2017</a:t>
+              <a:t>2/13/2017</a:t>
             </a:fld>
             <a:endParaRPr lang="en-US"/>
           </a:p>
@@ -3132,7 +3132,7 @@
           <a:p>
             <a:fld id="{386DBA8E-C001-4E68-8804-59F1C445E801}" type="datetimeFigureOut">
               <a:rPr lang="en-US" smtClean="0"/>
-              <a:t>2/11/2017</a:t>
+              <a:t>2/13/2017</a:t>
             </a:fld>
             <a:endParaRPr lang="en-US"/>
           </a:p>
@@ -3312,7 +3312,7 @@
           <a:p>
             <a:fld id="{386DBA8E-C001-4E68-8804-59F1C445E801}" type="datetimeFigureOut">
               <a:rPr lang="en-US" smtClean="0"/>
-              <a:t>2/11/2017</a:t>
+              <a:t>2/13/2017</a:t>
             </a:fld>
             <a:endParaRPr lang="en-US"/>
           </a:p>
@@ -3482,7 +3482,7 @@
           <a:p>
             <a:fld id="{386DBA8E-C001-4E68-8804-59F1C445E801}" type="datetimeFigureOut">
               <a:rPr lang="en-US" smtClean="0"/>
-              <a:t>2/11/2017</a:t>
+              <a:t>2/13/2017</a:t>
             </a:fld>
             <a:endParaRPr lang="en-US"/>
           </a:p>
@@ -3728,7 +3728,7 @@
           <a:p>
             <a:fld id="{386DBA8E-C001-4E68-8804-59F1C445E801}" type="datetimeFigureOut">
               <a:rPr lang="en-US" smtClean="0"/>
-              <a:t>2/11/2017</a:t>
+              <a:t>2/13/2017</a:t>
             </a:fld>
             <a:endParaRPr lang="en-US"/>
           </a:p>
@@ -4016,7 +4016,7 @@
           <a:p>
             <a:fld id="{386DBA8E-C001-4E68-8804-59F1C445E801}" type="datetimeFigureOut">
               <a:rPr lang="en-US" smtClean="0"/>
-              <a:t>2/11/2017</a:t>
+              <a:t>2/13/2017</a:t>
             </a:fld>
             <a:endParaRPr lang="en-US"/>
           </a:p>
@@ -4443,7 +4443,7 @@
           <a:p>
             <a:fld id="{386DBA8E-C001-4E68-8804-59F1C445E801}" type="datetimeFigureOut">
               <a:rPr lang="en-US" smtClean="0"/>
-              <a:t>2/11/2017</a:t>
+              <a:t>2/13/2017</a:t>
             </a:fld>
             <a:endParaRPr lang="en-US"/>
           </a:p>
@@ -4561,7 +4561,7 @@
           <a:p>
             <a:fld id="{386DBA8E-C001-4E68-8804-59F1C445E801}" type="datetimeFigureOut">
               <a:rPr lang="en-US" smtClean="0"/>
-              <a:t>2/11/2017</a:t>
+              <a:t>2/13/2017</a:t>
             </a:fld>
             <a:endParaRPr lang="en-US"/>
           </a:p>
@@ -4656,7 +4656,7 @@
           <a:p>
             <a:fld id="{386DBA8E-C001-4E68-8804-59F1C445E801}" type="datetimeFigureOut">
               <a:rPr lang="en-US" smtClean="0"/>
-              <a:t>2/11/2017</a:t>
+              <a:t>2/13/2017</a:t>
             </a:fld>
             <a:endParaRPr lang="en-US"/>
           </a:p>
@@ -4933,7 +4933,7 @@
           <a:p>
             <a:fld id="{386DBA8E-C001-4E68-8804-59F1C445E801}" type="datetimeFigureOut">
               <a:rPr lang="en-US" smtClean="0"/>
-              <a:t>2/11/2017</a:t>
+              <a:t>2/13/2017</a:t>
             </a:fld>
             <a:endParaRPr lang="en-US"/>
           </a:p>
@@ -5186,7 +5186,7 @@
           <a:p>
             <a:fld id="{386DBA8E-C001-4E68-8804-59F1C445E801}" type="datetimeFigureOut">
               <a:rPr lang="en-US" smtClean="0"/>
-              <a:t>2/11/2017</a:t>
+              <a:t>2/13/2017</a:t>
             </a:fld>
             <a:endParaRPr lang="en-US"/>
           </a:p>
@@ -5399,7 +5399,7 @@
           <a:p>
             <a:fld id="{386DBA8E-C001-4E68-8804-59F1C445E801}" type="datetimeFigureOut">
               <a:rPr lang="en-US" smtClean="0"/>
-              <a:t>2/11/2017</a:t>
+              <a:t>2/13/2017</a:t>
             </a:fld>
             <a:endParaRPr lang="en-US"/>
           </a:p>
@@ -5785,31 +5785,30 @@
             <a:off x="3448" y="0"/>
             <a:ext cx="5832647" cy="2664297"/>
           </a:xfrm>
-          <a:prstGeom prst="rect">
-            <a:avLst/>
+          <a:prstGeom prst="roundRect">
+            <a:avLst>
+              <a:gd name="adj" fmla="val 4379"/>
+            </a:avLst>
           </a:prstGeom>
           <a:solidFill>
             <a:schemeClr val="bg1"/>
           </a:solidFill>
           <a:ln>
             <a:noFill/>
-            <a:prstDash val="sysDash"/>
           </a:ln>
         </p:spPr>
         <p:style>
           <a:lnRef idx="2">
-            <a:schemeClr val="accent1">
-              <a:shade val="50000"/>
-            </a:schemeClr>
+            <a:schemeClr val="accent2"/>
           </a:lnRef>
           <a:fillRef idx="1">
-            <a:schemeClr val="accent1"/>
+            <a:schemeClr val="lt1"/>
           </a:fillRef>
           <a:effectRef idx="0">
-            <a:schemeClr val="accent1"/>
+            <a:schemeClr val="accent2"/>
           </a:effectRef>
           <a:fontRef idx="minor">
-            <a:schemeClr val="lt1"/>
+            <a:schemeClr val="dk1"/>
           </a:fontRef>
         </p:style>
         <p:txBody>

--- a/media/process.pptx
+++ b/media/process.pptx
@@ -106,7 +106,7 @@
   </p:defaultTextStyle>
   <p:extLst>
     <p:ext uri="{EFAFB233-063F-42B5-8137-9DF3F51BA10A}">
-      <p15:sldGuideLst xmlns:p15="http://schemas.microsoft.com/office/powerpoint/2012/main">
+      <p15:sldGuideLst xmlns:p15="http://schemas.microsoft.com/office/powerpoint/2012/main" xmlns="">
         <p15:guide id="1" orient="horz" pos="839">
           <p15:clr>
             <a:srgbClr val="A4A3A4"/>
@@ -1138,7 +1138,7 @@
   <dgm:whole/>
   <dgm:extLst>
     <a:ext uri="http://schemas.microsoft.com/office/drawing/2008/diagram">
-      <dsp:dataModelExt xmlns:dsp="http://schemas.microsoft.com/office/drawing/2008/diagram" relId="rId8" minVer="http://schemas.openxmlformats.org/drawingml/2006/diagram"/>
+      <dsp:dataModelExt xmlns:dsp="http://schemas.microsoft.com/office/drawing/2008/diagram" relId="rId6" minVer="http://schemas.openxmlformats.org/drawingml/2006/diagram"/>
     </a:ext>
   </dgm:extLst>
 </dgm:dataModel>
@@ -1160,7 +1160,7 @@
       <dsp:spPr>
         <a:xfrm>
           <a:off x="2626" y="0"/>
-          <a:ext cx="1529188" cy="288001"/>
+          <a:ext cx="1529188" cy="288000"/>
         </a:xfrm>
         <a:prstGeom prst="chevron">
           <a:avLst/>
@@ -1225,8 +1225,8 @@
         </a:p>
       </dsp:txBody>
       <dsp:txXfrm>
-        <a:off x="146627" y="0"/>
-        <a:ext cx="1241187" cy="288001"/>
+        <a:off x="146626" y="0"/>
+        <a:ext cx="1241188" cy="288000"/>
       </dsp:txXfrm>
     </dsp:sp>
     <dsp:sp modelId="{1A0BED00-428A-4143-A6E6-7058B43EE6E3}">
@@ -1237,7 +1237,7 @@
       <dsp:spPr>
         <a:xfrm>
           <a:off x="1378897" y="0"/>
-          <a:ext cx="1529188" cy="288001"/>
+          <a:ext cx="1529188" cy="288000"/>
         </a:xfrm>
         <a:prstGeom prst="chevron">
           <a:avLst/>
@@ -1302,8 +1302,8 @@
         </a:p>
       </dsp:txBody>
       <dsp:txXfrm>
-        <a:off x="1522898" y="0"/>
-        <a:ext cx="1241187" cy="288001"/>
+        <a:off x="1522897" y="0"/>
+        <a:ext cx="1241188" cy="288000"/>
       </dsp:txXfrm>
     </dsp:sp>
     <dsp:sp modelId="{01FCF690-3A52-4BF2-9135-B54D20ED08E1}">
@@ -1314,7 +1314,7 @@
       <dsp:spPr>
         <a:xfrm>
           <a:off x="2755167" y="0"/>
-          <a:ext cx="1529188" cy="288001"/>
+          <a:ext cx="1529188" cy="288000"/>
         </a:xfrm>
         <a:prstGeom prst="chevron">
           <a:avLst/>
@@ -1379,8 +1379,8 @@
         </a:p>
       </dsp:txBody>
       <dsp:txXfrm>
-        <a:off x="2899168" y="0"/>
-        <a:ext cx="1241187" cy="288001"/>
+        <a:off x="2899167" y="0"/>
+        <a:ext cx="1241188" cy="288000"/>
       </dsp:txXfrm>
     </dsp:sp>
     <dsp:sp modelId="{4B65C82B-1FAF-4964-93C3-3E28BC03D6B9}">
@@ -1391,7 +1391,7 @@
       <dsp:spPr>
         <a:xfrm>
           <a:off x="4131437" y="0"/>
-          <a:ext cx="1529188" cy="288001"/>
+          <a:ext cx="1529188" cy="288000"/>
         </a:xfrm>
         <a:prstGeom prst="chevron">
           <a:avLst/>
@@ -1456,8 +1456,8 @@
         </a:p>
       </dsp:txBody>
       <dsp:txXfrm>
-        <a:off x="4275438" y="0"/>
-        <a:ext cx="1241187" cy="288001"/>
+        <a:off x="4275437" y="0"/>
+        <a:ext cx="1241188" cy="288000"/>
       </dsp:txXfrm>
     </dsp:sp>
   </dsp:spTree>
@@ -2962,7 +2962,7 @@
           <a:p>
             <a:fld id="{386DBA8E-C001-4E68-8804-59F1C445E801}" type="datetimeFigureOut">
               <a:rPr lang="en-US" smtClean="0"/>
-              <a:t>2/13/2017</a:t>
+              <a:t>2/28/2017</a:t>
             </a:fld>
             <a:endParaRPr lang="en-US"/>
           </a:p>
@@ -3004,7 +3004,7 @@
           <a:p>
             <a:fld id="{A746E901-D716-41C0-9E0F-C60D13567B4A}" type="slidenum">
               <a:rPr lang="en-US" smtClean="0"/>
-              <a:t>‹Nr.›</a:t>
+              <a:t>‹#›</a:t>
             </a:fld>
             <a:endParaRPr lang="en-US"/>
           </a:p>
@@ -3132,7 +3132,7 @@
           <a:p>
             <a:fld id="{386DBA8E-C001-4E68-8804-59F1C445E801}" type="datetimeFigureOut">
               <a:rPr lang="en-US" smtClean="0"/>
-              <a:t>2/13/2017</a:t>
+              <a:t>2/28/2017</a:t>
             </a:fld>
             <a:endParaRPr lang="en-US"/>
           </a:p>
@@ -3174,7 +3174,7 @@
           <a:p>
             <a:fld id="{A746E901-D716-41C0-9E0F-C60D13567B4A}" type="slidenum">
               <a:rPr lang="en-US" smtClean="0"/>
-              <a:t>‹Nr.›</a:t>
+              <a:t>‹#›</a:t>
             </a:fld>
             <a:endParaRPr lang="en-US"/>
           </a:p>
@@ -3312,7 +3312,7 @@
           <a:p>
             <a:fld id="{386DBA8E-C001-4E68-8804-59F1C445E801}" type="datetimeFigureOut">
               <a:rPr lang="en-US" smtClean="0"/>
-              <a:t>2/13/2017</a:t>
+              <a:t>2/28/2017</a:t>
             </a:fld>
             <a:endParaRPr lang="en-US"/>
           </a:p>
@@ -3354,7 +3354,7 @@
           <a:p>
             <a:fld id="{A746E901-D716-41C0-9E0F-C60D13567B4A}" type="slidenum">
               <a:rPr lang="en-US" smtClean="0"/>
-              <a:t>‹Nr.›</a:t>
+              <a:t>‹#›</a:t>
             </a:fld>
             <a:endParaRPr lang="en-US"/>
           </a:p>
@@ -3482,7 +3482,7 @@
           <a:p>
             <a:fld id="{386DBA8E-C001-4E68-8804-59F1C445E801}" type="datetimeFigureOut">
               <a:rPr lang="en-US" smtClean="0"/>
-              <a:t>2/13/2017</a:t>
+              <a:t>2/28/2017</a:t>
             </a:fld>
             <a:endParaRPr lang="en-US"/>
           </a:p>
@@ -3524,7 +3524,7 @@
           <a:p>
             <a:fld id="{A746E901-D716-41C0-9E0F-C60D13567B4A}" type="slidenum">
               <a:rPr lang="en-US" smtClean="0"/>
-              <a:t>‹Nr.›</a:t>
+              <a:t>‹#›</a:t>
             </a:fld>
             <a:endParaRPr lang="en-US"/>
           </a:p>
@@ -3728,7 +3728,7 @@
           <a:p>
             <a:fld id="{386DBA8E-C001-4E68-8804-59F1C445E801}" type="datetimeFigureOut">
               <a:rPr lang="en-US" smtClean="0"/>
-              <a:t>2/13/2017</a:t>
+              <a:t>2/28/2017</a:t>
             </a:fld>
             <a:endParaRPr lang="en-US"/>
           </a:p>
@@ -3770,7 +3770,7 @@
           <a:p>
             <a:fld id="{A746E901-D716-41C0-9E0F-C60D13567B4A}" type="slidenum">
               <a:rPr lang="en-US" smtClean="0"/>
-              <a:t>‹Nr.›</a:t>
+              <a:t>‹#›</a:t>
             </a:fld>
             <a:endParaRPr lang="en-US"/>
           </a:p>
@@ -4016,7 +4016,7 @@
           <a:p>
             <a:fld id="{386DBA8E-C001-4E68-8804-59F1C445E801}" type="datetimeFigureOut">
               <a:rPr lang="en-US" smtClean="0"/>
-              <a:t>2/13/2017</a:t>
+              <a:t>2/28/2017</a:t>
             </a:fld>
             <a:endParaRPr lang="en-US"/>
           </a:p>
@@ -4058,7 +4058,7 @@
           <a:p>
             <a:fld id="{A746E901-D716-41C0-9E0F-C60D13567B4A}" type="slidenum">
               <a:rPr lang="en-US" smtClean="0"/>
-              <a:t>‹Nr.›</a:t>
+              <a:t>‹#›</a:t>
             </a:fld>
             <a:endParaRPr lang="en-US"/>
           </a:p>
@@ -4443,7 +4443,7 @@
           <a:p>
             <a:fld id="{386DBA8E-C001-4E68-8804-59F1C445E801}" type="datetimeFigureOut">
               <a:rPr lang="en-US" smtClean="0"/>
-              <a:t>2/13/2017</a:t>
+              <a:t>2/28/2017</a:t>
             </a:fld>
             <a:endParaRPr lang="en-US"/>
           </a:p>
@@ -4485,7 +4485,7 @@
           <a:p>
             <a:fld id="{A746E901-D716-41C0-9E0F-C60D13567B4A}" type="slidenum">
               <a:rPr lang="en-US" smtClean="0"/>
-              <a:t>‹Nr.›</a:t>
+              <a:t>‹#›</a:t>
             </a:fld>
             <a:endParaRPr lang="en-US"/>
           </a:p>
@@ -4561,7 +4561,7 @@
           <a:p>
             <a:fld id="{386DBA8E-C001-4E68-8804-59F1C445E801}" type="datetimeFigureOut">
               <a:rPr lang="en-US" smtClean="0"/>
-              <a:t>2/13/2017</a:t>
+              <a:t>2/28/2017</a:t>
             </a:fld>
             <a:endParaRPr lang="en-US"/>
           </a:p>
@@ -4603,7 +4603,7 @@
           <a:p>
             <a:fld id="{A746E901-D716-41C0-9E0F-C60D13567B4A}" type="slidenum">
               <a:rPr lang="en-US" smtClean="0"/>
-              <a:t>‹Nr.›</a:t>
+              <a:t>‹#›</a:t>
             </a:fld>
             <a:endParaRPr lang="en-US"/>
           </a:p>
@@ -4656,7 +4656,7 @@
           <a:p>
             <a:fld id="{386DBA8E-C001-4E68-8804-59F1C445E801}" type="datetimeFigureOut">
               <a:rPr lang="en-US" smtClean="0"/>
-              <a:t>2/13/2017</a:t>
+              <a:t>2/28/2017</a:t>
             </a:fld>
             <a:endParaRPr lang="en-US"/>
           </a:p>
@@ -4698,7 +4698,7 @@
           <a:p>
             <a:fld id="{A746E901-D716-41C0-9E0F-C60D13567B4A}" type="slidenum">
               <a:rPr lang="en-US" smtClean="0"/>
-              <a:t>‹Nr.›</a:t>
+              <a:t>‹#›</a:t>
             </a:fld>
             <a:endParaRPr lang="en-US"/>
           </a:p>
@@ -4933,7 +4933,7 @@
           <a:p>
             <a:fld id="{386DBA8E-C001-4E68-8804-59F1C445E801}" type="datetimeFigureOut">
               <a:rPr lang="en-US" smtClean="0"/>
-              <a:t>2/13/2017</a:t>
+              <a:t>2/28/2017</a:t>
             </a:fld>
             <a:endParaRPr lang="en-US"/>
           </a:p>
@@ -4975,7 +4975,7 @@
           <a:p>
             <a:fld id="{A746E901-D716-41C0-9E0F-C60D13567B4A}" type="slidenum">
               <a:rPr lang="en-US" smtClean="0"/>
-              <a:t>‹Nr.›</a:t>
+              <a:t>‹#›</a:t>
             </a:fld>
             <a:endParaRPr lang="en-US"/>
           </a:p>
@@ -5186,7 +5186,7 @@
           <a:p>
             <a:fld id="{386DBA8E-C001-4E68-8804-59F1C445E801}" type="datetimeFigureOut">
               <a:rPr lang="en-US" smtClean="0"/>
-              <a:t>2/13/2017</a:t>
+              <a:t>2/28/2017</a:t>
             </a:fld>
             <a:endParaRPr lang="en-US"/>
           </a:p>
@@ -5228,7 +5228,7 @@
           <a:p>
             <a:fld id="{A746E901-D716-41C0-9E0F-C60D13567B4A}" type="slidenum">
               <a:rPr lang="en-US" smtClean="0"/>
-              <a:t>‹Nr.›</a:t>
+              <a:t>‹#›</a:t>
             </a:fld>
             <a:endParaRPr lang="en-US"/>
           </a:p>
@@ -5399,7 +5399,7 @@
           <a:p>
             <a:fld id="{386DBA8E-C001-4E68-8804-59F1C445E801}" type="datetimeFigureOut">
               <a:rPr lang="en-US" smtClean="0"/>
-              <a:t>2/13/2017</a:t>
+              <a:t>2/28/2017</a:t>
             </a:fld>
             <a:endParaRPr lang="en-US"/>
           </a:p>
@@ -5477,7 +5477,7 @@
           <a:p>
             <a:fld id="{A746E901-D716-41C0-9E0F-C60D13567B4A}" type="slidenum">
               <a:rPr lang="en-US" smtClean="0"/>
-              <a:t>‹Nr.›</a:t>
+              <a:t>‹#›</a:t>
             </a:fld>
             <a:endParaRPr lang="en-US"/>
           </a:p>
@@ -5782,7 +5782,7 @@
         </p:nvSpPr>
         <p:spPr>
           <a:xfrm>
-            <a:off x="3448" y="0"/>
+            <a:off x="8339" y="2264"/>
             <a:ext cx="5832647" cy="2664297"/>
           </a:xfrm>
           <a:prstGeom prst="roundRect">
@@ -5820,88 +5820,6 @@
           </a:p>
         </p:txBody>
       </p:sp>
-      <p:pic>
-        <p:nvPicPr>
-          <p:cNvPr id="1028" name="Picture 4" descr="http://www.apkreleases.com/wp-content/uploads/2015/03/download-play-store.png"/>
-          <p:cNvPicPr>
-            <a:picLocks noChangeAspect="1" noChangeArrowheads="1"/>
-          </p:cNvPicPr>
-          <p:nvPr/>
-        </p:nvPicPr>
-        <p:blipFill>
-          <a:blip r:embed="rId2" cstate="print">
-            <a:extLst>
-              <a:ext uri="{28A0092B-C50C-407E-A947-70E740481C1C}">
-                <a14:useLocalDpi xmlns:a14="http://schemas.microsoft.com/office/drawing/2010/main" val="0"/>
-              </a:ext>
-            </a:extLst>
-          </a:blip>
-          <a:srcRect/>
-          <a:stretch>
-            <a:fillRect/>
-          </a:stretch>
-        </p:blipFill>
-        <p:spPr bwMode="auto">
-          <a:xfrm>
-            <a:off x="4468620" y="1106273"/>
-            <a:ext cx="1008000" cy="369999"/>
-          </a:xfrm>
-          <a:prstGeom prst="rect">
-            <a:avLst/>
-          </a:prstGeom>
-          <a:noFill/>
-          <a:extLst>
-            <a:ext uri="{909E8E84-426E-40DD-AFC4-6F175D3DCCD1}">
-              <a14:hiddenFill xmlns:a14="http://schemas.microsoft.com/office/drawing/2010/main">
-                <a:solidFill>
-                  <a:srgbClr val="FFFFFF"/>
-                </a:solidFill>
-              </a14:hiddenFill>
-            </a:ext>
-          </a:extLst>
-        </p:spPr>
-      </p:pic>
-      <p:pic>
-        <p:nvPicPr>
-          <p:cNvPr id="1026" name="Picture 2" descr="Bildergebnis für apple app store"/>
-          <p:cNvPicPr>
-            <a:picLocks noChangeAspect="1" noChangeArrowheads="1"/>
-          </p:cNvPicPr>
-          <p:nvPr/>
-        </p:nvPicPr>
-        <p:blipFill>
-          <a:blip r:embed="rId3" cstate="print">
-            <a:extLst>
-              <a:ext uri="{28A0092B-C50C-407E-A947-70E740481C1C}">
-                <a14:useLocalDpi xmlns:a14="http://schemas.microsoft.com/office/drawing/2010/main" val="0"/>
-              </a:ext>
-            </a:extLst>
-          </a:blip>
-          <a:srcRect/>
-          <a:stretch>
-            <a:fillRect/>
-          </a:stretch>
-        </p:blipFill>
-        <p:spPr bwMode="auto">
-          <a:xfrm>
-            <a:off x="4481307" y="684173"/>
-            <a:ext cx="972000" cy="337770"/>
-          </a:xfrm>
-          <a:prstGeom prst="rect">
-            <a:avLst/>
-          </a:prstGeom>
-          <a:noFill/>
-          <a:extLst>
-            <a:ext uri="{909E8E84-426E-40DD-AFC4-6F175D3DCCD1}">
-              <a14:hiddenFill xmlns:a14="http://schemas.microsoft.com/office/drawing/2010/main">
-                <a:solidFill>
-                  <a:srgbClr val="FFFFFF"/>
-                </a:solidFill>
-              </a14:hiddenFill>
-            </a:ext>
-          </a:extLst>
-        </p:spPr>
-      </p:pic>
       <p:graphicFrame>
         <p:nvGraphicFramePr>
           <p:cNvPr id="5" name="Diagram 4"/>
@@ -5920,7 +5838,7 @@
         </p:xfrm>
         <a:graphic>
           <a:graphicData uri="http://schemas.openxmlformats.org/drawingml/2006/diagram">
-            <dgm:relIds xmlns:dgm="http://schemas.openxmlformats.org/drawingml/2006/diagram" xmlns:r="http://schemas.openxmlformats.org/officeDocument/2006/relationships" r:dm="rId4" r:lo="rId5" r:qs="rId6" r:cs="rId7"/>
+            <dgm:relIds xmlns:dgm="http://schemas.openxmlformats.org/drawingml/2006/diagram" xmlns:r="http://schemas.openxmlformats.org/officeDocument/2006/relationships" r:dm="rId2" r:lo="rId3" r:qs="rId4" r:cs="rId5"/>
           </a:graphicData>
         </a:graphic>
       </p:graphicFrame>
@@ -5933,7 +5851,7 @@
           <p:nvPr/>
         </p:nvPicPr>
         <p:blipFill rotWithShape="1">
-          <a:blip r:embed="rId9" cstate="print">
+          <a:blip r:embed="rId7" cstate="print">
             <a:extLst>
               <a:ext uri="{28A0092B-C50C-407E-A947-70E740481C1C}">
                 <a14:useLocalDpi xmlns:a14="http://schemas.microsoft.com/office/drawing/2010/main" val="0"/>
@@ -5978,115 +5896,6 @@
       </p:pic>
       <p:pic>
         <p:nvPicPr>
-          <p:cNvPr id="9" name="Picture 9" descr="https://i0.wp.com/www.artit-k.com/wp-content/uploads/2016/07/Cover-Firebase_Hosting.png?fit=650%2C300"/>
-          <p:cNvPicPr>
-            <a:picLocks noChangeAspect="1" noChangeArrowheads="1"/>
-          </p:cNvPicPr>
-          <p:nvPr/>
-        </p:nvPicPr>
-        <p:blipFill>
-          <a:blip r:embed="rId10" cstate="print">
-            <a:extLst>
-              <a:ext uri="{28A0092B-C50C-407E-A947-70E740481C1C}">
-                <a14:useLocalDpi xmlns:a14="http://schemas.microsoft.com/office/drawing/2010/main" val="0"/>
-              </a:ext>
-            </a:extLst>
-          </a:blip>
-          <a:srcRect/>
-          <a:stretch>
-            <a:fillRect/>
-          </a:stretch>
-        </p:blipFill>
-        <p:spPr bwMode="auto">
-          <a:xfrm>
-            <a:off x="4477620" y="1564958"/>
-            <a:ext cx="990000" cy="456924"/>
-          </a:xfrm>
-          <a:prstGeom prst="roundRect">
-            <a:avLst>
-              <a:gd name="adj" fmla="val 8525"/>
-            </a:avLst>
-          </a:prstGeom>
-          <a:noFill/>
-          <a:ln>
-            <a:solidFill>
-              <a:srgbClr val="FFC000"/>
-            </a:solidFill>
-          </a:ln>
-          <a:extLst>
-            <a:ext uri="{909E8E84-426E-40DD-AFC4-6F175D3DCCD1}">
-              <a14:hiddenFill xmlns:a14="http://schemas.microsoft.com/office/drawing/2010/main">
-                <a:solidFill>
-                  <a:srgbClr val="FFFFFF"/>
-                </a:solidFill>
-              </a14:hiddenFill>
-            </a:ext>
-          </a:extLst>
-        </p:spPr>
-      </p:pic>
-      <p:sp>
-        <p:nvSpPr>
-          <p:cNvPr id="10" name="Rounded Rectangle 9"/>
-          <p:cNvSpPr/>
-          <p:nvPr/>
-        </p:nvSpPr>
-        <p:spPr>
-          <a:xfrm>
-            <a:off x="4477620" y="2152439"/>
-            <a:ext cx="990000" cy="235741"/>
-          </a:xfrm>
-          <a:prstGeom prst="roundRect">
-            <a:avLst/>
-          </a:prstGeom>
-          <a:ln w="9525">
-            <a:solidFill>
-              <a:schemeClr val="accent3">
-                <a:lumMod val="75000"/>
-              </a:schemeClr>
-            </a:solidFill>
-          </a:ln>
-        </p:spPr>
-        <p:style>
-          <a:lnRef idx="2">
-            <a:schemeClr val="accent6"/>
-          </a:lnRef>
-          <a:fillRef idx="1">
-            <a:schemeClr val="lt1"/>
-          </a:fillRef>
-          <a:effectRef idx="0">
-            <a:schemeClr val="accent6"/>
-          </a:effectRef>
-          <a:fontRef idx="minor">
-            <a:schemeClr val="dk1"/>
-          </a:fontRef>
-        </p:style>
-        <p:txBody>
-          <a:bodyPr lIns="91420" tIns="45712" rIns="91420" bIns="45712" rtlCol="0" anchor="ctr"/>
-          <a:lstStyle/>
-          <a:p>
-            <a:pPr algn="ctr"/>
-            <a:r>
-              <a:rPr lang="de-DE" sz="1100">
-                <a:solidFill>
-                  <a:schemeClr val="accent3">
-                    <a:lumMod val="50000"/>
-                  </a:schemeClr>
-                </a:solidFill>
-              </a:rPr>
-              <a:t>own Server</a:t>
-            </a:r>
-            <a:endParaRPr lang="en-US" sz="1100">
-              <a:solidFill>
-                <a:schemeClr val="accent3">
-                  <a:lumMod val="50000"/>
-                </a:schemeClr>
-              </a:solidFill>
-            </a:endParaRPr>
-          </a:p>
-        </p:txBody>
-      </p:sp>
-      <p:pic>
-        <p:nvPicPr>
           <p:cNvPr id="11" name="Picture 20"/>
           <p:cNvPicPr>
             <a:picLocks noChangeAspect="1" noChangeArrowheads="1"/>
@@ -6094,7 +5903,7 @@
           <p:nvPr/>
         </p:nvPicPr>
         <p:blipFill rotWithShape="1">
-          <a:blip r:embed="rId11" cstate="print">
+          <a:blip r:embed="rId8" cstate="print">
             <a:extLst>
               <a:ext uri="{28A0092B-C50C-407E-A947-70E740481C1C}">
                 <a14:useLocalDpi xmlns:a14="http://schemas.microsoft.com/office/drawing/2010/main" val="0"/>
@@ -6146,7 +5955,7 @@
           <p:nvPr/>
         </p:nvPicPr>
         <p:blipFill rotWithShape="1">
-          <a:blip r:embed="rId12" cstate="print">
+          <a:blip r:embed="rId9" cstate="print">
             <a:extLst>
               <a:ext uri="{28A0092B-C50C-407E-A947-70E740481C1C}">
                 <a14:useLocalDpi xmlns:a14="http://schemas.microsoft.com/office/drawing/2010/main" val="0"/>
@@ -6185,7 +5994,7 @@
           <p:nvPr/>
         </p:nvPicPr>
         <p:blipFill>
-          <a:blip r:embed="rId13" cstate="print">
+          <a:blip r:embed="rId10" cstate="print">
             <a:extLst>
               <a:ext uri="{28A0092B-C50C-407E-A947-70E740481C1C}">
                 <a14:useLocalDpi xmlns:a14="http://schemas.microsoft.com/office/drawing/2010/main" val="0"/>
@@ -6226,7 +6035,7 @@
           <p:nvPr/>
         </p:nvPicPr>
         <p:blipFill>
-          <a:blip r:embed="rId14" cstate="print">
+          <a:blip r:embed="rId11" cstate="print">
             <a:extLst>
               <a:ext uri="{28A0092B-C50C-407E-A947-70E740481C1C}">
                 <a14:useLocalDpi xmlns:a14="http://schemas.microsoft.com/office/drawing/2010/main" val="0"/>
@@ -6267,7 +6076,7 @@
           <p:nvPr/>
         </p:nvPicPr>
         <p:blipFill rotWithShape="1">
-          <a:blip r:embed="rId15" cstate="print">
+          <a:blip r:embed="rId12" cstate="print">
             <a:extLst>
               <a:ext uri="{28A0092B-C50C-407E-A947-70E740481C1C}">
                 <a14:useLocalDpi xmlns:a14="http://schemas.microsoft.com/office/drawing/2010/main" val="0"/>
@@ -6458,6 +6267,203 @@
               <a:solidFill>
                 <a:schemeClr val="tx1"/>
               </a:solidFill>
+            </a:endParaRPr>
+          </a:p>
+        </p:txBody>
+      </p:sp>
+      <p:pic>
+        <p:nvPicPr>
+          <p:cNvPr id="3" name="Picture 2" descr="app-store-download.png"/>
+          <p:cNvPicPr>
+            <a:picLocks noChangeAspect="1" noChangeArrowheads="1"/>
+          </p:cNvPicPr>
+          <p:nvPr/>
+        </p:nvPicPr>
+        <p:blipFill>
+          <a:blip r:embed="rId13" cstate="print">
+            <a:extLst>
+              <a:ext uri="{28A0092B-C50C-407E-A947-70E740481C1C}">
+                <a14:useLocalDpi xmlns:a14="http://schemas.microsoft.com/office/drawing/2010/main" val="0"/>
+              </a:ext>
+            </a:extLst>
+          </a:blip>
+          <a:srcRect/>
+          <a:stretch>
+            <a:fillRect/>
+          </a:stretch>
+        </p:blipFill>
+        <p:spPr bwMode="auto">
+          <a:xfrm>
+            <a:off x="4525021" y="747404"/>
+            <a:ext cx="995615" cy="295200"/>
+          </a:xfrm>
+          <a:prstGeom prst="rect">
+            <a:avLst/>
+          </a:prstGeom>
+          <a:noFill/>
+          <a:extLst>
+            <a:ext uri="{909E8E84-426E-40DD-AFC4-6F175D3DCCD1}">
+              <a14:hiddenFill xmlns:a14="http://schemas.microsoft.com/office/drawing/2010/main">
+                <a:solidFill>
+                  <a:srgbClr val="FFFFFF"/>
+                </a:solidFill>
+              </a14:hiddenFill>
+            </a:ext>
+          </a:extLst>
+        </p:spPr>
+      </p:pic>
+      <p:pic>
+        <p:nvPicPr>
+          <p:cNvPr id="7" name="Picture 4" descr="https://raw.githubusercontent.com/scriptPilot/app-framework/dev-1.3/media/google-play-download.png"/>
+          <p:cNvPicPr>
+            <a:picLocks noChangeAspect="1" noChangeArrowheads="1"/>
+          </p:cNvPicPr>
+          <p:nvPr/>
+        </p:nvPicPr>
+        <p:blipFill>
+          <a:blip r:embed="rId14" cstate="print">
+            <a:extLst>
+              <a:ext uri="{28A0092B-C50C-407E-A947-70E740481C1C}">
+                <a14:useLocalDpi xmlns:a14="http://schemas.microsoft.com/office/drawing/2010/main" val="0"/>
+              </a:ext>
+            </a:extLst>
+          </a:blip>
+          <a:srcRect/>
+          <a:stretch>
+            <a:fillRect/>
+          </a:stretch>
+        </p:blipFill>
+        <p:spPr bwMode="auto">
+          <a:xfrm>
+            <a:off x="4527065" y="1196861"/>
+            <a:ext cx="991526" cy="295348"/>
+          </a:xfrm>
+          <a:prstGeom prst="rect">
+            <a:avLst/>
+          </a:prstGeom>
+          <a:noFill/>
+          <a:extLst>
+            <a:ext uri="{909E8E84-426E-40DD-AFC4-6F175D3DCCD1}">
+              <a14:hiddenFill xmlns:a14="http://schemas.microsoft.com/office/drawing/2010/main">
+                <a:solidFill>
+                  <a:srgbClr val="FFFFFF"/>
+                </a:solidFill>
+              </a14:hiddenFill>
+            </a:ext>
+          </a:extLst>
+        </p:spPr>
+      </p:pic>
+      <p:pic>
+        <p:nvPicPr>
+          <p:cNvPr id="9" name="Picture 9" descr="https://i0.wp.com/www.artit-k.com/wp-content/uploads/2016/07/Cover-Firebase_Hosting.png?fit=650%2C300"/>
+          <p:cNvPicPr>
+            <a:picLocks noChangeAspect="1" noChangeArrowheads="1"/>
+          </p:cNvPicPr>
+          <p:nvPr/>
+        </p:nvPicPr>
+        <p:blipFill rotWithShape="1">
+          <a:blip r:embed="rId15" cstate="print">
+            <a:extLst>
+              <a:ext uri="{28A0092B-C50C-407E-A947-70E740481C1C}">
+                <a14:useLocalDpi xmlns:a14="http://schemas.microsoft.com/office/drawing/2010/main" val="0"/>
+              </a:ext>
+            </a:extLst>
+          </a:blip>
+          <a:srcRect t="5051" b="31822"/>
+          <a:stretch/>
+        </p:blipFill>
+        <p:spPr bwMode="auto">
+          <a:xfrm>
+            <a:off x="4534732" y="1646466"/>
+            <a:ext cx="976191" cy="284400"/>
+          </a:xfrm>
+          <a:prstGeom prst="roundRect">
+            <a:avLst>
+              <a:gd name="adj" fmla="val 8525"/>
+            </a:avLst>
+          </a:prstGeom>
+          <a:noFill/>
+          <a:ln w="9525">
+            <a:solidFill>
+              <a:srgbClr val="FFC000"/>
+            </a:solidFill>
+          </a:ln>
+          <a:extLst>
+            <a:ext uri="{909E8E84-426E-40DD-AFC4-6F175D3DCCD1}">
+              <a14:hiddenFill xmlns:a14="http://schemas.microsoft.com/office/drawing/2010/main">
+                <a:solidFill>
+                  <a:srgbClr val="FFFFFF"/>
+                </a:solidFill>
+              </a14:hiddenFill>
+            </a:ext>
+          </a:extLst>
+        </p:spPr>
+      </p:pic>
+      <p:sp>
+        <p:nvSpPr>
+          <p:cNvPr id="10" name="Rounded Rectangle 9"/>
+          <p:cNvSpPr/>
+          <p:nvPr/>
+        </p:nvSpPr>
+        <p:spPr>
+          <a:xfrm>
+            <a:off x="4527828" y="2089145"/>
+            <a:ext cx="990000" cy="295200"/>
+          </a:xfrm>
+          <a:prstGeom prst="roundRect">
+            <a:avLst>
+              <a:gd name="adj" fmla="val 10214"/>
+            </a:avLst>
+          </a:prstGeom>
+          <a:ln w="9525">
+            <a:solidFill>
+              <a:schemeClr val="accent3">
+                <a:lumMod val="75000"/>
+              </a:schemeClr>
+            </a:solidFill>
+          </a:ln>
+        </p:spPr>
+        <p:style>
+          <a:lnRef idx="2">
+            <a:schemeClr val="accent6"/>
+          </a:lnRef>
+          <a:fillRef idx="1">
+            <a:schemeClr val="lt1"/>
+          </a:fillRef>
+          <a:effectRef idx="0">
+            <a:schemeClr val="accent6"/>
+          </a:effectRef>
+          <a:fontRef idx="minor">
+            <a:schemeClr val="dk1"/>
+          </a:fontRef>
+        </p:style>
+        <p:txBody>
+          <a:bodyPr lIns="91420" tIns="45712" rIns="91420" bIns="45712" rtlCol="0" anchor="ctr"/>
+          <a:lstStyle/>
+          <a:p>
+            <a:pPr algn="ctr"/>
+            <a:r>
+              <a:rPr lang="de-DE" sz="1200" b="1" smtClean="0">
+                <a:solidFill>
+                  <a:schemeClr val="accent3">
+                    <a:lumMod val="50000"/>
+                  </a:schemeClr>
+                </a:solidFill>
+                <a:latin typeface="+mj-lt"/>
+                <a:ea typeface="Verdana" panose="020B0604030504040204" pitchFamily="34" charset="0"/>
+                <a:cs typeface="Verdana" panose="020B0604030504040204" pitchFamily="34" charset="0"/>
+              </a:rPr>
+              <a:t>FTP Server</a:t>
+            </a:r>
+            <a:endParaRPr lang="en-US" sz="1200" b="1">
+              <a:solidFill>
+                <a:schemeClr val="accent3">
+                  <a:lumMod val="50000"/>
+                </a:schemeClr>
+              </a:solidFill>
+              <a:latin typeface="+mj-lt"/>
+              <a:ea typeface="Verdana" panose="020B0604030504040204" pitchFamily="34" charset="0"/>
+              <a:cs typeface="Verdana" panose="020B0604030504040204" pitchFamily="34" charset="0"/>
             </a:endParaRPr>
           </a:p>
         </p:txBody>

--- a/media/process.pptx
+++ b/media/process.pptx
@@ -4,8 +4,12 @@
   <p:sldMasterIdLst>
     <p:sldMasterId id="2147483648" r:id="rId1"/>
   </p:sldMasterIdLst>
+  <p:notesMasterIdLst>
+    <p:notesMasterId r:id="rId4"/>
+  </p:notesMasterIdLst>
   <p:sldIdLst>
-    <p:sldId id="256" r:id="rId2"/>
+    <p:sldId id="257" r:id="rId2"/>
+    <p:sldId id="256" r:id="rId3"/>
   </p:sldIdLst>
   <p:sldSz cx="5832475" cy="2663825"/>
   <p:notesSz cx="6858000" cy="9144000"/>
@@ -870,7 +874,1028 @@
 </dgm:colorsDef>
 </file>
 
+<file path=ppt/diagrams/colors2.xml><?xml version="1.0" encoding="utf-8"?>
+<dgm:colorsDef xmlns:dgm="http://schemas.openxmlformats.org/drawingml/2006/diagram" xmlns:a="http://schemas.openxmlformats.org/drawingml/2006/main" uniqueId="urn:microsoft.com/office/officeart/2005/8/colors/accent1_2">
+  <dgm:title val=""/>
+  <dgm:desc val=""/>
+  <dgm:catLst>
+    <dgm:cat type="accent1" pri="11200"/>
+  </dgm:catLst>
+  <dgm:styleLbl name="node0">
+    <dgm:fillClrLst meth="repeat">
+      <a:schemeClr val="accent1"/>
+    </dgm:fillClrLst>
+    <dgm:linClrLst meth="repeat">
+      <a:schemeClr val="lt1"/>
+    </dgm:linClrLst>
+    <dgm:effectClrLst/>
+    <dgm:txLinClrLst/>
+    <dgm:txFillClrLst/>
+    <dgm:txEffectClrLst/>
+  </dgm:styleLbl>
+  <dgm:styleLbl name="alignNode1">
+    <dgm:fillClrLst meth="repeat">
+      <a:schemeClr val="accent1"/>
+    </dgm:fillClrLst>
+    <dgm:linClrLst meth="repeat">
+      <a:schemeClr val="accent1"/>
+    </dgm:linClrLst>
+    <dgm:effectClrLst/>
+    <dgm:txLinClrLst/>
+    <dgm:txFillClrLst/>
+    <dgm:txEffectClrLst/>
+  </dgm:styleLbl>
+  <dgm:styleLbl name="node1">
+    <dgm:fillClrLst meth="repeat">
+      <a:schemeClr val="accent1"/>
+    </dgm:fillClrLst>
+    <dgm:linClrLst meth="repeat">
+      <a:schemeClr val="lt1"/>
+    </dgm:linClrLst>
+    <dgm:effectClrLst/>
+    <dgm:txLinClrLst/>
+    <dgm:txFillClrLst/>
+    <dgm:txEffectClrLst/>
+  </dgm:styleLbl>
+  <dgm:styleLbl name="lnNode1">
+    <dgm:fillClrLst meth="repeat">
+      <a:schemeClr val="accent1"/>
+    </dgm:fillClrLst>
+    <dgm:linClrLst meth="repeat">
+      <a:schemeClr val="lt1"/>
+    </dgm:linClrLst>
+    <dgm:effectClrLst/>
+    <dgm:txLinClrLst/>
+    <dgm:txFillClrLst/>
+    <dgm:txEffectClrLst/>
+  </dgm:styleLbl>
+  <dgm:styleLbl name="vennNode1">
+    <dgm:fillClrLst meth="repeat">
+      <a:schemeClr val="accent1">
+        <a:alpha val="50000"/>
+      </a:schemeClr>
+    </dgm:fillClrLst>
+    <dgm:linClrLst meth="repeat">
+      <a:schemeClr val="lt1"/>
+    </dgm:linClrLst>
+    <dgm:effectClrLst/>
+    <dgm:txLinClrLst/>
+    <dgm:txFillClrLst/>
+    <dgm:txEffectClrLst/>
+  </dgm:styleLbl>
+  <dgm:styleLbl name="node2">
+    <dgm:fillClrLst meth="repeat">
+      <a:schemeClr val="accent1"/>
+    </dgm:fillClrLst>
+    <dgm:linClrLst meth="repeat">
+      <a:schemeClr val="lt1"/>
+    </dgm:linClrLst>
+    <dgm:effectClrLst/>
+    <dgm:txLinClrLst/>
+    <dgm:txFillClrLst/>
+    <dgm:txEffectClrLst/>
+  </dgm:styleLbl>
+  <dgm:styleLbl name="node3">
+    <dgm:fillClrLst meth="repeat">
+      <a:schemeClr val="accent1"/>
+    </dgm:fillClrLst>
+    <dgm:linClrLst meth="repeat">
+      <a:schemeClr val="lt1"/>
+    </dgm:linClrLst>
+    <dgm:effectClrLst/>
+    <dgm:txLinClrLst/>
+    <dgm:txFillClrLst/>
+    <dgm:txEffectClrLst/>
+  </dgm:styleLbl>
+  <dgm:styleLbl name="node4">
+    <dgm:fillClrLst meth="repeat">
+      <a:schemeClr val="accent1"/>
+    </dgm:fillClrLst>
+    <dgm:linClrLst meth="repeat">
+      <a:schemeClr val="lt1"/>
+    </dgm:linClrLst>
+    <dgm:effectClrLst/>
+    <dgm:txLinClrLst/>
+    <dgm:txFillClrLst/>
+    <dgm:txEffectClrLst/>
+  </dgm:styleLbl>
+  <dgm:styleLbl name="fgImgPlace1">
+    <dgm:fillClrLst meth="repeat">
+      <a:schemeClr val="accent1">
+        <a:tint val="50000"/>
+      </a:schemeClr>
+    </dgm:fillClrLst>
+    <dgm:linClrLst meth="repeat">
+      <a:schemeClr val="lt1"/>
+    </dgm:linClrLst>
+    <dgm:effectClrLst/>
+    <dgm:txLinClrLst/>
+    <dgm:txFillClrLst meth="repeat">
+      <a:schemeClr val="lt1"/>
+    </dgm:txFillClrLst>
+    <dgm:txEffectClrLst/>
+  </dgm:styleLbl>
+  <dgm:styleLbl name="alignImgPlace1">
+    <dgm:fillClrLst meth="repeat">
+      <a:schemeClr val="accent1">
+        <a:tint val="50000"/>
+      </a:schemeClr>
+    </dgm:fillClrLst>
+    <dgm:linClrLst meth="repeat">
+      <a:schemeClr val="lt1"/>
+    </dgm:linClrLst>
+    <dgm:effectClrLst/>
+    <dgm:txLinClrLst/>
+    <dgm:txFillClrLst meth="repeat">
+      <a:schemeClr val="lt1"/>
+    </dgm:txFillClrLst>
+    <dgm:txEffectClrLst/>
+  </dgm:styleLbl>
+  <dgm:styleLbl name="bgImgPlace1">
+    <dgm:fillClrLst meth="repeat">
+      <a:schemeClr val="accent1">
+        <a:tint val="50000"/>
+      </a:schemeClr>
+    </dgm:fillClrLst>
+    <dgm:linClrLst meth="repeat">
+      <a:schemeClr val="lt1"/>
+    </dgm:linClrLst>
+    <dgm:effectClrLst/>
+    <dgm:txLinClrLst/>
+    <dgm:txFillClrLst meth="repeat">
+      <a:schemeClr val="lt1"/>
+    </dgm:txFillClrLst>
+    <dgm:txEffectClrLst/>
+  </dgm:styleLbl>
+  <dgm:styleLbl name="sibTrans2D1">
+    <dgm:fillClrLst meth="repeat">
+      <a:schemeClr val="accent1">
+        <a:tint val="60000"/>
+      </a:schemeClr>
+    </dgm:fillClrLst>
+    <dgm:linClrLst meth="repeat">
+      <a:schemeClr val="accent1">
+        <a:tint val="60000"/>
+      </a:schemeClr>
+    </dgm:linClrLst>
+    <dgm:effectClrLst/>
+    <dgm:txLinClrLst/>
+    <dgm:txFillClrLst/>
+    <dgm:txEffectClrLst/>
+  </dgm:styleLbl>
+  <dgm:styleLbl name="fgSibTrans2D1">
+    <dgm:fillClrLst meth="repeat">
+      <a:schemeClr val="accent1">
+        <a:tint val="60000"/>
+      </a:schemeClr>
+    </dgm:fillClrLst>
+    <dgm:linClrLst meth="repeat">
+      <a:schemeClr val="accent1">
+        <a:tint val="60000"/>
+      </a:schemeClr>
+    </dgm:linClrLst>
+    <dgm:effectClrLst/>
+    <dgm:txLinClrLst/>
+    <dgm:txFillClrLst/>
+    <dgm:txEffectClrLst/>
+  </dgm:styleLbl>
+  <dgm:styleLbl name="bgSibTrans2D1">
+    <dgm:fillClrLst meth="repeat">
+      <a:schemeClr val="accent1">
+        <a:tint val="60000"/>
+      </a:schemeClr>
+    </dgm:fillClrLst>
+    <dgm:linClrLst meth="repeat">
+      <a:schemeClr val="accent1">
+        <a:tint val="60000"/>
+      </a:schemeClr>
+    </dgm:linClrLst>
+    <dgm:effectClrLst/>
+    <dgm:txLinClrLst/>
+    <dgm:txFillClrLst/>
+    <dgm:txEffectClrLst/>
+  </dgm:styleLbl>
+  <dgm:styleLbl name="sibTrans1D1">
+    <dgm:fillClrLst meth="repeat">
+      <a:schemeClr val="accent1"/>
+    </dgm:fillClrLst>
+    <dgm:linClrLst meth="repeat">
+      <a:schemeClr val="accent1"/>
+    </dgm:linClrLst>
+    <dgm:effectClrLst/>
+    <dgm:txLinClrLst/>
+    <dgm:txFillClrLst meth="repeat">
+      <a:schemeClr val="tx1"/>
+    </dgm:txFillClrLst>
+    <dgm:txEffectClrLst/>
+  </dgm:styleLbl>
+  <dgm:styleLbl name="callout">
+    <dgm:fillClrLst meth="repeat">
+      <a:schemeClr val="accent1"/>
+    </dgm:fillClrLst>
+    <dgm:linClrLst meth="repeat">
+      <a:schemeClr val="accent1">
+        <a:tint val="50000"/>
+      </a:schemeClr>
+    </dgm:linClrLst>
+    <dgm:effectClrLst/>
+    <dgm:txLinClrLst/>
+    <dgm:txFillClrLst meth="repeat">
+      <a:schemeClr val="tx1"/>
+    </dgm:txFillClrLst>
+    <dgm:txEffectClrLst/>
+  </dgm:styleLbl>
+  <dgm:styleLbl name="asst0">
+    <dgm:fillClrLst meth="repeat">
+      <a:schemeClr val="accent1"/>
+    </dgm:fillClrLst>
+    <dgm:linClrLst meth="repeat">
+      <a:schemeClr val="lt1"/>
+    </dgm:linClrLst>
+    <dgm:effectClrLst/>
+    <dgm:txLinClrLst/>
+    <dgm:txFillClrLst/>
+    <dgm:txEffectClrLst/>
+  </dgm:styleLbl>
+  <dgm:styleLbl name="asst1">
+    <dgm:fillClrLst meth="repeat">
+      <a:schemeClr val="accent1"/>
+    </dgm:fillClrLst>
+    <dgm:linClrLst meth="repeat">
+      <a:schemeClr val="lt1"/>
+    </dgm:linClrLst>
+    <dgm:effectClrLst/>
+    <dgm:txLinClrLst/>
+    <dgm:txFillClrLst/>
+    <dgm:txEffectClrLst/>
+  </dgm:styleLbl>
+  <dgm:styleLbl name="asst2">
+    <dgm:fillClrLst meth="repeat">
+      <a:schemeClr val="accent1"/>
+    </dgm:fillClrLst>
+    <dgm:linClrLst meth="repeat">
+      <a:schemeClr val="lt1"/>
+    </dgm:linClrLst>
+    <dgm:effectClrLst/>
+    <dgm:txLinClrLst/>
+    <dgm:txFillClrLst/>
+    <dgm:txEffectClrLst/>
+  </dgm:styleLbl>
+  <dgm:styleLbl name="asst3">
+    <dgm:fillClrLst meth="repeat">
+      <a:schemeClr val="accent1"/>
+    </dgm:fillClrLst>
+    <dgm:linClrLst meth="repeat">
+      <a:schemeClr val="lt1"/>
+    </dgm:linClrLst>
+    <dgm:effectClrLst/>
+    <dgm:txLinClrLst/>
+    <dgm:txFillClrLst/>
+    <dgm:txEffectClrLst/>
+  </dgm:styleLbl>
+  <dgm:styleLbl name="asst4">
+    <dgm:fillClrLst meth="repeat">
+      <a:schemeClr val="accent1"/>
+    </dgm:fillClrLst>
+    <dgm:linClrLst meth="repeat">
+      <a:schemeClr val="lt1"/>
+    </dgm:linClrLst>
+    <dgm:effectClrLst/>
+    <dgm:txLinClrLst/>
+    <dgm:txFillClrLst/>
+    <dgm:txEffectClrLst/>
+  </dgm:styleLbl>
+  <dgm:styleLbl name="parChTrans2D1">
+    <dgm:fillClrLst meth="repeat">
+      <a:schemeClr val="accent1">
+        <a:tint val="60000"/>
+      </a:schemeClr>
+    </dgm:fillClrLst>
+    <dgm:linClrLst meth="repeat">
+      <a:schemeClr val="accent1">
+        <a:tint val="60000"/>
+      </a:schemeClr>
+    </dgm:linClrLst>
+    <dgm:effectClrLst/>
+    <dgm:txLinClrLst/>
+    <dgm:txFillClrLst meth="repeat">
+      <a:schemeClr val="lt1"/>
+    </dgm:txFillClrLst>
+    <dgm:txEffectClrLst/>
+  </dgm:styleLbl>
+  <dgm:styleLbl name="parChTrans2D2">
+    <dgm:fillClrLst meth="repeat">
+      <a:schemeClr val="accent1"/>
+    </dgm:fillClrLst>
+    <dgm:linClrLst meth="repeat">
+      <a:schemeClr val="accent1"/>
+    </dgm:linClrLst>
+    <dgm:effectClrLst/>
+    <dgm:txLinClrLst/>
+    <dgm:txFillClrLst meth="repeat">
+      <a:schemeClr val="lt1"/>
+    </dgm:txFillClrLst>
+    <dgm:txEffectClrLst/>
+  </dgm:styleLbl>
+  <dgm:styleLbl name="parChTrans2D3">
+    <dgm:fillClrLst meth="repeat">
+      <a:schemeClr val="accent1"/>
+    </dgm:fillClrLst>
+    <dgm:linClrLst meth="repeat">
+      <a:schemeClr val="accent1"/>
+    </dgm:linClrLst>
+    <dgm:effectClrLst/>
+    <dgm:txLinClrLst/>
+    <dgm:txFillClrLst meth="repeat">
+      <a:schemeClr val="lt1"/>
+    </dgm:txFillClrLst>
+    <dgm:txEffectClrLst/>
+  </dgm:styleLbl>
+  <dgm:styleLbl name="parChTrans2D4">
+    <dgm:fillClrLst meth="repeat">
+      <a:schemeClr val="accent1"/>
+    </dgm:fillClrLst>
+    <dgm:linClrLst meth="repeat">
+      <a:schemeClr val="accent1"/>
+    </dgm:linClrLst>
+    <dgm:effectClrLst/>
+    <dgm:txLinClrLst/>
+    <dgm:txFillClrLst meth="repeat">
+      <a:schemeClr val="lt1"/>
+    </dgm:txFillClrLst>
+    <dgm:txEffectClrLst/>
+  </dgm:styleLbl>
+  <dgm:styleLbl name="parChTrans1D1">
+    <dgm:fillClrLst meth="repeat">
+      <a:schemeClr val="accent1"/>
+    </dgm:fillClrLst>
+    <dgm:linClrLst meth="repeat">
+      <a:schemeClr val="accent1">
+        <a:shade val="60000"/>
+      </a:schemeClr>
+    </dgm:linClrLst>
+    <dgm:effectClrLst/>
+    <dgm:txLinClrLst/>
+    <dgm:txFillClrLst meth="repeat">
+      <a:schemeClr val="tx1"/>
+    </dgm:txFillClrLst>
+    <dgm:txEffectClrLst/>
+  </dgm:styleLbl>
+  <dgm:styleLbl name="parChTrans1D2">
+    <dgm:fillClrLst meth="repeat">
+      <a:schemeClr val="accent1"/>
+    </dgm:fillClrLst>
+    <dgm:linClrLst meth="repeat">
+      <a:schemeClr val="accent1">
+        <a:shade val="60000"/>
+      </a:schemeClr>
+    </dgm:linClrLst>
+    <dgm:effectClrLst/>
+    <dgm:txLinClrLst/>
+    <dgm:txFillClrLst meth="repeat">
+      <a:schemeClr val="tx1"/>
+    </dgm:txFillClrLst>
+    <dgm:txEffectClrLst/>
+  </dgm:styleLbl>
+  <dgm:styleLbl name="parChTrans1D3">
+    <dgm:fillClrLst meth="repeat">
+      <a:schemeClr val="accent1"/>
+    </dgm:fillClrLst>
+    <dgm:linClrLst meth="repeat">
+      <a:schemeClr val="accent1">
+        <a:shade val="80000"/>
+      </a:schemeClr>
+    </dgm:linClrLst>
+    <dgm:effectClrLst/>
+    <dgm:txLinClrLst/>
+    <dgm:txFillClrLst meth="repeat">
+      <a:schemeClr val="tx1"/>
+    </dgm:txFillClrLst>
+    <dgm:txEffectClrLst/>
+  </dgm:styleLbl>
+  <dgm:styleLbl name="parChTrans1D4">
+    <dgm:fillClrLst meth="repeat">
+      <a:schemeClr val="accent1"/>
+    </dgm:fillClrLst>
+    <dgm:linClrLst meth="repeat">
+      <a:schemeClr val="accent1">
+        <a:shade val="80000"/>
+      </a:schemeClr>
+    </dgm:linClrLst>
+    <dgm:effectClrLst/>
+    <dgm:txLinClrLst/>
+    <dgm:txFillClrLst meth="repeat">
+      <a:schemeClr val="tx1"/>
+    </dgm:txFillClrLst>
+    <dgm:txEffectClrLst/>
+  </dgm:styleLbl>
+  <dgm:styleLbl name="fgAcc1">
+    <dgm:fillClrLst meth="repeat">
+      <a:schemeClr val="lt1">
+        <a:alpha val="90000"/>
+      </a:schemeClr>
+    </dgm:fillClrLst>
+    <dgm:linClrLst meth="repeat">
+      <a:schemeClr val="accent1"/>
+    </dgm:linClrLst>
+    <dgm:effectClrLst/>
+    <dgm:txLinClrLst/>
+    <dgm:txFillClrLst meth="repeat">
+      <a:schemeClr val="dk1"/>
+    </dgm:txFillClrLst>
+    <dgm:txEffectClrLst/>
+  </dgm:styleLbl>
+  <dgm:styleLbl name="conFgAcc1">
+    <dgm:fillClrLst meth="repeat">
+      <a:schemeClr val="lt1">
+        <a:alpha val="90000"/>
+      </a:schemeClr>
+    </dgm:fillClrLst>
+    <dgm:linClrLst meth="repeat">
+      <a:schemeClr val="accent1"/>
+    </dgm:linClrLst>
+    <dgm:effectClrLst/>
+    <dgm:txLinClrLst/>
+    <dgm:txFillClrLst meth="repeat">
+      <a:schemeClr val="dk1"/>
+    </dgm:txFillClrLst>
+    <dgm:txEffectClrLst/>
+  </dgm:styleLbl>
+  <dgm:styleLbl name="alignAcc1">
+    <dgm:fillClrLst meth="repeat">
+      <a:schemeClr val="lt1">
+        <a:alpha val="90000"/>
+      </a:schemeClr>
+    </dgm:fillClrLst>
+    <dgm:linClrLst meth="repeat">
+      <a:schemeClr val="accent1"/>
+    </dgm:linClrLst>
+    <dgm:effectClrLst/>
+    <dgm:txLinClrLst/>
+    <dgm:txFillClrLst meth="repeat">
+      <a:schemeClr val="dk1"/>
+    </dgm:txFillClrLst>
+    <dgm:txEffectClrLst/>
+  </dgm:styleLbl>
+  <dgm:styleLbl name="trAlignAcc1">
+    <dgm:fillClrLst meth="repeat">
+      <a:schemeClr val="lt1">
+        <a:alpha val="40000"/>
+      </a:schemeClr>
+    </dgm:fillClrLst>
+    <dgm:linClrLst meth="repeat">
+      <a:schemeClr val="accent1"/>
+    </dgm:linClrLst>
+    <dgm:effectClrLst/>
+    <dgm:txLinClrLst/>
+    <dgm:txFillClrLst meth="repeat">
+      <a:schemeClr val="dk1"/>
+    </dgm:txFillClrLst>
+    <dgm:txEffectClrLst/>
+  </dgm:styleLbl>
+  <dgm:styleLbl name="bgAcc1">
+    <dgm:fillClrLst meth="repeat">
+      <a:schemeClr val="lt1">
+        <a:alpha val="90000"/>
+      </a:schemeClr>
+    </dgm:fillClrLst>
+    <dgm:linClrLst meth="repeat">
+      <a:schemeClr val="accent1"/>
+    </dgm:linClrLst>
+    <dgm:effectClrLst/>
+    <dgm:txLinClrLst/>
+    <dgm:txFillClrLst meth="repeat">
+      <a:schemeClr val="dk1"/>
+    </dgm:txFillClrLst>
+    <dgm:txEffectClrLst/>
+  </dgm:styleLbl>
+  <dgm:styleLbl name="solidFgAcc1">
+    <dgm:fillClrLst meth="repeat">
+      <a:schemeClr val="lt1"/>
+    </dgm:fillClrLst>
+    <dgm:linClrLst meth="repeat">
+      <a:schemeClr val="accent1"/>
+    </dgm:linClrLst>
+    <dgm:effectClrLst/>
+    <dgm:txLinClrLst/>
+    <dgm:txFillClrLst meth="repeat">
+      <a:schemeClr val="dk1"/>
+    </dgm:txFillClrLst>
+    <dgm:txEffectClrLst/>
+  </dgm:styleLbl>
+  <dgm:styleLbl name="solidAlignAcc1">
+    <dgm:fillClrLst meth="repeat">
+      <a:schemeClr val="lt1"/>
+    </dgm:fillClrLst>
+    <dgm:linClrLst meth="repeat">
+      <a:schemeClr val="accent1"/>
+    </dgm:linClrLst>
+    <dgm:effectClrLst/>
+    <dgm:txLinClrLst/>
+    <dgm:txFillClrLst meth="repeat">
+      <a:schemeClr val="dk1"/>
+    </dgm:txFillClrLst>
+    <dgm:txEffectClrLst/>
+  </dgm:styleLbl>
+  <dgm:styleLbl name="solidBgAcc1">
+    <dgm:fillClrLst meth="repeat">
+      <a:schemeClr val="lt1"/>
+    </dgm:fillClrLst>
+    <dgm:linClrLst meth="repeat">
+      <a:schemeClr val="accent1"/>
+    </dgm:linClrLst>
+    <dgm:effectClrLst/>
+    <dgm:txLinClrLst/>
+    <dgm:txFillClrLst meth="repeat">
+      <a:schemeClr val="dk1"/>
+    </dgm:txFillClrLst>
+    <dgm:txEffectClrLst/>
+  </dgm:styleLbl>
+  <dgm:styleLbl name="fgAccFollowNode1">
+    <dgm:fillClrLst meth="repeat">
+      <a:schemeClr val="accent1">
+        <a:alpha val="90000"/>
+        <a:tint val="40000"/>
+      </a:schemeClr>
+    </dgm:fillClrLst>
+    <dgm:linClrLst meth="repeat">
+      <a:schemeClr val="accent1">
+        <a:alpha val="90000"/>
+        <a:tint val="40000"/>
+      </a:schemeClr>
+    </dgm:linClrLst>
+    <dgm:effectClrLst/>
+    <dgm:txLinClrLst/>
+    <dgm:txFillClrLst meth="repeat">
+      <a:schemeClr val="dk1"/>
+    </dgm:txFillClrLst>
+    <dgm:txEffectClrLst/>
+  </dgm:styleLbl>
+  <dgm:styleLbl name="alignAccFollowNode1">
+    <dgm:fillClrLst meth="repeat">
+      <a:schemeClr val="accent1">
+        <a:alpha val="90000"/>
+        <a:tint val="40000"/>
+      </a:schemeClr>
+    </dgm:fillClrLst>
+    <dgm:linClrLst meth="repeat">
+      <a:schemeClr val="accent1">
+        <a:alpha val="90000"/>
+        <a:tint val="40000"/>
+      </a:schemeClr>
+    </dgm:linClrLst>
+    <dgm:effectClrLst/>
+    <dgm:txLinClrLst/>
+    <dgm:txFillClrLst meth="repeat">
+      <a:schemeClr val="dk1"/>
+    </dgm:txFillClrLst>
+    <dgm:txEffectClrLst/>
+  </dgm:styleLbl>
+  <dgm:styleLbl name="bgAccFollowNode1">
+    <dgm:fillClrLst meth="repeat">
+      <a:schemeClr val="accent1">
+        <a:alpha val="90000"/>
+        <a:tint val="40000"/>
+      </a:schemeClr>
+    </dgm:fillClrLst>
+    <dgm:linClrLst meth="repeat">
+      <a:schemeClr val="accent1">
+        <a:alpha val="90000"/>
+        <a:tint val="40000"/>
+      </a:schemeClr>
+    </dgm:linClrLst>
+    <dgm:effectClrLst/>
+    <dgm:txLinClrLst/>
+    <dgm:txFillClrLst meth="repeat">
+      <a:schemeClr val="dk1"/>
+    </dgm:txFillClrLst>
+    <dgm:txEffectClrLst/>
+  </dgm:styleLbl>
+  <dgm:styleLbl name="fgAcc0">
+    <dgm:fillClrLst meth="repeat">
+      <a:schemeClr val="lt1">
+        <a:alpha val="90000"/>
+      </a:schemeClr>
+    </dgm:fillClrLst>
+    <dgm:linClrLst meth="repeat">
+      <a:schemeClr val="accent1"/>
+    </dgm:linClrLst>
+    <dgm:effectClrLst/>
+    <dgm:txLinClrLst/>
+    <dgm:txFillClrLst meth="repeat">
+      <a:schemeClr val="dk1"/>
+    </dgm:txFillClrLst>
+    <dgm:txEffectClrLst/>
+  </dgm:styleLbl>
+  <dgm:styleLbl name="fgAcc2">
+    <dgm:fillClrLst meth="repeat">
+      <a:schemeClr val="lt1">
+        <a:alpha val="90000"/>
+      </a:schemeClr>
+    </dgm:fillClrLst>
+    <dgm:linClrLst meth="repeat">
+      <a:schemeClr val="accent1"/>
+    </dgm:linClrLst>
+    <dgm:effectClrLst/>
+    <dgm:txLinClrLst/>
+    <dgm:txFillClrLst meth="repeat">
+      <a:schemeClr val="dk1"/>
+    </dgm:txFillClrLst>
+    <dgm:txEffectClrLst/>
+  </dgm:styleLbl>
+  <dgm:styleLbl name="fgAcc3">
+    <dgm:fillClrLst meth="repeat">
+      <a:schemeClr val="lt1">
+        <a:alpha val="90000"/>
+      </a:schemeClr>
+    </dgm:fillClrLst>
+    <dgm:linClrLst meth="repeat">
+      <a:schemeClr val="accent1"/>
+    </dgm:linClrLst>
+    <dgm:effectClrLst/>
+    <dgm:txLinClrLst/>
+    <dgm:txFillClrLst meth="repeat">
+      <a:schemeClr val="dk1"/>
+    </dgm:txFillClrLst>
+    <dgm:txEffectClrLst/>
+  </dgm:styleLbl>
+  <dgm:styleLbl name="fgAcc4">
+    <dgm:fillClrLst meth="repeat">
+      <a:schemeClr val="lt1">
+        <a:alpha val="90000"/>
+      </a:schemeClr>
+    </dgm:fillClrLst>
+    <dgm:linClrLst meth="repeat">
+      <a:schemeClr val="accent1"/>
+    </dgm:linClrLst>
+    <dgm:effectClrLst/>
+    <dgm:txLinClrLst/>
+    <dgm:txFillClrLst meth="repeat">
+      <a:schemeClr val="dk1"/>
+    </dgm:txFillClrLst>
+    <dgm:txEffectClrLst/>
+  </dgm:styleLbl>
+  <dgm:styleLbl name="bgShp">
+    <dgm:fillClrLst meth="repeat">
+      <a:schemeClr val="accent1">
+        <a:tint val="40000"/>
+      </a:schemeClr>
+    </dgm:fillClrLst>
+    <dgm:linClrLst meth="repeat">
+      <a:schemeClr val="accent1"/>
+    </dgm:linClrLst>
+    <dgm:effectClrLst/>
+    <dgm:txLinClrLst/>
+    <dgm:txFillClrLst meth="repeat">
+      <a:schemeClr val="dk1"/>
+    </dgm:txFillClrLst>
+    <dgm:txEffectClrLst/>
+  </dgm:styleLbl>
+  <dgm:styleLbl name="dkBgShp">
+    <dgm:fillClrLst meth="repeat">
+      <a:schemeClr val="accent1">
+        <a:shade val="80000"/>
+      </a:schemeClr>
+    </dgm:fillClrLst>
+    <dgm:linClrLst meth="repeat">
+      <a:schemeClr val="accent1"/>
+    </dgm:linClrLst>
+    <dgm:effectClrLst/>
+    <dgm:txLinClrLst/>
+    <dgm:txFillClrLst meth="repeat">
+      <a:schemeClr val="lt1"/>
+    </dgm:txFillClrLst>
+    <dgm:txEffectClrLst/>
+  </dgm:styleLbl>
+  <dgm:styleLbl name="trBgShp">
+    <dgm:fillClrLst meth="repeat">
+      <a:schemeClr val="accent1">
+        <a:tint val="50000"/>
+        <a:alpha val="40000"/>
+      </a:schemeClr>
+    </dgm:fillClrLst>
+    <dgm:linClrLst meth="repeat">
+      <a:schemeClr val="accent1"/>
+    </dgm:linClrLst>
+    <dgm:effectClrLst/>
+    <dgm:txLinClrLst/>
+    <dgm:txFillClrLst meth="repeat">
+      <a:schemeClr val="lt1"/>
+    </dgm:txFillClrLst>
+    <dgm:txEffectClrLst/>
+  </dgm:styleLbl>
+  <dgm:styleLbl name="fgShp">
+    <dgm:fillClrLst meth="repeat">
+      <a:schemeClr val="accent1">
+        <a:tint val="60000"/>
+      </a:schemeClr>
+    </dgm:fillClrLst>
+    <dgm:linClrLst meth="repeat">
+      <a:schemeClr val="lt1"/>
+    </dgm:linClrLst>
+    <dgm:effectClrLst/>
+    <dgm:txLinClrLst/>
+    <dgm:txFillClrLst meth="repeat">
+      <a:schemeClr val="dk1"/>
+    </dgm:txFillClrLst>
+    <dgm:txEffectClrLst/>
+  </dgm:styleLbl>
+  <dgm:styleLbl name="revTx">
+    <dgm:fillClrLst meth="repeat">
+      <a:schemeClr val="lt1">
+        <a:alpha val="0"/>
+      </a:schemeClr>
+    </dgm:fillClrLst>
+    <dgm:linClrLst meth="repeat">
+      <a:schemeClr val="dk1">
+        <a:alpha val="0"/>
+      </a:schemeClr>
+    </dgm:linClrLst>
+    <dgm:effectClrLst/>
+    <dgm:txLinClrLst/>
+    <dgm:txFillClrLst meth="repeat">
+      <a:schemeClr val="tx1"/>
+    </dgm:txFillClrLst>
+    <dgm:txEffectClrLst/>
+  </dgm:styleLbl>
+</dgm:colorsDef>
+</file>
+
 <file path=ppt/diagrams/data1.xml><?xml version="1.0" encoding="utf-8"?>
+<dgm:dataModel xmlns:dgm="http://schemas.openxmlformats.org/drawingml/2006/diagram" xmlns:a="http://schemas.openxmlformats.org/drawingml/2006/main">
+  <dgm:ptLst>
+    <dgm:pt modelId="{0EB6BE91-E96C-4587-B286-5EF2C7262826}" type="doc">
+      <dgm:prSet loTypeId="urn:microsoft.com/office/officeart/2005/8/layout/chevron1" loCatId="process" qsTypeId="urn:microsoft.com/office/officeart/2005/8/quickstyle/simple1" qsCatId="simple" csTypeId="urn:microsoft.com/office/officeart/2005/8/colors/accent1_2" csCatId="accent1" phldr="1"/>
+      <dgm:spPr/>
+    </dgm:pt>
+    <dgm:pt modelId="{FF8ADAA4-FAFF-4095-AF09-16995FC20993}">
+      <dgm:prSet phldrT="[Text]"/>
+      <dgm:spPr/>
+      <dgm:t>
+        <a:bodyPr/>
+        <a:lstStyle/>
+        <a:p>
+          <a:r>
+            <a:rPr lang="de-DE" dirty="0" smtClean="0"/>
+            <a:t>Development</a:t>
+          </a:r>
+          <a:endParaRPr lang="en-US" dirty="0"/>
+        </a:p>
+      </dgm:t>
+    </dgm:pt>
+    <dgm:pt modelId="{1A273BF8-4C09-4D0B-AA7C-98C7B5C24182}" type="parTrans" cxnId="{C978F6E0-33DC-4BF5-B0FA-738B3B674938}">
+      <dgm:prSet/>
+      <dgm:spPr/>
+      <dgm:t>
+        <a:bodyPr/>
+        <a:lstStyle/>
+        <a:p>
+          <a:endParaRPr lang="en-US"/>
+        </a:p>
+      </dgm:t>
+    </dgm:pt>
+    <dgm:pt modelId="{ABBA3832-E26D-4EE6-861B-1A3D690B764A}" type="sibTrans" cxnId="{C978F6E0-33DC-4BF5-B0FA-738B3B674938}">
+      <dgm:prSet/>
+      <dgm:spPr/>
+      <dgm:t>
+        <a:bodyPr/>
+        <a:lstStyle/>
+        <a:p>
+          <a:endParaRPr lang="en-US"/>
+        </a:p>
+      </dgm:t>
+    </dgm:pt>
+    <dgm:pt modelId="{09F6A35B-5D5C-4AEE-B2DF-B5B910646C5D}">
+      <dgm:prSet phldrT="[Text]"/>
+      <dgm:spPr/>
+      <dgm:t>
+        <a:bodyPr/>
+        <a:lstStyle/>
+        <a:p>
+          <a:r>
+            <a:rPr lang="de-DE" dirty="0" err="1" smtClean="0"/>
+            <a:t>Testing</a:t>
+          </a:r>
+          <a:endParaRPr lang="en-US" dirty="0"/>
+        </a:p>
+      </dgm:t>
+    </dgm:pt>
+    <dgm:pt modelId="{A4135FA8-EB46-4822-9E73-F70DD89BD922}" type="parTrans" cxnId="{7A5B3EA0-554E-4790-8F68-8B6183D8A9D1}">
+      <dgm:prSet/>
+      <dgm:spPr/>
+      <dgm:t>
+        <a:bodyPr/>
+        <a:lstStyle/>
+        <a:p>
+          <a:endParaRPr lang="en-US"/>
+        </a:p>
+      </dgm:t>
+    </dgm:pt>
+    <dgm:pt modelId="{A9D07AFB-BB37-435B-A8DC-79DB8CBDEAC4}" type="sibTrans" cxnId="{7A5B3EA0-554E-4790-8F68-8B6183D8A9D1}">
+      <dgm:prSet/>
+      <dgm:spPr/>
+      <dgm:t>
+        <a:bodyPr/>
+        <a:lstStyle/>
+        <a:p>
+          <a:endParaRPr lang="en-US"/>
+        </a:p>
+      </dgm:t>
+    </dgm:pt>
+    <dgm:pt modelId="{A5B2C75E-273A-4404-BE80-6201C68C9EDB}">
+      <dgm:prSet phldrT="[Text]"/>
+      <dgm:spPr/>
+      <dgm:t>
+        <a:bodyPr/>
+        <a:lstStyle/>
+        <a:p>
+          <a:r>
+            <a:rPr lang="de-DE" dirty="0" err="1" smtClean="0"/>
+            <a:t>Building</a:t>
+          </a:r>
+          <a:endParaRPr lang="en-US" dirty="0"/>
+        </a:p>
+      </dgm:t>
+    </dgm:pt>
+    <dgm:pt modelId="{9C1B37AE-8899-425A-9733-080D2E6FF2E6}" type="parTrans" cxnId="{581E5E19-74DD-4BD4-9E91-C936A92B7D07}">
+      <dgm:prSet/>
+      <dgm:spPr/>
+      <dgm:t>
+        <a:bodyPr/>
+        <a:lstStyle/>
+        <a:p>
+          <a:endParaRPr lang="en-US"/>
+        </a:p>
+      </dgm:t>
+    </dgm:pt>
+    <dgm:pt modelId="{0478BD90-2D3C-4CB6-B8EC-15F6D84F2E91}" type="sibTrans" cxnId="{581E5E19-74DD-4BD4-9E91-C936A92B7D07}">
+      <dgm:prSet/>
+      <dgm:spPr/>
+      <dgm:t>
+        <a:bodyPr/>
+        <a:lstStyle/>
+        <a:p>
+          <a:endParaRPr lang="en-US"/>
+        </a:p>
+      </dgm:t>
+    </dgm:pt>
+    <dgm:pt modelId="{EEC9F6EC-8789-4FD2-AFDB-B5D63A1CC8D1}">
+      <dgm:prSet phldrT="[Text]"/>
+      <dgm:spPr/>
+      <dgm:t>
+        <a:bodyPr/>
+        <a:lstStyle/>
+        <a:p>
+          <a:r>
+            <a:rPr lang="de-DE" dirty="0" err="1" smtClean="0"/>
+            <a:t>Deployment</a:t>
+          </a:r>
+          <a:endParaRPr lang="en-US" dirty="0"/>
+        </a:p>
+      </dgm:t>
+    </dgm:pt>
+    <dgm:pt modelId="{79854CB4-F935-4D6E-B728-486399EE6BDB}" type="parTrans" cxnId="{54F6DCAE-619D-42BE-B359-6891D91846B4}">
+      <dgm:prSet/>
+      <dgm:spPr/>
+      <dgm:t>
+        <a:bodyPr/>
+        <a:lstStyle/>
+        <a:p>
+          <a:endParaRPr lang="en-US"/>
+        </a:p>
+      </dgm:t>
+    </dgm:pt>
+    <dgm:pt modelId="{20B5F3EB-8661-4D60-93D7-73B5B19D977C}" type="sibTrans" cxnId="{54F6DCAE-619D-42BE-B359-6891D91846B4}">
+      <dgm:prSet/>
+      <dgm:spPr/>
+      <dgm:t>
+        <a:bodyPr/>
+        <a:lstStyle/>
+        <a:p>
+          <a:endParaRPr lang="en-US"/>
+        </a:p>
+      </dgm:t>
+    </dgm:pt>
+    <dgm:pt modelId="{40F79579-AB6F-4F17-958C-F0D3416B4228}" type="pres">
+      <dgm:prSet presAssocID="{0EB6BE91-E96C-4587-B286-5EF2C7262826}" presName="Name0" presStyleCnt="0">
+        <dgm:presLayoutVars>
+          <dgm:dir/>
+          <dgm:animLvl val="lvl"/>
+          <dgm:resizeHandles val="exact"/>
+        </dgm:presLayoutVars>
+      </dgm:prSet>
+      <dgm:spPr/>
+    </dgm:pt>
+    <dgm:pt modelId="{2B535912-FFB7-4908-8C3B-3E30209641D3}" type="pres">
+      <dgm:prSet presAssocID="{FF8ADAA4-FAFF-4095-AF09-16995FC20993}" presName="parTxOnly" presStyleLbl="node1" presStyleIdx="0" presStyleCnt="4">
+        <dgm:presLayoutVars>
+          <dgm:chMax val="0"/>
+          <dgm:chPref val="0"/>
+          <dgm:bulletEnabled val="1"/>
+        </dgm:presLayoutVars>
+      </dgm:prSet>
+      <dgm:spPr/>
+      <dgm:t>
+        <a:bodyPr/>
+        <a:lstStyle/>
+        <a:p>
+          <a:endParaRPr lang="en-US"/>
+        </a:p>
+      </dgm:t>
+    </dgm:pt>
+    <dgm:pt modelId="{C73F4BF3-7799-44F7-8781-176942C4589B}" type="pres">
+      <dgm:prSet presAssocID="{ABBA3832-E26D-4EE6-861B-1A3D690B764A}" presName="parTxOnlySpace" presStyleCnt="0"/>
+      <dgm:spPr/>
+    </dgm:pt>
+    <dgm:pt modelId="{1A0BED00-428A-4143-A6E6-7058B43EE6E3}" type="pres">
+      <dgm:prSet presAssocID="{09F6A35B-5D5C-4AEE-B2DF-B5B910646C5D}" presName="parTxOnly" presStyleLbl="node1" presStyleIdx="1" presStyleCnt="4">
+        <dgm:presLayoutVars>
+          <dgm:chMax val="0"/>
+          <dgm:chPref val="0"/>
+          <dgm:bulletEnabled val="1"/>
+        </dgm:presLayoutVars>
+      </dgm:prSet>
+      <dgm:spPr/>
+      <dgm:t>
+        <a:bodyPr/>
+        <a:lstStyle/>
+        <a:p>
+          <a:endParaRPr lang="en-US"/>
+        </a:p>
+      </dgm:t>
+    </dgm:pt>
+    <dgm:pt modelId="{9BFF179C-5738-4598-8B83-B87080C5F443}" type="pres">
+      <dgm:prSet presAssocID="{A9D07AFB-BB37-435B-A8DC-79DB8CBDEAC4}" presName="parTxOnlySpace" presStyleCnt="0"/>
+      <dgm:spPr/>
+    </dgm:pt>
+    <dgm:pt modelId="{01FCF690-3A52-4BF2-9135-B54D20ED08E1}" type="pres">
+      <dgm:prSet presAssocID="{A5B2C75E-273A-4404-BE80-6201C68C9EDB}" presName="parTxOnly" presStyleLbl="node1" presStyleIdx="2" presStyleCnt="4">
+        <dgm:presLayoutVars>
+          <dgm:chMax val="0"/>
+          <dgm:chPref val="0"/>
+          <dgm:bulletEnabled val="1"/>
+        </dgm:presLayoutVars>
+      </dgm:prSet>
+      <dgm:spPr/>
+      <dgm:t>
+        <a:bodyPr/>
+        <a:lstStyle/>
+        <a:p>
+          <a:endParaRPr lang="en-US"/>
+        </a:p>
+      </dgm:t>
+    </dgm:pt>
+    <dgm:pt modelId="{3A767838-6DEF-4E87-8881-32B6DFC6B014}" type="pres">
+      <dgm:prSet presAssocID="{0478BD90-2D3C-4CB6-B8EC-15F6D84F2E91}" presName="parTxOnlySpace" presStyleCnt="0"/>
+      <dgm:spPr/>
+    </dgm:pt>
+    <dgm:pt modelId="{4B65C82B-1FAF-4964-93C3-3E28BC03D6B9}" type="pres">
+      <dgm:prSet presAssocID="{EEC9F6EC-8789-4FD2-AFDB-B5D63A1CC8D1}" presName="parTxOnly" presStyleLbl="node1" presStyleIdx="3" presStyleCnt="4" custScaleX="165701">
+        <dgm:presLayoutVars>
+          <dgm:chMax val="0"/>
+          <dgm:chPref val="0"/>
+          <dgm:bulletEnabled val="1"/>
+        </dgm:presLayoutVars>
+      </dgm:prSet>
+      <dgm:spPr/>
+      <dgm:t>
+        <a:bodyPr/>
+        <a:lstStyle/>
+        <a:p>
+          <a:endParaRPr lang="en-US"/>
+        </a:p>
+      </dgm:t>
+    </dgm:pt>
+  </dgm:ptLst>
+  <dgm:cxnLst>
+    <dgm:cxn modelId="{54F6DCAE-619D-42BE-B359-6891D91846B4}" srcId="{0EB6BE91-E96C-4587-B286-5EF2C7262826}" destId="{EEC9F6EC-8789-4FD2-AFDB-B5D63A1CC8D1}" srcOrd="3" destOrd="0" parTransId="{79854CB4-F935-4D6E-B728-486399EE6BDB}" sibTransId="{20B5F3EB-8661-4D60-93D7-73B5B19D977C}"/>
+    <dgm:cxn modelId="{3A16B6F7-BB61-44D8-BADF-D8BDE07A7493}" type="presOf" srcId="{FF8ADAA4-FAFF-4095-AF09-16995FC20993}" destId="{2B535912-FFB7-4908-8C3B-3E30209641D3}" srcOrd="0" destOrd="0" presId="urn:microsoft.com/office/officeart/2005/8/layout/chevron1"/>
+    <dgm:cxn modelId="{581E5E19-74DD-4BD4-9E91-C936A92B7D07}" srcId="{0EB6BE91-E96C-4587-B286-5EF2C7262826}" destId="{A5B2C75E-273A-4404-BE80-6201C68C9EDB}" srcOrd="2" destOrd="0" parTransId="{9C1B37AE-8899-425A-9733-080D2E6FF2E6}" sibTransId="{0478BD90-2D3C-4CB6-B8EC-15F6D84F2E91}"/>
+    <dgm:cxn modelId="{AB4BEC97-3780-40AB-8D35-30AD4EBADA00}" type="presOf" srcId="{A5B2C75E-273A-4404-BE80-6201C68C9EDB}" destId="{01FCF690-3A52-4BF2-9135-B54D20ED08E1}" srcOrd="0" destOrd="0" presId="urn:microsoft.com/office/officeart/2005/8/layout/chevron1"/>
+    <dgm:cxn modelId="{BBF36610-E759-4454-9DAD-92CCE1DFB7B4}" type="presOf" srcId="{EEC9F6EC-8789-4FD2-AFDB-B5D63A1CC8D1}" destId="{4B65C82B-1FAF-4964-93C3-3E28BC03D6B9}" srcOrd="0" destOrd="0" presId="urn:microsoft.com/office/officeart/2005/8/layout/chevron1"/>
+    <dgm:cxn modelId="{1A40BBB3-AC8F-42BD-81A4-E7FF69E24564}" type="presOf" srcId="{09F6A35B-5D5C-4AEE-B2DF-B5B910646C5D}" destId="{1A0BED00-428A-4143-A6E6-7058B43EE6E3}" srcOrd="0" destOrd="0" presId="urn:microsoft.com/office/officeart/2005/8/layout/chevron1"/>
+    <dgm:cxn modelId="{C978F6E0-33DC-4BF5-B0FA-738B3B674938}" srcId="{0EB6BE91-E96C-4587-B286-5EF2C7262826}" destId="{FF8ADAA4-FAFF-4095-AF09-16995FC20993}" srcOrd="0" destOrd="0" parTransId="{1A273BF8-4C09-4D0B-AA7C-98C7B5C24182}" sibTransId="{ABBA3832-E26D-4EE6-861B-1A3D690B764A}"/>
+    <dgm:cxn modelId="{01BDA30A-8347-4F6F-93C5-ACA030286D4A}" type="presOf" srcId="{0EB6BE91-E96C-4587-B286-5EF2C7262826}" destId="{40F79579-AB6F-4F17-958C-F0D3416B4228}" srcOrd="0" destOrd="0" presId="urn:microsoft.com/office/officeart/2005/8/layout/chevron1"/>
+    <dgm:cxn modelId="{7A5B3EA0-554E-4790-8F68-8B6183D8A9D1}" srcId="{0EB6BE91-E96C-4587-B286-5EF2C7262826}" destId="{09F6A35B-5D5C-4AEE-B2DF-B5B910646C5D}" srcOrd="1" destOrd="0" parTransId="{A4135FA8-EB46-4822-9E73-F70DD89BD922}" sibTransId="{A9D07AFB-BB37-435B-A8DC-79DB8CBDEAC4}"/>
+    <dgm:cxn modelId="{519C0A02-3614-4158-BC0C-978E765BDEF5}" type="presParOf" srcId="{40F79579-AB6F-4F17-958C-F0D3416B4228}" destId="{2B535912-FFB7-4908-8C3B-3E30209641D3}" srcOrd="0" destOrd="0" presId="urn:microsoft.com/office/officeart/2005/8/layout/chevron1"/>
+    <dgm:cxn modelId="{799A3F32-C530-4E2B-A91F-2853235997DC}" type="presParOf" srcId="{40F79579-AB6F-4F17-958C-F0D3416B4228}" destId="{C73F4BF3-7799-44F7-8781-176942C4589B}" srcOrd="1" destOrd="0" presId="urn:microsoft.com/office/officeart/2005/8/layout/chevron1"/>
+    <dgm:cxn modelId="{F88F928E-2E3F-4845-B072-9B22B1579570}" type="presParOf" srcId="{40F79579-AB6F-4F17-958C-F0D3416B4228}" destId="{1A0BED00-428A-4143-A6E6-7058B43EE6E3}" srcOrd="2" destOrd="0" presId="urn:microsoft.com/office/officeart/2005/8/layout/chevron1"/>
+    <dgm:cxn modelId="{0B0C07AB-12DF-4F5A-978A-BA6125EF51C6}" type="presParOf" srcId="{40F79579-AB6F-4F17-958C-F0D3416B4228}" destId="{9BFF179C-5738-4598-8B83-B87080C5F443}" srcOrd="3" destOrd="0" presId="urn:microsoft.com/office/officeart/2005/8/layout/chevron1"/>
+    <dgm:cxn modelId="{D2139160-925F-47F3-9EF4-C4005362C1B4}" type="presParOf" srcId="{40F79579-AB6F-4F17-958C-F0D3416B4228}" destId="{01FCF690-3A52-4BF2-9135-B54D20ED08E1}" srcOrd="4" destOrd="0" presId="urn:microsoft.com/office/officeart/2005/8/layout/chevron1"/>
+    <dgm:cxn modelId="{3B5EB1F3-F96B-4379-9F59-CBAF39184BBB}" type="presParOf" srcId="{40F79579-AB6F-4F17-958C-F0D3416B4228}" destId="{3A767838-6DEF-4E87-8881-32B6DFC6B014}" srcOrd="5" destOrd="0" presId="urn:microsoft.com/office/officeart/2005/8/layout/chevron1"/>
+    <dgm:cxn modelId="{B6D01AFE-20C6-4C51-8AED-3268CBA9262E}" type="presParOf" srcId="{40F79579-AB6F-4F17-958C-F0D3416B4228}" destId="{4B65C82B-1FAF-4964-93C3-3E28BC03D6B9}" srcOrd="6" destOrd="0" presId="urn:microsoft.com/office/officeart/2005/8/layout/chevron1"/>
+  </dgm:cxnLst>
+  <dgm:bg/>
+  <dgm:whole/>
+  <dgm:extLst>
+    <a:ext uri="http://schemas.microsoft.com/office/drawing/2008/diagram">
+      <dsp:dataModelExt xmlns:dsp="http://schemas.microsoft.com/office/drawing/2008/diagram" xmlns="" relId="rId7" minVer="http://schemas.openxmlformats.org/drawingml/2006/diagram"/>
+    </a:ext>
+  </dgm:extLst>
+</dgm:dataModel>
+</file>
+
+<file path=ppt/diagrams/data2.xml><?xml version="1.0" encoding="utf-8"?>
 <dgm:dataModel xmlns:dgm="http://schemas.openxmlformats.org/drawingml/2006/diagram" xmlns:a="http://schemas.openxmlformats.org/drawingml/2006/main">
   <dgm:ptLst>
     <dgm:pt modelId="{0EB6BE91-E96C-4587-B286-5EF2C7262826}" type="doc">
@@ -1118,14 +2143,14 @@
   </dgm:ptLst>
   <dgm:cxnLst>
     <dgm:cxn modelId="{54F6DCAE-619D-42BE-B359-6891D91846B4}" srcId="{0EB6BE91-E96C-4587-B286-5EF2C7262826}" destId="{EEC9F6EC-8789-4FD2-AFDB-B5D63A1CC8D1}" srcOrd="3" destOrd="0" parTransId="{79854CB4-F935-4D6E-B728-486399EE6BDB}" sibTransId="{20B5F3EB-8661-4D60-93D7-73B5B19D977C}"/>
+    <dgm:cxn modelId="{581E5E19-74DD-4BD4-9E91-C936A92B7D07}" srcId="{0EB6BE91-E96C-4587-B286-5EF2C7262826}" destId="{A5B2C75E-273A-4404-BE80-6201C68C9EDB}" srcOrd="2" destOrd="0" parTransId="{9C1B37AE-8899-425A-9733-080D2E6FF2E6}" sibTransId="{0478BD90-2D3C-4CB6-B8EC-15F6D84F2E91}"/>
     <dgm:cxn modelId="{0EBE4204-F5CD-4033-AC2D-B60BB29C3F50}" type="presOf" srcId="{A5B2C75E-273A-4404-BE80-6201C68C9EDB}" destId="{01FCF690-3A52-4BF2-9135-B54D20ED08E1}" srcOrd="0" destOrd="0" presId="urn:microsoft.com/office/officeart/2005/8/layout/chevron1"/>
+    <dgm:cxn modelId="{4BCF09DB-40CA-47AD-A6A2-F51631F1067F}" type="presOf" srcId="{09F6A35B-5D5C-4AEE-B2DF-B5B910646C5D}" destId="{1A0BED00-428A-4143-A6E6-7058B43EE6E3}" srcOrd="0" destOrd="0" presId="urn:microsoft.com/office/officeart/2005/8/layout/chevron1"/>
+    <dgm:cxn modelId="{C978F6E0-33DC-4BF5-B0FA-738B3B674938}" srcId="{0EB6BE91-E96C-4587-B286-5EF2C7262826}" destId="{FF8ADAA4-FAFF-4095-AF09-16995FC20993}" srcOrd="0" destOrd="0" parTransId="{1A273BF8-4C09-4D0B-AA7C-98C7B5C24182}" sibTransId="{ABBA3832-E26D-4EE6-861B-1A3D690B764A}"/>
+    <dgm:cxn modelId="{1CDC1B4C-33A3-47F4-8423-5B84EB50D3FD}" type="presOf" srcId="{FF8ADAA4-FAFF-4095-AF09-16995FC20993}" destId="{2B535912-FFB7-4908-8C3B-3E30209641D3}" srcOrd="0" destOrd="0" presId="urn:microsoft.com/office/officeart/2005/8/layout/chevron1"/>
     <dgm:cxn modelId="{645C62F6-B80A-4127-A667-DA7D6EC0C84A}" type="presOf" srcId="{EEC9F6EC-8789-4FD2-AFDB-B5D63A1CC8D1}" destId="{4B65C82B-1FAF-4964-93C3-3E28BC03D6B9}" srcOrd="0" destOrd="0" presId="urn:microsoft.com/office/officeart/2005/8/layout/chevron1"/>
-    <dgm:cxn modelId="{C978F6E0-33DC-4BF5-B0FA-738B3B674938}" srcId="{0EB6BE91-E96C-4587-B286-5EF2C7262826}" destId="{FF8ADAA4-FAFF-4095-AF09-16995FC20993}" srcOrd="0" destOrd="0" parTransId="{1A273BF8-4C09-4D0B-AA7C-98C7B5C24182}" sibTransId="{ABBA3832-E26D-4EE6-861B-1A3D690B764A}"/>
     <dgm:cxn modelId="{7A5B3EA0-554E-4790-8F68-8B6183D8A9D1}" srcId="{0EB6BE91-E96C-4587-B286-5EF2C7262826}" destId="{09F6A35B-5D5C-4AEE-B2DF-B5B910646C5D}" srcOrd="1" destOrd="0" parTransId="{A4135FA8-EB46-4822-9E73-F70DD89BD922}" sibTransId="{A9D07AFB-BB37-435B-A8DC-79DB8CBDEAC4}"/>
-    <dgm:cxn modelId="{581E5E19-74DD-4BD4-9E91-C936A92B7D07}" srcId="{0EB6BE91-E96C-4587-B286-5EF2C7262826}" destId="{A5B2C75E-273A-4404-BE80-6201C68C9EDB}" srcOrd="2" destOrd="0" parTransId="{9C1B37AE-8899-425A-9733-080D2E6FF2E6}" sibTransId="{0478BD90-2D3C-4CB6-B8EC-15F6D84F2E91}"/>
     <dgm:cxn modelId="{8ABD9DDB-7661-4F63-9289-B8C427EF698D}" type="presOf" srcId="{0EB6BE91-E96C-4587-B286-5EF2C7262826}" destId="{40F79579-AB6F-4F17-958C-F0D3416B4228}" srcOrd="0" destOrd="0" presId="urn:microsoft.com/office/officeart/2005/8/layout/chevron1"/>
-    <dgm:cxn modelId="{1CDC1B4C-33A3-47F4-8423-5B84EB50D3FD}" type="presOf" srcId="{FF8ADAA4-FAFF-4095-AF09-16995FC20993}" destId="{2B535912-FFB7-4908-8C3B-3E30209641D3}" srcOrd="0" destOrd="0" presId="urn:microsoft.com/office/officeart/2005/8/layout/chevron1"/>
-    <dgm:cxn modelId="{4BCF09DB-40CA-47AD-A6A2-F51631F1067F}" type="presOf" srcId="{09F6A35B-5D5C-4AEE-B2DF-B5B910646C5D}" destId="{1A0BED00-428A-4143-A6E6-7058B43EE6E3}" srcOrd="0" destOrd="0" presId="urn:microsoft.com/office/officeart/2005/8/layout/chevron1"/>
     <dgm:cxn modelId="{6AFB5EFE-DC13-4E11-A1AF-50A0DD8FDE7B}" type="presParOf" srcId="{40F79579-AB6F-4F17-958C-F0D3416B4228}" destId="{2B535912-FFB7-4908-8C3B-3E30209641D3}" srcOrd="0" destOrd="0" presId="urn:microsoft.com/office/officeart/2005/8/layout/chevron1"/>
     <dgm:cxn modelId="{790F8F85-E06D-4E75-8E66-D76F28624DCB}" type="presParOf" srcId="{40F79579-AB6F-4F17-958C-F0D3416B4228}" destId="{C73F4BF3-7799-44F7-8781-176942C4589B}" srcOrd="1" destOrd="0" presId="urn:microsoft.com/office/officeart/2005/8/layout/chevron1"/>
     <dgm:cxn modelId="{CFCBD135-6FD6-4D1A-8F67-184954FF76E5}" type="presParOf" srcId="{40F79579-AB6F-4F17-958C-F0D3416B4228}" destId="{1A0BED00-428A-4143-A6E6-7058B43EE6E3}" srcOrd="2" destOrd="0" presId="urn:microsoft.com/office/officeart/2005/8/layout/chevron1"/>
@@ -1138,14 +2163,334 @@
   <dgm:whole/>
   <dgm:extLst>
     <a:ext uri="http://schemas.microsoft.com/office/drawing/2008/diagram">
-      <dsp:dataModelExt xmlns:dsp="http://schemas.microsoft.com/office/drawing/2008/diagram" relId="rId6" minVer="http://schemas.openxmlformats.org/drawingml/2006/diagram"/>
+      <dsp:dataModelExt xmlns:dsp="http://schemas.microsoft.com/office/drawing/2008/diagram" xmlns="" relId="rId7" minVer="http://schemas.openxmlformats.org/drawingml/2006/diagram"/>
     </a:ext>
   </dgm:extLst>
 </dgm:dataModel>
 </file>
 
 <file path=ppt/diagrams/drawing1.xml><?xml version="1.0" encoding="utf-8"?>
-<dsp:drawing xmlns:dgm="http://schemas.openxmlformats.org/drawingml/2006/diagram" xmlns:dsp="http://schemas.microsoft.com/office/drawing/2008/diagram" xmlns:a="http://schemas.openxmlformats.org/drawingml/2006/main">
+<dsp:drawing xmlns:dgm="http://schemas.openxmlformats.org/drawingml/2006/diagram" xmlns:a="http://schemas.openxmlformats.org/drawingml/2006/main" xmlns:dsp="http://schemas.microsoft.com/office/drawing/2008/diagram">
+  <dsp:spTree>
+    <dsp:nvGrpSpPr>
+      <dsp:cNvPr id="0" name=""/>
+      <dsp:cNvGrpSpPr/>
+    </dsp:nvGrpSpPr>
+    <dsp:grpSpPr/>
+    <dsp:sp modelId="{2B535912-FFB7-4908-8C3B-3E30209641D3}">
+      <dsp:nvSpPr>
+        <dsp:cNvPr id="0" name=""/>
+        <dsp:cNvSpPr/>
+      </dsp:nvSpPr>
+      <dsp:spPr>
+        <a:xfrm>
+          <a:off x="329" y="0"/>
+          <a:ext cx="1510043" cy="288001"/>
+        </a:xfrm>
+        <a:prstGeom prst="chevron">
+          <a:avLst/>
+        </a:prstGeom>
+        <a:solidFill>
+          <a:schemeClr val="accent1">
+            <a:hueOff val="0"/>
+            <a:satOff val="0"/>
+            <a:lumOff val="0"/>
+            <a:alphaOff val="0"/>
+          </a:schemeClr>
+        </a:solidFill>
+        <a:ln w="25400" cap="flat" cmpd="sng" algn="ctr">
+          <a:solidFill>
+            <a:schemeClr val="lt1">
+              <a:hueOff val="0"/>
+              <a:satOff val="0"/>
+              <a:lumOff val="0"/>
+              <a:alphaOff val="0"/>
+            </a:schemeClr>
+          </a:solidFill>
+          <a:prstDash val="solid"/>
+        </a:ln>
+        <a:effectLst/>
+      </dsp:spPr>
+      <dsp:style>
+        <a:lnRef idx="2">
+          <a:scrgbClr r="0" g="0" b="0"/>
+        </a:lnRef>
+        <a:fillRef idx="1">
+          <a:scrgbClr r="0" g="0" b="0"/>
+        </a:fillRef>
+        <a:effectRef idx="0">
+          <a:scrgbClr r="0" g="0" b="0"/>
+        </a:effectRef>
+        <a:fontRef idx="minor">
+          <a:schemeClr val="lt1"/>
+        </a:fontRef>
+      </dsp:style>
+      <dsp:txBody>
+        <a:bodyPr spcFirstLastPara="0" vert="horz" wrap="square" lIns="64008" tIns="21336" rIns="21336" bIns="21336" numCol="1" spcCol="1270" anchor="ctr" anchorCtr="0">
+          <a:noAutofit/>
+        </a:bodyPr>
+        <a:lstStyle/>
+        <a:p>
+          <a:pPr lvl="0" algn="ctr" defTabSz="711200">
+            <a:lnSpc>
+              <a:spcPct val="90000"/>
+            </a:lnSpc>
+            <a:spcBef>
+              <a:spcPct val="0"/>
+            </a:spcBef>
+            <a:spcAft>
+              <a:spcPct val="35000"/>
+            </a:spcAft>
+          </a:pPr>
+          <a:r>
+            <a:rPr lang="de-DE" sz="1600" kern="1200" dirty="0" smtClean="0"/>
+            <a:t>Development</a:t>
+          </a:r>
+          <a:endParaRPr lang="en-US" sz="1600" kern="1200" dirty="0"/>
+        </a:p>
+      </dsp:txBody>
+      <dsp:txXfrm>
+        <a:off x="329" y="0"/>
+        <a:ext cx="1510043" cy="288001"/>
+      </dsp:txXfrm>
+    </dsp:sp>
+    <dsp:sp modelId="{1A0BED00-428A-4143-A6E6-7058B43EE6E3}">
+      <dsp:nvSpPr>
+        <dsp:cNvPr id="0" name=""/>
+        <dsp:cNvSpPr/>
+      </dsp:nvSpPr>
+      <dsp:spPr>
+        <a:xfrm>
+          <a:off x="1359369" y="0"/>
+          <a:ext cx="1510043" cy="288001"/>
+        </a:xfrm>
+        <a:prstGeom prst="chevron">
+          <a:avLst/>
+        </a:prstGeom>
+        <a:solidFill>
+          <a:schemeClr val="accent1">
+            <a:hueOff val="0"/>
+            <a:satOff val="0"/>
+            <a:lumOff val="0"/>
+            <a:alphaOff val="0"/>
+          </a:schemeClr>
+        </a:solidFill>
+        <a:ln w="25400" cap="flat" cmpd="sng" algn="ctr">
+          <a:solidFill>
+            <a:schemeClr val="lt1">
+              <a:hueOff val="0"/>
+              <a:satOff val="0"/>
+              <a:lumOff val="0"/>
+              <a:alphaOff val="0"/>
+            </a:schemeClr>
+          </a:solidFill>
+          <a:prstDash val="solid"/>
+        </a:ln>
+        <a:effectLst/>
+      </dsp:spPr>
+      <dsp:style>
+        <a:lnRef idx="2">
+          <a:scrgbClr r="0" g="0" b="0"/>
+        </a:lnRef>
+        <a:fillRef idx="1">
+          <a:scrgbClr r="0" g="0" b="0"/>
+        </a:fillRef>
+        <a:effectRef idx="0">
+          <a:scrgbClr r="0" g="0" b="0"/>
+        </a:effectRef>
+        <a:fontRef idx="minor">
+          <a:schemeClr val="lt1"/>
+        </a:fontRef>
+      </dsp:style>
+      <dsp:txBody>
+        <a:bodyPr spcFirstLastPara="0" vert="horz" wrap="square" lIns="64008" tIns="21336" rIns="21336" bIns="21336" numCol="1" spcCol="1270" anchor="ctr" anchorCtr="0">
+          <a:noAutofit/>
+        </a:bodyPr>
+        <a:lstStyle/>
+        <a:p>
+          <a:pPr lvl="0" algn="ctr" defTabSz="711200">
+            <a:lnSpc>
+              <a:spcPct val="90000"/>
+            </a:lnSpc>
+            <a:spcBef>
+              <a:spcPct val="0"/>
+            </a:spcBef>
+            <a:spcAft>
+              <a:spcPct val="35000"/>
+            </a:spcAft>
+          </a:pPr>
+          <a:r>
+            <a:rPr lang="de-DE" sz="1600" kern="1200" dirty="0" err="1" smtClean="0"/>
+            <a:t>Testing</a:t>
+          </a:r>
+          <a:endParaRPr lang="en-US" sz="1600" kern="1200" dirty="0"/>
+        </a:p>
+      </dsp:txBody>
+      <dsp:txXfrm>
+        <a:off x="1359369" y="0"/>
+        <a:ext cx="1510043" cy="288001"/>
+      </dsp:txXfrm>
+    </dsp:sp>
+    <dsp:sp modelId="{01FCF690-3A52-4BF2-9135-B54D20ED08E1}">
+      <dsp:nvSpPr>
+        <dsp:cNvPr id="0" name=""/>
+        <dsp:cNvSpPr/>
+      </dsp:nvSpPr>
+      <dsp:spPr>
+        <a:xfrm>
+          <a:off x="2718408" y="0"/>
+          <a:ext cx="1510043" cy="288001"/>
+        </a:xfrm>
+        <a:prstGeom prst="chevron">
+          <a:avLst/>
+        </a:prstGeom>
+        <a:solidFill>
+          <a:schemeClr val="accent1">
+            <a:hueOff val="0"/>
+            <a:satOff val="0"/>
+            <a:lumOff val="0"/>
+            <a:alphaOff val="0"/>
+          </a:schemeClr>
+        </a:solidFill>
+        <a:ln w="25400" cap="flat" cmpd="sng" algn="ctr">
+          <a:solidFill>
+            <a:schemeClr val="lt1">
+              <a:hueOff val="0"/>
+              <a:satOff val="0"/>
+              <a:lumOff val="0"/>
+              <a:alphaOff val="0"/>
+            </a:schemeClr>
+          </a:solidFill>
+          <a:prstDash val="solid"/>
+        </a:ln>
+        <a:effectLst/>
+      </dsp:spPr>
+      <dsp:style>
+        <a:lnRef idx="2">
+          <a:scrgbClr r="0" g="0" b="0"/>
+        </a:lnRef>
+        <a:fillRef idx="1">
+          <a:scrgbClr r="0" g="0" b="0"/>
+        </a:fillRef>
+        <a:effectRef idx="0">
+          <a:scrgbClr r="0" g="0" b="0"/>
+        </a:effectRef>
+        <a:fontRef idx="minor">
+          <a:schemeClr val="lt1"/>
+        </a:fontRef>
+      </dsp:style>
+      <dsp:txBody>
+        <a:bodyPr spcFirstLastPara="0" vert="horz" wrap="square" lIns="64008" tIns="21336" rIns="21336" bIns="21336" numCol="1" spcCol="1270" anchor="ctr" anchorCtr="0">
+          <a:noAutofit/>
+        </a:bodyPr>
+        <a:lstStyle/>
+        <a:p>
+          <a:pPr lvl="0" algn="ctr" defTabSz="711200">
+            <a:lnSpc>
+              <a:spcPct val="90000"/>
+            </a:lnSpc>
+            <a:spcBef>
+              <a:spcPct val="0"/>
+            </a:spcBef>
+            <a:spcAft>
+              <a:spcPct val="35000"/>
+            </a:spcAft>
+          </a:pPr>
+          <a:r>
+            <a:rPr lang="de-DE" sz="1600" kern="1200" dirty="0" err="1" smtClean="0"/>
+            <a:t>Building</a:t>
+          </a:r>
+          <a:endParaRPr lang="en-US" sz="1600" kern="1200" dirty="0"/>
+        </a:p>
+      </dsp:txBody>
+      <dsp:txXfrm>
+        <a:off x="2718408" y="0"/>
+        <a:ext cx="1510043" cy="288001"/>
+      </dsp:txXfrm>
+    </dsp:sp>
+    <dsp:sp modelId="{4B65C82B-1FAF-4964-93C3-3E28BC03D6B9}">
+      <dsp:nvSpPr>
+        <dsp:cNvPr id="0" name=""/>
+        <dsp:cNvSpPr/>
+      </dsp:nvSpPr>
+      <dsp:spPr>
+        <a:xfrm>
+          <a:off x="4077447" y="0"/>
+          <a:ext cx="2502157" cy="288001"/>
+        </a:xfrm>
+        <a:prstGeom prst="chevron">
+          <a:avLst/>
+        </a:prstGeom>
+        <a:solidFill>
+          <a:schemeClr val="accent1">
+            <a:hueOff val="0"/>
+            <a:satOff val="0"/>
+            <a:lumOff val="0"/>
+            <a:alphaOff val="0"/>
+          </a:schemeClr>
+        </a:solidFill>
+        <a:ln w="25400" cap="flat" cmpd="sng" algn="ctr">
+          <a:solidFill>
+            <a:schemeClr val="lt1">
+              <a:hueOff val="0"/>
+              <a:satOff val="0"/>
+              <a:lumOff val="0"/>
+              <a:alphaOff val="0"/>
+            </a:schemeClr>
+          </a:solidFill>
+          <a:prstDash val="solid"/>
+        </a:ln>
+        <a:effectLst/>
+      </dsp:spPr>
+      <dsp:style>
+        <a:lnRef idx="2">
+          <a:scrgbClr r="0" g="0" b="0"/>
+        </a:lnRef>
+        <a:fillRef idx="1">
+          <a:scrgbClr r="0" g="0" b="0"/>
+        </a:fillRef>
+        <a:effectRef idx="0">
+          <a:scrgbClr r="0" g="0" b="0"/>
+        </a:effectRef>
+        <a:fontRef idx="minor">
+          <a:schemeClr val="lt1"/>
+        </a:fontRef>
+      </dsp:style>
+      <dsp:txBody>
+        <a:bodyPr spcFirstLastPara="0" vert="horz" wrap="square" lIns="64008" tIns="21336" rIns="21336" bIns="21336" numCol="1" spcCol="1270" anchor="ctr" anchorCtr="0">
+          <a:noAutofit/>
+        </a:bodyPr>
+        <a:lstStyle/>
+        <a:p>
+          <a:pPr lvl="0" algn="ctr" defTabSz="711200">
+            <a:lnSpc>
+              <a:spcPct val="90000"/>
+            </a:lnSpc>
+            <a:spcBef>
+              <a:spcPct val="0"/>
+            </a:spcBef>
+            <a:spcAft>
+              <a:spcPct val="35000"/>
+            </a:spcAft>
+          </a:pPr>
+          <a:r>
+            <a:rPr lang="de-DE" sz="1600" kern="1200" dirty="0" err="1" smtClean="0"/>
+            <a:t>Deployment</a:t>
+          </a:r>
+          <a:endParaRPr lang="en-US" sz="1600" kern="1200" dirty="0"/>
+        </a:p>
+      </dsp:txBody>
+      <dsp:txXfrm>
+        <a:off x="4077447" y="0"/>
+        <a:ext cx="2502157" cy="288001"/>
+      </dsp:txXfrm>
+    </dsp:sp>
+  </dsp:spTree>
+</dsp:drawing>
+</file>
+
+<file path=ppt/diagrams/drawing2.xml><?xml version="1.0" encoding="utf-8"?>
+<dsp:drawing xmlns:dgm="http://schemas.openxmlformats.org/drawingml/2006/diagram" xmlns:a="http://schemas.openxmlformats.org/drawingml/2006/main" xmlns:dsp="http://schemas.microsoft.com/office/drawing/2008/diagram">
   <dsp:spTree>
     <dsp:nvGrpSpPr>
       <dsp:cNvPr id="0" name=""/>
@@ -1160,7 +2505,7 @@
       <dsp:spPr>
         <a:xfrm>
           <a:off x="2626" y="0"/>
-          <a:ext cx="1529188" cy="288000"/>
+          <a:ext cx="1529188" cy="288001"/>
         </a:xfrm>
         <a:prstGeom prst="chevron">
           <a:avLst/>
@@ -1225,8 +2570,8 @@
         </a:p>
       </dsp:txBody>
       <dsp:txXfrm>
-        <a:off x="146626" y="0"/>
-        <a:ext cx="1241188" cy="288000"/>
+        <a:off x="2626" y="0"/>
+        <a:ext cx="1529188" cy="288001"/>
       </dsp:txXfrm>
     </dsp:sp>
     <dsp:sp modelId="{1A0BED00-428A-4143-A6E6-7058B43EE6E3}">
@@ -1237,7 +2582,7 @@
       <dsp:spPr>
         <a:xfrm>
           <a:off x="1378897" y="0"/>
-          <a:ext cx="1529188" cy="288000"/>
+          <a:ext cx="1529188" cy="288001"/>
         </a:xfrm>
         <a:prstGeom prst="chevron">
           <a:avLst/>
@@ -1302,8 +2647,8 @@
         </a:p>
       </dsp:txBody>
       <dsp:txXfrm>
-        <a:off x="1522897" y="0"/>
-        <a:ext cx="1241188" cy="288000"/>
+        <a:off x="1378897" y="0"/>
+        <a:ext cx="1529188" cy="288001"/>
       </dsp:txXfrm>
     </dsp:sp>
     <dsp:sp modelId="{01FCF690-3A52-4BF2-9135-B54D20ED08E1}">
@@ -1314,7 +2659,7 @@
       <dsp:spPr>
         <a:xfrm>
           <a:off x="2755167" y="0"/>
-          <a:ext cx="1529188" cy="288000"/>
+          <a:ext cx="1529188" cy="288001"/>
         </a:xfrm>
         <a:prstGeom prst="chevron">
           <a:avLst/>
@@ -1379,8 +2724,8 @@
         </a:p>
       </dsp:txBody>
       <dsp:txXfrm>
-        <a:off x="2899167" y="0"/>
-        <a:ext cx="1241188" cy="288000"/>
+        <a:off x="2755167" y="0"/>
+        <a:ext cx="1529188" cy="288001"/>
       </dsp:txXfrm>
     </dsp:sp>
     <dsp:sp modelId="{4B65C82B-1FAF-4964-93C3-3E28BC03D6B9}">
@@ -1391,7 +2736,7 @@
       <dsp:spPr>
         <a:xfrm>
           <a:off x="4131437" y="0"/>
-          <a:ext cx="1529188" cy="288000"/>
+          <a:ext cx="1529188" cy="288001"/>
         </a:xfrm>
         <a:prstGeom prst="chevron">
           <a:avLst/>
@@ -1456,8 +2801,8 @@
         </a:p>
       </dsp:txBody>
       <dsp:txXfrm>
-        <a:off x="4275437" y="0"/>
-        <a:ext cx="1241188" cy="288000"/>
+        <a:off x="4131437" y="0"/>
+        <a:ext cx="1529188" cy="288001"/>
       </dsp:txXfrm>
     </dsp:sp>
   </dsp:spTree>
@@ -1465,6 +2810,289 @@
 </file>
 
 <file path=ppt/diagrams/layout1.xml><?xml version="1.0" encoding="utf-8"?>
+<dgm:layoutDef xmlns:dgm="http://schemas.openxmlformats.org/drawingml/2006/diagram" xmlns:a="http://schemas.openxmlformats.org/drawingml/2006/main" uniqueId="urn:microsoft.com/office/officeart/2005/8/layout/chevron1">
+  <dgm:title val=""/>
+  <dgm:desc val=""/>
+  <dgm:catLst>
+    <dgm:cat type="process" pri="9000"/>
+  </dgm:catLst>
+  <dgm:sampData useDef="1">
+    <dgm:dataModel>
+      <dgm:ptLst/>
+      <dgm:bg/>
+      <dgm:whole/>
+    </dgm:dataModel>
+  </dgm:sampData>
+  <dgm:styleData>
+    <dgm:dataModel>
+      <dgm:ptLst>
+        <dgm:pt modelId="0" type="doc"/>
+        <dgm:pt modelId="1"/>
+        <dgm:pt modelId="2"/>
+      </dgm:ptLst>
+      <dgm:cxnLst>
+        <dgm:cxn modelId="3" srcId="0" destId="1" srcOrd="0" destOrd="0"/>
+        <dgm:cxn modelId="4" srcId="0" destId="2" srcOrd="1" destOrd="0"/>
+      </dgm:cxnLst>
+      <dgm:bg/>
+      <dgm:whole/>
+    </dgm:dataModel>
+  </dgm:styleData>
+  <dgm:clrData>
+    <dgm:dataModel>
+      <dgm:ptLst>
+        <dgm:pt modelId="0" type="doc"/>
+        <dgm:pt modelId="1"/>
+        <dgm:pt modelId="2"/>
+        <dgm:pt modelId="3"/>
+        <dgm:pt modelId="4"/>
+      </dgm:ptLst>
+      <dgm:cxnLst>
+        <dgm:cxn modelId="5" srcId="0" destId="1" srcOrd="0" destOrd="0"/>
+        <dgm:cxn modelId="6" srcId="0" destId="2" srcOrd="1" destOrd="0"/>
+        <dgm:cxn modelId="7" srcId="0" destId="3" srcOrd="2" destOrd="0"/>
+        <dgm:cxn modelId="8" srcId="0" destId="4" srcOrd="3" destOrd="0"/>
+      </dgm:cxnLst>
+      <dgm:bg/>
+      <dgm:whole/>
+    </dgm:dataModel>
+  </dgm:clrData>
+  <dgm:layoutNode name="Name0">
+    <dgm:varLst>
+      <dgm:dir/>
+      <dgm:animLvl val="lvl"/>
+      <dgm:resizeHandles val="exact"/>
+    </dgm:varLst>
+    <dgm:choose name="Name1">
+      <dgm:if name="Name2" func="var" arg="dir" op="equ" val="norm">
+        <dgm:alg type="lin"/>
+      </dgm:if>
+      <dgm:else name="Name3">
+        <dgm:alg type="lin">
+          <dgm:param type="linDir" val="fromR"/>
+        </dgm:alg>
+      </dgm:else>
+    </dgm:choose>
+    <dgm:shape xmlns:r="http://schemas.openxmlformats.org/officeDocument/2006/relationships" r:blip="">
+      <dgm:adjLst/>
+    </dgm:shape>
+    <dgm:presOf/>
+    <dgm:choose name="Name4">
+      <dgm:if name="Name5" axis="des" func="maxDepth" op="gte" val="2">
+        <dgm:constrLst>
+          <dgm:constr type="h" for="ch" forName="composite" refType="h"/>
+          <dgm:constr type="w" for="ch" forName="composite" refType="w"/>
+          <dgm:constr type="w" for="des" forName="parTx"/>
+          <dgm:constr type="h" for="des" forName="parTx" op="equ"/>
+          <dgm:constr type="w" for="des" forName="desTx"/>
+          <dgm:constr type="h" for="des" forName="desTx" op="equ"/>
+          <dgm:constr type="primFontSz" for="des" forName="parTx" val="65"/>
+          <dgm:constr type="secFontSz" for="des" forName="desTx" refType="primFontSz" refFor="des" refForName="parTx" op="equ"/>
+          <dgm:constr type="h" for="des" forName="parTx" refType="primFontSz" refFor="des" refForName="parTx" fact="1.5"/>
+          <dgm:constr type="h" for="des" forName="desTx" refType="primFontSz" refFor="des" refForName="parTx" fact="0.5"/>
+          <dgm:constr type="w" for="ch" forName="space" op="equ" val="-6"/>
+        </dgm:constrLst>
+        <dgm:ruleLst>
+          <dgm:rule type="w" for="ch" forName="composite" val="0" fact="NaN" max="NaN"/>
+          <dgm:rule type="primFontSz" for="des" forName="parTx" val="5" fact="NaN" max="NaN"/>
+        </dgm:ruleLst>
+        <dgm:forEach name="Name6" axis="ch" ptType="node">
+          <dgm:layoutNode name="composite">
+            <dgm:alg type="composite"/>
+            <dgm:shape xmlns:r="http://schemas.openxmlformats.org/officeDocument/2006/relationships" r:blip="">
+              <dgm:adjLst/>
+            </dgm:shape>
+            <dgm:presOf/>
+            <dgm:choose name="Name7">
+              <dgm:if name="Name8" func="var" arg="dir" op="equ" val="norm">
+                <dgm:constrLst>
+                  <dgm:constr type="l" for="ch" forName="parTx"/>
+                  <dgm:constr type="w" for="ch" forName="parTx" refType="w"/>
+                  <dgm:constr type="t" for="ch" forName="parTx"/>
+                  <dgm:constr type="l" for="ch" forName="desTx"/>
+                  <dgm:constr type="w" for="ch" forName="desTx" refType="w" refFor="ch" refForName="parTx" fact="0.8"/>
+                  <dgm:constr type="t" for="ch" forName="desTx" refType="h" refFor="ch" refForName="parTx" fact="1.125"/>
+                </dgm:constrLst>
+              </dgm:if>
+              <dgm:else name="Name9">
+                <dgm:constrLst>
+                  <dgm:constr type="l" for="ch" forName="parTx"/>
+                  <dgm:constr type="w" for="ch" forName="parTx" refType="w"/>
+                  <dgm:constr type="t" for="ch" forName="parTx"/>
+                  <dgm:constr type="l" for="ch" forName="desTx" refType="w" fact="0.2"/>
+                  <dgm:constr type="w" for="ch" forName="desTx" refType="w" refFor="ch" refForName="parTx" fact="0.8"/>
+                  <dgm:constr type="t" for="ch" forName="desTx" refType="h" refFor="ch" refForName="parTx" fact="1.125"/>
+                </dgm:constrLst>
+              </dgm:else>
+            </dgm:choose>
+            <dgm:ruleLst>
+              <dgm:rule type="h" val="INF" fact="NaN" max="NaN"/>
+            </dgm:ruleLst>
+            <dgm:layoutNode name="parTx">
+              <dgm:varLst>
+                <dgm:chMax val="0"/>
+                <dgm:chPref val="0"/>
+                <dgm:bulletEnabled val="1"/>
+              </dgm:varLst>
+              <dgm:alg type="tx"/>
+              <dgm:choose name="Name10">
+                <dgm:if name="Name11" func="var" arg="dir" op="equ" val="norm">
+                  <dgm:shape xmlns:r="http://schemas.openxmlformats.org/officeDocument/2006/relationships" type="chevron" r:blip="">
+                    <dgm:adjLst/>
+                  </dgm:shape>
+                </dgm:if>
+                <dgm:else name="Name12">
+                  <dgm:shape xmlns:r="http://schemas.openxmlformats.org/officeDocument/2006/relationships" rot="180" type="chevron" r:blip="">
+                    <dgm:adjLst/>
+                  </dgm:shape>
+                </dgm:else>
+              </dgm:choose>
+              <dgm:presOf axis="self" ptType="node"/>
+              <dgm:choose name="Name13">
+                <dgm:if name="Name14" func="var" arg="dir" op="equ" val="norm">
+                  <dgm:constrLst>
+                    <dgm:constr type="h" refType="w" op="lte" fact="0.4"/>
+                    <dgm:constr type="h"/>
+                    <dgm:constr type="tMarg" refType="primFontSz" fact="0.105"/>
+                    <dgm:constr type="bMarg" refType="primFontSz" fact="0.105"/>
+                    <dgm:constr type="lMarg" refType="primFontSz" fact="0.315"/>
+                    <dgm:constr type="rMarg" refType="primFontSz" fact="0.105"/>
+                  </dgm:constrLst>
+                </dgm:if>
+                <dgm:else name="Name15">
+                  <dgm:constrLst>
+                    <dgm:constr type="h" refType="w" op="lte" fact="0.4"/>
+                    <dgm:constr type="h"/>
+                    <dgm:constr type="tMarg" refType="primFontSz" fact="0.105"/>
+                    <dgm:constr type="bMarg" refType="primFontSz" fact="0.105"/>
+                    <dgm:constr type="lMarg" refType="primFontSz" fact="0.105"/>
+                    <dgm:constr type="rMarg" refType="primFontSz" fact="0.315"/>
+                  </dgm:constrLst>
+                </dgm:else>
+              </dgm:choose>
+              <dgm:ruleLst>
+                <dgm:rule type="h" val="INF" fact="NaN" max="NaN"/>
+              </dgm:ruleLst>
+            </dgm:layoutNode>
+            <dgm:layoutNode name="desTx" styleLbl="revTx">
+              <dgm:varLst>
+                <dgm:bulletEnabled val="1"/>
+              </dgm:varLst>
+              <dgm:alg type="tx">
+                <dgm:param type="stBulletLvl" val="1"/>
+              </dgm:alg>
+              <dgm:choose name="Name16">
+                <dgm:if name="Name17" axis="ch" ptType="node" func="cnt" op="gte" val="1">
+                  <dgm:shape xmlns:r="http://schemas.openxmlformats.org/officeDocument/2006/relationships" type="rect" r:blip="">
+                    <dgm:adjLst/>
+                  </dgm:shape>
+                </dgm:if>
+                <dgm:else name="Name18">
+                  <dgm:shape xmlns:r="http://schemas.openxmlformats.org/officeDocument/2006/relationships" type="rect" r:blip="" hideGeom="1">
+                    <dgm:adjLst/>
+                  </dgm:shape>
+                </dgm:else>
+              </dgm:choose>
+              <dgm:presOf axis="des" ptType="node"/>
+              <dgm:constrLst>
+                <dgm:constr type="secFontSz" val="65"/>
+                <dgm:constr type="primFontSz" refType="secFontSz"/>
+                <dgm:constr type="h"/>
+                <dgm:constr type="tMarg"/>
+                <dgm:constr type="bMarg"/>
+                <dgm:constr type="rMarg"/>
+                <dgm:constr type="lMarg"/>
+              </dgm:constrLst>
+              <dgm:ruleLst>
+                <dgm:rule type="h" val="INF" fact="NaN" max="NaN"/>
+              </dgm:ruleLst>
+            </dgm:layoutNode>
+          </dgm:layoutNode>
+          <dgm:forEach name="Name19" axis="followSib" ptType="sibTrans" cnt="1">
+            <dgm:layoutNode name="space">
+              <dgm:alg type="sp"/>
+              <dgm:shape xmlns:r="http://schemas.openxmlformats.org/officeDocument/2006/relationships" r:blip="">
+                <dgm:adjLst/>
+              </dgm:shape>
+              <dgm:presOf/>
+              <dgm:constrLst/>
+              <dgm:ruleLst/>
+            </dgm:layoutNode>
+          </dgm:forEach>
+        </dgm:forEach>
+      </dgm:if>
+      <dgm:else name="Name20">
+        <dgm:constrLst>
+          <dgm:constr type="w" for="ch" forName="parTxOnly" refType="w"/>
+          <dgm:constr type="h" for="des" forName="parTxOnly" op="equ"/>
+          <dgm:constr type="primFontSz" for="des" forName="parTxOnly" op="equ" val="65"/>
+          <dgm:constr type="w" for="ch" forName="parTxOnlySpace" refType="w" refFor="ch" refForName="parTxOnly" fact="-0.1"/>
+        </dgm:constrLst>
+        <dgm:ruleLst/>
+        <dgm:forEach name="Name21" axis="ch" ptType="node">
+          <dgm:layoutNode name="parTxOnly">
+            <dgm:varLst>
+              <dgm:chMax val="0"/>
+              <dgm:chPref val="0"/>
+              <dgm:bulletEnabled val="1"/>
+            </dgm:varLst>
+            <dgm:alg type="tx"/>
+            <dgm:choose name="Name22">
+              <dgm:if name="Name23" func="var" arg="dir" op="equ" val="norm">
+                <dgm:shape xmlns:r="http://schemas.openxmlformats.org/officeDocument/2006/relationships" type="chevron" r:blip="">
+                  <dgm:adjLst/>
+                </dgm:shape>
+              </dgm:if>
+              <dgm:else name="Name24">
+                <dgm:shape xmlns:r="http://schemas.openxmlformats.org/officeDocument/2006/relationships" rot="180" type="chevron" r:blip="">
+                  <dgm:adjLst/>
+                </dgm:shape>
+              </dgm:else>
+            </dgm:choose>
+            <dgm:presOf axis="self" ptType="node"/>
+            <dgm:choose name="Name25">
+              <dgm:if name="Name26" func="var" arg="dir" op="equ" val="norm">
+                <dgm:constrLst>
+                  <dgm:constr type="h" refType="w" op="equ" fact="0.4"/>
+                  <dgm:constr type="tMarg" refType="primFontSz" fact="0.105"/>
+                  <dgm:constr type="bMarg" refType="primFontSz" fact="0.105"/>
+                  <dgm:constr type="lMarg" refType="primFontSz" fact="0.315"/>
+                  <dgm:constr type="rMarg" refType="primFontSz" fact="0.105"/>
+                </dgm:constrLst>
+              </dgm:if>
+              <dgm:else name="Name27">
+                <dgm:constrLst>
+                  <dgm:constr type="h" refType="w" op="equ" fact="0.4"/>
+                  <dgm:constr type="tMarg" refType="primFontSz" fact="0.105"/>
+                  <dgm:constr type="bMarg" refType="primFontSz" fact="0.105"/>
+                  <dgm:constr type="lMarg" refType="primFontSz" fact="0.105"/>
+                  <dgm:constr type="rMarg" refType="primFontSz" fact="0.315"/>
+                </dgm:constrLst>
+              </dgm:else>
+            </dgm:choose>
+            <dgm:ruleLst>
+              <dgm:rule type="primFontSz" val="5" fact="NaN" max="NaN"/>
+            </dgm:ruleLst>
+          </dgm:layoutNode>
+          <dgm:forEach name="Name28" axis="followSib" ptType="sibTrans" cnt="1">
+            <dgm:layoutNode name="parTxOnlySpace">
+              <dgm:alg type="sp"/>
+              <dgm:shape xmlns:r="http://schemas.openxmlformats.org/officeDocument/2006/relationships" r:blip="">
+                <dgm:adjLst/>
+              </dgm:shape>
+              <dgm:presOf/>
+              <dgm:constrLst/>
+              <dgm:ruleLst/>
+            </dgm:layoutNode>
+          </dgm:forEach>
+        </dgm:forEach>
+      </dgm:else>
+    </dgm:choose>
+  </dgm:layoutNode>
+</dgm:layoutDef>
+</file>
+
+<file path=ppt/diagrams/layout2.xml><?xml version="1.0" encoding="utf-8"?>
 <dgm:layoutDef xmlns:dgm="http://schemas.openxmlformats.org/drawingml/2006/diagram" xmlns:a="http://schemas.openxmlformats.org/drawingml/2006/main" uniqueId="urn:microsoft.com/office/officeart/2005/8/layout/chevron1">
   <dgm:title val=""/>
   <dgm:desc val=""/>
@@ -2781,6 +4409,1553 @@
 </dgm:styleDef>
 </file>
 
+<file path=ppt/diagrams/quickStyle2.xml><?xml version="1.0" encoding="utf-8"?>
+<dgm:styleDef xmlns:dgm="http://schemas.openxmlformats.org/drawingml/2006/diagram" xmlns:a="http://schemas.openxmlformats.org/drawingml/2006/main" uniqueId="urn:microsoft.com/office/officeart/2005/8/quickstyle/simple1">
+  <dgm:title val=""/>
+  <dgm:desc val=""/>
+  <dgm:catLst>
+    <dgm:cat type="simple" pri="10100"/>
+  </dgm:catLst>
+  <dgm:scene3d>
+    <a:camera prst="orthographicFront"/>
+    <a:lightRig rig="threePt" dir="t"/>
+  </dgm:scene3d>
+  <dgm:styleLbl name="node0">
+    <dgm:scene3d>
+      <a:camera prst="orthographicFront"/>
+      <a:lightRig rig="threePt" dir="t"/>
+    </dgm:scene3d>
+    <dgm:sp3d/>
+    <dgm:txPr/>
+    <dgm:style>
+      <a:lnRef idx="2">
+        <a:scrgbClr r="0" g="0" b="0"/>
+      </a:lnRef>
+      <a:fillRef idx="1">
+        <a:scrgbClr r="0" g="0" b="0"/>
+      </a:fillRef>
+      <a:effectRef idx="0">
+        <a:scrgbClr r="0" g="0" b="0"/>
+      </a:effectRef>
+      <a:fontRef idx="minor">
+        <a:schemeClr val="lt1"/>
+      </a:fontRef>
+    </dgm:style>
+  </dgm:styleLbl>
+  <dgm:styleLbl name="lnNode1">
+    <dgm:scene3d>
+      <a:camera prst="orthographicFront"/>
+      <a:lightRig rig="threePt" dir="t"/>
+    </dgm:scene3d>
+    <dgm:sp3d/>
+    <dgm:txPr/>
+    <dgm:style>
+      <a:lnRef idx="2">
+        <a:scrgbClr r="0" g="0" b="0"/>
+      </a:lnRef>
+      <a:fillRef idx="1">
+        <a:scrgbClr r="0" g="0" b="0"/>
+      </a:fillRef>
+      <a:effectRef idx="0">
+        <a:scrgbClr r="0" g="0" b="0"/>
+      </a:effectRef>
+      <a:fontRef idx="minor">
+        <a:schemeClr val="lt1"/>
+      </a:fontRef>
+    </dgm:style>
+  </dgm:styleLbl>
+  <dgm:styleLbl name="vennNode1">
+    <dgm:scene3d>
+      <a:camera prst="orthographicFront"/>
+      <a:lightRig rig="threePt" dir="t"/>
+    </dgm:scene3d>
+    <dgm:sp3d/>
+    <dgm:txPr/>
+    <dgm:style>
+      <a:lnRef idx="2">
+        <a:scrgbClr r="0" g="0" b="0"/>
+      </a:lnRef>
+      <a:fillRef idx="1">
+        <a:scrgbClr r="0" g="0" b="0"/>
+      </a:fillRef>
+      <a:effectRef idx="0">
+        <a:scrgbClr r="0" g="0" b="0"/>
+      </a:effectRef>
+      <a:fontRef idx="minor">
+        <a:schemeClr val="tx1"/>
+      </a:fontRef>
+    </dgm:style>
+  </dgm:styleLbl>
+  <dgm:styleLbl name="alignNode1">
+    <dgm:scene3d>
+      <a:camera prst="orthographicFront"/>
+      <a:lightRig rig="threePt" dir="t"/>
+    </dgm:scene3d>
+    <dgm:sp3d/>
+    <dgm:txPr/>
+    <dgm:style>
+      <a:lnRef idx="2">
+        <a:scrgbClr r="0" g="0" b="0"/>
+      </a:lnRef>
+      <a:fillRef idx="1">
+        <a:scrgbClr r="0" g="0" b="0"/>
+      </a:fillRef>
+      <a:effectRef idx="0">
+        <a:scrgbClr r="0" g="0" b="0"/>
+      </a:effectRef>
+      <a:fontRef idx="minor">
+        <a:schemeClr val="lt1"/>
+      </a:fontRef>
+    </dgm:style>
+  </dgm:styleLbl>
+  <dgm:styleLbl name="node1">
+    <dgm:scene3d>
+      <a:camera prst="orthographicFront"/>
+      <a:lightRig rig="threePt" dir="t"/>
+    </dgm:scene3d>
+    <dgm:sp3d/>
+    <dgm:txPr/>
+    <dgm:style>
+      <a:lnRef idx="2">
+        <a:scrgbClr r="0" g="0" b="0"/>
+      </a:lnRef>
+      <a:fillRef idx="1">
+        <a:scrgbClr r="0" g="0" b="0"/>
+      </a:fillRef>
+      <a:effectRef idx="0">
+        <a:scrgbClr r="0" g="0" b="0"/>
+      </a:effectRef>
+      <a:fontRef idx="minor">
+        <a:schemeClr val="lt1"/>
+      </a:fontRef>
+    </dgm:style>
+  </dgm:styleLbl>
+  <dgm:styleLbl name="node2">
+    <dgm:scene3d>
+      <a:camera prst="orthographicFront"/>
+      <a:lightRig rig="threePt" dir="t"/>
+    </dgm:scene3d>
+    <dgm:sp3d/>
+    <dgm:txPr/>
+    <dgm:style>
+      <a:lnRef idx="2">
+        <a:scrgbClr r="0" g="0" b="0"/>
+      </a:lnRef>
+      <a:fillRef idx="1">
+        <a:scrgbClr r="0" g="0" b="0"/>
+      </a:fillRef>
+      <a:effectRef idx="0">
+        <a:scrgbClr r="0" g="0" b="0"/>
+      </a:effectRef>
+      <a:fontRef idx="minor">
+        <a:schemeClr val="lt1"/>
+      </a:fontRef>
+    </dgm:style>
+  </dgm:styleLbl>
+  <dgm:styleLbl name="node3">
+    <dgm:scene3d>
+      <a:camera prst="orthographicFront"/>
+      <a:lightRig rig="threePt" dir="t"/>
+    </dgm:scene3d>
+    <dgm:sp3d/>
+    <dgm:txPr/>
+    <dgm:style>
+      <a:lnRef idx="2">
+        <a:scrgbClr r="0" g="0" b="0"/>
+      </a:lnRef>
+      <a:fillRef idx="1">
+        <a:scrgbClr r="0" g="0" b="0"/>
+      </a:fillRef>
+      <a:effectRef idx="0">
+        <a:scrgbClr r="0" g="0" b="0"/>
+      </a:effectRef>
+      <a:fontRef idx="minor">
+        <a:schemeClr val="lt1"/>
+      </a:fontRef>
+    </dgm:style>
+  </dgm:styleLbl>
+  <dgm:styleLbl name="node4">
+    <dgm:scene3d>
+      <a:camera prst="orthographicFront"/>
+      <a:lightRig rig="threePt" dir="t"/>
+    </dgm:scene3d>
+    <dgm:sp3d/>
+    <dgm:txPr/>
+    <dgm:style>
+      <a:lnRef idx="2">
+        <a:scrgbClr r="0" g="0" b="0"/>
+      </a:lnRef>
+      <a:fillRef idx="1">
+        <a:scrgbClr r="0" g="0" b="0"/>
+      </a:fillRef>
+      <a:effectRef idx="0">
+        <a:scrgbClr r="0" g="0" b="0"/>
+      </a:effectRef>
+      <a:fontRef idx="minor">
+        <a:schemeClr val="lt1"/>
+      </a:fontRef>
+    </dgm:style>
+  </dgm:styleLbl>
+  <dgm:styleLbl name="fgImgPlace1">
+    <dgm:scene3d>
+      <a:camera prst="orthographicFront"/>
+      <a:lightRig rig="threePt" dir="t"/>
+    </dgm:scene3d>
+    <dgm:sp3d/>
+    <dgm:txPr/>
+    <dgm:style>
+      <a:lnRef idx="2">
+        <a:scrgbClr r="0" g="0" b="0"/>
+      </a:lnRef>
+      <a:fillRef idx="1">
+        <a:scrgbClr r="0" g="0" b="0"/>
+      </a:fillRef>
+      <a:effectRef idx="0">
+        <a:scrgbClr r="0" g="0" b="0"/>
+      </a:effectRef>
+      <a:fontRef idx="minor"/>
+    </dgm:style>
+  </dgm:styleLbl>
+  <dgm:styleLbl name="alignImgPlace1">
+    <dgm:scene3d>
+      <a:camera prst="orthographicFront"/>
+      <a:lightRig rig="threePt" dir="t"/>
+    </dgm:scene3d>
+    <dgm:sp3d/>
+    <dgm:txPr/>
+    <dgm:style>
+      <a:lnRef idx="2">
+        <a:scrgbClr r="0" g="0" b="0"/>
+      </a:lnRef>
+      <a:fillRef idx="1">
+        <a:scrgbClr r="0" g="0" b="0"/>
+      </a:fillRef>
+      <a:effectRef idx="0">
+        <a:scrgbClr r="0" g="0" b="0"/>
+      </a:effectRef>
+      <a:fontRef idx="minor"/>
+    </dgm:style>
+  </dgm:styleLbl>
+  <dgm:styleLbl name="bgImgPlace1">
+    <dgm:scene3d>
+      <a:camera prst="orthographicFront"/>
+      <a:lightRig rig="threePt" dir="t"/>
+    </dgm:scene3d>
+    <dgm:sp3d/>
+    <dgm:txPr/>
+    <dgm:style>
+      <a:lnRef idx="2">
+        <a:scrgbClr r="0" g="0" b="0"/>
+      </a:lnRef>
+      <a:fillRef idx="1">
+        <a:scrgbClr r="0" g="0" b="0"/>
+      </a:fillRef>
+      <a:effectRef idx="0">
+        <a:scrgbClr r="0" g="0" b="0"/>
+      </a:effectRef>
+      <a:fontRef idx="minor"/>
+    </dgm:style>
+  </dgm:styleLbl>
+  <dgm:styleLbl name="sibTrans2D1">
+    <dgm:scene3d>
+      <a:camera prst="orthographicFront"/>
+      <a:lightRig rig="threePt" dir="t"/>
+    </dgm:scene3d>
+    <dgm:sp3d/>
+    <dgm:txPr/>
+    <dgm:style>
+      <a:lnRef idx="0">
+        <a:scrgbClr r="0" g="0" b="0"/>
+      </a:lnRef>
+      <a:fillRef idx="1">
+        <a:scrgbClr r="0" g="0" b="0"/>
+      </a:fillRef>
+      <a:effectRef idx="0">
+        <a:scrgbClr r="0" g="0" b="0"/>
+      </a:effectRef>
+      <a:fontRef idx="minor">
+        <a:schemeClr val="lt1"/>
+      </a:fontRef>
+    </dgm:style>
+  </dgm:styleLbl>
+  <dgm:styleLbl name="fgSibTrans2D1">
+    <dgm:scene3d>
+      <a:camera prst="orthographicFront"/>
+      <a:lightRig rig="threePt" dir="t"/>
+    </dgm:scene3d>
+    <dgm:sp3d/>
+    <dgm:txPr/>
+    <dgm:style>
+      <a:lnRef idx="0">
+        <a:scrgbClr r="0" g="0" b="0"/>
+      </a:lnRef>
+      <a:fillRef idx="1">
+        <a:scrgbClr r="0" g="0" b="0"/>
+      </a:fillRef>
+      <a:effectRef idx="0">
+        <a:scrgbClr r="0" g="0" b="0"/>
+      </a:effectRef>
+      <a:fontRef idx="minor">
+        <a:schemeClr val="lt1"/>
+      </a:fontRef>
+    </dgm:style>
+  </dgm:styleLbl>
+  <dgm:styleLbl name="bgSibTrans2D1">
+    <dgm:scene3d>
+      <a:camera prst="orthographicFront"/>
+      <a:lightRig rig="threePt" dir="t"/>
+    </dgm:scene3d>
+    <dgm:sp3d/>
+    <dgm:txPr/>
+    <dgm:style>
+      <a:lnRef idx="0">
+        <a:scrgbClr r="0" g="0" b="0"/>
+      </a:lnRef>
+      <a:fillRef idx="1">
+        <a:scrgbClr r="0" g="0" b="0"/>
+      </a:fillRef>
+      <a:effectRef idx="0">
+        <a:scrgbClr r="0" g="0" b="0"/>
+      </a:effectRef>
+      <a:fontRef idx="minor">
+        <a:schemeClr val="lt1"/>
+      </a:fontRef>
+    </dgm:style>
+  </dgm:styleLbl>
+  <dgm:styleLbl name="sibTrans1D1">
+    <dgm:scene3d>
+      <a:camera prst="orthographicFront"/>
+      <a:lightRig rig="threePt" dir="t"/>
+    </dgm:scene3d>
+    <dgm:sp3d/>
+    <dgm:txPr/>
+    <dgm:style>
+      <a:lnRef idx="1">
+        <a:scrgbClr r="0" g="0" b="0"/>
+      </a:lnRef>
+      <a:fillRef idx="0">
+        <a:scrgbClr r="0" g="0" b="0"/>
+      </a:fillRef>
+      <a:effectRef idx="0">
+        <a:scrgbClr r="0" g="0" b="0"/>
+      </a:effectRef>
+      <a:fontRef idx="minor"/>
+    </dgm:style>
+  </dgm:styleLbl>
+  <dgm:styleLbl name="callout">
+    <dgm:scene3d>
+      <a:camera prst="orthographicFront"/>
+      <a:lightRig rig="threePt" dir="t"/>
+    </dgm:scene3d>
+    <dgm:sp3d/>
+    <dgm:txPr/>
+    <dgm:style>
+      <a:lnRef idx="2">
+        <a:scrgbClr r="0" g="0" b="0"/>
+      </a:lnRef>
+      <a:fillRef idx="1">
+        <a:scrgbClr r="0" g="0" b="0"/>
+      </a:fillRef>
+      <a:effectRef idx="0">
+        <a:scrgbClr r="0" g="0" b="0"/>
+      </a:effectRef>
+      <a:fontRef idx="minor"/>
+    </dgm:style>
+  </dgm:styleLbl>
+  <dgm:styleLbl name="asst0">
+    <dgm:scene3d>
+      <a:camera prst="orthographicFront"/>
+      <a:lightRig rig="threePt" dir="t"/>
+    </dgm:scene3d>
+    <dgm:sp3d/>
+    <dgm:txPr/>
+    <dgm:style>
+      <a:lnRef idx="2">
+        <a:scrgbClr r="0" g="0" b="0"/>
+      </a:lnRef>
+      <a:fillRef idx="1">
+        <a:scrgbClr r="0" g="0" b="0"/>
+      </a:fillRef>
+      <a:effectRef idx="0">
+        <a:scrgbClr r="0" g="0" b="0"/>
+      </a:effectRef>
+      <a:fontRef idx="minor">
+        <a:schemeClr val="lt1"/>
+      </a:fontRef>
+    </dgm:style>
+  </dgm:styleLbl>
+  <dgm:styleLbl name="asst1">
+    <dgm:scene3d>
+      <a:camera prst="orthographicFront"/>
+      <a:lightRig rig="threePt" dir="t"/>
+    </dgm:scene3d>
+    <dgm:sp3d/>
+    <dgm:txPr/>
+    <dgm:style>
+      <a:lnRef idx="2">
+        <a:scrgbClr r="0" g="0" b="0"/>
+      </a:lnRef>
+      <a:fillRef idx="1">
+        <a:scrgbClr r="0" g="0" b="0"/>
+      </a:fillRef>
+      <a:effectRef idx="0">
+        <a:scrgbClr r="0" g="0" b="0"/>
+      </a:effectRef>
+      <a:fontRef idx="minor">
+        <a:schemeClr val="lt1"/>
+      </a:fontRef>
+    </dgm:style>
+  </dgm:styleLbl>
+  <dgm:styleLbl name="asst2">
+    <dgm:scene3d>
+      <a:camera prst="orthographicFront"/>
+      <a:lightRig rig="threePt" dir="t"/>
+    </dgm:scene3d>
+    <dgm:sp3d/>
+    <dgm:txPr/>
+    <dgm:style>
+      <a:lnRef idx="2">
+        <a:scrgbClr r="0" g="0" b="0"/>
+      </a:lnRef>
+      <a:fillRef idx="1">
+        <a:scrgbClr r="0" g="0" b="0"/>
+      </a:fillRef>
+      <a:effectRef idx="0">
+        <a:scrgbClr r="0" g="0" b="0"/>
+      </a:effectRef>
+      <a:fontRef idx="minor">
+        <a:schemeClr val="lt1"/>
+      </a:fontRef>
+    </dgm:style>
+  </dgm:styleLbl>
+  <dgm:styleLbl name="asst3">
+    <dgm:scene3d>
+      <a:camera prst="orthographicFront"/>
+      <a:lightRig rig="threePt" dir="t"/>
+    </dgm:scene3d>
+    <dgm:sp3d/>
+    <dgm:txPr/>
+    <dgm:style>
+      <a:lnRef idx="2">
+        <a:scrgbClr r="0" g="0" b="0"/>
+      </a:lnRef>
+      <a:fillRef idx="1">
+        <a:scrgbClr r="0" g="0" b="0"/>
+      </a:fillRef>
+      <a:effectRef idx="0">
+        <a:scrgbClr r="0" g="0" b="0"/>
+      </a:effectRef>
+      <a:fontRef idx="minor">
+        <a:schemeClr val="lt1"/>
+      </a:fontRef>
+    </dgm:style>
+  </dgm:styleLbl>
+  <dgm:styleLbl name="asst4">
+    <dgm:scene3d>
+      <a:camera prst="orthographicFront"/>
+      <a:lightRig rig="threePt" dir="t"/>
+    </dgm:scene3d>
+    <dgm:sp3d/>
+    <dgm:txPr/>
+    <dgm:style>
+      <a:lnRef idx="2">
+        <a:scrgbClr r="0" g="0" b="0"/>
+      </a:lnRef>
+      <a:fillRef idx="1">
+        <a:scrgbClr r="0" g="0" b="0"/>
+      </a:fillRef>
+      <a:effectRef idx="0">
+        <a:scrgbClr r="0" g="0" b="0"/>
+      </a:effectRef>
+      <a:fontRef idx="minor">
+        <a:schemeClr val="lt1"/>
+      </a:fontRef>
+    </dgm:style>
+  </dgm:styleLbl>
+  <dgm:styleLbl name="parChTrans2D1">
+    <dgm:scene3d>
+      <a:camera prst="orthographicFront"/>
+      <a:lightRig rig="threePt" dir="t"/>
+    </dgm:scene3d>
+    <dgm:sp3d/>
+    <dgm:txPr/>
+    <dgm:style>
+      <a:lnRef idx="2">
+        <a:scrgbClr r="0" g="0" b="0"/>
+      </a:lnRef>
+      <a:fillRef idx="1">
+        <a:scrgbClr r="0" g="0" b="0"/>
+      </a:fillRef>
+      <a:effectRef idx="0">
+        <a:scrgbClr r="0" g="0" b="0"/>
+      </a:effectRef>
+      <a:fontRef idx="minor">
+        <a:schemeClr val="lt1"/>
+      </a:fontRef>
+    </dgm:style>
+  </dgm:styleLbl>
+  <dgm:styleLbl name="parChTrans2D2">
+    <dgm:scene3d>
+      <a:camera prst="orthographicFront"/>
+      <a:lightRig rig="threePt" dir="t"/>
+    </dgm:scene3d>
+    <dgm:sp3d/>
+    <dgm:txPr/>
+    <dgm:style>
+      <a:lnRef idx="2">
+        <a:scrgbClr r="0" g="0" b="0"/>
+      </a:lnRef>
+      <a:fillRef idx="1">
+        <a:scrgbClr r="0" g="0" b="0"/>
+      </a:fillRef>
+      <a:effectRef idx="0">
+        <a:scrgbClr r="0" g="0" b="0"/>
+      </a:effectRef>
+      <a:fontRef idx="minor">
+        <a:schemeClr val="lt1"/>
+      </a:fontRef>
+    </dgm:style>
+  </dgm:styleLbl>
+  <dgm:styleLbl name="parChTrans2D3">
+    <dgm:scene3d>
+      <a:camera prst="orthographicFront"/>
+      <a:lightRig rig="threePt" dir="t"/>
+    </dgm:scene3d>
+    <dgm:sp3d/>
+    <dgm:txPr/>
+    <dgm:style>
+      <a:lnRef idx="2">
+        <a:scrgbClr r="0" g="0" b="0"/>
+      </a:lnRef>
+      <a:fillRef idx="1">
+        <a:scrgbClr r="0" g="0" b="0"/>
+      </a:fillRef>
+      <a:effectRef idx="0">
+        <a:scrgbClr r="0" g="0" b="0"/>
+      </a:effectRef>
+      <a:fontRef idx="minor">
+        <a:schemeClr val="lt1"/>
+      </a:fontRef>
+    </dgm:style>
+  </dgm:styleLbl>
+  <dgm:styleLbl name="parChTrans2D4">
+    <dgm:scene3d>
+      <a:camera prst="orthographicFront"/>
+      <a:lightRig rig="threePt" dir="t"/>
+    </dgm:scene3d>
+    <dgm:sp3d/>
+    <dgm:txPr/>
+    <dgm:style>
+      <a:lnRef idx="2">
+        <a:scrgbClr r="0" g="0" b="0"/>
+      </a:lnRef>
+      <a:fillRef idx="1">
+        <a:scrgbClr r="0" g="0" b="0"/>
+      </a:fillRef>
+      <a:effectRef idx="0">
+        <a:scrgbClr r="0" g="0" b="0"/>
+      </a:effectRef>
+      <a:fontRef idx="minor">
+        <a:schemeClr val="lt1"/>
+      </a:fontRef>
+    </dgm:style>
+  </dgm:styleLbl>
+  <dgm:styleLbl name="parChTrans1D1">
+    <dgm:scene3d>
+      <a:camera prst="orthographicFront"/>
+      <a:lightRig rig="threePt" dir="t"/>
+    </dgm:scene3d>
+    <dgm:sp3d/>
+    <dgm:txPr/>
+    <dgm:style>
+      <a:lnRef idx="2">
+        <a:scrgbClr r="0" g="0" b="0"/>
+      </a:lnRef>
+      <a:fillRef idx="0">
+        <a:scrgbClr r="0" g="0" b="0"/>
+      </a:fillRef>
+      <a:effectRef idx="0">
+        <a:scrgbClr r="0" g="0" b="0"/>
+      </a:effectRef>
+      <a:fontRef idx="minor"/>
+    </dgm:style>
+  </dgm:styleLbl>
+  <dgm:styleLbl name="parChTrans1D2">
+    <dgm:scene3d>
+      <a:camera prst="orthographicFront"/>
+      <a:lightRig rig="threePt" dir="t"/>
+    </dgm:scene3d>
+    <dgm:sp3d/>
+    <dgm:txPr/>
+    <dgm:style>
+      <a:lnRef idx="2">
+        <a:scrgbClr r="0" g="0" b="0"/>
+      </a:lnRef>
+      <a:fillRef idx="0">
+        <a:scrgbClr r="0" g="0" b="0"/>
+      </a:fillRef>
+      <a:effectRef idx="0">
+        <a:scrgbClr r="0" g="0" b="0"/>
+      </a:effectRef>
+      <a:fontRef idx="minor"/>
+    </dgm:style>
+  </dgm:styleLbl>
+  <dgm:styleLbl name="parChTrans1D3">
+    <dgm:scene3d>
+      <a:camera prst="orthographicFront"/>
+      <a:lightRig rig="threePt" dir="t"/>
+    </dgm:scene3d>
+    <dgm:sp3d/>
+    <dgm:txPr/>
+    <dgm:style>
+      <a:lnRef idx="2">
+        <a:scrgbClr r="0" g="0" b="0"/>
+      </a:lnRef>
+      <a:fillRef idx="0">
+        <a:scrgbClr r="0" g="0" b="0"/>
+      </a:fillRef>
+      <a:effectRef idx="0">
+        <a:scrgbClr r="0" g="0" b="0"/>
+      </a:effectRef>
+      <a:fontRef idx="minor"/>
+    </dgm:style>
+  </dgm:styleLbl>
+  <dgm:styleLbl name="parChTrans1D4">
+    <dgm:scene3d>
+      <a:camera prst="orthographicFront"/>
+      <a:lightRig rig="threePt" dir="t"/>
+    </dgm:scene3d>
+    <dgm:sp3d/>
+    <dgm:txPr/>
+    <dgm:style>
+      <a:lnRef idx="2">
+        <a:scrgbClr r="0" g="0" b="0"/>
+      </a:lnRef>
+      <a:fillRef idx="0">
+        <a:scrgbClr r="0" g="0" b="0"/>
+      </a:fillRef>
+      <a:effectRef idx="0">
+        <a:scrgbClr r="0" g="0" b="0"/>
+      </a:effectRef>
+      <a:fontRef idx="minor"/>
+    </dgm:style>
+  </dgm:styleLbl>
+  <dgm:styleLbl name="fgAcc1">
+    <dgm:scene3d>
+      <a:camera prst="orthographicFront"/>
+      <a:lightRig rig="threePt" dir="t"/>
+    </dgm:scene3d>
+    <dgm:sp3d/>
+    <dgm:txPr/>
+    <dgm:style>
+      <a:lnRef idx="2">
+        <a:scrgbClr r="0" g="0" b="0"/>
+      </a:lnRef>
+      <a:fillRef idx="1">
+        <a:scrgbClr r="0" g="0" b="0"/>
+      </a:fillRef>
+      <a:effectRef idx="0">
+        <a:scrgbClr r="0" g="0" b="0"/>
+      </a:effectRef>
+      <a:fontRef idx="minor"/>
+    </dgm:style>
+  </dgm:styleLbl>
+  <dgm:styleLbl name="conFgAcc1">
+    <dgm:scene3d>
+      <a:camera prst="orthographicFront"/>
+      <a:lightRig rig="threePt" dir="t"/>
+    </dgm:scene3d>
+    <dgm:sp3d/>
+    <dgm:txPr/>
+    <dgm:style>
+      <a:lnRef idx="2">
+        <a:scrgbClr r="0" g="0" b="0"/>
+      </a:lnRef>
+      <a:fillRef idx="1">
+        <a:scrgbClr r="0" g="0" b="0"/>
+      </a:fillRef>
+      <a:effectRef idx="0">
+        <a:scrgbClr r="0" g="0" b="0"/>
+      </a:effectRef>
+      <a:fontRef idx="minor"/>
+    </dgm:style>
+  </dgm:styleLbl>
+  <dgm:styleLbl name="alignAcc1">
+    <dgm:scene3d>
+      <a:camera prst="orthographicFront"/>
+      <a:lightRig rig="threePt" dir="t"/>
+    </dgm:scene3d>
+    <dgm:sp3d/>
+    <dgm:txPr/>
+    <dgm:style>
+      <a:lnRef idx="2">
+        <a:scrgbClr r="0" g="0" b="0"/>
+      </a:lnRef>
+      <a:fillRef idx="1">
+        <a:scrgbClr r="0" g="0" b="0"/>
+      </a:fillRef>
+      <a:effectRef idx="0">
+        <a:scrgbClr r="0" g="0" b="0"/>
+      </a:effectRef>
+      <a:fontRef idx="minor"/>
+    </dgm:style>
+  </dgm:styleLbl>
+  <dgm:styleLbl name="trAlignAcc1">
+    <dgm:scene3d>
+      <a:camera prst="orthographicFront"/>
+      <a:lightRig rig="threePt" dir="t"/>
+    </dgm:scene3d>
+    <dgm:sp3d/>
+    <dgm:txPr/>
+    <dgm:style>
+      <a:lnRef idx="1">
+        <a:scrgbClr r="0" g="0" b="0"/>
+      </a:lnRef>
+      <a:fillRef idx="1">
+        <a:scrgbClr r="0" g="0" b="0"/>
+      </a:fillRef>
+      <a:effectRef idx="0">
+        <a:scrgbClr r="0" g="0" b="0"/>
+      </a:effectRef>
+      <a:fontRef idx="minor"/>
+    </dgm:style>
+  </dgm:styleLbl>
+  <dgm:styleLbl name="bgAcc1">
+    <dgm:scene3d>
+      <a:camera prst="orthographicFront"/>
+      <a:lightRig rig="threePt" dir="t"/>
+    </dgm:scene3d>
+    <dgm:sp3d/>
+    <dgm:txPr/>
+    <dgm:style>
+      <a:lnRef idx="2">
+        <a:scrgbClr r="0" g="0" b="0"/>
+      </a:lnRef>
+      <a:fillRef idx="1">
+        <a:scrgbClr r="0" g="0" b="0"/>
+      </a:fillRef>
+      <a:effectRef idx="0">
+        <a:scrgbClr r="0" g="0" b="0"/>
+      </a:effectRef>
+      <a:fontRef idx="minor"/>
+    </dgm:style>
+  </dgm:styleLbl>
+  <dgm:styleLbl name="solidFgAcc1">
+    <dgm:scene3d>
+      <a:camera prst="orthographicFront"/>
+      <a:lightRig rig="threePt" dir="t"/>
+    </dgm:scene3d>
+    <dgm:sp3d/>
+    <dgm:txPr/>
+    <dgm:style>
+      <a:lnRef idx="2">
+        <a:scrgbClr r="0" g="0" b="0"/>
+      </a:lnRef>
+      <a:fillRef idx="1">
+        <a:scrgbClr r="0" g="0" b="0"/>
+      </a:fillRef>
+      <a:effectRef idx="0">
+        <a:scrgbClr r="0" g="0" b="0"/>
+      </a:effectRef>
+      <a:fontRef idx="minor"/>
+    </dgm:style>
+  </dgm:styleLbl>
+  <dgm:styleLbl name="solidAlignAcc1">
+    <dgm:scene3d>
+      <a:camera prst="orthographicFront"/>
+      <a:lightRig rig="threePt" dir="t"/>
+    </dgm:scene3d>
+    <dgm:sp3d/>
+    <dgm:txPr/>
+    <dgm:style>
+      <a:lnRef idx="2">
+        <a:scrgbClr r="0" g="0" b="0"/>
+      </a:lnRef>
+      <a:fillRef idx="1">
+        <a:scrgbClr r="0" g="0" b="0"/>
+      </a:fillRef>
+      <a:effectRef idx="0">
+        <a:scrgbClr r="0" g="0" b="0"/>
+      </a:effectRef>
+      <a:fontRef idx="minor"/>
+    </dgm:style>
+  </dgm:styleLbl>
+  <dgm:styleLbl name="solidBgAcc1">
+    <dgm:scene3d>
+      <a:camera prst="orthographicFront"/>
+      <a:lightRig rig="threePt" dir="t"/>
+    </dgm:scene3d>
+    <dgm:sp3d/>
+    <dgm:txPr/>
+    <dgm:style>
+      <a:lnRef idx="2">
+        <a:scrgbClr r="0" g="0" b="0"/>
+      </a:lnRef>
+      <a:fillRef idx="1">
+        <a:scrgbClr r="0" g="0" b="0"/>
+      </a:fillRef>
+      <a:effectRef idx="0">
+        <a:scrgbClr r="0" g="0" b="0"/>
+      </a:effectRef>
+      <a:fontRef idx="minor"/>
+    </dgm:style>
+  </dgm:styleLbl>
+  <dgm:styleLbl name="fgAccFollowNode1">
+    <dgm:scene3d>
+      <a:camera prst="orthographicFront"/>
+      <a:lightRig rig="threePt" dir="t"/>
+    </dgm:scene3d>
+    <dgm:sp3d/>
+    <dgm:txPr/>
+    <dgm:style>
+      <a:lnRef idx="2">
+        <a:scrgbClr r="0" g="0" b="0"/>
+      </a:lnRef>
+      <a:fillRef idx="1">
+        <a:scrgbClr r="0" g="0" b="0"/>
+      </a:fillRef>
+      <a:effectRef idx="0">
+        <a:scrgbClr r="0" g="0" b="0"/>
+      </a:effectRef>
+      <a:fontRef idx="minor"/>
+    </dgm:style>
+  </dgm:styleLbl>
+  <dgm:styleLbl name="alignAccFollowNode1">
+    <dgm:scene3d>
+      <a:camera prst="orthographicFront"/>
+      <a:lightRig rig="threePt" dir="t"/>
+    </dgm:scene3d>
+    <dgm:sp3d/>
+    <dgm:txPr/>
+    <dgm:style>
+      <a:lnRef idx="2">
+        <a:scrgbClr r="0" g="0" b="0"/>
+      </a:lnRef>
+      <a:fillRef idx="1">
+        <a:scrgbClr r="0" g="0" b="0"/>
+      </a:fillRef>
+      <a:effectRef idx="0">
+        <a:scrgbClr r="0" g="0" b="0"/>
+      </a:effectRef>
+      <a:fontRef idx="minor"/>
+    </dgm:style>
+  </dgm:styleLbl>
+  <dgm:styleLbl name="bgAccFollowNode1">
+    <dgm:scene3d>
+      <a:camera prst="orthographicFront"/>
+      <a:lightRig rig="threePt" dir="t"/>
+    </dgm:scene3d>
+    <dgm:sp3d/>
+    <dgm:txPr/>
+    <dgm:style>
+      <a:lnRef idx="2">
+        <a:scrgbClr r="0" g="0" b="0"/>
+      </a:lnRef>
+      <a:fillRef idx="1">
+        <a:scrgbClr r="0" g="0" b="0"/>
+      </a:fillRef>
+      <a:effectRef idx="0">
+        <a:scrgbClr r="0" g="0" b="0"/>
+      </a:effectRef>
+      <a:fontRef idx="minor"/>
+    </dgm:style>
+  </dgm:styleLbl>
+  <dgm:styleLbl name="fgAcc0">
+    <dgm:scene3d>
+      <a:camera prst="orthographicFront"/>
+      <a:lightRig rig="threePt" dir="t"/>
+    </dgm:scene3d>
+    <dgm:sp3d/>
+    <dgm:txPr/>
+    <dgm:style>
+      <a:lnRef idx="2">
+        <a:scrgbClr r="0" g="0" b="0"/>
+      </a:lnRef>
+      <a:fillRef idx="1">
+        <a:scrgbClr r="0" g="0" b="0"/>
+      </a:fillRef>
+      <a:effectRef idx="0">
+        <a:scrgbClr r="0" g="0" b="0"/>
+      </a:effectRef>
+      <a:fontRef idx="minor"/>
+    </dgm:style>
+  </dgm:styleLbl>
+  <dgm:styleLbl name="fgAcc2">
+    <dgm:scene3d>
+      <a:camera prst="orthographicFront"/>
+      <a:lightRig rig="threePt" dir="t"/>
+    </dgm:scene3d>
+    <dgm:sp3d/>
+    <dgm:txPr/>
+    <dgm:style>
+      <a:lnRef idx="2">
+        <a:scrgbClr r="0" g="0" b="0"/>
+      </a:lnRef>
+      <a:fillRef idx="1">
+        <a:scrgbClr r="0" g="0" b="0"/>
+      </a:fillRef>
+      <a:effectRef idx="0">
+        <a:scrgbClr r="0" g="0" b="0"/>
+      </a:effectRef>
+      <a:fontRef idx="minor"/>
+    </dgm:style>
+  </dgm:styleLbl>
+  <dgm:styleLbl name="fgAcc3">
+    <dgm:scene3d>
+      <a:camera prst="orthographicFront"/>
+      <a:lightRig rig="threePt" dir="t"/>
+    </dgm:scene3d>
+    <dgm:sp3d/>
+    <dgm:txPr/>
+    <dgm:style>
+      <a:lnRef idx="2">
+        <a:scrgbClr r="0" g="0" b="0"/>
+      </a:lnRef>
+      <a:fillRef idx="1">
+        <a:scrgbClr r="0" g="0" b="0"/>
+      </a:fillRef>
+      <a:effectRef idx="0">
+        <a:scrgbClr r="0" g="0" b="0"/>
+      </a:effectRef>
+      <a:fontRef idx="minor"/>
+    </dgm:style>
+  </dgm:styleLbl>
+  <dgm:styleLbl name="fgAcc4">
+    <dgm:scene3d>
+      <a:camera prst="orthographicFront"/>
+      <a:lightRig rig="threePt" dir="t"/>
+    </dgm:scene3d>
+    <dgm:sp3d/>
+    <dgm:txPr/>
+    <dgm:style>
+      <a:lnRef idx="2">
+        <a:scrgbClr r="0" g="0" b="0"/>
+      </a:lnRef>
+      <a:fillRef idx="1">
+        <a:scrgbClr r="0" g="0" b="0"/>
+      </a:fillRef>
+      <a:effectRef idx="0">
+        <a:scrgbClr r="0" g="0" b="0"/>
+      </a:effectRef>
+      <a:fontRef idx="minor"/>
+    </dgm:style>
+  </dgm:styleLbl>
+  <dgm:styleLbl name="bgShp">
+    <dgm:scene3d>
+      <a:camera prst="orthographicFront"/>
+      <a:lightRig rig="threePt" dir="t"/>
+    </dgm:scene3d>
+    <dgm:sp3d/>
+    <dgm:txPr/>
+    <dgm:style>
+      <a:lnRef idx="0">
+        <a:scrgbClr r="0" g="0" b="0"/>
+      </a:lnRef>
+      <a:fillRef idx="1">
+        <a:scrgbClr r="0" g="0" b="0"/>
+      </a:fillRef>
+      <a:effectRef idx="0">
+        <a:scrgbClr r="0" g="0" b="0"/>
+      </a:effectRef>
+      <a:fontRef idx="minor"/>
+    </dgm:style>
+  </dgm:styleLbl>
+  <dgm:styleLbl name="dkBgShp">
+    <dgm:scene3d>
+      <a:camera prst="orthographicFront"/>
+      <a:lightRig rig="threePt" dir="t"/>
+    </dgm:scene3d>
+    <dgm:sp3d/>
+    <dgm:txPr/>
+    <dgm:style>
+      <a:lnRef idx="0">
+        <a:scrgbClr r="0" g="0" b="0"/>
+      </a:lnRef>
+      <a:fillRef idx="1">
+        <a:scrgbClr r="0" g="0" b="0"/>
+      </a:fillRef>
+      <a:effectRef idx="0">
+        <a:scrgbClr r="0" g="0" b="0"/>
+      </a:effectRef>
+      <a:fontRef idx="minor"/>
+    </dgm:style>
+  </dgm:styleLbl>
+  <dgm:styleLbl name="trBgShp">
+    <dgm:scene3d>
+      <a:camera prst="orthographicFront"/>
+      <a:lightRig rig="threePt" dir="t"/>
+    </dgm:scene3d>
+    <dgm:sp3d/>
+    <dgm:txPr/>
+    <dgm:style>
+      <a:lnRef idx="0">
+        <a:scrgbClr r="0" g="0" b="0"/>
+      </a:lnRef>
+      <a:fillRef idx="1">
+        <a:scrgbClr r="0" g="0" b="0"/>
+      </a:fillRef>
+      <a:effectRef idx="0">
+        <a:scrgbClr r="0" g="0" b="0"/>
+      </a:effectRef>
+      <a:fontRef idx="minor"/>
+    </dgm:style>
+  </dgm:styleLbl>
+  <dgm:styleLbl name="fgShp">
+    <dgm:scene3d>
+      <a:camera prst="orthographicFront"/>
+      <a:lightRig rig="threePt" dir="t"/>
+    </dgm:scene3d>
+    <dgm:sp3d/>
+    <dgm:txPr/>
+    <dgm:style>
+      <a:lnRef idx="2">
+        <a:scrgbClr r="0" g="0" b="0"/>
+      </a:lnRef>
+      <a:fillRef idx="1">
+        <a:scrgbClr r="0" g="0" b="0"/>
+      </a:fillRef>
+      <a:effectRef idx="0">
+        <a:scrgbClr r="0" g="0" b="0"/>
+      </a:effectRef>
+      <a:fontRef idx="minor"/>
+    </dgm:style>
+  </dgm:styleLbl>
+  <dgm:styleLbl name="revTx">
+    <dgm:scene3d>
+      <a:camera prst="orthographicFront"/>
+      <a:lightRig rig="threePt" dir="t"/>
+    </dgm:scene3d>
+    <dgm:sp3d/>
+    <dgm:txPr/>
+    <dgm:style>
+      <a:lnRef idx="0">
+        <a:scrgbClr r="0" g="0" b="0"/>
+      </a:lnRef>
+      <a:fillRef idx="0">
+        <a:scrgbClr r="0" g="0" b="0"/>
+      </a:fillRef>
+      <a:effectRef idx="0">
+        <a:scrgbClr r="0" g="0" b="0"/>
+      </a:effectRef>
+      <a:fontRef idx="minor"/>
+    </dgm:style>
+  </dgm:styleLbl>
+</dgm:styleDef>
+</file>
+
+<file path=ppt/notesMasters/notesMaster1.xml><?xml version="1.0" encoding="utf-8"?>
+<p:notesMaster xmlns:a="http://schemas.openxmlformats.org/drawingml/2006/main" xmlns:r="http://schemas.openxmlformats.org/officeDocument/2006/relationships" xmlns:p="http://schemas.openxmlformats.org/presentationml/2006/main">
+  <p:cSld>
+    <p:bg>
+      <p:bgRef idx="1001">
+        <a:schemeClr val="bg1"/>
+      </p:bgRef>
+    </p:bg>
+    <p:spTree>
+      <p:nvGrpSpPr>
+        <p:cNvPr id="1" name=""/>
+        <p:cNvGrpSpPr/>
+        <p:nvPr/>
+      </p:nvGrpSpPr>
+      <p:grpSpPr>
+        <a:xfrm>
+          <a:off x="0" y="0"/>
+          <a:ext cx="0" cy="0"/>
+          <a:chOff x="0" y="0"/>
+          <a:chExt cx="0" cy="0"/>
+        </a:xfrm>
+      </p:grpSpPr>
+      <p:sp>
+        <p:nvSpPr>
+          <p:cNvPr id="2" name="Kopfzeilenplatzhalter 1"/>
+          <p:cNvSpPr>
+            <a:spLocks noGrp="1"/>
+          </p:cNvSpPr>
+          <p:nvPr>
+            <p:ph type="hdr" sz="quarter"/>
+          </p:nvPr>
+        </p:nvSpPr>
+        <p:spPr>
+          <a:xfrm>
+            <a:off x="0" y="0"/>
+            <a:ext cx="2971800" cy="457200"/>
+          </a:xfrm>
+          <a:prstGeom prst="rect">
+            <a:avLst/>
+          </a:prstGeom>
+        </p:spPr>
+        <p:txBody>
+          <a:bodyPr vert="horz" lIns="91440" tIns="45720" rIns="91440" bIns="45720" rtlCol="0"/>
+          <a:lstStyle>
+            <a:lvl1pPr algn="l">
+              <a:defRPr sz="1200"/>
+            </a:lvl1pPr>
+          </a:lstStyle>
+          <a:p>
+            <a:endParaRPr lang="de-DE"/>
+          </a:p>
+        </p:txBody>
+      </p:sp>
+      <p:sp>
+        <p:nvSpPr>
+          <p:cNvPr id="3" name="Datumsplatzhalter 2"/>
+          <p:cNvSpPr>
+            <a:spLocks noGrp="1"/>
+          </p:cNvSpPr>
+          <p:nvPr>
+            <p:ph type="dt" idx="1"/>
+          </p:nvPr>
+        </p:nvSpPr>
+        <p:spPr>
+          <a:xfrm>
+            <a:off x="3884613" y="0"/>
+            <a:ext cx="2971800" cy="457200"/>
+          </a:xfrm>
+          <a:prstGeom prst="rect">
+            <a:avLst/>
+          </a:prstGeom>
+        </p:spPr>
+        <p:txBody>
+          <a:bodyPr vert="horz" lIns="91440" tIns="45720" rIns="91440" bIns="45720" rtlCol="0"/>
+          <a:lstStyle>
+            <a:lvl1pPr algn="r">
+              <a:defRPr sz="1200"/>
+            </a:lvl1pPr>
+          </a:lstStyle>
+          <a:p>
+            <a:fld id="{F4B90EF7-BB12-4174-8E78-3050A209DE8F}" type="datetimeFigureOut">
+              <a:rPr lang="de-DE" smtClean="0"/>
+              <a:pPr/>
+              <a:t>03.07.2017</a:t>
+            </a:fld>
+            <a:endParaRPr lang="de-DE"/>
+          </a:p>
+        </p:txBody>
+      </p:sp>
+      <p:sp>
+        <p:nvSpPr>
+          <p:cNvPr id="4" name="Folienbildplatzhalter 3"/>
+          <p:cNvSpPr>
+            <a:spLocks noGrp="1" noRot="1" noChangeAspect="1"/>
+          </p:cNvSpPr>
+          <p:nvPr>
+            <p:ph type="sldImg" idx="2"/>
+          </p:nvPr>
+        </p:nvSpPr>
+        <p:spPr>
+          <a:xfrm>
+            <a:off x="-323850" y="685800"/>
+            <a:ext cx="7505700" cy="3429000"/>
+          </a:xfrm>
+          <a:prstGeom prst="rect">
+            <a:avLst/>
+          </a:prstGeom>
+          <a:noFill/>
+          <a:ln w="12700">
+            <a:solidFill>
+              <a:prstClr val="black"/>
+            </a:solidFill>
+          </a:ln>
+        </p:spPr>
+        <p:txBody>
+          <a:bodyPr vert="horz" lIns="91440" tIns="45720" rIns="91440" bIns="45720" rtlCol="0" anchor="ctr"/>
+          <a:lstStyle/>
+          <a:p>
+            <a:endParaRPr lang="de-DE"/>
+          </a:p>
+        </p:txBody>
+      </p:sp>
+      <p:sp>
+        <p:nvSpPr>
+          <p:cNvPr id="5" name="Notizenplatzhalter 4"/>
+          <p:cNvSpPr>
+            <a:spLocks noGrp="1"/>
+          </p:cNvSpPr>
+          <p:nvPr>
+            <p:ph type="body" sz="quarter" idx="3"/>
+          </p:nvPr>
+        </p:nvSpPr>
+        <p:spPr>
+          <a:xfrm>
+            <a:off x="685800" y="4343400"/>
+            <a:ext cx="5486400" cy="4114800"/>
+          </a:xfrm>
+          <a:prstGeom prst="rect">
+            <a:avLst/>
+          </a:prstGeom>
+        </p:spPr>
+        <p:txBody>
+          <a:bodyPr vert="horz" lIns="91440" tIns="45720" rIns="91440" bIns="45720" rtlCol="0">
+            <a:normAutofit/>
+          </a:bodyPr>
+          <a:lstStyle/>
+          <a:p>
+            <a:pPr lvl="0"/>
+            <a:r>
+              <a:rPr lang="de-DE" smtClean="0"/>
+              <a:t>Textmasterformate durch Klicken bearbeiten</a:t>
+            </a:r>
+          </a:p>
+          <a:p>
+            <a:pPr lvl="1"/>
+            <a:r>
+              <a:rPr lang="de-DE" smtClean="0"/>
+              <a:t>Zweite Ebene</a:t>
+            </a:r>
+          </a:p>
+          <a:p>
+            <a:pPr lvl="2"/>
+            <a:r>
+              <a:rPr lang="de-DE" smtClean="0"/>
+              <a:t>Dritte Ebene</a:t>
+            </a:r>
+          </a:p>
+          <a:p>
+            <a:pPr lvl="3"/>
+            <a:r>
+              <a:rPr lang="de-DE" smtClean="0"/>
+              <a:t>Vierte Ebene</a:t>
+            </a:r>
+          </a:p>
+          <a:p>
+            <a:pPr lvl="4"/>
+            <a:r>
+              <a:rPr lang="de-DE" smtClean="0"/>
+              <a:t>Fünfte Ebene</a:t>
+            </a:r>
+            <a:endParaRPr lang="de-DE"/>
+          </a:p>
+        </p:txBody>
+      </p:sp>
+      <p:sp>
+        <p:nvSpPr>
+          <p:cNvPr id="6" name="Fußzeilenplatzhalter 5"/>
+          <p:cNvSpPr>
+            <a:spLocks noGrp="1"/>
+          </p:cNvSpPr>
+          <p:nvPr>
+            <p:ph type="ftr" sz="quarter" idx="4"/>
+          </p:nvPr>
+        </p:nvSpPr>
+        <p:spPr>
+          <a:xfrm>
+            <a:off x="0" y="8685213"/>
+            <a:ext cx="2971800" cy="457200"/>
+          </a:xfrm>
+          <a:prstGeom prst="rect">
+            <a:avLst/>
+          </a:prstGeom>
+        </p:spPr>
+        <p:txBody>
+          <a:bodyPr vert="horz" lIns="91440" tIns="45720" rIns="91440" bIns="45720" rtlCol="0" anchor="b"/>
+          <a:lstStyle>
+            <a:lvl1pPr algn="l">
+              <a:defRPr sz="1200"/>
+            </a:lvl1pPr>
+          </a:lstStyle>
+          <a:p>
+            <a:endParaRPr lang="de-DE"/>
+          </a:p>
+        </p:txBody>
+      </p:sp>
+      <p:sp>
+        <p:nvSpPr>
+          <p:cNvPr id="7" name="Foliennummernplatzhalter 6"/>
+          <p:cNvSpPr>
+            <a:spLocks noGrp="1"/>
+          </p:cNvSpPr>
+          <p:nvPr>
+            <p:ph type="sldNum" sz="quarter" idx="5"/>
+          </p:nvPr>
+        </p:nvSpPr>
+        <p:spPr>
+          <a:xfrm>
+            <a:off x="3884613" y="8685213"/>
+            <a:ext cx="2971800" cy="457200"/>
+          </a:xfrm>
+          <a:prstGeom prst="rect">
+            <a:avLst/>
+          </a:prstGeom>
+        </p:spPr>
+        <p:txBody>
+          <a:bodyPr vert="horz" lIns="91440" tIns="45720" rIns="91440" bIns="45720" rtlCol="0" anchor="b"/>
+          <a:lstStyle>
+            <a:lvl1pPr algn="r">
+              <a:defRPr sz="1200"/>
+            </a:lvl1pPr>
+          </a:lstStyle>
+          <a:p>
+            <a:fld id="{FD4F6F16-A4A9-48CB-84F1-DC17FD0163F2}" type="slidenum">
+              <a:rPr lang="de-DE" smtClean="0"/>
+              <a:pPr/>
+              <a:t>‹Nr.›</a:t>
+            </a:fld>
+            <a:endParaRPr lang="de-DE"/>
+          </a:p>
+        </p:txBody>
+      </p:sp>
+    </p:spTree>
+  </p:cSld>
+  <p:clrMap bg1="lt1" tx1="dk1" bg2="lt2" tx2="dk2" accent1="accent1" accent2="accent2" accent3="accent3" accent4="accent4" accent5="accent5" accent6="accent6" hlink="hlink" folHlink="folHlink"/>
+  <p:notesStyle>
+    <a:lvl1pPr marL="0" algn="l" defTabSz="914400" rtl="0" eaLnBrk="1" latinLnBrk="0" hangingPunct="1">
+      <a:defRPr sz="1200" kern="1200">
+        <a:solidFill>
+          <a:schemeClr val="tx1"/>
+        </a:solidFill>
+        <a:latin typeface="+mn-lt"/>
+        <a:ea typeface="+mn-ea"/>
+        <a:cs typeface="+mn-cs"/>
+      </a:defRPr>
+    </a:lvl1pPr>
+    <a:lvl2pPr marL="457200" algn="l" defTabSz="914400" rtl="0" eaLnBrk="1" latinLnBrk="0" hangingPunct="1">
+      <a:defRPr sz="1200" kern="1200">
+        <a:solidFill>
+          <a:schemeClr val="tx1"/>
+        </a:solidFill>
+        <a:latin typeface="+mn-lt"/>
+        <a:ea typeface="+mn-ea"/>
+        <a:cs typeface="+mn-cs"/>
+      </a:defRPr>
+    </a:lvl2pPr>
+    <a:lvl3pPr marL="914400" algn="l" defTabSz="914400" rtl="0" eaLnBrk="1" latinLnBrk="0" hangingPunct="1">
+      <a:defRPr sz="1200" kern="1200">
+        <a:solidFill>
+          <a:schemeClr val="tx1"/>
+        </a:solidFill>
+        <a:latin typeface="+mn-lt"/>
+        <a:ea typeface="+mn-ea"/>
+        <a:cs typeface="+mn-cs"/>
+      </a:defRPr>
+    </a:lvl3pPr>
+    <a:lvl4pPr marL="1371600" algn="l" defTabSz="914400" rtl="0" eaLnBrk="1" latinLnBrk="0" hangingPunct="1">
+      <a:defRPr sz="1200" kern="1200">
+        <a:solidFill>
+          <a:schemeClr val="tx1"/>
+        </a:solidFill>
+        <a:latin typeface="+mn-lt"/>
+        <a:ea typeface="+mn-ea"/>
+        <a:cs typeface="+mn-cs"/>
+      </a:defRPr>
+    </a:lvl4pPr>
+    <a:lvl5pPr marL="1828800" algn="l" defTabSz="914400" rtl="0" eaLnBrk="1" latinLnBrk="0" hangingPunct="1">
+      <a:defRPr sz="1200" kern="1200">
+        <a:solidFill>
+          <a:schemeClr val="tx1"/>
+        </a:solidFill>
+        <a:latin typeface="+mn-lt"/>
+        <a:ea typeface="+mn-ea"/>
+        <a:cs typeface="+mn-cs"/>
+      </a:defRPr>
+    </a:lvl5pPr>
+    <a:lvl6pPr marL="2286000" algn="l" defTabSz="914400" rtl="0" eaLnBrk="1" latinLnBrk="0" hangingPunct="1">
+      <a:defRPr sz="1200" kern="1200">
+        <a:solidFill>
+          <a:schemeClr val="tx1"/>
+        </a:solidFill>
+        <a:latin typeface="+mn-lt"/>
+        <a:ea typeface="+mn-ea"/>
+        <a:cs typeface="+mn-cs"/>
+      </a:defRPr>
+    </a:lvl6pPr>
+    <a:lvl7pPr marL="2743200" algn="l" defTabSz="914400" rtl="0" eaLnBrk="1" latinLnBrk="0" hangingPunct="1">
+      <a:defRPr sz="1200" kern="1200">
+        <a:solidFill>
+          <a:schemeClr val="tx1"/>
+        </a:solidFill>
+        <a:latin typeface="+mn-lt"/>
+        <a:ea typeface="+mn-ea"/>
+        <a:cs typeface="+mn-cs"/>
+      </a:defRPr>
+    </a:lvl7pPr>
+    <a:lvl8pPr marL="3200400" algn="l" defTabSz="914400" rtl="0" eaLnBrk="1" latinLnBrk="0" hangingPunct="1">
+      <a:defRPr sz="1200" kern="1200">
+        <a:solidFill>
+          <a:schemeClr val="tx1"/>
+        </a:solidFill>
+        <a:latin typeface="+mn-lt"/>
+        <a:ea typeface="+mn-ea"/>
+        <a:cs typeface="+mn-cs"/>
+      </a:defRPr>
+    </a:lvl8pPr>
+    <a:lvl9pPr marL="3657600" algn="l" defTabSz="914400" rtl="0" eaLnBrk="1" latinLnBrk="0" hangingPunct="1">
+      <a:defRPr sz="1200" kern="1200">
+        <a:solidFill>
+          <a:schemeClr val="tx1"/>
+        </a:solidFill>
+        <a:latin typeface="+mn-lt"/>
+        <a:ea typeface="+mn-ea"/>
+        <a:cs typeface="+mn-cs"/>
+      </a:defRPr>
+    </a:lvl9pPr>
+  </p:notesStyle>
+</p:notesMaster>
+</file>
+
+<file path=ppt/notesSlides/notesSlide1.xml><?xml version="1.0" encoding="utf-8"?>
+<p:notes xmlns:a="http://schemas.openxmlformats.org/drawingml/2006/main" xmlns:r="http://schemas.openxmlformats.org/officeDocument/2006/relationships" xmlns:p="http://schemas.openxmlformats.org/presentationml/2006/main">
+  <p:cSld>
+    <p:spTree>
+      <p:nvGrpSpPr>
+        <p:cNvPr id="1" name=""/>
+        <p:cNvGrpSpPr/>
+        <p:nvPr/>
+      </p:nvGrpSpPr>
+      <p:grpSpPr>
+        <a:xfrm>
+          <a:off x="0" y="0"/>
+          <a:ext cx="0" cy="0"/>
+          <a:chOff x="0" y="0"/>
+          <a:chExt cx="0" cy="0"/>
+        </a:xfrm>
+      </p:grpSpPr>
+      <p:sp>
+        <p:nvSpPr>
+          <p:cNvPr id="2" name="Folienbildplatzhalter 1"/>
+          <p:cNvSpPr>
+            <a:spLocks noGrp="1" noRot="1" noChangeAspect="1"/>
+          </p:cNvSpPr>
+          <p:nvPr>
+            <p:ph type="sldImg"/>
+          </p:nvPr>
+        </p:nvSpPr>
+        <p:spPr/>
+      </p:sp>
+      <p:sp>
+        <p:nvSpPr>
+          <p:cNvPr id="3" name="Notizenplatzhalter 2"/>
+          <p:cNvSpPr>
+            <a:spLocks noGrp="1"/>
+          </p:cNvSpPr>
+          <p:nvPr>
+            <p:ph type="body" idx="1"/>
+          </p:nvPr>
+        </p:nvSpPr>
+        <p:spPr/>
+        <p:txBody>
+          <a:bodyPr>
+            <a:normAutofit/>
+          </a:bodyPr>
+          <a:lstStyle/>
+          <a:p>
+            <a:endParaRPr lang="de-DE"/>
+          </a:p>
+        </p:txBody>
+      </p:sp>
+      <p:sp>
+        <p:nvSpPr>
+          <p:cNvPr id="4" name="Foliennummernplatzhalter 3"/>
+          <p:cNvSpPr>
+            <a:spLocks noGrp="1"/>
+          </p:cNvSpPr>
+          <p:nvPr>
+            <p:ph type="sldNum" sz="quarter" idx="10"/>
+          </p:nvPr>
+        </p:nvSpPr>
+        <p:spPr/>
+        <p:txBody>
+          <a:bodyPr/>
+          <a:lstStyle/>
+          <a:p>
+            <a:fld id="{FD4F6F16-A4A9-48CB-84F1-DC17FD0163F2}" type="slidenum">
+              <a:rPr lang="de-DE" smtClean="0"/>
+              <a:pPr/>
+              <a:t>1</a:t>
+            </a:fld>
+            <a:endParaRPr lang="de-DE"/>
+          </a:p>
+        </p:txBody>
+      </p:sp>
+    </p:spTree>
+  </p:cSld>
+  <p:clrMapOvr>
+    <a:masterClrMapping/>
+  </p:clrMapOvr>
+</p:notes>
+</file>
+
+<file path=ppt/notesSlides/notesSlide2.xml><?xml version="1.0" encoding="utf-8"?>
+<p:notes xmlns:a="http://schemas.openxmlformats.org/drawingml/2006/main" xmlns:r="http://schemas.openxmlformats.org/officeDocument/2006/relationships" xmlns:p="http://schemas.openxmlformats.org/presentationml/2006/main">
+  <p:cSld>
+    <p:spTree>
+      <p:nvGrpSpPr>
+        <p:cNvPr id="1" name=""/>
+        <p:cNvGrpSpPr/>
+        <p:nvPr/>
+      </p:nvGrpSpPr>
+      <p:grpSpPr>
+        <a:xfrm>
+          <a:off x="0" y="0"/>
+          <a:ext cx="0" cy="0"/>
+          <a:chOff x="0" y="0"/>
+          <a:chExt cx="0" cy="0"/>
+        </a:xfrm>
+      </p:grpSpPr>
+      <p:sp>
+        <p:nvSpPr>
+          <p:cNvPr id="2" name="Folienbildplatzhalter 1"/>
+          <p:cNvSpPr>
+            <a:spLocks noGrp="1" noRot="1" noChangeAspect="1"/>
+          </p:cNvSpPr>
+          <p:nvPr>
+            <p:ph type="sldImg"/>
+          </p:nvPr>
+        </p:nvSpPr>
+        <p:spPr/>
+      </p:sp>
+      <p:sp>
+        <p:nvSpPr>
+          <p:cNvPr id="3" name="Notizenplatzhalter 2"/>
+          <p:cNvSpPr>
+            <a:spLocks noGrp="1"/>
+          </p:cNvSpPr>
+          <p:nvPr>
+            <p:ph type="body" idx="1"/>
+          </p:nvPr>
+        </p:nvSpPr>
+        <p:spPr/>
+        <p:txBody>
+          <a:bodyPr>
+            <a:normAutofit/>
+          </a:bodyPr>
+          <a:lstStyle/>
+          <a:p>
+            <a:endParaRPr lang="de-DE"/>
+          </a:p>
+        </p:txBody>
+      </p:sp>
+      <p:sp>
+        <p:nvSpPr>
+          <p:cNvPr id="4" name="Foliennummernplatzhalter 3"/>
+          <p:cNvSpPr>
+            <a:spLocks noGrp="1"/>
+          </p:cNvSpPr>
+          <p:nvPr>
+            <p:ph type="sldNum" sz="quarter" idx="10"/>
+          </p:nvPr>
+        </p:nvSpPr>
+        <p:spPr/>
+        <p:txBody>
+          <a:bodyPr/>
+          <a:lstStyle/>
+          <a:p>
+            <a:fld id="{FD4F6F16-A4A9-48CB-84F1-DC17FD0163F2}" type="slidenum">
+              <a:rPr lang="de-DE" smtClean="0"/>
+              <a:pPr/>
+              <a:t>2</a:t>
+            </a:fld>
+            <a:endParaRPr lang="de-DE"/>
+          </a:p>
+        </p:txBody>
+      </p:sp>
+    </p:spTree>
+  </p:cSld>
+  <p:clrMapOvr>
+    <a:masterClrMapping/>
+  </p:clrMapOvr>
+</p:notes>
+</file>
+
 <file path=ppt/slideLayouts/slideLayout1.xml><?xml version="1.0" encoding="utf-8"?>
 <p:sldLayout xmlns:a="http://schemas.openxmlformats.org/drawingml/2006/main" xmlns:r="http://schemas.openxmlformats.org/officeDocument/2006/relationships" xmlns:p="http://schemas.openxmlformats.org/presentationml/2006/main" type="title" preserve="1">
   <p:cSld name="Title Slide">
@@ -2962,7 +6137,8 @@
           <a:p>
             <a:fld id="{386DBA8E-C001-4E68-8804-59F1C445E801}" type="datetimeFigureOut">
               <a:rPr lang="en-US" smtClean="0"/>
-              <a:t>2/28/2017</a:t>
+              <a:pPr/>
+              <a:t>7/3/2017</a:t>
             </a:fld>
             <a:endParaRPr lang="en-US"/>
           </a:p>
@@ -3004,7 +6180,8 @@
           <a:p>
             <a:fld id="{A746E901-D716-41C0-9E0F-C60D13567B4A}" type="slidenum">
               <a:rPr lang="en-US" smtClean="0"/>
-              <a:t>‹#›</a:t>
+              <a:pPr/>
+              <a:t>‹Nr.›</a:t>
             </a:fld>
             <a:endParaRPr lang="en-US"/>
           </a:p>
@@ -3013,7 +6190,7 @@
     </p:spTree>
     <p:extLst>
       <p:ext uri="{BB962C8B-B14F-4D97-AF65-F5344CB8AC3E}">
-        <p14:creationId xmlns:p14="http://schemas.microsoft.com/office/powerpoint/2010/main" val="2863952165"/>
+        <p14:creationId xmlns="" xmlns:p14="http://schemas.microsoft.com/office/powerpoint/2010/main" val="2863952165"/>
       </p:ext>
     </p:extLst>
   </p:cSld>
@@ -3132,7 +6309,8 @@
           <a:p>
             <a:fld id="{386DBA8E-C001-4E68-8804-59F1C445E801}" type="datetimeFigureOut">
               <a:rPr lang="en-US" smtClean="0"/>
-              <a:t>2/28/2017</a:t>
+              <a:pPr/>
+              <a:t>7/3/2017</a:t>
             </a:fld>
             <a:endParaRPr lang="en-US"/>
           </a:p>
@@ -3174,7 +6352,8 @@
           <a:p>
             <a:fld id="{A746E901-D716-41C0-9E0F-C60D13567B4A}" type="slidenum">
               <a:rPr lang="en-US" smtClean="0"/>
-              <a:t>‹#›</a:t>
+              <a:pPr/>
+              <a:t>‹Nr.›</a:t>
             </a:fld>
             <a:endParaRPr lang="en-US"/>
           </a:p>
@@ -3183,7 +6362,7 @@
     </p:spTree>
     <p:extLst>
       <p:ext uri="{BB962C8B-B14F-4D97-AF65-F5344CB8AC3E}">
-        <p14:creationId xmlns:p14="http://schemas.microsoft.com/office/powerpoint/2010/main" val="2133585190"/>
+        <p14:creationId xmlns="" xmlns:p14="http://schemas.microsoft.com/office/powerpoint/2010/main" val="2133585190"/>
       </p:ext>
     </p:extLst>
   </p:cSld>
@@ -3312,7 +6491,8 @@
           <a:p>
             <a:fld id="{386DBA8E-C001-4E68-8804-59F1C445E801}" type="datetimeFigureOut">
               <a:rPr lang="en-US" smtClean="0"/>
-              <a:t>2/28/2017</a:t>
+              <a:pPr/>
+              <a:t>7/3/2017</a:t>
             </a:fld>
             <a:endParaRPr lang="en-US"/>
           </a:p>
@@ -3354,7 +6534,8 @@
           <a:p>
             <a:fld id="{A746E901-D716-41C0-9E0F-C60D13567B4A}" type="slidenum">
               <a:rPr lang="en-US" smtClean="0"/>
-              <a:t>‹#›</a:t>
+              <a:pPr/>
+              <a:t>‹Nr.›</a:t>
             </a:fld>
             <a:endParaRPr lang="en-US"/>
           </a:p>
@@ -3363,7 +6544,7 @@
     </p:spTree>
     <p:extLst>
       <p:ext uri="{BB962C8B-B14F-4D97-AF65-F5344CB8AC3E}">
-        <p14:creationId xmlns:p14="http://schemas.microsoft.com/office/powerpoint/2010/main" val="1606662952"/>
+        <p14:creationId xmlns="" xmlns:p14="http://schemas.microsoft.com/office/powerpoint/2010/main" val="1606662952"/>
       </p:ext>
     </p:extLst>
   </p:cSld>
@@ -3482,7 +6663,8 @@
           <a:p>
             <a:fld id="{386DBA8E-C001-4E68-8804-59F1C445E801}" type="datetimeFigureOut">
               <a:rPr lang="en-US" smtClean="0"/>
-              <a:t>2/28/2017</a:t>
+              <a:pPr/>
+              <a:t>7/3/2017</a:t>
             </a:fld>
             <a:endParaRPr lang="en-US"/>
           </a:p>
@@ -3524,7 +6706,8 @@
           <a:p>
             <a:fld id="{A746E901-D716-41C0-9E0F-C60D13567B4A}" type="slidenum">
               <a:rPr lang="en-US" smtClean="0"/>
-              <a:t>‹#›</a:t>
+              <a:pPr/>
+              <a:t>‹Nr.›</a:t>
             </a:fld>
             <a:endParaRPr lang="en-US"/>
           </a:p>
@@ -3533,7 +6716,7 @@
     </p:spTree>
     <p:extLst>
       <p:ext uri="{BB962C8B-B14F-4D97-AF65-F5344CB8AC3E}">
-        <p14:creationId xmlns:p14="http://schemas.microsoft.com/office/powerpoint/2010/main" val="2705505806"/>
+        <p14:creationId xmlns="" xmlns:p14="http://schemas.microsoft.com/office/powerpoint/2010/main" val="2705505806"/>
       </p:ext>
     </p:extLst>
   </p:cSld>
@@ -3728,7 +6911,8 @@
           <a:p>
             <a:fld id="{386DBA8E-C001-4E68-8804-59F1C445E801}" type="datetimeFigureOut">
               <a:rPr lang="en-US" smtClean="0"/>
-              <a:t>2/28/2017</a:t>
+              <a:pPr/>
+              <a:t>7/3/2017</a:t>
             </a:fld>
             <a:endParaRPr lang="en-US"/>
           </a:p>
@@ -3770,7 +6954,8 @@
           <a:p>
             <a:fld id="{A746E901-D716-41C0-9E0F-C60D13567B4A}" type="slidenum">
               <a:rPr lang="en-US" smtClean="0"/>
-              <a:t>‹#›</a:t>
+              <a:pPr/>
+              <a:t>‹Nr.›</a:t>
             </a:fld>
             <a:endParaRPr lang="en-US"/>
           </a:p>
@@ -3779,7 +6964,7 @@
     </p:spTree>
     <p:extLst>
       <p:ext uri="{BB962C8B-B14F-4D97-AF65-F5344CB8AC3E}">
-        <p14:creationId xmlns:p14="http://schemas.microsoft.com/office/powerpoint/2010/main" val="238253875"/>
+        <p14:creationId xmlns="" xmlns:p14="http://schemas.microsoft.com/office/powerpoint/2010/main" val="238253875"/>
       </p:ext>
     </p:extLst>
   </p:cSld>
@@ -4016,7 +7201,8 @@
           <a:p>
             <a:fld id="{386DBA8E-C001-4E68-8804-59F1C445E801}" type="datetimeFigureOut">
               <a:rPr lang="en-US" smtClean="0"/>
-              <a:t>2/28/2017</a:t>
+              <a:pPr/>
+              <a:t>7/3/2017</a:t>
             </a:fld>
             <a:endParaRPr lang="en-US"/>
           </a:p>
@@ -4058,7 +7244,8 @@
           <a:p>
             <a:fld id="{A746E901-D716-41C0-9E0F-C60D13567B4A}" type="slidenum">
               <a:rPr lang="en-US" smtClean="0"/>
-              <a:t>‹#›</a:t>
+              <a:pPr/>
+              <a:t>‹Nr.›</a:t>
             </a:fld>
             <a:endParaRPr lang="en-US"/>
           </a:p>
@@ -4067,7 +7254,7 @@
     </p:spTree>
     <p:extLst>
       <p:ext uri="{BB962C8B-B14F-4D97-AF65-F5344CB8AC3E}">
-        <p14:creationId xmlns:p14="http://schemas.microsoft.com/office/powerpoint/2010/main" val="3259131391"/>
+        <p14:creationId xmlns="" xmlns:p14="http://schemas.microsoft.com/office/powerpoint/2010/main" val="3259131391"/>
       </p:ext>
     </p:extLst>
   </p:cSld>
@@ -4443,7 +7630,8 @@
           <a:p>
             <a:fld id="{386DBA8E-C001-4E68-8804-59F1C445E801}" type="datetimeFigureOut">
               <a:rPr lang="en-US" smtClean="0"/>
-              <a:t>2/28/2017</a:t>
+              <a:pPr/>
+              <a:t>7/3/2017</a:t>
             </a:fld>
             <a:endParaRPr lang="en-US"/>
           </a:p>
@@ -4485,7 +7673,8 @@
           <a:p>
             <a:fld id="{A746E901-D716-41C0-9E0F-C60D13567B4A}" type="slidenum">
               <a:rPr lang="en-US" smtClean="0"/>
-              <a:t>‹#›</a:t>
+              <a:pPr/>
+              <a:t>‹Nr.›</a:t>
             </a:fld>
             <a:endParaRPr lang="en-US"/>
           </a:p>
@@ -4494,7 +7683,7 @@
     </p:spTree>
     <p:extLst>
       <p:ext uri="{BB962C8B-B14F-4D97-AF65-F5344CB8AC3E}">
-        <p14:creationId xmlns:p14="http://schemas.microsoft.com/office/powerpoint/2010/main" val="375435350"/>
+        <p14:creationId xmlns="" xmlns:p14="http://schemas.microsoft.com/office/powerpoint/2010/main" val="375435350"/>
       </p:ext>
     </p:extLst>
   </p:cSld>
@@ -4561,7 +7750,8 @@
           <a:p>
             <a:fld id="{386DBA8E-C001-4E68-8804-59F1C445E801}" type="datetimeFigureOut">
               <a:rPr lang="en-US" smtClean="0"/>
-              <a:t>2/28/2017</a:t>
+              <a:pPr/>
+              <a:t>7/3/2017</a:t>
             </a:fld>
             <a:endParaRPr lang="en-US"/>
           </a:p>
@@ -4603,7 +7793,8 @@
           <a:p>
             <a:fld id="{A746E901-D716-41C0-9E0F-C60D13567B4A}" type="slidenum">
               <a:rPr lang="en-US" smtClean="0"/>
-              <a:t>‹#›</a:t>
+              <a:pPr/>
+              <a:t>‹Nr.›</a:t>
             </a:fld>
             <a:endParaRPr lang="en-US"/>
           </a:p>
@@ -4612,7 +7803,7 @@
     </p:spTree>
     <p:extLst>
       <p:ext uri="{BB962C8B-B14F-4D97-AF65-F5344CB8AC3E}">
-        <p14:creationId xmlns:p14="http://schemas.microsoft.com/office/powerpoint/2010/main" val="1696591400"/>
+        <p14:creationId xmlns="" xmlns:p14="http://schemas.microsoft.com/office/powerpoint/2010/main" val="1696591400"/>
       </p:ext>
     </p:extLst>
   </p:cSld>
@@ -4656,7 +7847,8 @@
           <a:p>
             <a:fld id="{386DBA8E-C001-4E68-8804-59F1C445E801}" type="datetimeFigureOut">
               <a:rPr lang="en-US" smtClean="0"/>
-              <a:t>2/28/2017</a:t>
+              <a:pPr/>
+              <a:t>7/3/2017</a:t>
             </a:fld>
             <a:endParaRPr lang="en-US"/>
           </a:p>
@@ -4698,7 +7890,8 @@
           <a:p>
             <a:fld id="{A746E901-D716-41C0-9E0F-C60D13567B4A}" type="slidenum">
               <a:rPr lang="en-US" smtClean="0"/>
-              <a:t>‹#›</a:t>
+              <a:pPr/>
+              <a:t>‹Nr.›</a:t>
             </a:fld>
             <a:endParaRPr lang="en-US"/>
           </a:p>
@@ -4707,7 +7900,7 @@
     </p:spTree>
     <p:extLst>
       <p:ext uri="{BB962C8B-B14F-4D97-AF65-F5344CB8AC3E}">
-        <p14:creationId xmlns:p14="http://schemas.microsoft.com/office/powerpoint/2010/main" val="2675070685"/>
+        <p14:creationId xmlns="" xmlns:p14="http://schemas.microsoft.com/office/powerpoint/2010/main" val="2675070685"/>
       </p:ext>
     </p:extLst>
   </p:cSld>
@@ -4933,7 +8126,8 @@
           <a:p>
             <a:fld id="{386DBA8E-C001-4E68-8804-59F1C445E801}" type="datetimeFigureOut">
               <a:rPr lang="en-US" smtClean="0"/>
-              <a:t>2/28/2017</a:t>
+              <a:pPr/>
+              <a:t>7/3/2017</a:t>
             </a:fld>
             <a:endParaRPr lang="en-US"/>
           </a:p>
@@ -4975,7 +8169,8 @@
           <a:p>
             <a:fld id="{A746E901-D716-41C0-9E0F-C60D13567B4A}" type="slidenum">
               <a:rPr lang="en-US" smtClean="0"/>
-              <a:t>‹#›</a:t>
+              <a:pPr/>
+              <a:t>‹Nr.›</a:t>
             </a:fld>
             <a:endParaRPr lang="en-US"/>
           </a:p>
@@ -4984,7 +8179,7 @@
     </p:spTree>
     <p:extLst>
       <p:ext uri="{BB962C8B-B14F-4D97-AF65-F5344CB8AC3E}">
-        <p14:creationId xmlns:p14="http://schemas.microsoft.com/office/powerpoint/2010/main" val="371003852"/>
+        <p14:creationId xmlns="" xmlns:p14="http://schemas.microsoft.com/office/powerpoint/2010/main" val="371003852"/>
       </p:ext>
     </p:extLst>
   </p:cSld>
@@ -5186,7 +8381,8 @@
           <a:p>
             <a:fld id="{386DBA8E-C001-4E68-8804-59F1C445E801}" type="datetimeFigureOut">
               <a:rPr lang="en-US" smtClean="0"/>
-              <a:t>2/28/2017</a:t>
+              <a:pPr/>
+              <a:t>7/3/2017</a:t>
             </a:fld>
             <a:endParaRPr lang="en-US"/>
           </a:p>
@@ -5228,7 +8424,8 @@
           <a:p>
             <a:fld id="{A746E901-D716-41C0-9E0F-C60D13567B4A}" type="slidenum">
               <a:rPr lang="en-US" smtClean="0"/>
-              <a:t>‹#›</a:t>
+              <a:pPr/>
+              <a:t>‹Nr.›</a:t>
             </a:fld>
             <a:endParaRPr lang="en-US"/>
           </a:p>
@@ -5237,7 +8434,7 @@
     </p:spTree>
     <p:extLst>
       <p:ext uri="{BB962C8B-B14F-4D97-AF65-F5344CB8AC3E}">
-        <p14:creationId xmlns:p14="http://schemas.microsoft.com/office/powerpoint/2010/main" val="3653087689"/>
+        <p14:creationId xmlns="" xmlns:p14="http://schemas.microsoft.com/office/powerpoint/2010/main" val="3653087689"/>
       </p:ext>
     </p:extLst>
   </p:cSld>
@@ -5399,7 +8596,8 @@
           <a:p>
             <a:fld id="{386DBA8E-C001-4E68-8804-59F1C445E801}" type="datetimeFigureOut">
               <a:rPr lang="en-US" smtClean="0"/>
-              <a:t>2/28/2017</a:t>
+              <a:pPr/>
+              <a:t>7/3/2017</a:t>
             </a:fld>
             <a:endParaRPr lang="en-US"/>
           </a:p>
@@ -5477,7 +8675,8 @@
           <a:p>
             <a:fld id="{A746E901-D716-41C0-9E0F-C60D13567B4A}" type="slidenum">
               <a:rPr lang="en-US" smtClean="0"/>
-              <a:t>‹#›</a:t>
+              <a:pPr/>
+              <a:t>‹Nr.›</a:t>
             </a:fld>
             <a:endParaRPr lang="en-US"/>
           </a:p>
@@ -5486,7 +8685,7 @@
     </p:spTree>
     <p:extLst>
       <p:ext uri="{BB962C8B-B14F-4D97-AF65-F5344CB8AC3E}">
-        <p14:creationId xmlns:p14="http://schemas.microsoft.com/office/powerpoint/2010/main" val="2762370001"/>
+        <p14:creationId xmlns="" xmlns:p14="http://schemas.microsoft.com/office/powerpoint/2010/main" val="2762370001"/>
       </p:ext>
     </p:extLst>
   </p:cSld>
@@ -5760,6 +8959,770 @@
 <file path=ppt/slides/slide1.xml><?xml version="1.0" encoding="utf-8"?>
 <p:sld xmlns:a="http://schemas.openxmlformats.org/drawingml/2006/main" xmlns:r="http://schemas.openxmlformats.org/officeDocument/2006/relationships" xmlns:p="http://schemas.openxmlformats.org/presentationml/2006/main">
   <p:cSld>
+    <p:bg>
+      <p:bgPr>
+        <a:solidFill>
+          <a:schemeClr val="tx1"/>
+        </a:solidFill>
+        <a:effectLst/>
+      </p:bgPr>
+    </p:bg>
+    <p:spTree>
+      <p:nvGrpSpPr>
+        <p:cNvPr id="1" name=""/>
+        <p:cNvGrpSpPr/>
+        <p:nvPr/>
+      </p:nvGrpSpPr>
+      <p:grpSpPr>
+        <a:xfrm>
+          <a:off x="0" y="0"/>
+          <a:ext cx="0" cy="0"/>
+          <a:chOff x="0" y="0"/>
+          <a:chExt cx="0" cy="0"/>
+        </a:xfrm>
+      </p:grpSpPr>
+      <p:sp>
+        <p:nvSpPr>
+          <p:cNvPr id="4" name="Rectangle 3"/>
+          <p:cNvSpPr/>
+          <p:nvPr/>
+        </p:nvSpPr>
+        <p:spPr>
+          <a:xfrm>
+            <a:off x="-324123" y="683840"/>
+            <a:ext cx="6724322" cy="1257639"/>
+          </a:xfrm>
+          <a:prstGeom prst="roundRect">
+            <a:avLst>
+              <a:gd name="adj" fmla="val 4379"/>
+            </a:avLst>
+          </a:prstGeom>
+          <a:solidFill>
+            <a:schemeClr val="bg1"/>
+          </a:solidFill>
+          <a:ln>
+            <a:noFill/>
+          </a:ln>
+        </p:spPr>
+        <p:style>
+          <a:lnRef idx="2">
+            <a:schemeClr val="accent2"/>
+          </a:lnRef>
+          <a:fillRef idx="1">
+            <a:schemeClr val="lt1"/>
+          </a:fillRef>
+          <a:effectRef idx="0">
+            <a:schemeClr val="accent2"/>
+          </a:effectRef>
+          <a:fontRef idx="minor">
+            <a:schemeClr val="dk1"/>
+          </a:fontRef>
+        </p:style>
+        <p:txBody>
+          <a:bodyPr lIns="91420" tIns="45712" rIns="91420" bIns="45712" rtlCol="0" anchor="ctr"/>
+          <a:lstStyle/>
+          <a:p>
+            <a:pPr algn="ctr"/>
+            <a:endParaRPr lang="en-US"/>
+          </a:p>
+        </p:txBody>
+      </p:sp>
+      <p:graphicFrame>
+        <p:nvGraphicFramePr>
+          <p:cNvPr id="5" name="Diagram 4"/>
+          <p:cNvGraphicFramePr/>
+          <p:nvPr>
+            <p:extLst>
+              <p:ext uri="{D42A27DB-BD31-4B8C-83A1-F6EECF244321}">
+                <p14:modId xmlns="" xmlns:p14="http://schemas.microsoft.com/office/powerpoint/2010/main" val="1167990110"/>
+              </p:ext>
+            </p:extLst>
+          </p:nvPr>
+        </p:nvGraphicFramePr>
+        <p:xfrm>
+          <a:off x="-251744" y="1509463"/>
+          <a:ext cx="6579935" cy="288001"/>
+        </p:xfrm>
+        <a:graphic>
+          <a:graphicData uri="http://schemas.openxmlformats.org/drawingml/2006/diagram">
+            <dgm:relIds xmlns:dgm="http://schemas.openxmlformats.org/drawingml/2006/diagram" xmlns:r="http://schemas.openxmlformats.org/officeDocument/2006/relationships" r:dm="rId3" r:lo="rId4" r:qs="rId5" r:cs="rId6"/>
+          </a:graphicData>
+        </a:graphic>
+      </p:graphicFrame>
+      <p:pic>
+        <p:nvPicPr>
+          <p:cNvPr id="17" name="Picture 3"/>
+          <p:cNvPicPr>
+            <a:picLocks noChangeAspect="1" noChangeArrowheads="1"/>
+          </p:cNvPicPr>
+          <p:nvPr/>
+        </p:nvPicPr>
+        <p:blipFill rotWithShape="1">
+          <a:blip r:embed="rId8" cstate="print">
+            <a:extLst>
+              <a:ext uri="{28A0092B-C50C-407E-A947-70E740481C1C}">
+                <a14:useLocalDpi xmlns="" xmlns:a14="http://schemas.microsoft.com/office/drawing/2010/main" val="0"/>
+              </a:ext>
+            </a:extLst>
+          </a:blip>
+          <a:srcRect/>
+          <a:stretch/>
+        </p:blipFill>
+        <p:spPr bwMode="auto">
+          <a:xfrm>
+            <a:off x="2781746" y="871289"/>
+            <a:ext cx="338481" cy="396000"/>
+          </a:xfrm>
+          <a:prstGeom prst="rect">
+            <a:avLst/>
+          </a:prstGeom>
+          <a:noFill/>
+          <a:ln>
+            <a:noFill/>
+          </a:ln>
+          <a:extLst>
+            <a:ext uri="{909E8E84-426E-40DD-AFC4-6F175D3DCCD1}">
+              <a14:hiddenFill xmlns="" xmlns:a14="http://schemas.microsoft.com/office/drawing/2010/main">
+                <a:solidFill>
+                  <a:schemeClr val="accent1"/>
+                </a:solidFill>
+              </a14:hiddenFill>
+            </a:ext>
+            <a:ext uri="{91240B29-F687-4F45-9708-019B960494DF}">
+              <a14:hiddenLine xmlns="" xmlns:a14="http://schemas.microsoft.com/office/drawing/2010/main" w="9525">
+                <a:solidFill>
+                  <a:schemeClr val="tx1"/>
+                </a:solidFill>
+                <a:miter lim="800000"/>
+                <a:headEnd/>
+                <a:tailEnd/>
+              </a14:hiddenLine>
+            </a:ext>
+          </a:extLst>
+        </p:spPr>
+      </p:pic>
+      <p:pic>
+        <p:nvPicPr>
+          <p:cNvPr id="21" name="Picture 22" descr="http://www.swtestacademy.com/wp-content/uploads/2016/03/eslint_logo.png"/>
+          <p:cNvPicPr>
+            <a:picLocks noChangeAspect="1" noChangeArrowheads="1"/>
+          </p:cNvPicPr>
+          <p:nvPr/>
+        </p:nvPicPr>
+        <p:blipFill rotWithShape="1">
+          <a:blip r:embed="rId9" cstate="print">
+            <a:extLst>
+              <a:ext uri="{28A0092B-C50C-407E-A947-70E740481C1C}">
+                <a14:useLocalDpi xmlns="" xmlns:a14="http://schemas.microsoft.com/office/drawing/2010/main" val="0"/>
+              </a:ext>
+            </a:extLst>
+          </a:blip>
+          <a:srcRect/>
+          <a:stretch/>
+        </p:blipFill>
+        <p:spPr bwMode="auto">
+          <a:xfrm>
+            <a:off x="1344781" y="883044"/>
+            <a:ext cx="358270" cy="360000"/>
+          </a:xfrm>
+          <a:prstGeom prst="rect">
+            <a:avLst/>
+          </a:prstGeom>
+          <a:noFill/>
+          <a:extLst>
+            <a:ext uri="{909E8E84-426E-40DD-AFC4-6F175D3DCCD1}">
+              <a14:hiddenFill xmlns="" xmlns:a14="http://schemas.microsoft.com/office/drawing/2010/main">
+                <a:solidFill>
+                  <a:srgbClr val="FFFFFF"/>
+                </a:solidFill>
+              </a14:hiddenFill>
+            </a:ext>
+          </a:extLst>
+        </p:spPr>
+      </p:pic>
+      <p:pic>
+        <p:nvPicPr>
+          <p:cNvPr id="22" name="Picture 24" descr="http://idangero.us/swiper/i/logo-f7.png"/>
+          <p:cNvPicPr>
+            <a:picLocks noChangeAspect="1" noChangeArrowheads="1"/>
+          </p:cNvPicPr>
+          <p:nvPr/>
+        </p:nvPicPr>
+        <p:blipFill>
+          <a:blip r:embed="rId10" cstate="print">
+            <a:extLst>
+              <a:ext uri="{28A0092B-C50C-407E-A947-70E740481C1C}">
+                <a14:useLocalDpi xmlns="" xmlns:a14="http://schemas.microsoft.com/office/drawing/2010/main" val="0"/>
+              </a:ext>
+            </a:extLst>
+          </a:blip>
+          <a:srcRect/>
+          <a:stretch>
+            <a:fillRect/>
+          </a:stretch>
+        </p:blipFill>
+        <p:spPr bwMode="auto">
+          <a:xfrm>
+            <a:off x="29587" y="879257"/>
+            <a:ext cx="360040" cy="360041"/>
+          </a:xfrm>
+          <a:prstGeom prst="rect">
+            <a:avLst/>
+          </a:prstGeom>
+          <a:noFill/>
+          <a:extLst>
+            <a:ext uri="{909E8E84-426E-40DD-AFC4-6F175D3DCCD1}">
+              <a14:hiddenFill xmlns="" xmlns:a14="http://schemas.microsoft.com/office/drawing/2010/main">
+                <a:solidFill>
+                  <a:srgbClr val="FFFFFF"/>
+                </a:solidFill>
+              </a14:hiddenFill>
+            </a:ext>
+          </a:extLst>
+        </p:spPr>
+      </p:pic>
+      <p:pic>
+        <p:nvPicPr>
+          <p:cNvPr id="23" name="Picture 26" descr="https://vuejs.org/images/logo.png"/>
+          <p:cNvPicPr>
+            <a:picLocks noChangeAspect="1" noChangeArrowheads="1"/>
+          </p:cNvPicPr>
+          <p:nvPr/>
+        </p:nvPicPr>
+        <p:blipFill>
+          <a:blip r:embed="rId11" cstate="print">
+            <a:extLst>
+              <a:ext uri="{28A0092B-C50C-407E-A947-70E740481C1C}">
+                <a14:useLocalDpi xmlns="" xmlns:a14="http://schemas.microsoft.com/office/drawing/2010/main" val="0"/>
+              </a:ext>
+            </a:extLst>
+          </a:blip>
+          <a:srcRect/>
+          <a:stretch>
+            <a:fillRect/>
+          </a:stretch>
+        </p:blipFill>
+        <p:spPr bwMode="auto">
+          <a:xfrm>
+            <a:off x="514593" y="879257"/>
+            <a:ext cx="360000" cy="360000"/>
+          </a:xfrm>
+          <a:prstGeom prst="rect">
+            <a:avLst/>
+          </a:prstGeom>
+          <a:noFill/>
+          <a:extLst>
+            <a:ext uri="{909E8E84-426E-40DD-AFC4-6F175D3DCCD1}">
+              <a14:hiddenFill xmlns="" xmlns:a14="http://schemas.microsoft.com/office/drawing/2010/main">
+                <a:solidFill>
+                  <a:srgbClr val="FFFFFF"/>
+                </a:solidFill>
+              </a14:hiddenFill>
+            </a:ext>
+          </a:extLst>
+        </p:spPr>
+      </p:pic>
+      <p:pic>
+        <p:nvPicPr>
+          <p:cNvPr id="24" name="Picture 28" descr="https://cdn.auth0.com/blog/converting-your-app-to-mobile/logo.png"/>
+          <p:cNvPicPr>
+            <a:picLocks noChangeAspect="1" noChangeArrowheads="1"/>
+          </p:cNvPicPr>
+          <p:nvPr/>
+        </p:nvPicPr>
+        <p:blipFill rotWithShape="1">
+          <a:blip r:embed="rId12" cstate="print">
+            <a:extLst>
+              <a:ext uri="{28A0092B-C50C-407E-A947-70E740481C1C}">
+                <a14:useLocalDpi xmlns="" xmlns:a14="http://schemas.microsoft.com/office/drawing/2010/main" val="0"/>
+              </a:ext>
+            </a:extLst>
+          </a:blip>
+          <a:srcRect/>
+          <a:stretch/>
+        </p:blipFill>
+        <p:spPr bwMode="auto">
+          <a:xfrm>
+            <a:off x="3250897" y="842358"/>
+            <a:ext cx="429687" cy="432000"/>
+          </a:xfrm>
+          <a:prstGeom prst="rect">
+            <a:avLst/>
+          </a:prstGeom>
+          <a:noFill/>
+          <a:extLst>
+            <a:ext uri="{909E8E84-426E-40DD-AFC4-6F175D3DCCD1}">
+              <a14:hiddenFill xmlns="" xmlns:a14="http://schemas.microsoft.com/office/drawing/2010/main">
+                <a:solidFill>
+                  <a:srgbClr val="FFFFFF"/>
+                </a:solidFill>
+              </a14:hiddenFill>
+            </a:ext>
+          </a:extLst>
+        </p:spPr>
+      </p:pic>
+      <p:sp>
+        <p:nvSpPr>
+          <p:cNvPr id="25" name="Chevron 1"/>
+          <p:cNvSpPr/>
+          <p:nvPr/>
+        </p:nvSpPr>
+        <p:spPr>
+          <a:xfrm>
+            <a:off x="1069449" y="845733"/>
+            <a:ext cx="112266" cy="447675"/>
+          </a:xfrm>
+          <a:prstGeom prst="chevron">
+            <a:avLst>
+              <a:gd name="adj" fmla="val 85273"/>
+            </a:avLst>
+          </a:prstGeom>
+          <a:solidFill>
+            <a:schemeClr val="accent1">
+              <a:lumMod val="20000"/>
+              <a:lumOff val="80000"/>
+            </a:schemeClr>
+          </a:solidFill>
+          <a:ln>
+            <a:noFill/>
+          </a:ln>
+        </p:spPr>
+        <p:style>
+          <a:lnRef idx="2">
+            <a:schemeClr val="accent1">
+              <a:shade val="50000"/>
+            </a:schemeClr>
+          </a:lnRef>
+          <a:fillRef idx="1">
+            <a:schemeClr val="accent1"/>
+          </a:fillRef>
+          <a:effectRef idx="0">
+            <a:schemeClr val="accent1"/>
+          </a:effectRef>
+          <a:fontRef idx="minor">
+            <a:schemeClr val="lt1"/>
+          </a:fontRef>
+        </p:style>
+        <p:txBody>
+          <a:bodyPr rtlCol="0" anchor="ctr"/>
+          <a:lstStyle/>
+          <a:p>
+            <a:pPr algn="ctr"/>
+            <a:endParaRPr lang="en-US">
+              <a:solidFill>
+                <a:schemeClr val="tx1"/>
+              </a:solidFill>
+            </a:endParaRPr>
+          </a:p>
+        </p:txBody>
+      </p:sp>
+      <p:sp>
+        <p:nvSpPr>
+          <p:cNvPr id="26" name="Chevron 18"/>
+          <p:cNvSpPr/>
+          <p:nvPr/>
+        </p:nvSpPr>
+        <p:spPr>
+          <a:xfrm>
+            <a:off x="2459826" y="845733"/>
+            <a:ext cx="112266" cy="447675"/>
+          </a:xfrm>
+          <a:prstGeom prst="chevron">
+            <a:avLst>
+              <a:gd name="adj" fmla="val 85273"/>
+            </a:avLst>
+          </a:prstGeom>
+          <a:solidFill>
+            <a:schemeClr val="accent1">
+              <a:lumMod val="20000"/>
+              <a:lumOff val="80000"/>
+            </a:schemeClr>
+          </a:solidFill>
+          <a:ln>
+            <a:noFill/>
+          </a:ln>
+        </p:spPr>
+        <p:style>
+          <a:lnRef idx="2">
+            <a:schemeClr val="accent1">
+              <a:shade val="50000"/>
+            </a:schemeClr>
+          </a:lnRef>
+          <a:fillRef idx="1">
+            <a:schemeClr val="accent1"/>
+          </a:fillRef>
+          <a:effectRef idx="0">
+            <a:schemeClr val="accent1"/>
+          </a:effectRef>
+          <a:fontRef idx="minor">
+            <a:schemeClr val="lt1"/>
+          </a:fontRef>
+        </p:style>
+        <p:txBody>
+          <a:bodyPr rtlCol="0" anchor="ctr"/>
+          <a:lstStyle/>
+          <a:p>
+            <a:pPr algn="ctr"/>
+            <a:endParaRPr lang="en-US">
+              <a:solidFill>
+                <a:schemeClr val="tx1"/>
+              </a:solidFill>
+            </a:endParaRPr>
+          </a:p>
+        </p:txBody>
+      </p:sp>
+      <p:sp>
+        <p:nvSpPr>
+          <p:cNvPr id="27" name="Chevron 19"/>
+          <p:cNvSpPr/>
+          <p:nvPr/>
+        </p:nvSpPr>
+        <p:spPr>
+          <a:xfrm>
+            <a:off x="3855853" y="845733"/>
+            <a:ext cx="112266" cy="447675"/>
+          </a:xfrm>
+          <a:prstGeom prst="chevron">
+            <a:avLst>
+              <a:gd name="adj" fmla="val 85273"/>
+            </a:avLst>
+          </a:prstGeom>
+          <a:solidFill>
+            <a:schemeClr val="accent1">
+              <a:lumMod val="20000"/>
+              <a:lumOff val="80000"/>
+            </a:schemeClr>
+          </a:solidFill>
+          <a:ln>
+            <a:noFill/>
+          </a:ln>
+        </p:spPr>
+        <p:style>
+          <a:lnRef idx="2">
+            <a:schemeClr val="accent1">
+              <a:shade val="50000"/>
+            </a:schemeClr>
+          </a:lnRef>
+          <a:fillRef idx="1">
+            <a:schemeClr val="accent1"/>
+          </a:fillRef>
+          <a:effectRef idx="0">
+            <a:schemeClr val="accent1"/>
+          </a:effectRef>
+          <a:fontRef idx="minor">
+            <a:schemeClr val="lt1"/>
+          </a:fontRef>
+        </p:style>
+        <p:txBody>
+          <a:bodyPr rtlCol="0" anchor="ctr"/>
+          <a:lstStyle/>
+          <a:p>
+            <a:pPr algn="ctr"/>
+            <a:endParaRPr lang="en-US">
+              <a:solidFill>
+                <a:schemeClr val="tx1"/>
+              </a:solidFill>
+            </a:endParaRPr>
+          </a:p>
+        </p:txBody>
+      </p:sp>
+      <p:pic>
+        <p:nvPicPr>
+          <p:cNvPr id="28" name="Picture 2" descr="app-store-download.png"/>
+          <p:cNvPicPr>
+            <a:picLocks noChangeAspect="1" noChangeArrowheads="1"/>
+          </p:cNvPicPr>
+          <p:nvPr/>
+        </p:nvPicPr>
+        <p:blipFill>
+          <a:blip r:embed="rId13" cstate="print">
+            <a:extLst>
+              <a:ext uri="{28A0092B-C50C-407E-A947-70E740481C1C}">
+                <a14:useLocalDpi xmlns="" xmlns:a14="http://schemas.microsoft.com/office/drawing/2010/main" val="0"/>
+              </a:ext>
+            </a:extLst>
+          </a:blip>
+          <a:srcRect/>
+          <a:stretch>
+            <a:fillRect/>
+          </a:stretch>
+        </p:blipFill>
+        <p:spPr bwMode="auto">
+          <a:xfrm>
+            <a:off x="4239960" y="806420"/>
+            <a:ext cx="864095" cy="256204"/>
+          </a:xfrm>
+          <a:prstGeom prst="rect">
+            <a:avLst/>
+          </a:prstGeom>
+          <a:noFill/>
+          <a:extLst>
+            <a:ext uri="{909E8E84-426E-40DD-AFC4-6F175D3DCCD1}">
+              <a14:hiddenFill xmlns="" xmlns:a14="http://schemas.microsoft.com/office/drawing/2010/main">
+                <a:solidFill>
+                  <a:srgbClr val="FFFFFF"/>
+                </a:solidFill>
+              </a14:hiddenFill>
+            </a:ext>
+          </a:extLst>
+        </p:spPr>
+      </p:pic>
+      <p:pic>
+        <p:nvPicPr>
+          <p:cNvPr id="29" name="Picture 4" descr="https://raw.githubusercontent.com/scriptPilot/app-framework/dev-1.3/media/google-play-download.png"/>
+          <p:cNvPicPr>
+            <a:picLocks noChangeAspect="1" noChangeArrowheads="1"/>
+          </p:cNvPicPr>
+          <p:nvPr/>
+        </p:nvPicPr>
+        <p:blipFill>
+          <a:blip r:embed="rId14" cstate="print">
+            <a:extLst>
+              <a:ext uri="{28A0092B-C50C-407E-A947-70E740481C1C}">
+                <a14:useLocalDpi xmlns="" xmlns:a14="http://schemas.microsoft.com/office/drawing/2010/main" val="0"/>
+              </a:ext>
+            </a:extLst>
+          </a:blip>
+          <a:srcRect/>
+          <a:stretch>
+            <a:fillRect/>
+          </a:stretch>
+        </p:blipFill>
+        <p:spPr bwMode="auto">
+          <a:xfrm>
+            <a:off x="4239959" y="1108026"/>
+            <a:ext cx="864096" cy="257390"/>
+          </a:xfrm>
+          <a:prstGeom prst="rect">
+            <a:avLst/>
+          </a:prstGeom>
+          <a:noFill/>
+          <a:extLst>
+            <a:ext uri="{909E8E84-426E-40DD-AFC4-6F175D3DCCD1}">
+              <a14:hiddenFill xmlns="" xmlns:a14="http://schemas.microsoft.com/office/drawing/2010/main">
+                <a:solidFill>
+                  <a:srgbClr val="FFFFFF"/>
+                </a:solidFill>
+              </a14:hiddenFill>
+            </a:ext>
+          </a:extLst>
+        </p:spPr>
+      </p:pic>
+      <p:pic>
+        <p:nvPicPr>
+          <p:cNvPr id="30" name="Picture 9" descr="https://i0.wp.com/www.artit-k.com/wp-content/uploads/2016/07/Cover-Firebase_Hosting.png?fit=650%2C300"/>
+          <p:cNvPicPr>
+            <a:picLocks noChangeAspect="1" noChangeArrowheads="1"/>
+          </p:cNvPicPr>
+          <p:nvPr/>
+        </p:nvPicPr>
+        <p:blipFill rotWithShape="1">
+          <a:blip r:embed="rId15" cstate="print">
+            <a:extLst>
+              <a:ext uri="{28A0092B-C50C-407E-A947-70E740481C1C}">
+                <a14:useLocalDpi xmlns="" xmlns:a14="http://schemas.microsoft.com/office/drawing/2010/main" val="0"/>
+              </a:ext>
+            </a:extLst>
+          </a:blip>
+          <a:srcRect t="5051" b="31822"/>
+          <a:stretch/>
+        </p:blipFill>
+        <p:spPr bwMode="auto">
+          <a:xfrm>
+            <a:off x="5248072" y="802958"/>
+            <a:ext cx="803194" cy="234000"/>
+          </a:xfrm>
+          <a:prstGeom prst="roundRect">
+            <a:avLst>
+              <a:gd name="adj" fmla="val 8525"/>
+            </a:avLst>
+          </a:prstGeom>
+          <a:noFill/>
+          <a:ln w="9525">
+            <a:solidFill>
+              <a:srgbClr val="FFC000"/>
+            </a:solidFill>
+          </a:ln>
+          <a:extLst>
+            <a:ext uri="{909E8E84-426E-40DD-AFC4-6F175D3DCCD1}">
+              <a14:hiddenFill xmlns="" xmlns:a14="http://schemas.microsoft.com/office/drawing/2010/main">
+                <a:solidFill>
+                  <a:srgbClr val="FFFFFF"/>
+                </a:solidFill>
+              </a14:hiddenFill>
+            </a:ext>
+          </a:extLst>
+        </p:spPr>
+      </p:pic>
+      <p:sp>
+        <p:nvSpPr>
+          <p:cNvPr id="31" name="Rounded Rectangle 9"/>
+          <p:cNvSpPr/>
+          <p:nvPr/>
+        </p:nvSpPr>
+        <p:spPr>
+          <a:xfrm>
+            <a:off x="5248071" y="1120816"/>
+            <a:ext cx="810000" cy="234000"/>
+          </a:xfrm>
+          <a:prstGeom prst="roundRect">
+            <a:avLst>
+              <a:gd name="adj" fmla="val 10214"/>
+            </a:avLst>
+          </a:prstGeom>
+          <a:ln w="9525">
+            <a:solidFill>
+              <a:schemeClr val="accent3">
+                <a:lumMod val="75000"/>
+              </a:schemeClr>
+            </a:solidFill>
+          </a:ln>
+        </p:spPr>
+        <p:style>
+          <a:lnRef idx="2">
+            <a:schemeClr val="accent6"/>
+          </a:lnRef>
+          <a:fillRef idx="1">
+            <a:schemeClr val="lt1"/>
+          </a:fillRef>
+          <a:effectRef idx="0">
+            <a:schemeClr val="accent6"/>
+          </a:effectRef>
+          <a:fontRef idx="minor">
+            <a:schemeClr val="dk1"/>
+          </a:fontRef>
+        </p:style>
+        <p:txBody>
+          <a:bodyPr lIns="91420" tIns="45712" rIns="91420" bIns="45712" rtlCol="0" anchor="ctr"/>
+          <a:lstStyle/>
+          <a:p>
+            <a:pPr algn="ctr"/>
+            <a:r>
+              <a:rPr lang="de-DE" sz="1100" b="1" dirty="0" smtClean="0">
+                <a:solidFill>
+                  <a:schemeClr val="accent3">
+                    <a:lumMod val="50000"/>
+                  </a:schemeClr>
+                </a:solidFill>
+                <a:latin typeface="+mj-lt"/>
+                <a:ea typeface="Verdana" panose="020B0604030504040204" pitchFamily="34" charset="0"/>
+                <a:cs typeface="Verdana" panose="020B0604030504040204" pitchFamily="34" charset="0"/>
+              </a:rPr>
+              <a:t>FTP Server</a:t>
+            </a:r>
+            <a:endParaRPr lang="en-US" sz="1100" b="1" dirty="0">
+              <a:solidFill>
+                <a:schemeClr val="accent3">
+                  <a:lumMod val="50000"/>
+                </a:schemeClr>
+              </a:solidFill>
+              <a:latin typeface="+mj-lt"/>
+              <a:ea typeface="Verdana" panose="020B0604030504040204" pitchFamily="34" charset="0"/>
+              <a:cs typeface="Verdana" panose="020B0604030504040204" pitchFamily="34" charset="0"/>
+            </a:endParaRPr>
+          </a:p>
+        </p:txBody>
+      </p:sp>
+      <p:pic>
+        <p:nvPicPr>
+          <p:cNvPr id="1029" name="Picture 5"/>
+          <p:cNvPicPr>
+            <a:picLocks noChangeAspect="1" noChangeArrowheads="1"/>
+          </p:cNvPicPr>
+          <p:nvPr/>
+        </p:nvPicPr>
+        <p:blipFill>
+          <a:blip r:embed="rId16" cstate="print"/>
+          <a:srcRect l="7471" t="30020" r="79800" b="45371"/>
+          <a:stretch>
+            <a:fillRect/>
+          </a:stretch>
+        </p:blipFill>
+        <p:spPr bwMode="auto">
+          <a:xfrm>
+            <a:off x="1764109" y="107776"/>
+            <a:ext cx="364320" cy="396000"/>
+          </a:xfrm>
+          <a:prstGeom prst="rect">
+            <a:avLst/>
+          </a:prstGeom>
+          <a:noFill/>
+          <a:ln w="9525">
+            <a:noFill/>
+            <a:miter lim="800000"/>
+            <a:headEnd/>
+            <a:tailEnd/>
+          </a:ln>
+        </p:spPr>
+      </p:pic>
+      <p:pic>
+        <p:nvPicPr>
+          <p:cNvPr id="18" name="Picture 20"/>
+          <p:cNvPicPr>
+            <a:picLocks noChangeAspect="1" noChangeArrowheads="1"/>
+          </p:cNvPicPr>
+          <p:nvPr/>
+        </p:nvPicPr>
+        <p:blipFill rotWithShape="1">
+          <a:blip r:embed="rId17" cstate="print">
+            <a:extLst>
+              <a:ext uri="{28A0092B-C50C-407E-A947-70E740481C1C}">
+                <a14:useLocalDpi xmlns="" xmlns:a14="http://schemas.microsoft.com/office/drawing/2010/main" val="0"/>
+              </a:ext>
+            </a:extLst>
+          </a:blip>
+          <a:srcRect/>
+          <a:stretch/>
+        </p:blipFill>
+        <p:spPr bwMode="auto">
+          <a:xfrm>
+            <a:off x="1855167" y="871289"/>
+            <a:ext cx="371933" cy="396000"/>
+          </a:xfrm>
+          <a:prstGeom prst="rect">
+            <a:avLst/>
+          </a:prstGeom>
+          <a:noFill/>
+          <a:ln>
+            <a:noFill/>
+          </a:ln>
+          <a:extLst>
+            <a:ext uri="{909E8E84-426E-40DD-AFC4-6F175D3DCCD1}">
+              <a14:hiddenFill xmlns="" xmlns:a14="http://schemas.microsoft.com/office/drawing/2010/main">
+                <a:solidFill>
+                  <a:schemeClr val="accent1"/>
+                </a:solidFill>
+              </a14:hiddenFill>
+            </a:ext>
+            <a:ext uri="{91240B29-F687-4F45-9708-019B960494DF}">
+              <a14:hiddenLine xmlns="" xmlns:a14="http://schemas.microsoft.com/office/drawing/2010/main" w="9525">
+                <a:solidFill>
+                  <a:schemeClr val="tx1"/>
+                </a:solidFill>
+                <a:miter lim="800000"/>
+                <a:headEnd/>
+                <a:tailEnd/>
+              </a14:hiddenLine>
+            </a:ext>
+          </a:extLst>
+        </p:spPr>
+      </p:pic>
+    </p:spTree>
+    <p:extLst>
+      <p:ext uri="{BB962C8B-B14F-4D97-AF65-F5344CB8AC3E}">
+        <p14:creationId xmlns="" xmlns:p14="http://schemas.microsoft.com/office/powerpoint/2010/main" val="1003733918"/>
+      </p:ext>
+    </p:extLst>
+  </p:cSld>
+  <p:clrMapOvr>
+    <a:masterClrMapping/>
+  </p:clrMapOvr>
+</p:sld>
+</file>
+
+<file path=ppt/slides/slide2.xml><?xml version="1.0" encoding="utf-8"?>
+<p:sld xmlns:a="http://schemas.openxmlformats.org/drawingml/2006/main" xmlns:r="http://schemas.openxmlformats.org/officeDocument/2006/relationships" xmlns:p="http://schemas.openxmlformats.org/presentationml/2006/main">
+  <p:cSld>
     <p:spTree>
       <p:nvGrpSpPr>
         <p:cNvPr id="1" name=""/>
@@ -5827,7 +9790,7 @@
           <p:nvPr>
             <p:extLst>
               <p:ext uri="{D42A27DB-BD31-4B8C-83A1-F6EECF244321}">
-                <p14:modId xmlns:p14="http://schemas.microsoft.com/office/powerpoint/2010/main" val="1167990110"/>
+                <p14:modId xmlns="" xmlns:p14="http://schemas.microsoft.com/office/powerpoint/2010/main" val="1167990110"/>
               </p:ext>
             </p:extLst>
           </p:nvPr>
@@ -5838,7 +9801,7 @@
         </p:xfrm>
         <a:graphic>
           <a:graphicData uri="http://schemas.openxmlformats.org/drawingml/2006/diagram">
-            <dgm:relIds xmlns:dgm="http://schemas.openxmlformats.org/drawingml/2006/diagram" xmlns:r="http://schemas.openxmlformats.org/officeDocument/2006/relationships" r:dm="rId2" r:lo="rId3" r:qs="rId4" r:cs="rId5"/>
+            <dgm:relIds xmlns:dgm="http://schemas.openxmlformats.org/drawingml/2006/diagram" xmlns:r="http://schemas.openxmlformats.org/officeDocument/2006/relationships" r:dm="rId3" r:lo="rId4" r:qs="rId5" r:cs="rId6"/>
           </a:graphicData>
         </a:graphic>
       </p:graphicFrame>
@@ -5851,10 +9814,10 @@
           <p:nvPr/>
         </p:nvPicPr>
         <p:blipFill rotWithShape="1">
-          <a:blip r:embed="rId7" cstate="print">
+          <a:blip r:embed="rId8" cstate="print">
             <a:extLst>
               <a:ext uri="{28A0092B-C50C-407E-A947-70E740481C1C}">
-                <a14:useLocalDpi xmlns:a14="http://schemas.microsoft.com/office/drawing/2010/main" val="0"/>
+                <a14:useLocalDpi xmlns="" xmlns:a14="http://schemas.microsoft.com/office/drawing/2010/main" val="0"/>
               </a:ext>
             </a:extLst>
           </a:blip>
@@ -5875,14 +9838,14 @@
           </a:ln>
           <a:extLst>
             <a:ext uri="{909E8E84-426E-40DD-AFC4-6F175D3DCCD1}">
-              <a14:hiddenFill xmlns:a14="http://schemas.microsoft.com/office/drawing/2010/main">
+              <a14:hiddenFill xmlns="" xmlns:a14="http://schemas.microsoft.com/office/drawing/2010/main">
                 <a:solidFill>
                   <a:schemeClr val="accent1"/>
                 </a:solidFill>
               </a14:hiddenFill>
             </a:ext>
             <a:ext uri="{91240B29-F687-4F45-9708-019B960494DF}">
-              <a14:hiddenLine xmlns:a14="http://schemas.microsoft.com/office/drawing/2010/main" w="9525">
+              <a14:hiddenLine xmlns="" xmlns:a14="http://schemas.microsoft.com/office/drawing/2010/main" w="9525">
                 <a:solidFill>
                   <a:schemeClr val="tx1"/>
                 </a:solidFill>
@@ -5903,10 +9866,10 @@
           <p:nvPr/>
         </p:nvPicPr>
         <p:blipFill rotWithShape="1">
-          <a:blip r:embed="rId8" cstate="print">
+          <a:blip r:embed="rId9" cstate="print">
             <a:extLst>
               <a:ext uri="{28A0092B-C50C-407E-A947-70E740481C1C}">
-                <a14:useLocalDpi xmlns:a14="http://schemas.microsoft.com/office/drawing/2010/main" val="0"/>
+                <a14:useLocalDpi xmlns="" xmlns:a14="http://schemas.microsoft.com/office/drawing/2010/main" val="0"/>
               </a:ext>
             </a:extLst>
           </a:blip>
@@ -5927,14 +9890,14 @@
           </a:ln>
           <a:extLst>
             <a:ext uri="{909E8E84-426E-40DD-AFC4-6F175D3DCCD1}">
-              <a14:hiddenFill xmlns:a14="http://schemas.microsoft.com/office/drawing/2010/main">
+              <a14:hiddenFill xmlns="" xmlns:a14="http://schemas.microsoft.com/office/drawing/2010/main">
                 <a:solidFill>
                   <a:schemeClr val="accent1"/>
                 </a:solidFill>
               </a14:hiddenFill>
             </a:ext>
             <a:ext uri="{91240B29-F687-4F45-9708-019B960494DF}">
-              <a14:hiddenLine xmlns:a14="http://schemas.microsoft.com/office/drawing/2010/main" w="9525">
+              <a14:hiddenLine xmlns="" xmlns:a14="http://schemas.microsoft.com/office/drawing/2010/main" w="9525">
                 <a:solidFill>
                   <a:schemeClr val="tx1"/>
                 </a:solidFill>
@@ -5955,10 +9918,10 @@
           <p:nvPr/>
         </p:nvPicPr>
         <p:blipFill rotWithShape="1">
-          <a:blip r:embed="rId9" cstate="print">
+          <a:blip r:embed="rId10" cstate="print">
             <a:extLst>
               <a:ext uri="{28A0092B-C50C-407E-A947-70E740481C1C}">
-                <a14:useLocalDpi xmlns:a14="http://schemas.microsoft.com/office/drawing/2010/main" val="0"/>
+                <a14:useLocalDpi xmlns="" xmlns:a14="http://schemas.microsoft.com/office/drawing/2010/main" val="0"/>
               </a:ext>
             </a:extLst>
           </a:blip>
@@ -5976,7 +9939,7 @@
           <a:noFill/>
           <a:extLst>
             <a:ext uri="{909E8E84-426E-40DD-AFC4-6F175D3DCCD1}">
-              <a14:hiddenFill xmlns:a14="http://schemas.microsoft.com/office/drawing/2010/main">
+              <a14:hiddenFill xmlns="" xmlns:a14="http://schemas.microsoft.com/office/drawing/2010/main">
                 <a:solidFill>
                   <a:srgbClr val="FFFFFF"/>
                 </a:solidFill>
@@ -5994,10 +9957,10 @@
           <p:nvPr/>
         </p:nvPicPr>
         <p:blipFill>
-          <a:blip r:embed="rId10" cstate="print">
+          <a:blip r:embed="rId11" cstate="print">
             <a:extLst>
               <a:ext uri="{28A0092B-C50C-407E-A947-70E740481C1C}">
-                <a14:useLocalDpi xmlns:a14="http://schemas.microsoft.com/office/drawing/2010/main" val="0"/>
+                <a14:useLocalDpi xmlns="" xmlns:a14="http://schemas.microsoft.com/office/drawing/2010/main" val="0"/>
               </a:ext>
             </a:extLst>
           </a:blip>
@@ -6017,7 +9980,7 @@
           <a:noFill/>
           <a:extLst>
             <a:ext uri="{909E8E84-426E-40DD-AFC4-6F175D3DCCD1}">
-              <a14:hiddenFill xmlns:a14="http://schemas.microsoft.com/office/drawing/2010/main">
+              <a14:hiddenFill xmlns="" xmlns:a14="http://schemas.microsoft.com/office/drawing/2010/main">
                 <a:solidFill>
                   <a:srgbClr val="FFFFFF"/>
                 </a:solidFill>
@@ -6035,10 +9998,10 @@
           <p:nvPr/>
         </p:nvPicPr>
         <p:blipFill>
-          <a:blip r:embed="rId11" cstate="print">
+          <a:blip r:embed="rId12" cstate="print">
             <a:extLst>
               <a:ext uri="{28A0092B-C50C-407E-A947-70E740481C1C}">
-                <a14:useLocalDpi xmlns:a14="http://schemas.microsoft.com/office/drawing/2010/main" val="0"/>
+                <a14:useLocalDpi xmlns="" xmlns:a14="http://schemas.microsoft.com/office/drawing/2010/main" val="0"/>
               </a:ext>
             </a:extLst>
           </a:blip>
@@ -6058,7 +10021,7 @@
           <a:noFill/>
           <a:extLst>
             <a:ext uri="{909E8E84-426E-40DD-AFC4-6F175D3DCCD1}">
-              <a14:hiddenFill xmlns:a14="http://schemas.microsoft.com/office/drawing/2010/main">
+              <a14:hiddenFill xmlns="" xmlns:a14="http://schemas.microsoft.com/office/drawing/2010/main">
                 <a:solidFill>
                   <a:srgbClr val="FFFFFF"/>
                 </a:solidFill>
@@ -6076,10 +10039,10 @@
           <p:nvPr/>
         </p:nvPicPr>
         <p:blipFill rotWithShape="1">
-          <a:blip r:embed="rId12" cstate="print">
+          <a:blip r:embed="rId13" cstate="print">
             <a:extLst>
               <a:ext uri="{28A0092B-C50C-407E-A947-70E740481C1C}">
-                <a14:useLocalDpi xmlns:a14="http://schemas.microsoft.com/office/drawing/2010/main" val="0"/>
+                <a14:useLocalDpi xmlns="" xmlns:a14="http://schemas.microsoft.com/office/drawing/2010/main" val="0"/>
               </a:ext>
             </a:extLst>
           </a:blip>
@@ -6097,7 +10060,7 @@
           <a:noFill/>
           <a:extLst>
             <a:ext uri="{909E8E84-426E-40DD-AFC4-6F175D3DCCD1}">
-              <a14:hiddenFill xmlns:a14="http://schemas.microsoft.com/office/drawing/2010/main">
+              <a14:hiddenFill xmlns="" xmlns:a14="http://schemas.microsoft.com/office/drawing/2010/main">
                 <a:solidFill>
                   <a:srgbClr val="FFFFFF"/>
                 </a:solidFill>
@@ -6280,10 +10243,10 @@
           <p:nvPr/>
         </p:nvPicPr>
         <p:blipFill>
-          <a:blip r:embed="rId13" cstate="print">
+          <a:blip r:embed="rId14" cstate="print">
             <a:extLst>
               <a:ext uri="{28A0092B-C50C-407E-A947-70E740481C1C}">
-                <a14:useLocalDpi xmlns:a14="http://schemas.microsoft.com/office/drawing/2010/main" val="0"/>
+                <a14:useLocalDpi xmlns="" xmlns:a14="http://schemas.microsoft.com/office/drawing/2010/main" val="0"/>
               </a:ext>
             </a:extLst>
           </a:blip>
@@ -6303,7 +10266,7 @@
           <a:noFill/>
           <a:extLst>
             <a:ext uri="{909E8E84-426E-40DD-AFC4-6F175D3DCCD1}">
-              <a14:hiddenFill xmlns:a14="http://schemas.microsoft.com/office/drawing/2010/main">
+              <a14:hiddenFill xmlns="" xmlns:a14="http://schemas.microsoft.com/office/drawing/2010/main">
                 <a:solidFill>
                   <a:srgbClr val="FFFFFF"/>
                 </a:solidFill>
@@ -6321,10 +10284,10 @@
           <p:nvPr/>
         </p:nvPicPr>
         <p:blipFill>
-          <a:blip r:embed="rId14" cstate="print">
+          <a:blip r:embed="rId15" cstate="print">
             <a:extLst>
               <a:ext uri="{28A0092B-C50C-407E-A947-70E740481C1C}">
-                <a14:useLocalDpi xmlns:a14="http://schemas.microsoft.com/office/drawing/2010/main" val="0"/>
+                <a14:useLocalDpi xmlns="" xmlns:a14="http://schemas.microsoft.com/office/drawing/2010/main" val="0"/>
               </a:ext>
             </a:extLst>
           </a:blip>
@@ -6344,7 +10307,7 @@
           <a:noFill/>
           <a:extLst>
             <a:ext uri="{909E8E84-426E-40DD-AFC4-6F175D3DCCD1}">
-              <a14:hiddenFill xmlns:a14="http://schemas.microsoft.com/office/drawing/2010/main">
+              <a14:hiddenFill xmlns="" xmlns:a14="http://schemas.microsoft.com/office/drawing/2010/main">
                 <a:solidFill>
                   <a:srgbClr val="FFFFFF"/>
                 </a:solidFill>
@@ -6362,10 +10325,10 @@
           <p:nvPr/>
         </p:nvPicPr>
         <p:blipFill rotWithShape="1">
-          <a:blip r:embed="rId15" cstate="print">
+          <a:blip r:embed="rId16" cstate="print">
             <a:extLst>
               <a:ext uri="{28A0092B-C50C-407E-A947-70E740481C1C}">
-                <a14:useLocalDpi xmlns:a14="http://schemas.microsoft.com/office/drawing/2010/main" val="0"/>
+                <a14:useLocalDpi xmlns="" xmlns:a14="http://schemas.microsoft.com/office/drawing/2010/main" val="0"/>
               </a:ext>
             </a:extLst>
           </a:blip>
@@ -6390,7 +10353,7 @@
           </a:ln>
           <a:extLst>
             <a:ext uri="{909E8E84-426E-40DD-AFC4-6F175D3DCCD1}">
-              <a14:hiddenFill xmlns:a14="http://schemas.microsoft.com/office/drawing/2010/main">
+              <a14:hiddenFill xmlns="" xmlns:a14="http://schemas.microsoft.com/office/drawing/2010/main">
                 <a:solidFill>
                   <a:srgbClr val="FFFFFF"/>
                 </a:solidFill>
@@ -6471,7 +10434,7 @@
     </p:spTree>
     <p:extLst>
       <p:ext uri="{BB962C8B-B14F-4D97-AF65-F5344CB8AC3E}">
-        <p14:creationId xmlns:p14="http://schemas.microsoft.com/office/powerpoint/2010/main" val="1003733918"/>
+        <p14:creationId xmlns="" xmlns:p14="http://schemas.microsoft.com/office/powerpoint/2010/main" val="1003733918"/>
       </p:ext>
     </p:extLst>
   </p:cSld>
@@ -6764,4 +10727,287 @@
   <a:objectDefaults/>
   <a:extraClrSchemeLst/>
 </a:theme>
+</file>
+
+<file path=ppt/theme/theme2.xml><?xml version="1.0" encoding="utf-8"?>
+<a:theme xmlns:a="http://schemas.openxmlformats.org/drawingml/2006/main" name="Larissa-Design">
+  <a:themeElements>
+    <a:clrScheme name="Larissa">
+      <a:dk1>
+        <a:sysClr val="windowText" lastClr="000000"/>
+      </a:dk1>
+      <a:lt1>
+        <a:sysClr val="window" lastClr="FFFFFF"/>
+      </a:lt1>
+      <a:dk2>
+        <a:srgbClr val="1F497D"/>
+      </a:dk2>
+      <a:lt2>
+        <a:srgbClr val="EEECE1"/>
+      </a:lt2>
+      <a:accent1>
+        <a:srgbClr val="4F81BD"/>
+      </a:accent1>
+      <a:accent2>
+        <a:srgbClr val="C0504D"/>
+      </a:accent2>
+      <a:accent3>
+        <a:srgbClr val="9BBB59"/>
+      </a:accent3>
+      <a:accent4>
+        <a:srgbClr val="8064A2"/>
+      </a:accent4>
+      <a:accent5>
+        <a:srgbClr val="4BACC6"/>
+      </a:accent5>
+      <a:accent6>
+        <a:srgbClr val="F79646"/>
+      </a:accent6>
+      <a:hlink>
+        <a:srgbClr val="0000FF"/>
+      </a:hlink>
+      <a:folHlink>
+        <a:srgbClr val="800080"/>
+      </a:folHlink>
+    </a:clrScheme>
+    <a:fontScheme name="Larissa">
+      <a:majorFont>
+        <a:latin typeface="Calibri"/>
+        <a:ea typeface=""/>
+        <a:cs typeface=""/>
+        <a:font script="Jpan" typeface="ＭＳ Ｐゴシック"/>
+        <a:font script="Hang" typeface="맑은 고딕"/>
+        <a:font script="Hans" typeface="宋体"/>
+        <a:font script="Hant" typeface="新細明體"/>
+        <a:font script="Arab" typeface="Times New Roman"/>
+        <a:font script="Hebr" typeface="Times New Roman"/>
+        <a:font script="Thai" typeface="Angsana New"/>
+        <a:font script="Ethi" typeface="Nyala"/>
+        <a:font script="Beng" typeface="Vrinda"/>
+        <a:font script="Gujr" typeface="Shruti"/>
+        <a:font script="Khmr" typeface="MoolBoran"/>
+        <a:font script="Knda" typeface="Tunga"/>
+        <a:font script="Guru" typeface="Raavi"/>
+        <a:font script="Cans" typeface="Euphemia"/>
+        <a:font script="Cher" typeface="Plantagenet Cherokee"/>
+        <a:font script="Yiii" typeface="Microsoft Yi Baiti"/>
+        <a:font script="Tibt" typeface="Microsoft Himalaya"/>
+        <a:font script="Thaa" typeface="MV Boli"/>
+        <a:font script="Deva" typeface="Mangal"/>
+        <a:font script="Telu" typeface="Gautami"/>
+        <a:font script="Taml" typeface="Latha"/>
+        <a:font script="Syrc" typeface="Estrangelo Edessa"/>
+        <a:font script="Orya" typeface="Kalinga"/>
+        <a:font script="Mlym" typeface="Kartika"/>
+        <a:font script="Laoo" typeface="DokChampa"/>
+        <a:font script="Sinh" typeface="Iskoola Pota"/>
+        <a:font script="Mong" typeface="Mongolian Baiti"/>
+        <a:font script="Viet" typeface="Times New Roman"/>
+        <a:font script="Uigh" typeface="Microsoft Uighur"/>
+      </a:majorFont>
+      <a:minorFont>
+        <a:latin typeface="Calibri"/>
+        <a:ea typeface=""/>
+        <a:cs typeface=""/>
+        <a:font script="Jpan" typeface="ＭＳ Ｐゴシック"/>
+        <a:font script="Hang" typeface="맑은 고딕"/>
+        <a:font script="Hans" typeface="宋体"/>
+        <a:font script="Hant" typeface="新細明體"/>
+        <a:font script="Arab" typeface="Arial"/>
+        <a:font script="Hebr" typeface="Arial"/>
+        <a:font script="Thai" typeface="Cordia New"/>
+        <a:font script="Ethi" typeface="Nyala"/>
+        <a:font script="Beng" typeface="Vrinda"/>
+        <a:font script="Gujr" typeface="Shruti"/>
+        <a:font script="Khmr" typeface="DaunPenh"/>
+        <a:font script="Knda" typeface="Tunga"/>
+        <a:font script="Guru" typeface="Raavi"/>
+        <a:font script="Cans" typeface="Euphemia"/>
+        <a:font script="Cher" typeface="Plantagenet Cherokee"/>
+        <a:font script="Yiii" typeface="Microsoft Yi Baiti"/>
+        <a:font script="Tibt" typeface="Microsoft Himalaya"/>
+        <a:font script="Thaa" typeface="MV Boli"/>
+        <a:font script="Deva" typeface="Mangal"/>
+        <a:font script="Telu" typeface="Gautami"/>
+        <a:font script="Taml" typeface="Latha"/>
+        <a:font script="Syrc" typeface="Estrangelo Edessa"/>
+        <a:font script="Orya" typeface="Kalinga"/>
+        <a:font script="Mlym" typeface="Kartika"/>
+        <a:font script="Laoo" typeface="DokChampa"/>
+        <a:font script="Sinh" typeface="Iskoola Pota"/>
+        <a:font script="Mong" typeface="Mongolian Baiti"/>
+        <a:font script="Viet" typeface="Arial"/>
+        <a:font script="Uigh" typeface="Microsoft Uighur"/>
+      </a:minorFont>
+    </a:fontScheme>
+    <a:fmtScheme name="Larissa">
+      <a:fillStyleLst>
+        <a:solidFill>
+          <a:schemeClr val="phClr"/>
+        </a:solidFill>
+        <a:gradFill rotWithShape="1">
+          <a:gsLst>
+            <a:gs pos="0">
+              <a:schemeClr val="phClr">
+                <a:tint val="50000"/>
+                <a:satMod val="300000"/>
+              </a:schemeClr>
+            </a:gs>
+            <a:gs pos="35000">
+              <a:schemeClr val="phClr">
+                <a:tint val="37000"/>
+                <a:satMod val="300000"/>
+              </a:schemeClr>
+            </a:gs>
+            <a:gs pos="100000">
+              <a:schemeClr val="phClr">
+                <a:tint val="15000"/>
+                <a:satMod val="350000"/>
+              </a:schemeClr>
+            </a:gs>
+          </a:gsLst>
+          <a:lin ang="16200000" scaled="1"/>
+        </a:gradFill>
+        <a:gradFill rotWithShape="1">
+          <a:gsLst>
+            <a:gs pos="0">
+              <a:schemeClr val="phClr">
+                <a:shade val="51000"/>
+                <a:satMod val="130000"/>
+              </a:schemeClr>
+            </a:gs>
+            <a:gs pos="80000">
+              <a:schemeClr val="phClr">
+                <a:shade val="93000"/>
+                <a:satMod val="130000"/>
+              </a:schemeClr>
+            </a:gs>
+            <a:gs pos="100000">
+              <a:schemeClr val="phClr">
+                <a:shade val="94000"/>
+                <a:satMod val="135000"/>
+              </a:schemeClr>
+            </a:gs>
+          </a:gsLst>
+          <a:lin ang="16200000" scaled="0"/>
+        </a:gradFill>
+      </a:fillStyleLst>
+      <a:lnStyleLst>
+        <a:ln w="9525" cap="flat" cmpd="sng" algn="ctr">
+          <a:solidFill>
+            <a:schemeClr val="phClr">
+              <a:shade val="95000"/>
+              <a:satMod val="105000"/>
+            </a:schemeClr>
+          </a:solidFill>
+          <a:prstDash val="solid"/>
+        </a:ln>
+        <a:ln w="25400" cap="flat" cmpd="sng" algn="ctr">
+          <a:solidFill>
+            <a:schemeClr val="phClr"/>
+          </a:solidFill>
+          <a:prstDash val="solid"/>
+        </a:ln>
+        <a:ln w="38100" cap="flat" cmpd="sng" algn="ctr">
+          <a:solidFill>
+            <a:schemeClr val="phClr"/>
+          </a:solidFill>
+          <a:prstDash val="solid"/>
+        </a:ln>
+      </a:lnStyleLst>
+      <a:effectStyleLst>
+        <a:effectStyle>
+          <a:effectLst>
+            <a:outerShdw blurRad="40000" dist="20000" dir="5400000" rotWithShape="0">
+              <a:srgbClr val="000000">
+                <a:alpha val="38000"/>
+              </a:srgbClr>
+            </a:outerShdw>
+          </a:effectLst>
+        </a:effectStyle>
+        <a:effectStyle>
+          <a:effectLst>
+            <a:outerShdw blurRad="40000" dist="23000" dir="5400000" rotWithShape="0">
+              <a:srgbClr val="000000">
+                <a:alpha val="35000"/>
+              </a:srgbClr>
+            </a:outerShdw>
+          </a:effectLst>
+        </a:effectStyle>
+        <a:effectStyle>
+          <a:effectLst>
+            <a:outerShdw blurRad="40000" dist="23000" dir="5400000" rotWithShape="0">
+              <a:srgbClr val="000000">
+                <a:alpha val="35000"/>
+              </a:srgbClr>
+            </a:outerShdw>
+          </a:effectLst>
+          <a:scene3d>
+            <a:camera prst="orthographicFront">
+              <a:rot lat="0" lon="0" rev="0"/>
+            </a:camera>
+            <a:lightRig rig="threePt" dir="t">
+              <a:rot lat="0" lon="0" rev="1200000"/>
+            </a:lightRig>
+          </a:scene3d>
+          <a:sp3d>
+            <a:bevelT w="63500" h="25400"/>
+          </a:sp3d>
+        </a:effectStyle>
+      </a:effectStyleLst>
+      <a:bgFillStyleLst>
+        <a:solidFill>
+          <a:schemeClr val="phClr"/>
+        </a:solidFill>
+        <a:gradFill rotWithShape="1">
+          <a:gsLst>
+            <a:gs pos="0">
+              <a:schemeClr val="phClr">
+                <a:tint val="40000"/>
+                <a:satMod val="350000"/>
+              </a:schemeClr>
+            </a:gs>
+            <a:gs pos="40000">
+              <a:schemeClr val="phClr">
+                <a:tint val="45000"/>
+                <a:shade val="99000"/>
+                <a:satMod val="350000"/>
+              </a:schemeClr>
+            </a:gs>
+            <a:gs pos="100000">
+              <a:schemeClr val="phClr">
+                <a:shade val="20000"/>
+                <a:satMod val="255000"/>
+              </a:schemeClr>
+            </a:gs>
+          </a:gsLst>
+          <a:path path="circle">
+            <a:fillToRect l="50000" t="-80000" r="50000" b="180000"/>
+          </a:path>
+        </a:gradFill>
+        <a:gradFill rotWithShape="1">
+          <a:gsLst>
+            <a:gs pos="0">
+              <a:schemeClr val="phClr">
+                <a:tint val="80000"/>
+                <a:satMod val="300000"/>
+              </a:schemeClr>
+            </a:gs>
+            <a:gs pos="100000">
+              <a:schemeClr val="phClr">
+                <a:shade val="30000"/>
+                <a:satMod val="200000"/>
+              </a:schemeClr>
+            </a:gs>
+          </a:gsLst>
+          <a:path path="circle">
+            <a:fillToRect l="50000" t="50000" r="50000" b="50000"/>
+          </a:path>
+        </a:gradFill>
+      </a:bgFillStyleLst>
+    </a:fmtScheme>
+  </a:themeElements>
+  <a:objectDefaults/>
+  <a:extraClrSchemeLst/>
+</a:theme>
 </file>
--- a/media/process.pptx
+++ b/media/process.pptx
@@ -110,7 +110,7 @@
   </p:defaultTextStyle>
   <p:extLst>
     <p:ext uri="{EFAFB233-063F-42B5-8137-9DF3F51BA10A}">
-      <p15:sldGuideLst xmlns:p15="http://schemas.microsoft.com/office/powerpoint/2012/main" xmlns="">
+      <p15:sldGuideLst xmlns="" xmlns:p15="http://schemas.microsoft.com/office/powerpoint/2012/main">
         <p15:guide id="1" orient="horz" pos="839">
           <p15:clr>
             <a:srgbClr val="A4A3A4"/>
@@ -1739,7 +1739,7 @@
         </a:p>
       </dgm:t>
     </dgm:pt>
-    <dgm:pt modelId="{EEC9F6EC-8789-4FD2-AFDB-B5D63A1CC8D1}">
+    <dgm:pt modelId="{9C19C811-9BAF-49AF-A7B4-B56464797309}">
       <dgm:prSet phldrT="[Text]"/>
       <dgm:spPr/>
       <dgm:t>
@@ -1747,32 +1747,32 @@
         <a:lstStyle/>
         <a:p>
           <a:r>
-            <a:rPr lang="de-DE" dirty="0" err="1" smtClean="0"/>
+            <a:rPr lang="en-US" dirty="0" smtClean="0"/>
             <a:t>Deployment</a:t>
           </a:r>
           <a:endParaRPr lang="en-US" dirty="0"/>
         </a:p>
       </dgm:t>
     </dgm:pt>
-    <dgm:pt modelId="{79854CB4-F935-4D6E-B728-486399EE6BDB}" type="parTrans" cxnId="{54F6DCAE-619D-42BE-B359-6891D91846B4}">
+    <dgm:pt modelId="{BBFCCA45-F604-4DF1-A413-2C69CA913D11}" type="parTrans" cxnId="{A5F5C934-DB7C-401A-B7C4-D0BBBBDCAB05}">
       <dgm:prSet/>
       <dgm:spPr/>
       <dgm:t>
         <a:bodyPr/>
         <a:lstStyle/>
         <a:p>
-          <a:endParaRPr lang="en-US"/>
+          <a:endParaRPr lang="de-DE"/>
         </a:p>
       </dgm:t>
     </dgm:pt>
-    <dgm:pt modelId="{20B5F3EB-8661-4D60-93D7-73B5B19D977C}" type="sibTrans" cxnId="{54F6DCAE-619D-42BE-B359-6891D91846B4}">
+    <dgm:pt modelId="{395CEBE7-01B9-450E-B8AC-7192742DEEE6}" type="sibTrans" cxnId="{A5F5C934-DB7C-401A-B7C4-D0BBBBDCAB05}">
       <dgm:prSet/>
       <dgm:spPr/>
       <dgm:t>
         <a:bodyPr/>
         <a:lstStyle/>
         <a:p>
-          <a:endParaRPr lang="en-US"/>
+          <a:endParaRPr lang="de-DE"/>
         </a:p>
       </dgm:t>
     </dgm:pt>
@@ -1849,8 +1849,8 @@
       <dgm:prSet presAssocID="{0478BD90-2D3C-4CB6-B8EC-15F6D84F2E91}" presName="parTxOnlySpace" presStyleCnt="0"/>
       <dgm:spPr/>
     </dgm:pt>
-    <dgm:pt modelId="{4B65C82B-1FAF-4964-93C3-3E28BC03D6B9}" type="pres">
-      <dgm:prSet presAssocID="{EEC9F6EC-8789-4FD2-AFDB-B5D63A1CC8D1}" presName="parTxOnly" presStyleLbl="node1" presStyleIdx="3" presStyleCnt="4" custScaleX="165701">
+    <dgm:pt modelId="{7F96DE0C-776B-46C2-A315-02E73B1ABF81}" type="pres">
+      <dgm:prSet presAssocID="{9C19C811-9BAF-49AF-A7B4-B56464797309}" presName="parTxOnly" presStyleLbl="node1" presStyleIdx="3" presStyleCnt="4">
         <dgm:presLayoutVars>
           <dgm:chMax val="0"/>
           <dgm:chPref val="0"/>
@@ -1862,17 +1862,17 @@
         <a:bodyPr/>
         <a:lstStyle/>
         <a:p>
-          <a:endParaRPr lang="en-US"/>
+          <a:endParaRPr lang="de-DE"/>
         </a:p>
       </dgm:t>
     </dgm:pt>
   </dgm:ptLst>
   <dgm:cxnLst>
-    <dgm:cxn modelId="{54F6DCAE-619D-42BE-B359-6891D91846B4}" srcId="{0EB6BE91-E96C-4587-B286-5EF2C7262826}" destId="{EEC9F6EC-8789-4FD2-AFDB-B5D63A1CC8D1}" srcOrd="3" destOrd="0" parTransId="{79854CB4-F935-4D6E-B728-486399EE6BDB}" sibTransId="{20B5F3EB-8661-4D60-93D7-73B5B19D977C}"/>
+    <dgm:cxn modelId="{A5F5C934-DB7C-401A-B7C4-D0BBBBDCAB05}" srcId="{0EB6BE91-E96C-4587-B286-5EF2C7262826}" destId="{9C19C811-9BAF-49AF-A7B4-B56464797309}" srcOrd="3" destOrd="0" parTransId="{BBFCCA45-F604-4DF1-A413-2C69CA913D11}" sibTransId="{395CEBE7-01B9-450E-B8AC-7192742DEEE6}"/>
     <dgm:cxn modelId="{3A16B6F7-BB61-44D8-BADF-D8BDE07A7493}" type="presOf" srcId="{FF8ADAA4-FAFF-4095-AF09-16995FC20993}" destId="{2B535912-FFB7-4908-8C3B-3E30209641D3}" srcOrd="0" destOrd="0" presId="urn:microsoft.com/office/officeart/2005/8/layout/chevron1"/>
     <dgm:cxn modelId="{581E5E19-74DD-4BD4-9E91-C936A92B7D07}" srcId="{0EB6BE91-E96C-4587-B286-5EF2C7262826}" destId="{A5B2C75E-273A-4404-BE80-6201C68C9EDB}" srcOrd="2" destOrd="0" parTransId="{9C1B37AE-8899-425A-9733-080D2E6FF2E6}" sibTransId="{0478BD90-2D3C-4CB6-B8EC-15F6D84F2E91}"/>
     <dgm:cxn modelId="{AB4BEC97-3780-40AB-8D35-30AD4EBADA00}" type="presOf" srcId="{A5B2C75E-273A-4404-BE80-6201C68C9EDB}" destId="{01FCF690-3A52-4BF2-9135-B54D20ED08E1}" srcOrd="0" destOrd="0" presId="urn:microsoft.com/office/officeart/2005/8/layout/chevron1"/>
-    <dgm:cxn modelId="{BBF36610-E759-4454-9DAD-92CCE1DFB7B4}" type="presOf" srcId="{EEC9F6EC-8789-4FD2-AFDB-B5D63A1CC8D1}" destId="{4B65C82B-1FAF-4964-93C3-3E28BC03D6B9}" srcOrd="0" destOrd="0" presId="urn:microsoft.com/office/officeart/2005/8/layout/chevron1"/>
+    <dgm:cxn modelId="{483F93A7-939A-4C27-8A83-B958F2282C18}" type="presOf" srcId="{9C19C811-9BAF-49AF-A7B4-B56464797309}" destId="{7F96DE0C-776B-46C2-A315-02E73B1ABF81}" srcOrd="0" destOrd="0" presId="urn:microsoft.com/office/officeart/2005/8/layout/chevron1"/>
     <dgm:cxn modelId="{1A40BBB3-AC8F-42BD-81A4-E7FF69E24564}" type="presOf" srcId="{09F6A35B-5D5C-4AEE-B2DF-B5B910646C5D}" destId="{1A0BED00-428A-4143-A6E6-7058B43EE6E3}" srcOrd="0" destOrd="0" presId="urn:microsoft.com/office/officeart/2005/8/layout/chevron1"/>
     <dgm:cxn modelId="{C978F6E0-33DC-4BF5-B0FA-738B3B674938}" srcId="{0EB6BE91-E96C-4587-B286-5EF2C7262826}" destId="{FF8ADAA4-FAFF-4095-AF09-16995FC20993}" srcOrd="0" destOrd="0" parTransId="{1A273BF8-4C09-4D0B-AA7C-98C7B5C24182}" sibTransId="{ABBA3832-E26D-4EE6-861B-1A3D690B764A}"/>
     <dgm:cxn modelId="{01BDA30A-8347-4F6F-93C5-ACA030286D4A}" type="presOf" srcId="{0EB6BE91-E96C-4587-B286-5EF2C7262826}" destId="{40F79579-AB6F-4F17-958C-F0D3416B4228}" srcOrd="0" destOrd="0" presId="urn:microsoft.com/office/officeart/2005/8/layout/chevron1"/>
@@ -1882,8 +1882,8 @@
     <dgm:cxn modelId="{F88F928E-2E3F-4845-B072-9B22B1579570}" type="presParOf" srcId="{40F79579-AB6F-4F17-958C-F0D3416B4228}" destId="{1A0BED00-428A-4143-A6E6-7058B43EE6E3}" srcOrd="2" destOrd="0" presId="urn:microsoft.com/office/officeart/2005/8/layout/chevron1"/>
     <dgm:cxn modelId="{0B0C07AB-12DF-4F5A-978A-BA6125EF51C6}" type="presParOf" srcId="{40F79579-AB6F-4F17-958C-F0D3416B4228}" destId="{9BFF179C-5738-4598-8B83-B87080C5F443}" srcOrd="3" destOrd="0" presId="urn:microsoft.com/office/officeart/2005/8/layout/chevron1"/>
     <dgm:cxn modelId="{D2139160-925F-47F3-9EF4-C4005362C1B4}" type="presParOf" srcId="{40F79579-AB6F-4F17-958C-F0D3416B4228}" destId="{01FCF690-3A52-4BF2-9135-B54D20ED08E1}" srcOrd="4" destOrd="0" presId="urn:microsoft.com/office/officeart/2005/8/layout/chevron1"/>
-    <dgm:cxn modelId="{3B5EB1F3-F96B-4379-9F59-CBAF39184BBB}" type="presParOf" srcId="{40F79579-AB6F-4F17-958C-F0D3416B4228}" destId="{3A767838-6DEF-4E87-8881-32B6DFC6B014}" srcOrd="5" destOrd="0" presId="urn:microsoft.com/office/officeart/2005/8/layout/chevron1"/>
-    <dgm:cxn modelId="{B6D01AFE-20C6-4C51-8AED-3268CBA9262E}" type="presParOf" srcId="{40F79579-AB6F-4F17-958C-F0D3416B4228}" destId="{4B65C82B-1FAF-4964-93C3-3E28BC03D6B9}" srcOrd="6" destOrd="0" presId="urn:microsoft.com/office/officeart/2005/8/layout/chevron1"/>
+    <dgm:cxn modelId="{5C1D68DF-00DD-4CB7-AA56-E21E9F8CC3C8}" type="presParOf" srcId="{40F79579-AB6F-4F17-958C-F0D3416B4228}" destId="{3A767838-6DEF-4E87-8881-32B6DFC6B014}" srcOrd="5" destOrd="0" presId="urn:microsoft.com/office/officeart/2005/8/layout/chevron1"/>
+    <dgm:cxn modelId="{02B943D9-6856-4AC8-B10A-D39364486CCA}" type="presParOf" srcId="{40F79579-AB6F-4F17-958C-F0D3416B4228}" destId="{7F96DE0C-776B-46C2-A315-02E73B1ABF81}" srcOrd="6" destOrd="0" presId="urn:microsoft.com/office/officeart/2005/8/layout/chevron1"/>
   </dgm:cxnLst>
   <dgm:bg/>
   <dgm:whole/>
@@ -2184,8 +2184,8 @@
       </dsp:nvSpPr>
       <dsp:spPr>
         <a:xfrm>
-          <a:off x="329" y="0"/>
-          <a:ext cx="1510043" cy="288001"/>
+          <a:off x="2538" y="0"/>
+          <a:ext cx="1477610" cy="288001"/>
         </a:xfrm>
         <a:prstGeom prst="chevron">
           <a:avLst/>
@@ -2226,12 +2226,12 @@
         </a:fontRef>
       </dsp:style>
       <dsp:txBody>
-        <a:bodyPr spcFirstLastPara="0" vert="horz" wrap="square" lIns="64008" tIns="21336" rIns="21336" bIns="21336" numCol="1" spcCol="1270" anchor="ctr" anchorCtr="0">
+        <a:bodyPr spcFirstLastPara="0" vert="horz" wrap="square" lIns="60008" tIns="20003" rIns="20003" bIns="20003" numCol="1" spcCol="1270" anchor="ctr" anchorCtr="0">
           <a:noAutofit/>
         </a:bodyPr>
         <a:lstStyle/>
         <a:p>
-          <a:pPr lvl="0" algn="ctr" defTabSz="711200">
+          <a:pPr lvl="0" algn="ctr" defTabSz="666750">
             <a:lnSpc>
               <a:spcPct val="90000"/>
             </a:lnSpc>
@@ -2243,15 +2243,15 @@
             </a:spcAft>
           </a:pPr>
           <a:r>
-            <a:rPr lang="de-DE" sz="1600" kern="1200" dirty="0" smtClean="0"/>
+            <a:rPr lang="de-DE" sz="1500" kern="1200" dirty="0" smtClean="0"/>
             <a:t>Development</a:t>
           </a:r>
-          <a:endParaRPr lang="en-US" sz="1600" kern="1200" dirty="0"/>
+          <a:endParaRPr lang="en-US" sz="1500" kern="1200" dirty="0"/>
         </a:p>
       </dsp:txBody>
       <dsp:txXfrm>
-        <a:off x="329" y="0"/>
-        <a:ext cx="1510043" cy="288001"/>
+        <a:off x="2538" y="0"/>
+        <a:ext cx="1477610" cy="288001"/>
       </dsp:txXfrm>
     </dsp:sp>
     <dsp:sp modelId="{1A0BED00-428A-4143-A6E6-7058B43EE6E3}">
@@ -2261,8 +2261,8 @@
       </dsp:nvSpPr>
       <dsp:spPr>
         <a:xfrm>
-          <a:off x="1359369" y="0"/>
-          <a:ext cx="1510043" cy="288001"/>
+          <a:off x="1332388" y="0"/>
+          <a:ext cx="1477610" cy="288001"/>
         </a:xfrm>
         <a:prstGeom prst="chevron">
           <a:avLst/>
@@ -2303,12 +2303,12 @@
         </a:fontRef>
       </dsp:style>
       <dsp:txBody>
-        <a:bodyPr spcFirstLastPara="0" vert="horz" wrap="square" lIns="64008" tIns="21336" rIns="21336" bIns="21336" numCol="1" spcCol="1270" anchor="ctr" anchorCtr="0">
+        <a:bodyPr spcFirstLastPara="0" vert="horz" wrap="square" lIns="60008" tIns="20003" rIns="20003" bIns="20003" numCol="1" spcCol="1270" anchor="ctr" anchorCtr="0">
           <a:noAutofit/>
         </a:bodyPr>
         <a:lstStyle/>
         <a:p>
-          <a:pPr lvl="0" algn="ctr" defTabSz="711200">
+          <a:pPr lvl="0" algn="ctr" defTabSz="666750">
             <a:lnSpc>
               <a:spcPct val="90000"/>
             </a:lnSpc>
@@ -2320,15 +2320,15 @@
             </a:spcAft>
           </a:pPr>
           <a:r>
-            <a:rPr lang="de-DE" sz="1600" kern="1200" dirty="0" err="1" smtClean="0"/>
+            <a:rPr lang="de-DE" sz="1500" kern="1200" dirty="0" err="1" smtClean="0"/>
             <a:t>Testing</a:t>
           </a:r>
-          <a:endParaRPr lang="en-US" sz="1600" kern="1200" dirty="0"/>
+          <a:endParaRPr lang="en-US" sz="1500" kern="1200" dirty="0"/>
         </a:p>
       </dsp:txBody>
       <dsp:txXfrm>
-        <a:off x="1359369" y="0"/>
-        <a:ext cx="1510043" cy="288001"/>
+        <a:off x="1332388" y="0"/>
+        <a:ext cx="1477610" cy="288001"/>
       </dsp:txXfrm>
     </dsp:sp>
     <dsp:sp modelId="{01FCF690-3A52-4BF2-9135-B54D20ED08E1}">
@@ -2338,8 +2338,8 @@
       </dsp:nvSpPr>
       <dsp:spPr>
         <a:xfrm>
-          <a:off x="2718408" y="0"/>
-          <a:ext cx="1510043" cy="288001"/>
+          <a:off x="2662237" y="0"/>
+          <a:ext cx="1477610" cy="288001"/>
         </a:xfrm>
         <a:prstGeom prst="chevron">
           <a:avLst/>
@@ -2380,12 +2380,12 @@
         </a:fontRef>
       </dsp:style>
       <dsp:txBody>
-        <a:bodyPr spcFirstLastPara="0" vert="horz" wrap="square" lIns="64008" tIns="21336" rIns="21336" bIns="21336" numCol="1" spcCol="1270" anchor="ctr" anchorCtr="0">
+        <a:bodyPr spcFirstLastPara="0" vert="horz" wrap="square" lIns="60008" tIns="20003" rIns="20003" bIns="20003" numCol="1" spcCol="1270" anchor="ctr" anchorCtr="0">
           <a:noAutofit/>
         </a:bodyPr>
         <a:lstStyle/>
         <a:p>
-          <a:pPr lvl="0" algn="ctr" defTabSz="711200">
+          <a:pPr lvl="0" algn="ctr" defTabSz="666750">
             <a:lnSpc>
               <a:spcPct val="90000"/>
             </a:lnSpc>
@@ -2397,26 +2397,26 @@
             </a:spcAft>
           </a:pPr>
           <a:r>
-            <a:rPr lang="de-DE" sz="1600" kern="1200" dirty="0" err="1" smtClean="0"/>
+            <a:rPr lang="de-DE" sz="1500" kern="1200" dirty="0" err="1" smtClean="0"/>
             <a:t>Building</a:t>
           </a:r>
-          <a:endParaRPr lang="en-US" sz="1600" kern="1200" dirty="0"/>
+          <a:endParaRPr lang="en-US" sz="1500" kern="1200" dirty="0"/>
         </a:p>
       </dsp:txBody>
       <dsp:txXfrm>
-        <a:off x="2718408" y="0"/>
-        <a:ext cx="1510043" cy="288001"/>
+        <a:off x="2662237" y="0"/>
+        <a:ext cx="1477610" cy="288001"/>
       </dsp:txXfrm>
     </dsp:sp>
-    <dsp:sp modelId="{4B65C82B-1FAF-4964-93C3-3E28BC03D6B9}">
+    <dsp:sp modelId="{7F96DE0C-776B-46C2-A315-02E73B1ABF81}">
       <dsp:nvSpPr>
         <dsp:cNvPr id="0" name=""/>
         <dsp:cNvSpPr/>
       </dsp:nvSpPr>
       <dsp:spPr>
         <a:xfrm>
-          <a:off x="4077447" y="0"/>
-          <a:ext cx="2502157" cy="288001"/>
+          <a:off x="3992087" y="0"/>
+          <a:ext cx="1477610" cy="288001"/>
         </a:xfrm>
         <a:prstGeom prst="chevron">
           <a:avLst/>
@@ -2457,12 +2457,12 @@
         </a:fontRef>
       </dsp:style>
       <dsp:txBody>
-        <a:bodyPr spcFirstLastPara="0" vert="horz" wrap="square" lIns="64008" tIns="21336" rIns="21336" bIns="21336" numCol="1" spcCol="1270" anchor="ctr" anchorCtr="0">
+        <a:bodyPr spcFirstLastPara="0" vert="horz" wrap="square" lIns="60008" tIns="20003" rIns="20003" bIns="20003" numCol="1" spcCol="1270" anchor="ctr" anchorCtr="0">
           <a:noAutofit/>
         </a:bodyPr>
         <a:lstStyle/>
         <a:p>
-          <a:pPr lvl="0" algn="ctr" defTabSz="711200">
+          <a:pPr lvl="0" algn="ctr" defTabSz="666750">
             <a:lnSpc>
               <a:spcPct val="90000"/>
             </a:lnSpc>
@@ -2474,15 +2474,15 @@
             </a:spcAft>
           </a:pPr>
           <a:r>
-            <a:rPr lang="de-DE" sz="1600" kern="1200" dirty="0" err="1" smtClean="0"/>
+            <a:rPr lang="en-US" sz="1500" kern="1200" dirty="0" smtClean="0"/>
             <a:t>Deployment</a:t>
           </a:r>
-          <a:endParaRPr lang="en-US" sz="1600" kern="1200" dirty="0"/>
+          <a:endParaRPr lang="en-US" sz="1500" kern="1200" dirty="0"/>
         </a:p>
       </dsp:txBody>
       <dsp:txXfrm>
-        <a:off x="4077447" y="0"/>
-        <a:ext cx="2502157" cy="288001"/>
+        <a:off x="3992087" y="0"/>
+        <a:ext cx="1477610" cy="288001"/>
       </dsp:txXfrm>
     </dsp:sp>
   </dsp:spTree>
@@ -6190,7 +6190,7 @@
     </p:spTree>
     <p:extLst>
       <p:ext uri="{BB962C8B-B14F-4D97-AF65-F5344CB8AC3E}">
-        <p14:creationId xmlns="" xmlns:p14="http://schemas.microsoft.com/office/powerpoint/2010/main" val="2863952165"/>
+        <p14:creationId xmlns:p14="http://schemas.microsoft.com/office/powerpoint/2010/main" xmlns="" val="2863952165"/>
       </p:ext>
     </p:extLst>
   </p:cSld>
@@ -6362,7 +6362,7 @@
     </p:spTree>
     <p:extLst>
       <p:ext uri="{BB962C8B-B14F-4D97-AF65-F5344CB8AC3E}">
-        <p14:creationId xmlns="" xmlns:p14="http://schemas.microsoft.com/office/powerpoint/2010/main" val="2133585190"/>
+        <p14:creationId xmlns:p14="http://schemas.microsoft.com/office/powerpoint/2010/main" xmlns="" val="2133585190"/>
       </p:ext>
     </p:extLst>
   </p:cSld>
@@ -6544,7 +6544,7 @@
     </p:spTree>
     <p:extLst>
       <p:ext uri="{BB962C8B-B14F-4D97-AF65-F5344CB8AC3E}">
-        <p14:creationId xmlns="" xmlns:p14="http://schemas.microsoft.com/office/powerpoint/2010/main" val="1606662952"/>
+        <p14:creationId xmlns:p14="http://schemas.microsoft.com/office/powerpoint/2010/main" xmlns="" val="1606662952"/>
       </p:ext>
     </p:extLst>
   </p:cSld>
@@ -6716,7 +6716,7 @@
     </p:spTree>
     <p:extLst>
       <p:ext uri="{BB962C8B-B14F-4D97-AF65-F5344CB8AC3E}">
-        <p14:creationId xmlns="" xmlns:p14="http://schemas.microsoft.com/office/powerpoint/2010/main" val="2705505806"/>
+        <p14:creationId xmlns:p14="http://schemas.microsoft.com/office/powerpoint/2010/main" xmlns="" val="2705505806"/>
       </p:ext>
     </p:extLst>
   </p:cSld>
@@ -6964,7 +6964,7 @@
     </p:spTree>
     <p:extLst>
       <p:ext uri="{BB962C8B-B14F-4D97-AF65-F5344CB8AC3E}">
-        <p14:creationId xmlns="" xmlns:p14="http://schemas.microsoft.com/office/powerpoint/2010/main" val="238253875"/>
+        <p14:creationId xmlns:p14="http://schemas.microsoft.com/office/powerpoint/2010/main" xmlns="" val="238253875"/>
       </p:ext>
     </p:extLst>
   </p:cSld>
@@ -7254,7 +7254,7 @@
     </p:spTree>
     <p:extLst>
       <p:ext uri="{BB962C8B-B14F-4D97-AF65-F5344CB8AC3E}">
-        <p14:creationId xmlns="" xmlns:p14="http://schemas.microsoft.com/office/powerpoint/2010/main" val="3259131391"/>
+        <p14:creationId xmlns:p14="http://schemas.microsoft.com/office/powerpoint/2010/main" xmlns="" val="3259131391"/>
       </p:ext>
     </p:extLst>
   </p:cSld>
@@ -7683,7 +7683,7 @@
     </p:spTree>
     <p:extLst>
       <p:ext uri="{BB962C8B-B14F-4D97-AF65-F5344CB8AC3E}">
-        <p14:creationId xmlns="" xmlns:p14="http://schemas.microsoft.com/office/powerpoint/2010/main" val="375435350"/>
+        <p14:creationId xmlns:p14="http://schemas.microsoft.com/office/powerpoint/2010/main" xmlns="" val="375435350"/>
       </p:ext>
     </p:extLst>
   </p:cSld>
@@ -7803,7 +7803,7 @@
     </p:spTree>
     <p:extLst>
       <p:ext uri="{BB962C8B-B14F-4D97-AF65-F5344CB8AC3E}">
-        <p14:creationId xmlns="" xmlns:p14="http://schemas.microsoft.com/office/powerpoint/2010/main" val="1696591400"/>
+        <p14:creationId xmlns:p14="http://schemas.microsoft.com/office/powerpoint/2010/main" xmlns="" val="1696591400"/>
       </p:ext>
     </p:extLst>
   </p:cSld>
@@ -7900,7 +7900,7 @@
     </p:spTree>
     <p:extLst>
       <p:ext uri="{BB962C8B-B14F-4D97-AF65-F5344CB8AC3E}">
-        <p14:creationId xmlns="" xmlns:p14="http://schemas.microsoft.com/office/powerpoint/2010/main" val="2675070685"/>
+        <p14:creationId xmlns:p14="http://schemas.microsoft.com/office/powerpoint/2010/main" xmlns="" val="2675070685"/>
       </p:ext>
     </p:extLst>
   </p:cSld>
@@ -8179,7 +8179,7 @@
     </p:spTree>
     <p:extLst>
       <p:ext uri="{BB962C8B-B14F-4D97-AF65-F5344CB8AC3E}">
-        <p14:creationId xmlns="" xmlns:p14="http://schemas.microsoft.com/office/powerpoint/2010/main" val="371003852"/>
+        <p14:creationId xmlns:p14="http://schemas.microsoft.com/office/powerpoint/2010/main" xmlns="" val="371003852"/>
       </p:ext>
     </p:extLst>
   </p:cSld>
@@ -8434,7 +8434,7 @@
     </p:spTree>
     <p:extLst>
       <p:ext uri="{BB962C8B-B14F-4D97-AF65-F5344CB8AC3E}">
-        <p14:creationId xmlns="" xmlns:p14="http://schemas.microsoft.com/office/powerpoint/2010/main" val="3653087689"/>
+        <p14:creationId xmlns:p14="http://schemas.microsoft.com/office/powerpoint/2010/main" xmlns="" val="3653087689"/>
       </p:ext>
     </p:extLst>
   </p:cSld>
@@ -8685,7 +8685,7 @@
     </p:spTree>
     <p:extLst>
       <p:ext uri="{BB962C8B-B14F-4D97-AF65-F5344CB8AC3E}">
-        <p14:creationId xmlns="" xmlns:p14="http://schemas.microsoft.com/office/powerpoint/2010/main" val="2762370001"/>
+        <p14:creationId xmlns:p14="http://schemas.microsoft.com/office/powerpoint/2010/main" xmlns="" val="2762370001"/>
       </p:ext>
     </p:extLst>
   </p:cSld>
@@ -8989,8 +8989,8 @@
         </p:nvSpPr>
         <p:spPr>
           <a:xfrm>
-            <a:off x="-324123" y="683840"/>
-            <a:ext cx="6724322" cy="1257639"/>
+            <a:off x="35917" y="683840"/>
+            <a:ext cx="5760640" cy="1257639"/>
           </a:xfrm>
           <a:prstGeom prst="roundRect">
             <a:avLst>
@@ -9034,14 +9034,14 @@
           <p:nvPr>
             <p:extLst>
               <p:ext uri="{D42A27DB-BD31-4B8C-83A1-F6EECF244321}">
-                <p14:modId xmlns="" xmlns:p14="http://schemas.microsoft.com/office/powerpoint/2010/main" val="1167990110"/>
+                <p14:modId xmlns:p14="http://schemas.microsoft.com/office/powerpoint/2010/main" xmlns="" val="1167990110"/>
               </p:ext>
             </p:extLst>
           </p:nvPr>
         </p:nvGraphicFramePr>
         <p:xfrm>
-          <a:off x="-251744" y="1509463"/>
-          <a:ext cx="6579935" cy="288001"/>
+          <a:off x="205333" y="1463228"/>
+          <a:ext cx="5472237" cy="288001"/>
         </p:xfrm>
         <a:graphic>
           <a:graphicData uri="http://schemas.openxmlformats.org/drawingml/2006/diagram">
@@ -9061,7 +9061,7 @@
           <a:blip r:embed="rId8" cstate="print">
             <a:extLst>
               <a:ext uri="{28A0092B-C50C-407E-A947-70E740481C1C}">
-                <a14:useLocalDpi xmlns="" xmlns:a14="http://schemas.microsoft.com/office/drawing/2010/main" val="0"/>
+                <a14:useLocalDpi xmlns:a14="http://schemas.microsoft.com/office/drawing/2010/main" xmlns="" val="0"/>
               </a:ext>
             </a:extLst>
           </a:blip>
@@ -9070,7 +9070,7 @@
         </p:blipFill>
         <p:spPr bwMode="auto">
           <a:xfrm>
-            <a:off x="2781746" y="871289"/>
+            <a:off x="3141786" y="871289"/>
             <a:ext cx="338481" cy="396000"/>
           </a:xfrm>
           <a:prstGeom prst="rect">
@@ -9082,14 +9082,14 @@
           </a:ln>
           <a:extLst>
             <a:ext uri="{909E8E84-426E-40DD-AFC4-6F175D3DCCD1}">
-              <a14:hiddenFill xmlns="" xmlns:a14="http://schemas.microsoft.com/office/drawing/2010/main">
+              <a14:hiddenFill xmlns:a14="http://schemas.microsoft.com/office/drawing/2010/main" xmlns="">
                 <a:solidFill>
                   <a:schemeClr val="accent1"/>
                 </a:solidFill>
               </a14:hiddenFill>
             </a:ext>
             <a:ext uri="{91240B29-F687-4F45-9708-019B960494DF}">
-              <a14:hiddenLine xmlns="" xmlns:a14="http://schemas.microsoft.com/office/drawing/2010/main" w="9525">
+              <a14:hiddenLine xmlns:a14="http://schemas.microsoft.com/office/drawing/2010/main" xmlns="" w="9525">
                 <a:solidFill>
                   <a:schemeClr val="tx1"/>
                 </a:solidFill>
@@ -9113,7 +9113,7 @@
           <a:blip r:embed="rId9" cstate="print">
             <a:extLst>
               <a:ext uri="{28A0092B-C50C-407E-A947-70E740481C1C}">
-                <a14:useLocalDpi xmlns="" xmlns:a14="http://schemas.microsoft.com/office/drawing/2010/main" val="0"/>
+                <a14:useLocalDpi xmlns:a14="http://schemas.microsoft.com/office/drawing/2010/main" xmlns="" val="0"/>
               </a:ext>
             </a:extLst>
           </a:blip>
@@ -9122,7 +9122,7 @@
         </p:blipFill>
         <p:spPr bwMode="auto">
           <a:xfrm>
-            <a:off x="1344781" y="883044"/>
+            <a:off x="1704821" y="883044"/>
             <a:ext cx="358270" cy="360000"/>
           </a:xfrm>
           <a:prstGeom prst="rect">
@@ -9131,7 +9131,7 @@
           <a:noFill/>
           <a:extLst>
             <a:ext uri="{909E8E84-426E-40DD-AFC4-6F175D3DCCD1}">
-              <a14:hiddenFill xmlns="" xmlns:a14="http://schemas.microsoft.com/office/drawing/2010/main">
+              <a14:hiddenFill xmlns:a14="http://schemas.microsoft.com/office/drawing/2010/main" xmlns="">
                 <a:solidFill>
                   <a:srgbClr val="FFFFFF"/>
                 </a:solidFill>
@@ -9152,7 +9152,7 @@
           <a:blip r:embed="rId10" cstate="print">
             <a:extLst>
               <a:ext uri="{28A0092B-C50C-407E-A947-70E740481C1C}">
-                <a14:useLocalDpi xmlns="" xmlns:a14="http://schemas.microsoft.com/office/drawing/2010/main" val="0"/>
+                <a14:useLocalDpi xmlns:a14="http://schemas.microsoft.com/office/drawing/2010/main" xmlns="" val="0"/>
               </a:ext>
             </a:extLst>
           </a:blip>
@@ -9163,7 +9163,7 @@
         </p:blipFill>
         <p:spPr bwMode="auto">
           <a:xfrm>
-            <a:off x="29587" y="879257"/>
+            <a:off x="389627" y="879257"/>
             <a:ext cx="360040" cy="360041"/>
           </a:xfrm>
           <a:prstGeom prst="rect">
@@ -9172,7 +9172,7 @@
           <a:noFill/>
           <a:extLst>
             <a:ext uri="{909E8E84-426E-40DD-AFC4-6F175D3DCCD1}">
-              <a14:hiddenFill xmlns="" xmlns:a14="http://schemas.microsoft.com/office/drawing/2010/main">
+              <a14:hiddenFill xmlns:a14="http://schemas.microsoft.com/office/drawing/2010/main" xmlns="">
                 <a:solidFill>
                   <a:srgbClr val="FFFFFF"/>
                 </a:solidFill>
@@ -9193,7 +9193,7 @@
           <a:blip r:embed="rId11" cstate="print">
             <a:extLst>
               <a:ext uri="{28A0092B-C50C-407E-A947-70E740481C1C}">
-                <a14:useLocalDpi xmlns="" xmlns:a14="http://schemas.microsoft.com/office/drawing/2010/main" val="0"/>
+                <a14:useLocalDpi xmlns:a14="http://schemas.microsoft.com/office/drawing/2010/main" xmlns="" val="0"/>
               </a:ext>
             </a:extLst>
           </a:blip>
@@ -9204,7 +9204,7 @@
         </p:blipFill>
         <p:spPr bwMode="auto">
           <a:xfrm>
-            <a:off x="514593" y="879257"/>
+            <a:off x="874633" y="879257"/>
             <a:ext cx="360000" cy="360000"/>
           </a:xfrm>
           <a:prstGeom prst="rect">
@@ -9213,7 +9213,7 @@
           <a:noFill/>
           <a:extLst>
             <a:ext uri="{909E8E84-426E-40DD-AFC4-6F175D3DCCD1}">
-              <a14:hiddenFill xmlns="" xmlns:a14="http://schemas.microsoft.com/office/drawing/2010/main">
+              <a14:hiddenFill xmlns:a14="http://schemas.microsoft.com/office/drawing/2010/main" xmlns="">
                 <a:solidFill>
                   <a:srgbClr val="FFFFFF"/>
                 </a:solidFill>
@@ -9234,7 +9234,7 @@
           <a:blip r:embed="rId12" cstate="print">
             <a:extLst>
               <a:ext uri="{28A0092B-C50C-407E-A947-70E740481C1C}">
-                <a14:useLocalDpi xmlns="" xmlns:a14="http://schemas.microsoft.com/office/drawing/2010/main" val="0"/>
+                <a14:useLocalDpi xmlns:a14="http://schemas.microsoft.com/office/drawing/2010/main" xmlns="" val="0"/>
               </a:ext>
             </a:extLst>
           </a:blip>
@@ -9243,7 +9243,7 @@
         </p:blipFill>
         <p:spPr bwMode="auto">
           <a:xfrm>
-            <a:off x="3250897" y="842358"/>
+            <a:off x="3610937" y="842358"/>
             <a:ext cx="429687" cy="432000"/>
           </a:xfrm>
           <a:prstGeom prst="rect">
@@ -9252,7 +9252,7 @@
           <a:noFill/>
           <a:extLst>
             <a:ext uri="{909E8E84-426E-40DD-AFC4-6F175D3DCCD1}">
-              <a14:hiddenFill xmlns="" xmlns:a14="http://schemas.microsoft.com/office/drawing/2010/main">
+              <a14:hiddenFill xmlns:a14="http://schemas.microsoft.com/office/drawing/2010/main" xmlns="">
                 <a:solidFill>
                   <a:srgbClr val="FFFFFF"/>
                 </a:solidFill>
@@ -9269,7 +9269,7 @@
         </p:nvSpPr>
         <p:spPr>
           <a:xfrm>
-            <a:off x="1069449" y="845733"/>
+            <a:off x="1429489" y="845733"/>
             <a:ext cx="112266" cy="447675"/>
           </a:xfrm>
           <a:prstGeom prst="chevron">
@@ -9324,7 +9324,7 @@
         </p:nvSpPr>
         <p:spPr>
           <a:xfrm>
-            <a:off x="2459826" y="845733"/>
+            <a:off x="2819866" y="845733"/>
             <a:ext cx="112266" cy="447675"/>
           </a:xfrm>
           <a:prstGeom prst="chevron">
@@ -9379,7 +9379,7 @@
         </p:nvSpPr>
         <p:spPr>
           <a:xfrm>
-            <a:off x="3855853" y="845733"/>
+            <a:off x="4215893" y="845733"/>
             <a:ext cx="112266" cy="447675"/>
           </a:xfrm>
           <a:prstGeom prst="chevron">
@@ -9428,203 +9428,6 @@
       </p:sp>
       <p:pic>
         <p:nvPicPr>
-          <p:cNvPr id="28" name="Picture 2" descr="app-store-download.png"/>
-          <p:cNvPicPr>
-            <a:picLocks noChangeAspect="1" noChangeArrowheads="1"/>
-          </p:cNvPicPr>
-          <p:nvPr/>
-        </p:nvPicPr>
-        <p:blipFill>
-          <a:blip r:embed="rId13" cstate="print">
-            <a:extLst>
-              <a:ext uri="{28A0092B-C50C-407E-A947-70E740481C1C}">
-                <a14:useLocalDpi xmlns="" xmlns:a14="http://schemas.microsoft.com/office/drawing/2010/main" val="0"/>
-              </a:ext>
-            </a:extLst>
-          </a:blip>
-          <a:srcRect/>
-          <a:stretch>
-            <a:fillRect/>
-          </a:stretch>
-        </p:blipFill>
-        <p:spPr bwMode="auto">
-          <a:xfrm>
-            <a:off x="4239960" y="806420"/>
-            <a:ext cx="864095" cy="256204"/>
-          </a:xfrm>
-          <a:prstGeom prst="rect">
-            <a:avLst/>
-          </a:prstGeom>
-          <a:noFill/>
-          <a:extLst>
-            <a:ext uri="{909E8E84-426E-40DD-AFC4-6F175D3DCCD1}">
-              <a14:hiddenFill xmlns="" xmlns:a14="http://schemas.microsoft.com/office/drawing/2010/main">
-                <a:solidFill>
-                  <a:srgbClr val="FFFFFF"/>
-                </a:solidFill>
-              </a14:hiddenFill>
-            </a:ext>
-          </a:extLst>
-        </p:spPr>
-      </p:pic>
-      <p:pic>
-        <p:nvPicPr>
-          <p:cNvPr id="29" name="Picture 4" descr="https://raw.githubusercontent.com/scriptPilot/app-framework/dev-1.3/media/google-play-download.png"/>
-          <p:cNvPicPr>
-            <a:picLocks noChangeAspect="1" noChangeArrowheads="1"/>
-          </p:cNvPicPr>
-          <p:nvPr/>
-        </p:nvPicPr>
-        <p:blipFill>
-          <a:blip r:embed="rId14" cstate="print">
-            <a:extLst>
-              <a:ext uri="{28A0092B-C50C-407E-A947-70E740481C1C}">
-                <a14:useLocalDpi xmlns="" xmlns:a14="http://schemas.microsoft.com/office/drawing/2010/main" val="0"/>
-              </a:ext>
-            </a:extLst>
-          </a:blip>
-          <a:srcRect/>
-          <a:stretch>
-            <a:fillRect/>
-          </a:stretch>
-        </p:blipFill>
-        <p:spPr bwMode="auto">
-          <a:xfrm>
-            <a:off x="4239959" y="1108026"/>
-            <a:ext cx="864096" cy="257390"/>
-          </a:xfrm>
-          <a:prstGeom prst="rect">
-            <a:avLst/>
-          </a:prstGeom>
-          <a:noFill/>
-          <a:extLst>
-            <a:ext uri="{909E8E84-426E-40DD-AFC4-6F175D3DCCD1}">
-              <a14:hiddenFill xmlns="" xmlns:a14="http://schemas.microsoft.com/office/drawing/2010/main">
-                <a:solidFill>
-                  <a:srgbClr val="FFFFFF"/>
-                </a:solidFill>
-              </a14:hiddenFill>
-            </a:ext>
-          </a:extLst>
-        </p:spPr>
-      </p:pic>
-      <p:pic>
-        <p:nvPicPr>
-          <p:cNvPr id="30" name="Picture 9" descr="https://i0.wp.com/www.artit-k.com/wp-content/uploads/2016/07/Cover-Firebase_Hosting.png?fit=650%2C300"/>
-          <p:cNvPicPr>
-            <a:picLocks noChangeAspect="1" noChangeArrowheads="1"/>
-          </p:cNvPicPr>
-          <p:nvPr/>
-        </p:nvPicPr>
-        <p:blipFill rotWithShape="1">
-          <a:blip r:embed="rId15" cstate="print">
-            <a:extLst>
-              <a:ext uri="{28A0092B-C50C-407E-A947-70E740481C1C}">
-                <a14:useLocalDpi xmlns="" xmlns:a14="http://schemas.microsoft.com/office/drawing/2010/main" val="0"/>
-              </a:ext>
-            </a:extLst>
-          </a:blip>
-          <a:srcRect t="5051" b="31822"/>
-          <a:stretch/>
-        </p:blipFill>
-        <p:spPr bwMode="auto">
-          <a:xfrm>
-            <a:off x="5248072" y="802958"/>
-            <a:ext cx="803194" cy="234000"/>
-          </a:xfrm>
-          <a:prstGeom prst="roundRect">
-            <a:avLst>
-              <a:gd name="adj" fmla="val 8525"/>
-            </a:avLst>
-          </a:prstGeom>
-          <a:noFill/>
-          <a:ln w="9525">
-            <a:solidFill>
-              <a:srgbClr val="FFC000"/>
-            </a:solidFill>
-          </a:ln>
-          <a:extLst>
-            <a:ext uri="{909E8E84-426E-40DD-AFC4-6F175D3DCCD1}">
-              <a14:hiddenFill xmlns="" xmlns:a14="http://schemas.microsoft.com/office/drawing/2010/main">
-                <a:solidFill>
-                  <a:srgbClr val="FFFFFF"/>
-                </a:solidFill>
-              </a14:hiddenFill>
-            </a:ext>
-          </a:extLst>
-        </p:spPr>
-      </p:pic>
-      <p:sp>
-        <p:nvSpPr>
-          <p:cNvPr id="31" name="Rounded Rectangle 9"/>
-          <p:cNvSpPr/>
-          <p:nvPr/>
-        </p:nvSpPr>
-        <p:spPr>
-          <a:xfrm>
-            <a:off x="5248071" y="1120816"/>
-            <a:ext cx="810000" cy="234000"/>
-          </a:xfrm>
-          <a:prstGeom prst="roundRect">
-            <a:avLst>
-              <a:gd name="adj" fmla="val 10214"/>
-            </a:avLst>
-          </a:prstGeom>
-          <a:ln w="9525">
-            <a:solidFill>
-              <a:schemeClr val="accent3">
-                <a:lumMod val="75000"/>
-              </a:schemeClr>
-            </a:solidFill>
-          </a:ln>
-        </p:spPr>
-        <p:style>
-          <a:lnRef idx="2">
-            <a:schemeClr val="accent6"/>
-          </a:lnRef>
-          <a:fillRef idx="1">
-            <a:schemeClr val="lt1"/>
-          </a:fillRef>
-          <a:effectRef idx="0">
-            <a:schemeClr val="accent6"/>
-          </a:effectRef>
-          <a:fontRef idx="minor">
-            <a:schemeClr val="dk1"/>
-          </a:fontRef>
-        </p:style>
-        <p:txBody>
-          <a:bodyPr lIns="91420" tIns="45712" rIns="91420" bIns="45712" rtlCol="0" anchor="ctr"/>
-          <a:lstStyle/>
-          <a:p>
-            <a:pPr algn="ctr"/>
-            <a:r>
-              <a:rPr lang="de-DE" sz="1100" b="1" dirty="0" smtClean="0">
-                <a:solidFill>
-                  <a:schemeClr val="accent3">
-                    <a:lumMod val="50000"/>
-                  </a:schemeClr>
-                </a:solidFill>
-                <a:latin typeface="+mj-lt"/>
-                <a:ea typeface="Verdana" panose="020B0604030504040204" pitchFamily="34" charset="0"/>
-                <a:cs typeface="Verdana" panose="020B0604030504040204" pitchFamily="34" charset="0"/>
-              </a:rPr>
-              <a:t>FTP Server</a:t>
-            </a:r>
-            <a:endParaRPr lang="en-US" sz="1100" b="1" dirty="0">
-              <a:solidFill>
-                <a:schemeClr val="accent3">
-                  <a:lumMod val="50000"/>
-                </a:schemeClr>
-              </a:solidFill>
-              <a:latin typeface="+mj-lt"/>
-              <a:ea typeface="Verdana" panose="020B0604030504040204" pitchFamily="34" charset="0"/>
-              <a:cs typeface="Verdana" panose="020B0604030504040204" pitchFamily="34" charset="0"/>
-            </a:endParaRPr>
-          </a:p>
-        </p:txBody>
-      </p:sp>
-      <p:pic>
-        <p:nvPicPr>
           <p:cNvPr id="1029" name="Picture 5"/>
           <p:cNvPicPr>
             <a:picLocks noChangeAspect="1" noChangeArrowheads="1"/>
@@ -9632,7 +9435,7 @@
           <p:nvPr/>
         </p:nvPicPr>
         <p:blipFill>
-          <a:blip r:embed="rId16" cstate="print"/>
+          <a:blip r:embed="rId13" cstate="print"/>
           <a:srcRect l="7471" t="30020" r="79800" b="45371"/>
           <a:stretch>
             <a:fillRect/>
@@ -9664,10 +9467,10 @@
           <p:nvPr/>
         </p:nvPicPr>
         <p:blipFill rotWithShape="1">
-          <a:blip r:embed="rId17" cstate="print">
+          <a:blip r:embed="rId14" cstate="print">
             <a:extLst>
               <a:ext uri="{28A0092B-C50C-407E-A947-70E740481C1C}">
-                <a14:useLocalDpi xmlns="" xmlns:a14="http://schemas.microsoft.com/office/drawing/2010/main" val="0"/>
+                <a14:useLocalDpi xmlns:a14="http://schemas.microsoft.com/office/drawing/2010/main" xmlns="" val="0"/>
               </a:ext>
             </a:extLst>
           </a:blip>
@@ -9676,7 +9479,7 @@
         </p:blipFill>
         <p:spPr bwMode="auto">
           <a:xfrm>
-            <a:off x="1855167" y="871289"/>
+            <a:off x="2215207" y="871289"/>
             <a:ext cx="371933" cy="396000"/>
           </a:xfrm>
           <a:prstGeom prst="rect">
@@ -9688,14 +9491,14 @@
           </a:ln>
           <a:extLst>
             <a:ext uri="{909E8E84-426E-40DD-AFC4-6F175D3DCCD1}">
-              <a14:hiddenFill xmlns="" xmlns:a14="http://schemas.microsoft.com/office/drawing/2010/main">
+              <a14:hiddenFill xmlns:a14="http://schemas.microsoft.com/office/drawing/2010/main" xmlns="">
                 <a:solidFill>
                   <a:schemeClr val="accent1"/>
                 </a:solidFill>
               </a14:hiddenFill>
             </a:ext>
             <a:ext uri="{91240B29-F687-4F45-9708-019B960494DF}">
-              <a14:hiddenLine xmlns="" xmlns:a14="http://schemas.microsoft.com/office/drawing/2010/main" w="9525">
+              <a14:hiddenLine xmlns:a14="http://schemas.microsoft.com/office/drawing/2010/main" xmlns="" w="9525">
                 <a:solidFill>
                   <a:schemeClr val="tx1"/>
                 </a:solidFill>
@@ -9707,10 +9510,88 @@
           </a:extLst>
         </p:spPr>
       </p:pic>
+      <p:pic>
+        <p:nvPicPr>
+          <p:cNvPr id="4098" name="Picture 2" descr="Bildergebnis für apple"/>
+          <p:cNvPicPr>
+            <a:picLocks noChangeAspect="1" noChangeArrowheads="1"/>
+          </p:cNvPicPr>
+          <p:nvPr/>
+        </p:nvPicPr>
+        <p:blipFill>
+          <a:blip r:embed="rId15" cstate="print"/>
+          <a:srcRect/>
+          <a:stretch>
+            <a:fillRect/>
+          </a:stretch>
+        </p:blipFill>
+        <p:spPr bwMode="auto">
+          <a:xfrm>
+            <a:off x="4428405" y="853256"/>
+            <a:ext cx="360000" cy="360000"/>
+          </a:xfrm>
+          <a:prstGeom prst="rect">
+            <a:avLst/>
+          </a:prstGeom>
+          <a:noFill/>
+        </p:spPr>
+      </p:pic>
+      <p:pic>
+        <p:nvPicPr>
+          <p:cNvPr id="4100" name="Picture 4" descr="Bildergebnis für google play store icon"/>
+          <p:cNvPicPr>
+            <a:picLocks noChangeAspect="1" noChangeArrowheads="1"/>
+          </p:cNvPicPr>
+          <p:nvPr/>
+        </p:nvPicPr>
+        <p:blipFill>
+          <a:blip r:embed="rId16" cstate="print"/>
+          <a:srcRect/>
+          <a:stretch>
+            <a:fillRect/>
+          </a:stretch>
+        </p:blipFill>
+        <p:spPr bwMode="auto">
+          <a:xfrm>
+            <a:off x="4860453" y="887164"/>
+            <a:ext cx="360000" cy="360000"/>
+          </a:xfrm>
+          <a:prstGeom prst="rect">
+            <a:avLst/>
+          </a:prstGeom>
+          <a:noFill/>
+        </p:spPr>
+      </p:pic>
+      <p:pic>
+        <p:nvPicPr>
+          <p:cNvPr id="4102" name="Picture 6" descr="Bildergebnis für firebase"/>
+          <p:cNvPicPr>
+            <a:picLocks noChangeAspect="1" noChangeArrowheads="1"/>
+          </p:cNvPicPr>
+          <p:nvPr/>
+        </p:nvPicPr>
+        <p:blipFill>
+          <a:blip r:embed="rId17" cstate="print"/>
+          <a:srcRect/>
+          <a:stretch>
+            <a:fillRect/>
+          </a:stretch>
+        </p:blipFill>
+        <p:spPr bwMode="auto">
+          <a:xfrm>
+            <a:off x="5279801" y="885006"/>
+            <a:ext cx="360000" cy="360000"/>
+          </a:xfrm>
+          <a:prstGeom prst="rect">
+            <a:avLst/>
+          </a:prstGeom>
+          <a:noFill/>
+        </p:spPr>
+      </p:pic>
     </p:spTree>
     <p:extLst>
       <p:ext uri="{BB962C8B-B14F-4D97-AF65-F5344CB8AC3E}">
-        <p14:creationId xmlns="" xmlns:p14="http://schemas.microsoft.com/office/powerpoint/2010/main" val="1003733918"/>
+        <p14:creationId xmlns:p14="http://schemas.microsoft.com/office/powerpoint/2010/main" xmlns="" val="1003733918"/>
       </p:ext>
     </p:extLst>
   </p:cSld>
@@ -9790,7 +9671,7 @@
           <p:nvPr>
             <p:extLst>
               <p:ext uri="{D42A27DB-BD31-4B8C-83A1-F6EECF244321}">
-                <p14:modId xmlns="" xmlns:p14="http://schemas.microsoft.com/office/powerpoint/2010/main" val="1167990110"/>
+                <p14:modId xmlns:p14="http://schemas.microsoft.com/office/powerpoint/2010/main" xmlns="" val="1167990110"/>
               </p:ext>
             </p:extLst>
           </p:nvPr>
@@ -9817,7 +9698,7 @@
           <a:blip r:embed="rId8" cstate="print">
             <a:extLst>
               <a:ext uri="{28A0092B-C50C-407E-A947-70E740481C1C}">
-                <a14:useLocalDpi xmlns="" xmlns:a14="http://schemas.microsoft.com/office/drawing/2010/main" val="0"/>
+                <a14:useLocalDpi xmlns:a14="http://schemas.microsoft.com/office/drawing/2010/main" xmlns="" val="0"/>
               </a:ext>
             </a:extLst>
           </a:blip>
@@ -9838,14 +9719,14 @@
           </a:ln>
           <a:extLst>
             <a:ext uri="{909E8E84-426E-40DD-AFC4-6F175D3DCCD1}">
-              <a14:hiddenFill xmlns="" xmlns:a14="http://schemas.microsoft.com/office/drawing/2010/main">
+              <a14:hiddenFill xmlns:a14="http://schemas.microsoft.com/office/drawing/2010/main" xmlns="">
                 <a:solidFill>
                   <a:schemeClr val="accent1"/>
                 </a:solidFill>
               </a14:hiddenFill>
             </a:ext>
             <a:ext uri="{91240B29-F687-4F45-9708-019B960494DF}">
-              <a14:hiddenLine xmlns="" xmlns:a14="http://schemas.microsoft.com/office/drawing/2010/main" w="9525">
+              <a14:hiddenLine xmlns:a14="http://schemas.microsoft.com/office/drawing/2010/main" xmlns="" w="9525">
                 <a:solidFill>
                   <a:schemeClr val="tx1"/>
                 </a:solidFill>
@@ -9869,7 +9750,7 @@
           <a:blip r:embed="rId9" cstate="print">
             <a:extLst>
               <a:ext uri="{28A0092B-C50C-407E-A947-70E740481C1C}">
-                <a14:useLocalDpi xmlns="" xmlns:a14="http://schemas.microsoft.com/office/drawing/2010/main" val="0"/>
+                <a14:useLocalDpi xmlns:a14="http://schemas.microsoft.com/office/drawing/2010/main" xmlns="" val="0"/>
               </a:ext>
             </a:extLst>
           </a:blip>
@@ -9890,14 +9771,14 @@
           </a:ln>
           <a:extLst>
             <a:ext uri="{909E8E84-426E-40DD-AFC4-6F175D3DCCD1}">
-              <a14:hiddenFill xmlns="" xmlns:a14="http://schemas.microsoft.com/office/drawing/2010/main">
+              <a14:hiddenFill xmlns:a14="http://schemas.microsoft.com/office/drawing/2010/main" xmlns="">
                 <a:solidFill>
                   <a:schemeClr val="accent1"/>
                 </a:solidFill>
               </a14:hiddenFill>
             </a:ext>
             <a:ext uri="{91240B29-F687-4F45-9708-019B960494DF}">
-              <a14:hiddenLine xmlns="" xmlns:a14="http://schemas.microsoft.com/office/drawing/2010/main" w="9525">
+              <a14:hiddenLine xmlns:a14="http://schemas.microsoft.com/office/drawing/2010/main" xmlns="" w="9525">
                 <a:solidFill>
                   <a:schemeClr val="tx1"/>
                 </a:solidFill>
@@ -9921,7 +9802,7 @@
           <a:blip r:embed="rId10" cstate="print">
             <a:extLst>
               <a:ext uri="{28A0092B-C50C-407E-A947-70E740481C1C}">
-                <a14:useLocalDpi xmlns="" xmlns:a14="http://schemas.microsoft.com/office/drawing/2010/main" val="0"/>
+                <a14:useLocalDpi xmlns:a14="http://schemas.microsoft.com/office/drawing/2010/main" xmlns="" val="0"/>
               </a:ext>
             </a:extLst>
           </a:blip>
@@ -9939,7 +9820,7 @@
           <a:noFill/>
           <a:extLst>
             <a:ext uri="{909E8E84-426E-40DD-AFC4-6F175D3DCCD1}">
-              <a14:hiddenFill xmlns="" xmlns:a14="http://schemas.microsoft.com/office/drawing/2010/main">
+              <a14:hiddenFill xmlns:a14="http://schemas.microsoft.com/office/drawing/2010/main" xmlns="">
                 <a:solidFill>
                   <a:srgbClr val="FFFFFF"/>
                 </a:solidFill>
@@ -9960,7 +9841,7 @@
           <a:blip r:embed="rId11" cstate="print">
             <a:extLst>
               <a:ext uri="{28A0092B-C50C-407E-A947-70E740481C1C}">
-                <a14:useLocalDpi xmlns="" xmlns:a14="http://schemas.microsoft.com/office/drawing/2010/main" val="0"/>
+                <a14:useLocalDpi xmlns:a14="http://schemas.microsoft.com/office/drawing/2010/main" xmlns="" val="0"/>
               </a:ext>
             </a:extLst>
           </a:blip>
@@ -9980,7 +9861,7 @@
           <a:noFill/>
           <a:extLst>
             <a:ext uri="{909E8E84-426E-40DD-AFC4-6F175D3DCCD1}">
-              <a14:hiddenFill xmlns="" xmlns:a14="http://schemas.microsoft.com/office/drawing/2010/main">
+              <a14:hiddenFill xmlns:a14="http://schemas.microsoft.com/office/drawing/2010/main" xmlns="">
                 <a:solidFill>
                   <a:srgbClr val="FFFFFF"/>
                 </a:solidFill>
@@ -10001,7 +9882,7 @@
           <a:blip r:embed="rId12" cstate="print">
             <a:extLst>
               <a:ext uri="{28A0092B-C50C-407E-A947-70E740481C1C}">
-                <a14:useLocalDpi xmlns="" xmlns:a14="http://schemas.microsoft.com/office/drawing/2010/main" val="0"/>
+                <a14:useLocalDpi xmlns:a14="http://schemas.microsoft.com/office/drawing/2010/main" xmlns="" val="0"/>
               </a:ext>
             </a:extLst>
           </a:blip>
@@ -10021,7 +9902,7 @@
           <a:noFill/>
           <a:extLst>
             <a:ext uri="{909E8E84-426E-40DD-AFC4-6F175D3DCCD1}">
-              <a14:hiddenFill xmlns="" xmlns:a14="http://schemas.microsoft.com/office/drawing/2010/main">
+              <a14:hiddenFill xmlns:a14="http://schemas.microsoft.com/office/drawing/2010/main" xmlns="">
                 <a:solidFill>
                   <a:srgbClr val="FFFFFF"/>
                 </a:solidFill>
@@ -10042,7 +9923,7 @@
           <a:blip r:embed="rId13" cstate="print">
             <a:extLst>
               <a:ext uri="{28A0092B-C50C-407E-A947-70E740481C1C}">
-                <a14:useLocalDpi xmlns="" xmlns:a14="http://schemas.microsoft.com/office/drawing/2010/main" val="0"/>
+                <a14:useLocalDpi xmlns:a14="http://schemas.microsoft.com/office/drawing/2010/main" xmlns="" val="0"/>
               </a:ext>
             </a:extLst>
           </a:blip>
@@ -10060,7 +9941,7 @@
           <a:noFill/>
           <a:extLst>
             <a:ext uri="{909E8E84-426E-40DD-AFC4-6F175D3DCCD1}">
-              <a14:hiddenFill xmlns="" xmlns:a14="http://schemas.microsoft.com/office/drawing/2010/main">
+              <a14:hiddenFill xmlns:a14="http://schemas.microsoft.com/office/drawing/2010/main" xmlns="">
                 <a:solidFill>
                   <a:srgbClr val="FFFFFF"/>
                 </a:solidFill>
@@ -10246,7 +10127,7 @@
           <a:blip r:embed="rId14" cstate="print">
             <a:extLst>
               <a:ext uri="{28A0092B-C50C-407E-A947-70E740481C1C}">
-                <a14:useLocalDpi xmlns="" xmlns:a14="http://schemas.microsoft.com/office/drawing/2010/main" val="0"/>
+                <a14:useLocalDpi xmlns:a14="http://schemas.microsoft.com/office/drawing/2010/main" xmlns="" val="0"/>
               </a:ext>
             </a:extLst>
           </a:blip>
@@ -10266,7 +10147,7 @@
           <a:noFill/>
           <a:extLst>
             <a:ext uri="{909E8E84-426E-40DD-AFC4-6F175D3DCCD1}">
-              <a14:hiddenFill xmlns="" xmlns:a14="http://schemas.microsoft.com/office/drawing/2010/main">
+              <a14:hiddenFill xmlns:a14="http://schemas.microsoft.com/office/drawing/2010/main" xmlns="">
                 <a:solidFill>
                   <a:srgbClr val="FFFFFF"/>
                 </a:solidFill>
@@ -10287,7 +10168,7 @@
           <a:blip r:embed="rId15" cstate="print">
             <a:extLst>
               <a:ext uri="{28A0092B-C50C-407E-A947-70E740481C1C}">
-                <a14:useLocalDpi xmlns="" xmlns:a14="http://schemas.microsoft.com/office/drawing/2010/main" val="0"/>
+                <a14:useLocalDpi xmlns:a14="http://schemas.microsoft.com/office/drawing/2010/main" xmlns="" val="0"/>
               </a:ext>
             </a:extLst>
           </a:blip>
@@ -10307,7 +10188,7 @@
           <a:noFill/>
           <a:extLst>
             <a:ext uri="{909E8E84-426E-40DD-AFC4-6F175D3DCCD1}">
-              <a14:hiddenFill xmlns="" xmlns:a14="http://schemas.microsoft.com/office/drawing/2010/main">
+              <a14:hiddenFill xmlns:a14="http://schemas.microsoft.com/office/drawing/2010/main" xmlns="">
                 <a:solidFill>
                   <a:srgbClr val="FFFFFF"/>
                 </a:solidFill>
@@ -10328,7 +10209,7 @@
           <a:blip r:embed="rId16" cstate="print">
             <a:extLst>
               <a:ext uri="{28A0092B-C50C-407E-A947-70E740481C1C}">
-                <a14:useLocalDpi xmlns="" xmlns:a14="http://schemas.microsoft.com/office/drawing/2010/main" val="0"/>
+                <a14:useLocalDpi xmlns:a14="http://schemas.microsoft.com/office/drawing/2010/main" xmlns="" val="0"/>
               </a:ext>
             </a:extLst>
           </a:blip>
@@ -10353,7 +10234,7 @@
           </a:ln>
           <a:extLst>
             <a:ext uri="{909E8E84-426E-40DD-AFC4-6F175D3DCCD1}">
-              <a14:hiddenFill xmlns="" xmlns:a14="http://schemas.microsoft.com/office/drawing/2010/main">
+              <a14:hiddenFill xmlns:a14="http://schemas.microsoft.com/office/drawing/2010/main" xmlns="">
                 <a:solidFill>
                   <a:srgbClr val="FFFFFF"/>
                 </a:solidFill>
@@ -10434,7 +10315,7 @@
     </p:spTree>
     <p:extLst>
       <p:ext uri="{BB962C8B-B14F-4D97-AF65-F5344CB8AC3E}">
-        <p14:creationId xmlns="" xmlns:p14="http://schemas.microsoft.com/office/powerpoint/2010/main" val="1003733918"/>
+        <p14:creationId xmlns:p14="http://schemas.microsoft.com/office/powerpoint/2010/main" xmlns="" val="1003733918"/>
       </p:ext>
     </p:extLst>
   </p:cSld>
